--- a/02. Presentations/PresentationGroup.pptx
+++ b/02. Presentations/PresentationGroup.pptx
@@ -13,7 +13,7 @@
   </p:handoutMasterIdLst>
   <p:sldIdLst>
     <p:sldId id="269" r:id="rId6"/>
-    <p:sldId id="271" r:id="rId7"/>
+    <p:sldId id="273" r:id="rId7"/>
     <p:sldId id="272" r:id="rId8"/>
   </p:sldIdLst>
   <p:sldSz cx="12192000" cy="6858000"/>
@@ -206,7 +206,7 @@
           <a:p>
             <a:fld id="{8F591CCF-F6FD-734B-854A-5BC033593B1E}" type="datetimeFigureOut">
               <a:rPr lang="nl-NL" smtClean="0"/>
-              <a:t>4-7-2023</a:t>
+              <a:t>10-7-2023</a:t>
             </a:fld>
             <a:endParaRPr lang="nl-NL"/>
           </a:p>
@@ -371,7 +371,7 @@
           <a:p>
             <a:fld id="{23C66214-DB21-4647-B5DA-0D17CA592867}" type="datetimeFigureOut">
               <a:rPr lang="nl-NL" smtClean="0"/>
-              <a:t>4-7-2023</a:t>
+              <a:t>10-7-2023</a:t>
             </a:fld>
             <a:endParaRPr lang="nl-NL"/>
           </a:p>
@@ -1362,7 +1362,7 @@
           <a:p>
             <a:fld id="{DEF7A732-A4AD-4522-B2BE-EB7057D7CF5F}" type="datetime1">
               <a:rPr lang="nl-BE" smtClean="0"/>
-              <a:t>4/07/2023</a:t>
+              <a:t>10/07/2023</a:t>
             </a:fld>
             <a:endParaRPr lang="nl-NL"/>
           </a:p>
@@ -1646,7 +1646,7 @@
           <a:p>
             <a:fld id="{786B981F-AC8F-4D0A-9D3D-054EDA1A26C8}" type="datetime1">
               <a:rPr lang="nl-BE" smtClean="0"/>
-              <a:t>4/07/2023</a:t>
+              <a:t>10/07/2023</a:t>
             </a:fld>
             <a:endParaRPr lang="nl-NL"/>
           </a:p>
@@ -1978,7 +1978,7 @@
           <a:p>
             <a:fld id="{774E5DA5-416E-40CD-977F-95B9AE6C400A}" type="datetime1">
               <a:rPr lang="nl-BE" smtClean="0"/>
-              <a:t>4/07/2023</a:t>
+              <a:t>10/07/2023</a:t>
             </a:fld>
             <a:endParaRPr lang="nl-NL"/>
           </a:p>
@@ -2299,7 +2299,7 @@
           <a:p>
             <a:fld id="{9AB00FA2-5D8E-4EFA-B553-8ED3D3357851}" type="datetime1">
               <a:rPr lang="nl-BE" smtClean="0"/>
-              <a:t>4/07/2023</a:t>
+              <a:t>10/07/2023</a:t>
             </a:fld>
             <a:endParaRPr lang="nl-NL" dirty="0"/>
           </a:p>
@@ -2621,7 +2621,7 @@
           <a:p>
             <a:fld id="{58F13653-D054-4682-85A4-34FDEC5F4E36}" type="datetime1">
               <a:rPr lang="nl-BE" smtClean="0"/>
-              <a:t>4/07/2023</a:t>
+              <a:t>10/07/2023</a:t>
             </a:fld>
             <a:endParaRPr lang="nl-NL" dirty="0"/>
           </a:p>
@@ -2764,7 +2764,7 @@
           <a:p>
             <a:fld id="{62E91AFE-9FCE-477A-9124-C4B80AEF48C7}" type="datetime1">
               <a:rPr lang="nl-BE" smtClean="0"/>
-              <a:t>4/07/2023</a:t>
+              <a:t>10/07/2023</a:t>
             </a:fld>
             <a:endParaRPr lang="nl-NL"/>
           </a:p>
@@ -3249,7 +3249,7 @@
           <a:p>
             <a:fld id="{1C033EDC-A3F7-4F7C-85EB-8F5252324348}" type="datetime1">
               <a:rPr lang="nl-BE" smtClean="0"/>
-              <a:t>4/07/2023</a:t>
+              <a:t>10/07/2023</a:t>
             </a:fld>
             <a:endParaRPr lang="nl-NL" dirty="0"/>
           </a:p>
@@ -3371,7 +3371,7 @@
           <a:p>
             <a:fld id="{6E56B198-CB76-44C8-8B8B-C32C5E4E9FF6}" type="datetime1">
               <a:rPr lang="nl-BE" smtClean="0"/>
-              <a:t>4/07/2023</a:t>
+              <a:t>10/07/2023</a:t>
             </a:fld>
             <a:endParaRPr lang="nl-NL"/>
           </a:p>
@@ -3493,7 +3493,7 @@
           <a:p>
             <a:fld id="{B0F646BC-7054-4704-BB7B-A94419D9C564}" type="datetime1">
               <a:rPr lang="nl-BE" smtClean="0"/>
-              <a:t>4/07/2023</a:t>
+              <a:t>10/07/2023</a:t>
             </a:fld>
             <a:endParaRPr lang="nl-NL"/>
           </a:p>
@@ -3676,7 +3676,7 @@
           <a:p>
             <a:fld id="{A40E7283-2893-48B2-890F-992993862CB2}" type="datetime1">
               <a:rPr lang="nl-BE" smtClean="0"/>
-              <a:t>4/07/2023</a:t>
+              <a:t>10/07/2023</a:t>
             </a:fld>
             <a:endParaRPr lang="nl-NL" dirty="0"/>
           </a:p>
@@ -3963,7 +3963,7 @@
           <a:p>
             <a:fld id="{B056CF81-9F3E-4E96-937E-A73BA19B8937}" type="datetime1">
               <a:rPr lang="nl-BE" smtClean="0"/>
-              <a:t>4/07/2023</a:t>
+              <a:t>10/07/2023</a:t>
             </a:fld>
             <a:endParaRPr lang="nl-NL" dirty="0"/>
           </a:p>
@@ -4606,7 +4606,7 @@
           <a:p>
             <a:fld id="{D0089BD7-EA0B-4494-9FFF-95E6CEB32087}" type="datetime1">
               <a:rPr lang="nl-BE" smtClean="0"/>
-              <a:t>4/07/2023</a:t>
+              <a:t>10/07/2023</a:t>
             </a:fld>
             <a:endParaRPr lang="nl-NL" dirty="0"/>
           </a:p>
@@ -5099,67 +5099,144 @@
         </p:nvSpPr>
         <p:spPr/>
         <p:txBody>
-          <a:bodyPr/>
+          <a:bodyPr>
+            <a:normAutofit fontScale="92500" lnSpcReduction="20000"/>
+          </a:bodyPr>
           <a:lstStyle/>
           <a:p>
             <a:r>
+              <a:rPr lang="en-US" dirty="0" smtClean="0">
+                <a:solidFill>
+                  <a:srgbClr val="FF0000"/>
+                </a:solidFill>
+              </a:rPr>
+              <a:t>Problem setting + motivation (2-3)</a:t>
+            </a:r>
+          </a:p>
+          <a:p>
+            <a:r>
               <a:rPr lang="en-US" dirty="0" smtClean="0"/>
-              <a:t>Architecture</a:t>
+              <a:t>Methodology</a:t>
             </a:r>
           </a:p>
           <a:p>
             <a:pPr lvl="1"/>
             <a:r>
+              <a:rPr lang="en-US" dirty="0" smtClean="0">
+                <a:solidFill>
+                  <a:srgbClr val="92D050"/>
+                </a:solidFill>
+              </a:rPr>
+              <a:t>Process overview (1)</a:t>
+            </a:r>
+          </a:p>
+          <a:p>
+            <a:pPr lvl="1"/>
+            <a:r>
+              <a:rPr lang="en-US" dirty="0" smtClean="0">
+                <a:solidFill>
+                  <a:srgbClr val="92D050"/>
+                </a:solidFill>
+              </a:rPr>
+              <a:t>Optimization problem (1)</a:t>
+            </a:r>
+          </a:p>
+          <a:p>
+            <a:pPr lvl="1"/>
+            <a:r>
+              <a:rPr lang="en-US" dirty="0" smtClean="0">
+                <a:solidFill>
+                  <a:srgbClr val="FF0000"/>
+                </a:solidFill>
+              </a:rPr>
+              <a:t>Neural network (2)</a:t>
+            </a:r>
+          </a:p>
+          <a:p>
+            <a:pPr lvl="1"/>
+            <a:r>
+              <a:rPr lang="en-US" dirty="0" smtClean="0">
+                <a:solidFill>
+                  <a:srgbClr val="92D050"/>
+                </a:solidFill>
+              </a:rPr>
+              <a:t>Line benefits (1)</a:t>
+            </a:r>
+          </a:p>
+          <a:p>
+            <a:pPr lvl="1"/>
+            <a:r>
+              <a:rPr lang="en-US" dirty="0" smtClean="0">
+                <a:solidFill>
+                  <a:srgbClr val="92D050"/>
+                </a:solidFill>
+              </a:rPr>
+              <a:t>Clustering process (1)</a:t>
+            </a:r>
+          </a:p>
+          <a:p>
+            <a:r>
               <a:rPr lang="en-US" dirty="0" smtClean="0"/>
-              <a:t>Number of layers </a:t>
-            </a:r>
-            <a:endParaRPr lang="en-US" dirty="0" smtClean="0"/>
+              <a:t>Results thus far</a:t>
+            </a:r>
           </a:p>
           <a:p>
             <a:pPr lvl="1"/>
             <a:r>
-              <a:rPr lang="en-US" dirty="0" smtClean="0"/>
-              <a:t>Dropout ratio</a:t>
-            </a:r>
-            <a:endParaRPr lang="en-US" dirty="0" smtClean="0"/>
-          </a:p>
-          <a:p>
-            <a:r>
-              <a:rPr lang="en-US" dirty="0" smtClean="0"/>
-              <a:t>Training process </a:t>
+              <a:rPr lang="en-US" dirty="0" smtClean="0">
+                <a:solidFill>
+                  <a:srgbClr val="FF0000"/>
+                </a:solidFill>
+              </a:rPr>
+              <a:t>Neural network output (6)</a:t>
             </a:r>
           </a:p>
           <a:p>
             <a:pPr lvl="1"/>
             <a:r>
-              <a:rPr lang="en-US" dirty="0" smtClean="0"/>
-              <a:t>Number of epochs</a:t>
-            </a:r>
-          </a:p>
-          <a:p>
-            <a:pPr lvl="1"/>
-            <a:r>
-              <a:rPr lang="en-US" dirty="0" smtClean="0"/>
-              <a:t>Learning </a:t>
-            </a:r>
-            <a:r>
-              <a:rPr lang="en-US" dirty="0" smtClean="0"/>
-              <a:t>rate</a:t>
-            </a:r>
-          </a:p>
-          <a:p>
-            <a:pPr lvl="1"/>
-            <a:r>
-              <a:rPr lang="en-US" dirty="0" smtClean="0"/>
-              <a:t>Minimum result validation set </a:t>
-            </a:r>
-          </a:p>
-          <a:p>
-            <a:endParaRPr lang="en-US" dirty="0" smtClean="0"/>
+              <a:rPr lang="en-US" dirty="0" smtClean="0">
+                <a:solidFill>
+                  <a:srgbClr val="92D050"/>
+                </a:solidFill>
+              </a:rPr>
+              <a:t>Line benefits  (2)</a:t>
+            </a:r>
           </a:p>
           <a:p>
             <a:pPr lvl="1"/>
             <a:endParaRPr lang="en-US" dirty="0" smtClean="0"/>
+          </a:p>
+          <a:p>
+            <a:r>
+              <a:rPr lang="en-US" dirty="0" smtClean="0">
+                <a:solidFill>
+                  <a:srgbClr val="92D050"/>
+                </a:solidFill>
+              </a:rPr>
+              <a:t>Future</a:t>
+            </a:r>
+            <a:r>
+              <a:rPr lang="en-US" dirty="0" smtClean="0"/>
+              <a:t> </a:t>
+            </a:r>
+            <a:r>
+              <a:rPr lang="en-US" dirty="0" smtClean="0">
+                <a:solidFill>
+                  <a:srgbClr val="FF0000"/>
+                </a:solidFill>
+              </a:rPr>
+              <a:t>tasks</a:t>
+            </a:r>
+            <a:r>
+              <a:rPr lang="en-US" dirty="0" smtClean="0"/>
+              <a:t> (1)</a:t>
+            </a:r>
+          </a:p>
+          <a:p>
+            <a:endParaRPr lang="en-US" dirty="0" smtClean="0"/>
+          </a:p>
+          <a:p>
+            <a:endParaRPr lang="en-US" dirty="0"/>
           </a:p>
         </p:txBody>
       </p:sp>
@@ -5226,7 +5303,7 @@
           <a:p>
             <a:r>
               <a:rPr lang="en-US" dirty="0" smtClean="0"/>
-              <a:t>Parameters considered</a:t>
+              <a:t>Overview</a:t>
             </a:r>
             <a:endParaRPr lang="en-US" dirty="0"/>
           </a:p>
@@ -5235,7 +5312,7 @@
     </p:spTree>
     <p:extLst>
       <p:ext uri="{BB962C8B-B14F-4D97-AF65-F5344CB8AC3E}">
-        <p14:creationId xmlns:p14="http://schemas.microsoft.com/office/powerpoint/2010/main" val="2280670844"/>
+        <p14:creationId xmlns:p14="http://schemas.microsoft.com/office/powerpoint/2010/main" val="1677907504"/>
       </p:ext>
     </p:extLst>
   </p:cSld>
@@ -6396,6 +6473,15 @@
 </file>
 
 <file path=customXml/item1.xml><?xml version="1.0" encoding="utf-8"?>
+<?mso-contentType ?>
+<FormTemplates xmlns="http://schemas.microsoft.com/sharepoint/v3/contenttype/forms">
+  <Display>DocumentLibraryForm</Display>
+  <Edit>DocumentLibraryForm</Edit>
+  <New>DocumentLibraryForm</New>
+</FormTemplates>
+</file>
+
+<file path=customXml/item2.xml><?xml version="1.0" encoding="utf-8"?>
 <ct:contentTypeSchema xmlns:ct="http://schemas.microsoft.com/office/2006/metadata/contentType" xmlns:ma="http://schemas.microsoft.com/office/2006/metadata/properties/metaAttributes" ct:_="" ma:_="" ma:contentTypeName="Document" ma:contentTypeID="0x010100AF89B70DD9C08446A8443DF534F7285E" ma:contentTypeVersion="13" ma:contentTypeDescription="Create a new document." ma:contentTypeScope="" ma:versionID="ecc4e1277db930f2a9760bc5b361f436">
   <xsd:schema xmlns:xsd="http://www.w3.org/2001/XMLSchema" xmlns:xs="http://www.w3.org/2001/XMLSchema" xmlns:p="http://schemas.microsoft.com/office/2006/metadata/properties" xmlns:ns3="fd689c1b-2561-4a46-ae04-6449f963ff76" xmlns:ns4="04677cab-20cd-44d8-974c-14c664890eaa" targetNamespace="http://schemas.microsoft.com/office/2006/metadata/properties" ma:root="true" ma:fieldsID="494f09148d3a63d1912cdfb9c603bec2" ns3:_="" ns4:_="">
     <xsd:import namespace="fd689c1b-2561-4a46-ae04-6449f963ff76"/>
@@ -6616,15 +6702,6 @@
 </ct:contentTypeSchema>
 </file>
 
-<file path=customXml/item2.xml><?xml version="1.0" encoding="utf-8"?>
-<?mso-contentType ?>
-<FormTemplates xmlns="http://schemas.microsoft.com/sharepoint/v3/contenttype/forms">
-  <Display>DocumentLibraryForm</Display>
-  <Edit>DocumentLibraryForm</Edit>
-  <New>DocumentLibraryForm</New>
-</FormTemplates>
-</file>
-
 <file path=customXml/item3.xml><?xml version="1.0" encoding="utf-8"?>
 <p:properties xmlns:p="http://schemas.microsoft.com/office/2006/metadata/properties" xmlns:xsi="http://www.w3.org/2001/XMLSchema-instance" xmlns:pc="http://schemas.microsoft.com/office/infopath/2007/PartnerControls">
   <documentManagement>
@@ -6634,6 +6711,14 @@
 </file>
 
 <file path=customXml/itemProps1.xml><?xml version="1.0" encoding="utf-8"?>
+<ds:datastoreItem xmlns:ds="http://schemas.openxmlformats.org/officeDocument/2006/customXml" ds:itemID="{754D1958-5725-488F-A4D5-DA9E8FDB5252}">
+  <ds:schemaRefs>
+    <ds:schemaRef ds:uri="http://schemas.microsoft.com/sharepoint/v3/contenttype/forms"/>
+  </ds:schemaRefs>
+</ds:datastoreItem>
+</file>
+
+<file path=customXml/itemProps2.xml><?xml version="1.0" encoding="utf-8"?>
 <ds:datastoreItem xmlns:ds="http://schemas.openxmlformats.org/officeDocument/2006/customXml" ds:itemID="{038AB51F-98E0-4779-8180-600DAF31B4BF}">
   <ds:schemaRefs>
     <ds:schemaRef ds:uri="http://schemas.microsoft.com/office/2006/metadata/contentType"/>
@@ -6652,27 +6737,19 @@
 </ds:datastoreItem>
 </file>
 
-<file path=customXml/itemProps2.xml><?xml version="1.0" encoding="utf-8"?>
-<ds:datastoreItem xmlns:ds="http://schemas.openxmlformats.org/officeDocument/2006/customXml" ds:itemID="{754D1958-5725-488F-A4D5-DA9E8FDB5252}">
-  <ds:schemaRefs>
-    <ds:schemaRef ds:uri="http://schemas.microsoft.com/sharepoint/v3/contenttype/forms"/>
-  </ds:schemaRefs>
-</ds:datastoreItem>
-</file>
-
 <file path=customXml/itemProps3.xml><?xml version="1.0" encoding="utf-8"?>
 <ds:datastoreItem xmlns:ds="http://schemas.openxmlformats.org/officeDocument/2006/customXml" ds:itemID="{6D3CDF3A-BF48-4B5B-B3E9-7B37F916BE05}">
   <ds:schemaRefs>
+    <ds:schemaRef ds:uri="http://purl.org/dc/dcmitype/"/>
+    <ds:schemaRef ds:uri="http://schemas.microsoft.com/office/infopath/2007/PartnerControls"/>
+    <ds:schemaRef ds:uri="http://purl.org/dc/elements/1.1/"/>
+    <ds:schemaRef ds:uri="http://schemas.microsoft.com/office/2006/metadata/properties"/>
+    <ds:schemaRef ds:uri="04677cab-20cd-44d8-974c-14c664890eaa"/>
+    <ds:schemaRef ds:uri="fd689c1b-2561-4a46-ae04-6449f963ff76"/>
+    <ds:schemaRef ds:uri="http://purl.org/dc/terms/"/>
     <ds:schemaRef ds:uri="http://schemas.microsoft.com/office/2006/documentManagement/types"/>
-    <ds:schemaRef ds:uri="04677cab-20cd-44d8-974c-14c664890eaa"/>
-    <ds:schemaRef ds:uri="http://purl.org/dc/elements/1.1/"/>
     <ds:schemaRef ds:uri="http://schemas.openxmlformats.org/package/2006/metadata/core-properties"/>
-    <ds:schemaRef ds:uri="http://schemas.microsoft.com/office/infopath/2007/PartnerControls"/>
-    <ds:schemaRef ds:uri="http://purl.org/dc/terms/"/>
-    <ds:schemaRef ds:uri="fd689c1b-2561-4a46-ae04-6449f963ff76"/>
-    <ds:schemaRef ds:uri="http://schemas.microsoft.com/office/2006/metadata/properties"/>
     <ds:schemaRef ds:uri="http://www.w3.org/XML/1998/namespace"/>
-    <ds:schemaRef ds:uri="http://purl.org/dc/dcmitype/"/>
   </ds:schemaRefs>
 </ds:datastoreItem>
 </file>
--- a/02. Presentations/PresentationGroup.pptx
+++ b/02. Presentations/PresentationGroup.pptx
@@ -6,17 +6,19 @@
     <p:sldMasterId id="2147483694" r:id="rId5"/>
   </p:sldMasterIdLst>
   <p:notesMasterIdLst>
-    <p:notesMasterId r:id="rId11"/>
+    <p:notesMasterId r:id="rId13"/>
   </p:notesMasterIdLst>
   <p:handoutMasterIdLst>
-    <p:handoutMasterId r:id="rId12"/>
+    <p:handoutMasterId r:id="rId14"/>
   </p:handoutMasterIdLst>
   <p:sldIdLst>
     <p:sldId id="269" r:id="rId6"/>
     <p:sldId id="273" r:id="rId7"/>
-    <p:sldId id="275" r:id="rId8"/>
-    <p:sldId id="276" r:id="rId9"/>
-    <p:sldId id="272" r:id="rId10"/>
+    <p:sldId id="277" r:id="rId8"/>
+    <p:sldId id="278" r:id="rId9"/>
+    <p:sldId id="275" r:id="rId10"/>
+    <p:sldId id="276" r:id="rId11"/>
+    <p:sldId id="272" r:id="rId12"/>
   </p:sldIdLst>
   <p:sldSz cx="12192000" cy="6858000"/>
   <p:notesSz cx="6858000" cy="9144000"/>
@@ -274,7 +276,7 @@
           <a:p>
             <a:fld id="{E152A6D4-CD3D-5148-8B70-A84796F20135}" type="slidenum">
               <a:rPr lang="nl-NL" smtClean="0"/>
-              <a:t>‹Nº›</a:t>
+              <a:t>‹#›</a:t>
             </a:fld>
             <a:endParaRPr lang="nl-NL"/>
           </a:p>
@@ -531,7 +533,7 @@
           <a:p>
             <a:fld id="{8954E32A-327F-AF4B-8E1F-209FBF93D26D}" type="slidenum">
               <a:rPr lang="nl-NL" smtClean="0"/>
-              <a:t>‹Nº›</a:t>
+              <a:t>‹#›</a:t>
             </a:fld>
             <a:endParaRPr lang="nl-NL"/>
           </a:p>
@@ -1407,7 +1409,7 @@
           <a:p>
             <a:fld id="{CF179DAE-D0A6-40C3-B8BC-6A97C268D03A}" type="slidenum">
               <a:rPr lang="nl-NL" smtClean="0"/>
-              <a:t>‹Nº›</a:t>
+              <a:t>‹#›</a:t>
             </a:fld>
             <a:endParaRPr lang="nl-NL"/>
           </a:p>
@@ -1690,7 +1692,7 @@
           <a:p>
             <a:fld id="{CF179DAE-D0A6-40C3-B8BC-6A97C268D03A}" type="slidenum">
               <a:rPr lang="nl-NL" smtClean="0"/>
-              <a:t>‹Nº›</a:t>
+              <a:t>‹#›</a:t>
             </a:fld>
             <a:endParaRPr lang="nl-NL"/>
           </a:p>
@@ -2020,7 +2022,7 @@
           <a:p>
             <a:fld id="{0A297500-7527-634B-90F4-69D0994C32B4}" type="slidenum">
               <a:rPr lang="nl-NL" smtClean="0"/>
-              <a:t>‹Nº›</a:t>
+              <a:t>‹#›</a:t>
             </a:fld>
             <a:endParaRPr lang="nl-NL"/>
           </a:p>
@@ -2339,7 +2341,7 @@
           <a:p>
             <a:fld id="{0A297500-7527-634B-90F4-69D0994C32B4}" type="slidenum">
               <a:rPr lang="nl-NL" smtClean="0"/>
-              <a:t>‹Nº›</a:t>
+              <a:t>‹#›</a:t>
             </a:fld>
             <a:endParaRPr lang="nl-NL"/>
           </a:p>
@@ -2660,7 +2662,7 @@
           <a:p>
             <a:fld id="{0A297500-7527-634B-90F4-69D0994C32B4}" type="slidenum">
               <a:rPr lang="nl-NL" smtClean="0"/>
-              <a:t>‹Nº›</a:t>
+              <a:t>‹#›</a:t>
             </a:fld>
             <a:endParaRPr lang="nl-NL"/>
           </a:p>
@@ -2802,7 +2804,7 @@
           <a:p>
             <a:fld id="{0A297500-7527-634B-90F4-69D0994C32B4}" type="slidenum">
               <a:rPr lang="nl-NL" smtClean="0"/>
-              <a:t>‹Nº›</a:t>
+              <a:t>‹#›</a:t>
             </a:fld>
             <a:endParaRPr lang="nl-NL"/>
           </a:p>
@@ -3286,7 +3288,7 @@
           <a:p>
             <a:fld id="{0A297500-7527-634B-90F4-69D0994C32B4}" type="slidenum">
               <a:rPr lang="nl-NL" smtClean="0"/>
-              <a:t>‹Nº›</a:t>
+              <a:t>‹#›</a:t>
             </a:fld>
             <a:endParaRPr lang="nl-NL"/>
           </a:p>
@@ -3407,7 +3409,7 @@
           <a:p>
             <a:fld id="{0A297500-7527-634B-90F4-69D0994C32B4}" type="slidenum">
               <a:rPr lang="nl-NL" smtClean="0"/>
-              <a:t>‹Nº›</a:t>
+              <a:t>‹#›</a:t>
             </a:fld>
             <a:endParaRPr lang="nl-NL"/>
           </a:p>
@@ -3528,7 +3530,7 @@
           <a:p>
             <a:fld id="{0A297500-7527-634B-90F4-69D0994C32B4}" type="slidenum">
               <a:rPr lang="nl-NL" smtClean="0"/>
-              <a:t>‹Nº›</a:t>
+              <a:t>‹#›</a:t>
             </a:fld>
             <a:endParaRPr lang="nl-NL"/>
           </a:p>
@@ -3710,7 +3712,7 @@
           <a:p>
             <a:fld id="{0A297500-7527-634B-90F4-69D0994C32B4}" type="slidenum">
               <a:rPr lang="nl-NL" smtClean="0"/>
-              <a:t>‹Nº›</a:t>
+              <a:t>‹#›</a:t>
             </a:fld>
             <a:endParaRPr lang="nl-NL"/>
           </a:p>
@@ -4030,7 +4032,7 @@
             <a:fld id="{0A297500-7527-634B-90F4-69D0994C32B4}" type="slidenum">
               <a:rPr lang="nl-NL" smtClean="0"/>
               <a:pPr/>
-              <a:t>‹Nº›</a:t>
+              <a:t>‹#›</a:t>
             </a:fld>
             <a:endParaRPr lang="nl-NL" dirty="0"/>
           </a:p>
@@ -4671,7 +4673,7 @@
             <a:fld id="{0A297500-7527-634B-90F4-69D0994C32B4}" type="slidenum">
               <a:rPr lang="nl-NL" smtClean="0"/>
               <a:pPr/>
-              <a:t>‹Nº›</a:t>
+              <a:t>‹#›</a:t>
             </a:fld>
             <a:endParaRPr lang="nl-NL" dirty="0"/>
           </a:p>
@@ -5322,6 +5324,1490 @@
       </p:grpSpPr>
       <p:sp>
         <p:nvSpPr>
+          <p:cNvPr id="3" name="Footer Placeholder 2"/>
+          <p:cNvSpPr>
+            <a:spLocks noGrp="1"/>
+          </p:cNvSpPr>
+          <p:nvPr>
+            <p:ph type="ftr" sz="quarter" idx="11"/>
+          </p:nvPr>
+        </p:nvSpPr>
+        <p:spPr/>
+        <p:txBody>
+          <a:bodyPr/>
+          <a:lstStyle/>
+          <a:p>
+            <a:r>
+              <a:rPr lang="nl-NL" smtClean="0"/>
+              <a:t>Ingenieurswetenschappen, Werktuigkunde, TME</a:t>
+            </a:r>
+            <a:endParaRPr lang="nl-NL"/>
+          </a:p>
+        </p:txBody>
+      </p:sp>
+      <p:sp>
+        <p:nvSpPr>
+          <p:cNvPr id="4" name="Slide Number Placeholder 3"/>
+          <p:cNvSpPr>
+            <a:spLocks noGrp="1"/>
+          </p:cNvSpPr>
+          <p:nvPr>
+            <p:ph type="sldNum" sz="quarter" idx="12"/>
+          </p:nvPr>
+        </p:nvSpPr>
+        <p:spPr/>
+        <p:txBody>
+          <a:bodyPr/>
+          <a:lstStyle/>
+          <a:p>
+            <a:fld id="{0A297500-7527-634B-90F4-69D0994C32B4}" type="slidenum">
+              <a:rPr lang="nl-NL" smtClean="0"/>
+              <a:t>3</a:t>
+            </a:fld>
+            <a:endParaRPr lang="nl-NL"/>
+          </a:p>
+        </p:txBody>
+      </p:sp>
+      <p:sp>
+        <p:nvSpPr>
+          <p:cNvPr id="5" name="Title 4"/>
+          <p:cNvSpPr>
+            <a:spLocks noGrp="1"/>
+          </p:cNvSpPr>
+          <p:nvPr>
+            <p:ph type="title"/>
+          </p:nvPr>
+        </p:nvSpPr>
+        <p:spPr/>
+        <p:txBody>
+          <a:bodyPr/>
+          <a:lstStyle/>
+          <a:p>
+            <a:r>
+              <a:rPr lang="en-US" dirty="0" smtClean="0"/>
+              <a:t>Problem setting</a:t>
+            </a:r>
+            <a:endParaRPr lang="en-US" dirty="0"/>
+          </a:p>
+        </p:txBody>
+      </p:sp>
+      <p:sp>
+        <p:nvSpPr>
+          <p:cNvPr id="7" name="TextBox 6">
+            <a:extLst>
+              <a:ext uri="{FF2B5EF4-FFF2-40B4-BE49-F238E27FC236}">
+                <a16:creationId xmlns:a16="http://schemas.microsoft.com/office/drawing/2014/main" id="{B3BA1466-7CC8-41DA-92ED-AABE114C2831}"/>
+              </a:ext>
+            </a:extLst>
+          </p:cNvPr>
+          <p:cNvSpPr txBox="1"/>
+          <p:nvPr/>
+        </p:nvSpPr>
+        <p:spPr>
+          <a:xfrm>
+            <a:off x="576000" y="1638915"/>
+            <a:ext cx="6648923" cy="4585871"/>
+          </a:xfrm>
+          <a:prstGeom prst="rect">
+            <a:avLst/>
+          </a:prstGeom>
+          <a:noFill/>
+        </p:spPr>
+        <p:txBody>
+          <a:bodyPr wrap="square" rtlCol="0">
+            <a:spAutoFit/>
+          </a:bodyPr>
+          <a:lstStyle/>
+          <a:p>
+            <a:r>
+              <a:rPr lang="nl-BE" sz="2000" b="1" dirty="0">
+                <a:latin typeface="Calibri" panose="020F0502020204030204" pitchFamily="34" charset="0"/>
+                <a:cs typeface="Calibri" panose="020F0502020204030204" pitchFamily="34" charset="0"/>
+              </a:rPr>
+              <a:t>Research </a:t>
+            </a:r>
+            <a:r>
+              <a:rPr lang="nl-BE" sz="2000" b="1" dirty="0" smtClean="0">
+                <a:latin typeface="Calibri" panose="020F0502020204030204" pitchFamily="34" charset="0"/>
+                <a:cs typeface="Calibri" panose="020F0502020204030204" pitchFamily="34" charset="0"/>
+              </a:rPr>
+              <a:t>background</a:t>
+            </a:r>
+            <a:endParaRPr lang="nl-BE" sz="2000" dirty="0" smtClean="0">
+              <a:latin typeface="Calibri" panose="020F0502020204030204" pitchFamily="34" charset="0"/>
+              <a:cs typeface="Calibri" panose="020F0502020204030204" pitchFamily="34" charset="0"/>
+            </a:endParaRPr>
+          </a:p>
+          <a:p>
+            <a:endParaRPr lang="nl-BE" sz="1600" dirty="0" smtClean="0">
+              <a:latin typeface="Calibri" panose="020F0502020204030204" pitchFamily="34" charset="0"/>
+              <a:cs typeface="Calibri" panose="020F0502020204030204" pitchFamily="34" charset="0"/>
+            </a:endParaRPr>
+          </a:p>
+          <a:p>
+            <a:pPr marL="285750" indent="-285750">
+              <a:buFont typeface="Arial" panose="020B0604020202020204" pitchFamily="34" charset="0"/>
+              <a:buChar char="•"/>
+            </a:pPr>
+            <a:r>
+              <a:rPr lang="nl-BE" sz="1600" dirty="0" smtClean="0">
+                <a:latin typeface="Calibri" panose="020F0502020204030204" pitchFamily="34" charset="0"/>
+                <a:cs typeface="Calibri" panose="020F0502020204030204" pitchFamily="34" charset="0"/>
+              </a:rPr>
+              <a:t>Transmission </a:t>
+            </a:r>
+            <a:r>
+              <a:rPr lang="nl-BE" sz="1600" dirty="0" err="1" smtClean="0">
+                <a:latin typeface="Calibri" panose="020F0502020204030204" pitchFamily="34" charset="0"/>
+                <a:cs typeface="Calibri" panose="020F0502020204030204" pitchFamily="34" charset="0"/>
+              </a:rPr>
+              <a:t>expansion</a:t>
+            </a:r>
+            <a:r>
+              <a:rPr lang="nl-BE" sz="1600" dirty="0" smtClean="0">
+                <a:latin typeface="Calibri" panose="020F0502020204030204" pitchFamily="34" charset="0"/>
+                <a:cs typeface="Calibri" panose="020F0502020204030204" pitchFamily="34" charset="0"/>
+              </a:rPr>
+              <a:t> planning (TEP) is </a:t>
+            </a:r>
+            <a:r>
+              <a:rPr lang="nl-BE" sz="1600" dirty="0" err="1" smtClean="0">
+                <a:latin typeface="Calibri" panose="020F0502020204030204" pitchFamily="34" charset="0"/>
+                <a:cs typeface="Calibri" panose="020F0502020204030204" pitchFamily="34" charset="0"/>
+              </a:rPr>
+              <a:t>based</a:t>
+            </a:r>
+            <a:r>
+              <a:rPr lang="nl-BE" sz="1600" dirty="0" smtClean="0">
+                <a:latin typeface="Calibri" panose="020F0502020204030204" pitchFamily="34" charset="0"/>
+                <a:cs typeface="Calibri" panose="020F0502020204030204" pitchFamily="34" charset="0"/>
+              </a:rPr>
+              <a:t> on </a:t>
+            </a:r>
+            <a:r>
+              <a:rPr lang="nl-BE" sz="1600" dirty="0" err="1" smtClean="0">
+                <a:latin typeface="Calibri" panose="020F0502020204030204" pitchFamily="34" charset="0"/>
+                <a:cs typeface="Calibri" panose="020F0502020204030204" pitchFamily="34" charset="0"/>
+              </a:rPr>
+              <a:t>calculating</a:t>
+            </a:r>
+            <a:r>
+              <a:rPr lang="nl-BE" sz="1600" dirty="0" smtClean="0">
+                <a:latin typeface="Calibri" panose="020F0502020204030204" pitchFamily="34" charset="0"/>
+                <a:cs typeface="Calibri" panose="020F0502020204030204" pitchFamily="34" charset="0"/>
+              </a:rPr>
+              <a:t> </a:t>
+            </a:r>
+            <a:r>
+              <a:rPr lang="nl-BE" sz="1600" dirty="0" err="1" smtClean="0">
+                <a:latin typeface="Calibri" panose="020F0502020204030204" pitchFamily="34" charset="0"/>
+                <a:cs typeface="Calibri" panose="020F0502020204030204" pitchFamily="34" charset="0"/>
+              </a:rPr>
+              <a:t>Optimal</a:t>
+            </a:r>
+            <a:r>
+              <a:rPr lang="nl-BE" sz="1600" dirty="0" smtClean="0">
+                <a:latin typeface="Calibri" panose="020F0502020204030204" pitchFamily="34" charset="0"/>
+                <a:cs typeface="Calibri" panose="020F0502020204030204" pitchFamily="34" charset="0"/>
+              </a:rPr>
+              <a:t> Power Flow (OPF)</a:t>
+            </a:r>
+          </a:p>
+          <a:p>
+            <a:pPr marL="285750" indent="-285750">
+              <a:buFont typeface="Arial" panose="020B0604020202020204" pitchFamily="34" charset="0"/>
+              <a:buChar char="•"/>
+            </a:pPr>
+            <a:r>
+              <a:rPr lang="nl-BE" sz="1600" dirty="0" smtClean="0">
+                <a:latin typeface="Calibri" panose="020F0502020204030204" pitchFamily="34" charset="0"/>
+                <a:cs typeface="Calibri" panose="020F0502020204030204" pitchFamily="34" charset="0"/>
+              </a:rPr>
+              <a:t>OPF </a:t>
+            </a:r>
+            <a:r>
+              <a:rPr lang="nl-BE" sz="1600" dirty="0" err="1" smtClean="0">
+                <a:latin typeface="Calibri" panose="020F0502020204030204" pitchFamily="34" charset="0"/>
+                <a:cs typeface="Calibri" panose="020F0502020204030204" pitchFamily="34" charset="0"/>
+              </a:rPr>
+              <a:t>problem</a:t>
+            </a:r>
+            <a:r>
+              <a:rPr lang="nl-BE" sz="1600" dirty="0" smtClean="0">
+                <a:latin typeface="Calibri" panose="020F0502020204030204" pitchFamily="34" charset="0"/>
+                <a:cs typeface="Calibri" panose="020F0502020204030204" pitchFamily="34" charset="0"/>
+              </a:rPr>
+              <a:t> is </a:t>
+            </a:r>
+            <a:r>
+              <a:rPr lang="nl-BE" sz="1600" dirty="0" err="1" smtClean="0">
+                <a:latin typeface="Calibri" panose="020F0502020204030204" pitchFamily="34" charset="0"/>
+                <a:cs typeface="Calibri" panose="020F0502020204030204" pitchFamily="34" charset="0"/>
+              </a:rPr>
+              <a:t>computationally</a:t>
+            </a:r>
+            <a:r>
+              <a:rPr lang="nl-BE" sz="1600" dirty="0" smtClean="0">
+                <a:latin typeface="Calibri" panose="020F0502020204030204" pitchFamily="34" charset="0"/>
+                <a:cs typeface="Calibri" panose="020F0502020204030204" pitchFamily="34" charset="0"/>
+              </a:rPr>
+              <a:t> heavy, </a:t>
+            </a:r>
+            <a:r>
+              <a:rPr lang="nl-BE" sz="1600" dirty="0" err="1" smtClean="0">
+                <a:latin typeface="Calibri" panose="020F0502020204030204" pitchFamily="34" charset="0"/>
+                <a:cs typeface="Calibri" panose="020F0502020204030204" pitchFamily="34" charset="0"/>
+              </a:rPr>
+              <a:t>especially</a:t>
+            </a:r>
+            <a:r>
+              <a:rPr lang="nl-BE" sz="1600" dirty="0" smtClean="0">
+                <a:latin typeface="Calibri" panose="020F0502020204030204" pitchFamily="34" charset="0"/>
+                <a:cs typeface="Calibri" panose="020F0502020204030204" pitchFamily="34" charset="0"/>
+              </a:rPr>
+              <a:t> AC </a:t>
+            </a:r>
+            <a:r>
+              <a:rPr lang="nl-BE" sz="1600" dirty="0" err="1" smtClean="0">
+                <a:latin typeface="Calibri" panose="020F0502020204030204" pitchFamily="34" charset="0"/>
+                <a:cs typeface="Calibri" panose="020F0502020204030204" pitchFamily="34" charset="0"/>
+              </a:rPr>
+              <a:t>formulations</a:t>
+            </a:r>
+            <a:endParaRPr lang="nl-BE" sz="1600" dirty="0" smtClean="0">
+              <a:latin typeface="Calibri" panose="020F0502020204030204" pitchFamily="34" charset="0"/>
+              <a:cs typeface="Calibri" panose="020F0502020204030204" pitchFamily="34" charset="0"/>
+            </a:endParaRPr>
+          </a:p>
+          <a:p>
+            <a:pPr marL="285750" indent="-285750">
+              <a:buFont typeface="Wingdings" panose="05000000000000000000" pitchFamily="2" charset="2"/>
+              <a:buChar char="à"/>
+            </a:pPr>
+            <a:r>
+              <a:rPr lang="nl-BE" sz="1600" dirty="0" err="1" smtClean="0">
+                <a:latin typeface="Calibri" panose="020F0502020204030204" pitchFamily="34" charset="0"/>
+                <a:cs typeface="Calibri" panose="020F0502020204030204" pitchFamily="34" charset="0"/>
+                <a:sym typeface="Wingdings" panose="05000000000000000000" pitchFamily="2" charset="2"/>
+              </a:rPr>
+              <a:t>Temporal</a:t>
+            </a:r>
+            <a:r>
+              <a:rPr lang="nl-BE" sz="1600" dirty="0" smtClean="0">
+                <a:latin typeface="Calibri" panose="020F0502020204030204" pitchFamily="34" charset="0"/>
+                <a:cs typeface="Calibri" panose="020F0502020204030204" pitchFamily="34" charset="0"/>
+                <a:sym typeface="Wingdings" panose="05000000000000000000" pitchFamily="2" charset="2"/>
+              </a:rPr>
+              <a:t> </a:t>
+            </a:r>
+            <a:r>
+              <a:rPr lang="nl-BE" sz="1600" dirty="0" err="1" smtClean="0">
+                <a:latin typeface="Calibri" panose="020F0502020204030204" pitchFamily="34" charset="0"/>
+                <a:cs typeface="Calibri" panose="020F0502020204030204" pitchFamily="34" charset="0"/>
+                <a:sym typeface="Wingdings" panose="05000000000000000000" pitchFamily="2" charset="2"/>
+              </a:rPr>
+              <a:t>aggregation</a:t>
+            </a:r>
+            <a:r>
+              <a:rPr lang="nl-BE" sz="1600" dirty="0" smtClean="0">
+                <a:latin typeface="Calibri" panose="020F0502020204030204" pitchFamily="34" charset="0"/>
+                <a:cs typeface="Calibri" panose="020F0502020204030204" pitchFamily="34" charset="0"/>
+                <a:sym typeface="Wingdings" panose="05000000000000000000" pitchFamily="2" charset="2"/>
+              </a:rPr>
+              <a:t> </a:t>
+            </a:r>
+            <a:r>
+              <a:rPr lang="nl-BE" sz="1600" dirty="0" err="1" smtClean="0">
+                <a:latin typeface="Calibri" panose="020F0502020204030204" pitchFamily="34" charset="0"/>
+                <a:cs typeface="Calibri" panose="020F0502020204030204" pitchFamily="34" charset="0"/>
+                <a:sym typeface="Wingdings" panose="05000000000000000000" pitchFamily="2" charset="2"/>
+              </a:rPr>
+              <a:t>for</a:t>
+            </a:r>
+            <a:r>
+              <a:rPr lang="nl-BE" sz="1600" dirty="0" smtClean="0">
+                <a:latin typeface="Calibri" panose="020F0502020204030204" pitchFamily="34" charset="0"/>
+                <a:cs typeface="Calibri" panose="020F0502020204030204" pitchFamily="34" charset="0"/>
+                <a:sym typeface="Wingdings" panose="05000000000000000000" pitchFamily="2" charset="2"/>
+              </a:rPr>
+              <a:t> </a:t>
+            </a:r>
+            <a:r>
+              <a:rPr lang="nl-BE" sz="1600" dirty="0" err="1" smtClean="0">
+                <a:latin typeface="Calibri" panose="020F0502020204030204" pitchFamily="34" charset="0"/>
+                <a:cs typeface="Calibri" panose="020F0502020204030204" pitchFamily="34" charset="0"/>
+                <a:sym typeface="Wingdings" panose="05000000000000000000" pitchFamily="2" charset="2"/>
+              </a:rPr>
+              <a:t>problem</a:t>
+            </a:r>
+            <a:r>
+              <a:rPr lang="nl-BE" sz="1600" dirty="0" smtClean="0">
+                <a:latin typeface="Calibri" panose="020F0502020204030204" pitchFamily="34" charset="0"/>
+                <a:cs typeface="Calibri" panose="020F0502020204030204" pitchFamily="34" charset="0"/>
+                <a:sym typeface="Wingdings" panose="05000000000000000000" pitchFamily="2" charset="2"/>
+              </a:rPr>
+              <a:t> </a:t>
+            </a:r>
+            <a:r>
+              <a:rPr lang="nl-BE" sz="1600" dirty="0" err="1" smtClean="0">
+                <a:latin typeface="Calibri" panose="020F0502020204030204" pitchFamily="34" charset="0"/>
+                <a:cs typeface="Calibri" panose="020F0502020204030204" pitchFamily="34" charset="0"/>
+                <a:sym typeface="Wingdings" panose="05000000000000000000" pitchFamily="2" charset="2"/>
+              </a:rPr>
+              <a:t>size</a:t>
+            </a:r>
+            <a:r>
+              <a:rPr lang="nl-BE" sz="1600" dirty="0" smtClean="0">
+                <a:latin typeface="Calibri" panose="020F0502020204030204" pitchFamily="34" charset="0"/>
+                <a:cs typeface="Calibri" panose="020F0502020204030204" pitchFamily="34" charset="0"/>
+                <a:sym typeface="Wingdings" panose="05000000000000000000" pitchFamily="2" charset="2"/>
+              </a:rPr>
+              <a:t> </a:t>
+            </a:r>
+            <a:r>
+              <a:rPr lang="nl-BE" sz="1600" dirty="0" err="1" smtClean="0">
+                <a:latin typeface="Calibri" panose="020F0502020204030204" pitchFamily="34" charset="0"/>
+                <a:cs typeface="Calibri" panose="020F0502020204030204" pitchFamily="34" charset="0"/>
+                <a:sym typeface="Wingdings" panose="05000000000000000000" pitchFamily="2" charset="2"/>
+              </a:rPr>
+              <a:t>reduction</a:t>
+            </a:r>
+            <a:r>
+              <a:rPr lang="nl-BE" sz="1600" dirty="0" smtClean="0">
+                <a:latin typeface="Calibri" panose="020F0502020204030204" pitchFamily="34" charset="0"/>
+                <a:cs typeface="Calibri" panose="020F0502020204030204" pitchFamily="34" charset="0"/>
+                <a:sym typeface="Wingdings" panose="05000000000000000000" pitchFamily="2" charset="2"/>
+              </a:rPr>
+              <a:t> </a:t>
+            </a:r>
+          </a:p>
+          <a:p>
+            <a:pPr marL="285750" indent="-285750">
+              <a:buFont typeface="Wingdings" panose="05000000000000000000" pitchFamily="2" charset="2"/>
+              <a:buChar char="à"/>
+            </a:pPr>
+            <a:r>
+              <a:rPr lang="nl-BE" sz="1600" dirty="0" smtClean="0">
+                <a:latin typeface="Calibri" panose="020F0502020204030204" pitchFamily="34" charset="0"/>
+                <a:cs typeface="Calibri" panose="020F0502020204030204" pitchFamily="34" charset="0"/>
+                <a:sym typeface="Wingdings" panose="05000000000000000000" pitchFamily="2" charset="2"/>
+              </a:rPr>
+              <a:t>Clustering </a:t>
+            </a:r>
+            <a:r>
+              <a:rPr lang="nl-BE" sz="1600" dirty="0" err="1" smtClean="0">
+                <a:latin typeface="Calibri" panose="020F0502020204030204" pitchFamily="34" charset="0"/>
+                <a:cs typeface="Calibri" panose="020F0502020204030204" pitchFamily="34" charset="0"/>
+                <a:sym typeface="Wingdings" panose="05000000000000000000" pitchFamily="2" charset="2"/>
+              </a:rPr>
+              <a:t>for</a:t>
+            </a:r>
+            <a:r>
+              <a:rPr lang="nl-BE" sz="1600" dirty="0" smtClean="0">
+                <a:latin typeface="Calibri" panose="020F0502020204030204" pitchFamily="34" charset="0"/>
+                <a:cs typeface="Calibri" panose="020F0502020204030204" pitchFamily="34" charset="0"/>
+                <a:sym typeface="Wingdings" panose="05000000000000000000" pitchFamily="2" charset="2"/>
+              </a:rPr>
+              <a:t> </a:t>
+            </a:r>
+            <a:r>
+              <a:rPr lang="nl-BE" sz="1600" dirty="0" err="1" smtClean="0">
+                <a:latin typeface="Calibri" panose="020F0502020204030204" pitchFamily="34" charset="0"/>
+                <a:cs typeface="Calibri" panose="020F0502020204030204" pitchFamily="34" charset="0"/>
+                <a:sym typeface="Wingdings" panose="05000000000000000000" pitchFamily="2" charset="2"/>
+              </a:rPr>
+              <a:t>representative</a:t>
+            </a:r>
+            <a:r>
+              <a:rPr lang="nl-BE" sz="1600" dirty="0" smtClean="0">
+                <a:latin typeface="Calibri" panose="020F0502020204030204" pitchFamily="34" charset="0"/>
+                <a:cs typeface="Calibri" panose="020F0502020204030204" pitchFamily="34" charset="0"/>
+                <a:sym typeface="Wingdings" panose="05000000000000000000" pitchFamily="2" charset="2"/>
+              </a:rPr>
+              <a:t> </a:t>
+            </a:r>
+            <a:r>
+              <a:rPr lang="nl-BE" sz="1600" dirty="0" err="1" smtClean="0">
+                <a:latin typeface="Calibri" panose="020F0502020204030204" pitchFamily="34" charset="0"/>
+                <a:cs typeface="Calibri" panose="020F0502020204030204" pitchFamily="34" charset="0"/>
+                <a:sym typeface="Wingdings" panose="05000000000000000000" pitchFamily="2" charset="2"/>
+              </a:rPr>
+              <a:t>periods</a:t>
+            </a:r>
+            <a:r>
+              <a:rPr lang="nl-BE" sz="1600" dirty="0" smtClean="0">
+                <a:latin typeface="Calibri" panose="020F0502020204030204" pitchFamily="34" charset="0"/>
+                <a:cs typeface="Calibri" panose="020F0502020204030204" pitchFamily="34" charset="0"/>
+                <a:sym typeface="Wingdings" panose="05000000000000000000" pitchFamily="2" charset="2"/>
+              </a:rPr>
+              <a:t> </a:t>
+            </a:r>
+          </a:p>
+          <a:p>
+            <a:pPr marL="285750" indent="-285750">
+              <a:buFont typeface="Wingdings" panose="05000000000000000000" pitchFamily="2" charset="2"/>
+              <a:buChar char="à"/>
+            </a:pPr>
+            <a:endParaRPr lang="nl-BE" sz="1600" dirty="0">
+              <a:latin typeface="Calibri" panose="020F0502020204030204" pitchFamily="34" charset="0"/>
+              <a:cs typeface="Calibri" panose="020F0502020204030204" pitchFamily="34" charset="0"/>
+              <a:sym typeface="Wingdings" panose="05000000000000000000" pitchFamily="2" charset="2"/>
+            </a:endParaRPr>
+          </a:p>
+          <a:p>
+            <a:pPr marL="285750" indent="-285750">
+              <a:buFont typeface="Arial" panose="020B0604020202020204" pitchFamily="34" charset="0"/>
+              <a:buChar char="•"/>
+            </a:pPr>
+            <a:r>
+              <a:rPr lang="nl-BE" sz="1600" dirty="0" smtClean="0">
+                <a:latin typeface="Calibri" panose="020F0502020204030204" pitchFamily="34" charset="0"/>
+                <a:cs typeface="Calibri" panose="020F0502020204030204" pitchFamily="34" charset="0"/>
+                <a:sym typeface="Wingdings" panose="05000000000000000000" pitchFamily="2" charset="2"/>
+              </a:rPr>
+              <a:t>How </a:t>
+            </a:r>
+            <a:r>
+              <a:rPr lang="nl-BE" sz="1600" dirty="0" err="1" smtClean="0">
+                <a:latin typeface="Calibri" panose="020F0502020204030204" pitchFamily="34" charset="0"/>
+                <a:cs typeface="Calibri" panose="020F0502020204030204" pitchFamily="34" charset="0"/>
+                <a:sym typeface="Wingdings" panose="05000000000000000000" pitchFamily="2" charset="2"/>
+              </a:rPr>
+              <a:t>to</a:t>
+            </a:r>
+            <a:r>
+              <a:rPr lang="nl-BE" sz="1600" dirty="0" smtClean="0">
+                <a:latin typeface="Calibri" panose="020F0502020204030204" pitchFamily="34" charset="0"/>
+                <a:cs typeface="Calibri" panose="020F0502020204030204" pitchFamily="34" charset="0"/>
+                <a:sym typeface="Wingdings" panose="05000000000000000000" pitchFamily="2" charset="2"/>
+              </a:rPr>
+              <a:t> </a:t>
+            </a:r>
+            <a:r>
+              <a:rPr lang="nl-BE" sz="1600" dirty="0" err="1" smtClean="0">
+                <a:latin typeface="Calibri" panose="020F0502020204030204" pitchFamily="34" charset="0"/>
+                <a:cs typeface="Calibri" panose="020F0502020204030204" pitchFamily="34" charset="0"/>
+                <a:sym typeface="Wingdings" panose="05000000000000000000" pitchFamily="2" charset="2"/>
+              </a:rPr>
+              <a:t>find</a:t>
+            </a:r>
+            <a:r>
+              <a:rPr lang="nl-BE" sz="1600" dirty="0" smtClean="0">
+                <a:latin typeface="Calibri" panose="020F0502020204030204" pitchFamily="34" charset="0"/>
+                <a:cs typeface="Calibri" panose="020F0502020204030204" pitchFamily="34" charset="0"/>
+                <a:sym typeface="Wingdings" panose="05000000000000000000" pitchFamily="2" charset="2"/>
+              </a:rPr>
+              <a:t> </a:t>
+            </a:r>
+            <a:r>
+              <a:rPr lang="nl-BE" sz="1600" dirty="0" err="1" smtClean="0">
+                <a:latin typeface="Calibri" panose="020F0502020204030204" pitchFamily="34" charset="0"/>
+                <a:cs typeface="Calibri" panose="020F0502020204030204" pitchFamily="34" charset="0"/>
+                <a:sym typeface="Wingdings" panose="05000000000000000000" pitchFamily="2" charset="2"/>
+              </a:rPr>
+              <a:t>representative</a:t>
+            </a:r>
+            <a:r>
+              <a:rPr lang="nl-BE" sz="1600" dirty="0" smtClean="0">
+                <a:latin typeface="Calibri" panose="020F0502020204030204" pitchFamily="34" charset="0"/>
+                <a:cs typeface="Calibri" panose="020F0502020204030204" pitchFamily="34" charset="0"/>
+                <a:sym typeface="Wingdings" panose="05000000000000000000" pitchFamily="2" charset="2"/>
+              </a:rPr>
+              <a:t> </a:t>
+            </a:r>
+            <a:r>
+              <a:rPr lang="nl-BE" sz="1600" dirty="0" err="1" smtClean="0">
+                <a:latin typeface="Calibri" panose="020F0502020204030204" pitchFamily="34" charset="0"/>
+                <a:cs typeface="Calibri" panose="020F0502020204030204" pitchFamily="34" charset="0"/>
+                <a:sym typeface="Wingdings" panose="05000000000000000000" pitchFamily="2" charset="2"/>
+              </a:rPr>
+              <a:t>days</a:t>
+            </a:r>
+            <a:r>
+              <a:rPr lang="nl-BE" sz="1600" dirty="0" smtClean="0">
+                <a:latin typeface="Calibri" panose="020F0502020204030204" pitchFamily="34" charset="0"/>
+                <a:cs typeface="Calibri" panose="020F0502020204030204" pitchFamily="34" charset="0"/>
+                <a:sym typeface="Wingdings" panose="05000000000000000000" pitchFamily="2" charset="2"/>
+              </a:rPr>
+              <a:t> </a:t>
+            </a:r>
+            <a:r>
+              <a:rPr lang="nl-BE" sz="1600" dirty="0" err="1" smtClean="0">
+                <a:latin typeface="Calibri" panose="020F0502020204030204" pitchFamily="34" charset="0"/>
+                <a:cs typeface="Calibri" panose="020F0502020204030204" pitchFamily="34" charset="0"/>
+                <a:sym typeface="Wingdings" panose="05000000000000000000" pitchFamily="2" charset="2"/>
+              </a:rPr>
+              <a:t>for</a:t>
+            </a:r>
+            <a:r>
+              <a:rPr lang="nl-BE" sz="1600" dirty="0" smtClean="0">
+                <a:latin typeface="Calibri" panose="020F0502020204030204" pitchFamily="34" charset="0"/>
+                <a:cs typeface="Calibri" panose="020F0502020204030204" pitchFamily="34" charset="0"/>
+                <a:sym typeface="Wingdings" panose="05000000000000000000" pitchFamily="2" charset="2"/>
+              </a:rPr>
+              <a:t> a </a:t>
+            </a:r>
+            <a:r>
+              <a:rPr lang="nl-BE" sz="1600" dirty="0" err="1" smtClean="0">
+                <a:latin typeface="Calibri" panose="020F0502020204030204" pitchFamily="34" charset="0"/>
+                <a:cs typeface="Calibri" panose="020F0502020204030204" pitchFamily="34" charset="0"/>
+                <a:sym typeface="Wingdings" panose="05000000000000000000" pitchFamily="2" charset="2"/>
+              </a:rPr>
+              <a:t>spatially</a:t>
+            </a:r>
+            <a:r>
+              <a:rPr lang="nl-BE" sz="1600" dirty="0" smtClean="0">
+                <a:latin typeface="Calibri" panose="020F0502020204030204" pitchFamily="34" charset="0"/>
+                <a:cs typeface="Calibri" panose="020F0502020204030204" pitchFamily="34" charset="0"/>
+                <a:sym typeface="Wingdings" panose="05000000000000000000" pitchFamily="2" charset="2"/>
+              </a:rPr>
+              <a:t> </a:t>
+            </a:r>
+            <a:r>
+              <a:rPr lang="nl-BE" sz="1600" dirty="0" err="1" smtClean="0">
+                <a:latin typeface="Calibri" panose="020F0502020204030204" pitchFamily="34" charset="0"/>
+                <a:cs typeface="Calibri" panose="020F0502020204030204" pitchFamily="34" charset="0"/>
+                <a:sym typeface="Wingdings" panose="05000000000000000000" pitchFamily="2" charset="2"/>
+              </a:rPr>
+              <a:t>resolved</a:t>
+            </a:r>
+            <a:r>
+              <a:rPr lang="nl-BE" sz="1600" dirty="0" smtClean="0">
+                <a:latin typeface="Calibri" panose="020F0502020204030204" pitchFamily="34" charset="0"/>
+                <a:cs typeface="Calibri" panose="020F0502020204030204" pitchFamily="34" charset="0"/>
+                <a:sym typeface="Wingdings" panose="05000000000000000000" pitchFamily="2" charset="2"/>
+              </a:rPr>
+              <a:t> system? </a:t>
+            </a:r>
+          </a:p>
+          <a:p>
+            <a:pPr marL="285750" indent="-285750">
+              <a:buFont typeface="Wingdings" panose="05000000000000000000" pitchFamily="2" charset="2"/>
+              <a:buChar char="à"/>
+            </a:pPr>
+            <a:r>
+              <a:rPr lang="nl-BE" sz="1600" b="1" dirty="0" smtClean="0">
+                <a:latin typeface="Calibri" panose="020F0502020204030204" pitchFamily="34" charset="0"/>
+                <a:cs typeface="Calibri" panose="020F0502020204030204" pitchFamily="34" charset="0"/>
+                <a:sym typeface="Wingdings" panose="05000000000000000000" pitchFamily="2" charset="2"/>
+              </a:rPr>
+              <a:t>Ex-post clustering</a:t>
+            </a:r>
+          </a:p>
+          <a:p>
+            <a:pPr marL="285750" indent="-285750">
+              <a:buFont typeface="Arial" panose="020B0604020202020204" pitchFamily="34" charset="0"/>
+              <a:buChar char="•"/>
+            </a:pPr>
+            <a:r>
+              <a:rPr lang="nl-BE" sz="1600" dirty="0" err="1">
+                <a:latin typeface="Calibri" panose="020F0502020204030204" pitchFamily="34" charset="0"/>
+                <a:cs typeface="Calibri" panose="020F0502020204030204" pitchFamily="34" charset="0"/>
+              </a:rPr>
+              <a:t>Multitude</a:t>
+            </a:r>
+            <a:r>
+              <a:rPr lang="nl-BE" sz="1600" dirty="0">
+                <a:latin typeface="Calibri" panose="020F0502020204030204" pitchFamily="34" charset="0"/>
+                <a:cs typeface="Calibri" panose="020F0502020204030204" pitchFamily="34" charset="0"/>
+              </a:rPr>
+              <a:t> of </a:t>
+            </a:r>
+            <a:r>
+              <a:rPr lang="nl-BE" sz="1600" dirty="0" err="1">
+                <a:latin typeface="Calibri" panose="020F0502020204030204" pitchFamily="34" charset="0"/>
+                <a:cs typeface="Calibri" panose="020F0502020204030204" pitchFamily="34" charset="0"/>
+              </a:rPr>
+              <a:t>OPFs</a:t>
+            </a:r>
+            <a:r>
+              <a:rPr lang="nl-BE" sz="1600" dirty="0">
+                <a:latin typeface="Calibri" panose="020F0502020204030204" pitchFamily="34" charset="0"/>
+                <a:cs typeface="Calibri" panose="020F0502020204030204" pitchFamily="34" charset="0"/>
+              </a:rPr>
+              <a:t> have </a:t>
+            </a:r>
+            <a:r>
+              <a:rPr lang="nl-BE" sz="1600" dirty="0" err="1">
+                <a:latin typeface="Calibri" panose="020F0502020204030204" pitchFamily="34" charset="0"/>
+                <a:cs typeface="Calibri" panose="020F0502020204030204" pitchFamily="34" charset="0"/>
+              </a:rPr>
+              <a:t>to</a:t>
+            </a:r>
+            <a:r>
+              <a:rPr lang="nl-BE" sz="1600" dirty="0">
+                <a:latin typeface="Calibri" panose="020F0502020204030204" pitchFamily="34" charset="0"/>
+                <a:cs typeface="Calibri" panose="020F0502020204030204" pitchFamily="34" charset="0"/>
+              </a:rPr>
+              <a:t> </a:t>
+            </a:r>
+            <a:r>
+              <a:rPr lang="nl-BE" sz="1600" dirty="0" err="1">
+                <a:latin typeface="Calibri" panose="020F0502020204030204" pitchFamily="34" charset="0"/>
+                <a:cs typeface="Calibri" panose="020F0502020204030204" pitchFamily="34" charset="0"/>
+              </a:rPr>
+              <a:t>be</a:t>
+            </a:r>
+            <a:r>
+              <a:rPr lang="nl-BE" sz="1600" dirty="0">
+                <a:latin typeface="Calibri" panose="020F0502020204030204" pitchFamily="34" charset="0"/>
+                <a:cs typeface="Calibri" panose="020F0502020204030204" pitchFamily="34" charset="0"/>
+              </a:rPr>
+              <a:t> </a:t>
+            </a:r>
+            <a:r>
+              <a:rPr lang="nl-BE" sz="1600" dirty="0" err="1">
+                <a:latin typeface="Calibri" panose="020F0502020204030204" pitchFamily="34" charset="0"/>
+                <a:cs typeface="Calibri" panose="020F0502020204030204" pitchFamily="34" charset="0"/>
+              </a:rPr>
+              <a:t>solved</a:t>
+            </a:r>
+            <a:r>
+              <a:rPr lang="nl-BE" sz="1600" dirty="0">
+                <a:latin typeface="Calibri" panose="020F0502020204030204" pitchFamily="34" charset="0"/>
+                <a:cs typeface="Calibri" panose="020F0502020204030204" pitchFamily="34" charset="0"/>
+              </a:rPr>
+              <a:t> </a:t>
+            </a:r>
+            <a:r>
+              <a:rPr lang="nl-BE" sz="1600" dirty="0" err="1">
+                <a:latin typeface="Calibri" panose="020F0502020204030204" pitchFamily="34" charset="0"/>
+                <a:cs typeface="Calibri" panose="020F0502020204030204" pitchFamily="34" charset="0"/>
+              </a:rPr>
+              <a:t>for</a:t>
+            </a:r>
+            <a:r>
+              <a:rPr lang="nl-BE" sz="1600" dirty="0">
+                <a:latin typeface="Calibri" panose="020F0502020204030204" pitchFamily="34" charset="0"/>
+                <a:cs typeface="Calibri" panose="020F0502020204030204" pitchFamily="34" charset="0"/>
+              </a:rPr>
+              <a:t> Transmission Expansion Planning </a:t>
+            </a:r>
+          </a:p>
+          <a:p>
+            <a:pPr marL="742950" lvl="1" indent="-285750">
+              <a:buFont typeface="Arial" panose="020B0604020202020204" pitchFamily="34" charset="0"/>
+              <a:buChar char="•"/>
+            </a:pPr>
+            <a:r>
+              <a:rPr lang="nl-BE" sz="1600" dirty="0">
+                <a:latin typeface="Calibri" panose="020F0502020204030204" pitchFamily="34" charset="0"/>
+                <a:cs typeface="Calibri" panose="020F0502020204030204" pitchFamily="34" charset="0"/>
+              </a:rPr>
+              <a:t>Multiple investment </a:t>
+            </a:r>
+            <a:r>
+              <a:rPr lang="nl-BE" sz="1600" dirty="0" err="1">
+                <a:latin typeface="Calibri" panose="020F0502020204030204" pitchFamily="34" charset="0"/>
+                <a:cs typeface="Calibri" panose="020F0502020204030204" pitchFamily="34" charset="0"/>
+              </a:rPr>
+              <a:t>candidates</a:t>
+            </a:r>
+            <a:r>
+              <a:rPr lang="nl-BE" sz="1600" dirty="0">
+                <a:latin typeface="Calibri" panose="020F0502020204030204" pitchFamily="34" charset="0"/>
+                <a:cs typeface="Calibri" panose="020F0502020204030204" pitchFamily="34" charset="0"/>
+              </a:rPr>
+              <a:t> (</a:t>
+            </a:r>
+            <a:r>
+              <a:rPr lang="nl-BE" sz="1600" dirty="0" err="1">
+                <a:latin typeface="Calibri" panose="020F0502020204030204" pitchFamily="34" charset="0"/>
+                <a:cs typeface="Calibri" panose="020F0502020204030204" pitchFamily="34" charset="0"/>
+              </a:rPr>
+              <a:t>lines</a:t>
+            </a:r>
+            <a:r>
+              <a:rPr lang="nl-BE" sz="1600" dirty="0">
+                <a:latin typeface="Calibri" panose="020F0502020204030204" pitchFamily="34" charset="0"/>
+                <a:cs typeface="Calibri" panose="020F0502020204030204" pitchFamily="34" charset="0"/>
+              </a:rPr>
+              <a:t>)</a:t>
+            </a:r>
+          </a:p>
+          <a:p>
+            <a:pPr marL="742950" lvl="1" indent="-285750">
+              <a:buFont typeface="Arial" panose="020B0604020202020204" pitchFamily="34" charset="0"/>
+              <a:buChar char="•"/>
+            </a:pPr>
+            <a:r>
+              <a:rPr lang="nl-BE" sz="1600" dirty="0">
+                <a:latin typeface="Calibri" panose="020F0502020204030204" pitchFamily="34" charset="0"/>
+                <a:cs typeface="Calibri" panose="020F0502020204030204" pitchFamily="34" charset="0"/>
+              </a:rPr>
+              <a:t>Multiple discrete investment </a:t>
+            </a:r>
+            <a:r>
+              <a:rPr lang="nl-BE" sz="1600" dirty="0" err="1">
+                <a:latin typeface="Calibri" panose="020F0502020204030204" pitchFamily="34" charset="0"/>
+                <a:cs typeface="Calibri" panose="020F0502020204030204" pitchFamily="34" charset="0"/>
+              </a:rPr>
+              <a:t>quantities</a:t>
+            </a:r>
+            <a:endParaRPr lang="nl-BE" sz="1600" dirty="0">
+              <a:latin typeface="Calibri" panose="020F0502020204030204" pitchFamily="34" charset="0"/>
+              <a:cs typeface="Calibri" panose="020F0502020204030204" pitchFamily="34" charset="0"/>
+            </a:endParaRPr>
+          </a:p>
+          <a:p>
+            <a:pPr marL="742950" lvl="1" indent="-285750">
+              <a:buFont typeface="Arial" panose="020B0604020202020204" pitchFamily="34" charset="0"/>
+              <a:buChar char="•"/>
+            </a:pPr>
+            <a:r>
+              <a:rPr lang="nl-BE" sz="1600" dirty="0" err="1">
+                <a:latin typeface="Calibri" panose="020F0502020204030204" pitchFamily="34" charset="0"/>
+                <a:cs typeface="Calibri" panose="020F0502020204030204" pitchFamily="34" charset="0"/>
+              </a:rPr>
+              <a:t>Weather</a:t>
+            </a:r>
+            <a:r>
+              <a:rPr lang="nl-BE" sz="1600" dirty="0">
+                <a:latin typeface="Calibri" panose="020F0502020204030204" pitchFamily="34" charset="0"/>
+                <a:cs typeface="Calibri" panose="020F0502020204030204" pitchFamily="34" charset="0"/>
+              </a:rPr>
+              <a:t> </a:t>
+            </a:r>
+            <a:r>
+              <a:rPr lang="nl-BE" sz="1600" dirty="0" err="1">
+                <a:latin typeface="Calibri" panose="020F0502020204030204" pitchFamily="34" charset="0"/>
+                <a:cs typeface="Calibri" panose="020F0502020204030204" pitchFamily="34" charset="0"/>
+              </a:rPr>
+              <a:t>year</a:t>
+            </a:r>
+            <a:r>
+              <a:rPr lang="nl-BE" sz="1600" dirty="0">
+                <a:latin typeface="Calibri" panose="020F0502020204030204" pitchFamily="34" charset="0"/>
+                <a:cs typeface="Calibri" panose="020F0502020204030204" pitchFamily="34" charset="0"/>
+              </a:rPr>
+              <a:t> </a:t>
+            </a:r>
+            <a:r>
+              <a:rPr lang="nl-BE" sz="1600" dirty="0" err="1">
+                <a:latin typeface="Calibri" panose="020F0502020204030204" pitchFamily="34" charset="0"/>
+                <a:cs typeface="Calibri" panose="020F0502020204030204" pitchFamily="34" charset="0"/>
+              </a:rPr>
+              <a:t>sensitivity</a:t>
+            </a:r>
+            <a:r>
+              <a:rPr lang="nl-BE" sz="1600" dirty="0">
+                <a:latin typeface="Calibri" panose="020F0502020204030204" pitchFamily="34" charset="0"/>
+                <a:cs typeface="Calibri" panose="020F0502020204030204" pitchFamily="34" charset="0"/>
+              </a:rPr>
+              <a:t> </a:t>
+            </a:r>
+          </a:p>
+          <a:p>
+            <a:pPr marL="285750" indent="-285750">
+              <a:buFont typeface="Wingdings" panose="05000000000000000000" pitchFamily="2" charset="2"/>
+              <a:buChar char="à"/>
+            </a:pPr>
+            <a:r>
+              <a:rPr lang="nl-BE" sz="1600" b="1" dirty="0" err="1" smtClean="0">
+                <a:latin typeface="Calibri" panose="020F0502020204030204" pitchFamily="34" charset="0"/>
+                <a:cs typeface="Calibri" panose="020F0502020204030204" pitchFamily="34" charset="0"/>
+                <a:sym typeface="Wingdings" panose="05000000000000000000" pitchFamily="2" charset="2"/>
+              </a:rPr>
+              <a:t>Might</a:t>
+            </a:r>
+            <a:r>
+              <a:rPr lang="nl-BE" sz="1600" b="1" dirty="0" smtClean="0">
+                <a:latin typeface="Calibri" panose="020F0502020204030204" pitchFamily="34" charset="0"/>
+                <a:cs typeface="Calibri" panose="020F0502020204030204" pitchFamily="34" charset="0"/>
+                <a:sym typeface="Wingdings" panose="05000000000000000000" pitchFamily="2" charset="2"/>
+              </a:rPr>
+              <a:t> </a:t>
+            </a:r>
+            <a:r>
+              <a:rPr lang="nl-BE" sz="1600" b="1" dirty="0" err="1" smtClean="0">
+                <a:latin typeface="Calibri" panose="020F0502020204030204" pitchFamily="34" charset="0"/>
+                <a:cs typeface="Calibri" panose="020F0502020204030204" pitchFamily="34" charset="0"/>
+                <a:sym typeface="Wingdings" panose="05000000000000000000" pitchFamily="2" charset="2"/>
+              </a:rPr>
+              <a:t>still</a:t>
+            </a:r>
+            <a:r>
+              <a:rPr lang="nl-BE" sz="1600" b="1" dirty="0" smtClean="0">
+                <a:latin typeface="Calibri" panose="020F0502020204030204" pitchFamily="34" charset="0"/>
+                <a:cs typeface="Calibri" panose="020F0502020204030204" pitchFamily="34" charset="0"/>
+                <a:sym typeface="Wingdings" panose="05000000000000000000" pitchFamily="2" charset="2"/>
+              </a:rPr>
+              <a:t> </a:t>
+            </a:r>
+            <a:r>
+              <a:rPr lang="nl-BE" sz="1600" b="1" dirty="0" err="1" smtClean="0">
+                <a:latin typeface="Calibri" panose="020F0502020204030204" pitchFamily="34" charset="0"/>
+                <a:cs typeface="Calibri" panose="020F0502020204030204" pitchFamily="34" charset="0"/>
+                <a:sym typeface="Wingdings" panose="05000000000000000000" pitchFamily="2" charset="2"/>
+              </a:rPr>
+              <a:t>be</a:t>
+            </a:r>
+            <a:r>
+              <a:rPr lang="nl-BE" sz="1600" b="1" dirty="0" smtClean="0">
+                <a:latin typeface="Calibri" panose="020F0502020204030204" pitchFamily="34" charset="0"/>
+                <a:cs typeface="Calibri" panose="020F0502020204030204" pitchFamily="34" charset="0"/>
+                <a:sym typeface="Wingdings" panose="05000000000000000000" pitchFamily="2" charset="2"/>
+              </a:rPr>
+              <a:t> </a:t>
+            </a:r>
+            <a:r>
+              <a:rPr lang="nl-BE" sz="1600" b="1" dirty="0" err="1" smtClean="0">
+                <a:latin typeface="Calibri" panose="020F0502020204030204" pitchFamily="34" charset="0"/>
+                <a:cs typeface="Calibri" panose="020F0502020204030204" pitchFamily="34" charset="0"/>
+                <a:sym typeface="Wingdings" panose="05000000000000000000" pitchFamily="2" charset="2"/>
+              </a:rPr>
+              <a:t>computationally</a:t>
+            </a:r>
+            <a:r>
+              <a:rPr lang="nl-BE" sz="1600" b="1" dirty="0" smtClean="0">
+                <a:latin typeface="Calibri" panose="020F0502020204030204" pitchFamily="34" charset="0"/>
+                <a:cs typeface="Calibri" panose="020F0502020204030204" pitchFamily="34" charset="0"/>
+                <a:sym typeface="Wingdings" panose="05000000000000000000" pitchFamily="2" charset="2"/>
+              </a:rPr>
+              <a:t> intensive </a:t>
+            </a:r>
+          </a:p>
+          <a:p>
+            <a:pPr marL="285750" indent="-285750">
+              <a:buFont typeface="Arial" panose="020B0604020202020204" pitchFamily="34" charset="0"/>
+              <a:buChar char="•"/>
+            </a:pPr>
+            <a:r>
+              <a:rPr lang="nl-BE" sz="1600" dirty="0" err="1" smtClean="0">
+                <a:latin typeface="Calibri" panose="020F0502020204030204" pitchFamily="34" charset="0"/>
+                <a:cs typeface="Calibri" panose="020F0502020204030204" pitchFamily="34" charset="0"/>
+                <a:sym typeface="Wingdings" panose="05000000000000000000" pitchFamily="2" charset="2"/>
+              </a:rPr>
+              <a:t>Literature</a:t>
+            </a:r>
+            <a:r>
+              <a:rPr lang="nl-BE" sz="1600" dirty="0" smtClean="0">
+                <a:latin typeface="Calibri" panose="020F0502020204030204" pitchFamily="34" charset="0"/>
+                <a:cs typeface="Calibri" panose="020F0502020204030204" pitchFamily="34" charset="0"/>
+                <a:sym typeface="Wingdings" panose="05000000000000000000" pitchFamily="2" charset="2"/>
+              </a:rPr>
+              <a:t> shows </a:t>
+            </a:r>
+            <a:r>
+              <a:rPr lang="nl-BE" sz="1600" dirty="0" err="1" smtClean="0">
+                <a:latin typeface="Calibri" panose="020F0502020204030204" pitchFamily="34" charset="0"/>
+                <a:cs typeface="Calibri" panose="020F0502020204030204" pitchFamily="34" charset="0"/>
+                <a:sym typeface="Wingdings" panose="05000000000000000000" pitchFamily="2" charset="2"/>
+              </a:rPr>
+              <a:t>that</a:t>
+            </a:r>
+            <a:r>
+              <a:rPr lang="nl-BE" sz="1600" dirty="0" smtClean="0">
+                <a:latin typeface="Calibri" panose="020F0502020204030204" pitchFamily="34" charset="0"/>
+                <a:cs typeface="Calibri" panose="020F0502020204030204" pitchFamily="34" charset="0"/>
+                <a:sym typeface="Wingdings" panose="05000000000000000000" pitchFamily="2" charset="2"/>
+              </a:rPr>
+              <a:t> ML </a:t>
+            </a:r>
+            <a:r>
+              <a:rPr lang="nl-BE" sz="1600" dirty="0" err="1" smtClean="0">
+                <a:latin typeface="Calibri" panose="020F0502020204030204" pitchFamily="34" charset="0"/>
+                <a:cs typeface="Calibri" panose="020F0502020204030204" pitchFamily="34" charset="0"/>
+                <a:sym typeface="Wingdings" panose="05000000000000000000" pitchFamily="2" charset="2"/>
+              </a:rPr>
+              <a:t>methods</a:t>
+            </a:r>
+            <a:r>
+              <a:rPr lang="nl-BE" sz="1600" dirty="0" smtClean="0">
+                <a:latin typeface="Calibri" panose="020F0502020204030204" pitchFamily="34" charset="0"/>
+                <a:cs typeface="Calibri" panose="020F0502020204030204" pitchFamily="34" charset="0"/>
+                <a:sym typeface="Wingdings" panose="05000000000000000000" pitchFamily="2" charset="2"/>
+              </a:rPr>
+              <a:t> </a:t>
+            </a:r>
+            <a:r>
+              <a:rPr lang="nl-BE" sz="1600" dirty="0" err="1" smtClean="0">
+                <a:latin typeface="Calibri" panose="020F0502020204030204" pitchFamily="34" charset="0"/>
+                <a:cs typeface="Calibri" panose="020F0502020204030204" pitchFamily="34" charset="0"/>
+                <a:sym typeface="Wingdings" panose="05000000000000000000" pitchFamily="2" charset="2"/>
+              </a:rPr>
+              <a:t>can</a:t>
+            </a:r>
+            <a:r>
+              <a:rPr lang="nl-BE" sz="1600" dirty="0" smtClean="0">
+                <a:latin typeface="Calibri" panose="020F0502020204030204" pitchFamily="34" charset="0"/>
+                <a:cs typeface="Calibri" panose="020F0502020204030204" pitchFamily="34" charset="0"/>
+                <a:sym typeface="Wingdings" panose="05000000000000000000" pitchFamily="2" charset="2"/>
+              </a:rPr>
+              <a:t> </a:t>
+            </a:r>
+            <a:r>
+              <a:rPr lang="nl-BE" sz="1600" dirty="0" err="1" smtClean="0">
+                <a:latin typeface="Calibri" panose="020F0502020204030204" pitchFamily="34" charset="0"/>
+                <a:cs typeface="Calibri" panose="020F0502020204030204" pitchFamily="34" charset="0"/>
+                <a:sym typeface="Wingdings" panose="05000000000000000000" pitchFamily="2" charset="2"/>
+              </a:rPr>
+              <a:t>accurately</a:t>
+            </a:r>
+            <a:r>
+              <a:rPr lang="nl-BE" sz="1600" dirty="0" smtClean="0">
+                <a:latin typeface="Calibri" panose="020F0502020204030204" pitchFamily="34" charset="0"/>
+                <a:cs typeface="Calibri" panose="020F0502020204030204" pitchFamily="34" charset="0"/>
+                <a:sym typeface="Wingdings" panose="05000000000000000000" pitchFamily="2" charset="2"/>
+              </a:rPr>
+              <a:t> </a:t>
+            </a:r>
+            <a:r>
+              <a:rPr lang="nl-BE" sz="1600" dirty="0" err="1" smtClean="0">
+                <a:latin typeface="Calibri" panose="020F0502020204030204" pitchFamily="34" charset="0"/>
+                <a:cs typeface="Calibri" panose="020F0502020204030204" pitchFamily="34" charset="0"/>
+                <a:sym typeface="Wingdings" panose="05000000000000000000" pitchFamily="2" charset="2"/>
+              </a:rPr>
+              <a:t>approximate</a:t>
+            </a:r>
+            <a:r>
+              <a:rPr lang="nl-BE" sz="1600" dirty="0">
+                <a:latin typeface="Calibri" panose="020F0502020204030204" pitchFamily="34" charset="0"/>
+                <a:cs typeface="Calibri" panose="020F0502020204030204" pitchFamily="34" charset="0"/>
+                <a:sym typeface="Wingdings" panose="05000000000000000000" pitchFamily="2" charset="2"/>
+              </a:rPr>
+              <a:t> </a:t>
+            </a:r>
+            <a:r>
+              <a:rPr lang="nl-BE" sz="1600" dirty="0" smtClean="0">
+                <a:latin typeface="Calibri" panose="020F0502020204030204" pitchFamily="34" charset="0"/>
+                <a:cs typeface="Calibri" panose="020F0502020204030204" pitchFamily="34" charset="0"/>
+                <a:sym typeface="Wingdings" panose="05000000000000000000" pitchFamily="2" charset="2"/>
+              </a:rPr>
+              <a:t>OPF </a:t>
+            </a:r>
+            <a:r>
+              <a:rPr lang="nl-BE" sz="1600" dirty="0" err="1" smtClean="0">
+                <a:latin typeface="Calibri" panose="020F0502020204030204" pitchFamily="34" charset="0"/>
+                <a:cs typeface="Calibri" panose="020F0502020204030204" pitchFamily="34" charset="0"/>
+                <a:sym typeface="Wingdings" panose="05000000000000000000" pitchFamily="2" charset="2"/>
+              </a:rPr>
+              <a:t>results</a:t>
+            </a:r>
+            <a:r>
+              <a:rPr lang="nl-BE" sz="1600" dirty="0" smtClean="0">
+                <a:latin typeface="Calibri" panose="020F0502020204030204" pitchFamily="34" charset="0"/>
+                <a:cs typeface="Calibri" panose="020F0502020204030204" pitchFamily="34" charset="0"/>
+                <a:sym typeface="Wingdings" panose="05000000000000000000" pitchFamily="2" charset="2"/>
+              </a:rPr>
+              <a:t> </a:t>
+            </a:r>
+            <a:r>
+              <a:rPr lang="nl-BE" sz="1600" dirty="0" err="1" smtClean="0">
+                <a:latin typeface="Calibri" panose="020F0502020204030204" pitchFamily="34" charset="0"/>
+                <a:cs typeface="Calibri" panose="020F0502020204030204" pitchFamily="34" charset="0"/>
+                <a:sym typeface="Wingdings" panose="05000000000000000000" pitchFamily="2" charset="2"/>
+              </a:rPr>
+              <a:t>very</a:t>
+            </a:r>
+            <a:r>
+              <a:rPr lang="nl-BE" sz="1600" dirty="0" smtClean="0">
+                <a:latin typeface="Calibri" panose="020F0502020204030204" pitchFamily="34" charset="0"/>
+                <a:cs typeface="Calibri" panose="020F0502020204030204" pitchFamily="34" charset="0"/>
+                <a:sym typeface="Wingdings" panose="05000000000000000000" pitchFamily="2" charset="2"/>
+              </a:rPr>
+              <a:t> </a:t>
+            </a:r>
+            <a:r>
+              <a:rPr lang="nl-BE" sz="1600" dirty="0" err="1" smtClean="0">
+                <a:latin typeface="Calibri" panose="020F0502020204030204" pitchFamily="34" charset="0"/>
+                <a:cs typeface="Calibri" panose="020F0502020204030204" pitchFamily="34" charset="0"/>
+                <a:sym typeface="Wingdings" panose="05000000000000000000" pitchFamily="2" charset="2"/>
+              </a:rPr>
+              <a:t>fast</a:t>
+            </a:r>
+            <a:r>
+              <a:rPr lang="nl-BE" sz="1600" dirty="0" smtClean="0">
+                <a:latin typeface="Calibri" panose="020F0502020204030204" pitchFamily="34" charset="0"/>
+                <a:cs typeface="Calibri" panose="020F0502020204030204" pitchFamily="34" charset="0"/>
+                <a:sym typeface="Wingdings" panose="05000000000000000000" pitchFamily="2" charset="2"/>
+              </a:rPr>
+              <a:t> </a:t>
+            </a:r>
+          </a:p>
+          <a:p>
+            <a:endParaRPr lang="nl-BE" sz="1600" dirty="0">
+              <a:latin typeface="Calibri" panose="020F0502020204030204" pitchFamily="34" charset="0"/>
+              <a:cs typeface="Calibri" panose="020F0502020204030204" pitchFamily="34" charset="0"/>
+            </a:endParaRPr>
+          </a:p>
+        </p:txBody>
+      </p:sp>
+    </p:spTree>
+    <p:extLst>
+      <p:ext uri="{BB962C8B-B14F-4D97-AF65-F5344CB8AC3E}">
+        <p14:creationId xmlns:p14="http://schemas.microsoft.com/office/powerpoint/2010/main" val="3594830251"/>
+      </p:ext>
+    </p:extLst>
+  </p:cSld>
+  <p:clrMapOvr>
+    <a:masterClrMapping/>
+  </p:clrMapOvr>
+</p:sld>
+</file>
+
+<file path=ppt/slides/slide4.xml><?xml version="1.0" encoding="utf-8"?>
+<p:sld xmlns:a="http://schemas.openxmlformats.org/drawingml/2006/main" xmlns:r="http://schemas.openxmlformats.org/officeDocument/2006/relationships" xmlns:p="http://schemas.openxmlformats.org/presentationml/2006/main">
+  <p:cSld>
+    <p:spTree>
+      <p:nvGrpSpPr>
+        <p:cNvPr id="1" name=""/>
+        <p:cNvGrpSpPr/>
+        <p:nvPr/>
+      </p:nvGrpSpPr>
+      <p:grpSpPr>
+        <a:xfrm>
+          <a:off x="0" y="0"/>
+          <a:ext cx="0" cy="0"/>
+          <a:chOff x="0" y="0"/>
+          <a:chExt cx="0" cy="0"/>
+        </a:xfrm>
+      </p:grpSpPr>
+      <p:sp>
+        <p:nvSpPr>
+          <p:cNvPr id="2" name="Content Placeholder 1"/>
+          <p:cNvSpPr>
+            <a:spLocks noGrp="1"/>
+          </p:cNvSpPr>
+          <p:nvPr>
+            <p:ph idx="1"/>
+          </p:nvPr>
+        </p:nvSpPr>
+        <p:spPr>
+          <a:xfrm>
+            <a:off x="576000" y="1656000"/>
+            <a:ext cx="4085210" cy="4464000"/>
+          </a:xfrm>
+        </p:spPr>
+        <p:txBody>
+          <a:bodyPr/>
+          <a:lstStyle/>
+          <a:p>
+            <a:r>
+              <a:rPr lang="en-US" dirty="0" smtClean="0"/>
+              <a:t>TEP is based on calculating the demanding OPF problem</a:t>
+            </a:r>
+          </a:p>
+          <a:p>
+            <a:r>
+              <a:rPr lang="en-US" dirty="0" smtClean="0"/>
+              <a:t>Increasing share of renewables </a:t>
+            </a:r>
+            <a:r>
+              <a:rPr lang="en-US" dirty="0" smtClean="0">
+                <a:sym typeface="Wingdings" panose="05000000000000000000" pitchFamily="2" charset="2"/>
+              </a:rPr>
+              <a:t> Rising </a:t>
+            </a:r>
+            <a:r>
+              <a:rPr lang="en-US" dirty="0" smtClean="0"/>
+              <a:t>variability in system operation</a:t>
+            </a:r>
+          </a:p>
+          <a:p>
+            <a:r>
+              <a:rPr lang="en-US" dirty="0" smtClean="0"/>
+              <a:t>Temporal reduction techniques </a:t>
+            </a:r>
+            <a:r>
+              <a:rPr lang="en-US" dirty="0" smtClean="0">
+                <a:sym typeface="Wingdings" panose="05000000000000000000" pitchFamily="2" charset="2"/>
+              </a:rPr>
+              <a:t> Representative periods</a:t>
+            </a:r>
+            <a:endParaRPr lang="en-US" dirty="0" smtClean="0"/>
+          </a:p>
+        </p:txBody>
+      </p:sp>
+      <p:sp>
+        <p:nvSpPr>
+          <p:cNvPr id="3" name="Footer Placeholder 2"/>
+          <p:cNvSpPr>
+            <a:spLocks noGrp="1"/>
+          </p:cNvSpPr>
+          <p:nvPr>
+            <p:ph type="ftr" sz="quarter" idx="11"/>
+          </p:nvPr>
+        </p:nvSpPr>
+        <p:spPr/>
+        <p:txBody>
+          <a:bodyPr/>
+          <a:lstStyle/>
+          <a:p>
+            <a:r>
+              <a:rPr lang="nl-NL" smtClean="0"/>
+              <a:t>Ingenieurswetenschappen, Werktuigkunde, TME</a:t>
+            </a:r>
+            <a:endParaRPr lang="nl-NL"/>
+          </a:p>
+        </p:txBody>
+      </p:sp>
+      <p:sp>
+        <p:nvSpPr>
+          <p:cNvPr id="4" name="Slide Number Placeholder 3"/>
+          <p:cNvSpPr>
+            <a:spLocks noGrp="1"/>
+          </p:cNvSpPr>
+          <p:nvPr>
+            <p:ph type="sldNum" sz="quarter" idx="12"/>
+          </p:nvPr>
+        </p:nvSpPr>
+        <p:spPr/>
+        <p:txBody>
+          <a:bodyPr/>
+          <a:lstStyle/>
+          <a:p>
+            <a:fld id="{0A297500-7527-634B-90F4-69D0994C32B4}" type="slidenum">
+              <a:rPr lang="nl-NL" smtClean="0"/>
+              <a:t>4</a:t>
+            </a:fld>
+            <a:endParaRPr lang="nl-NL"/>
+          </a:p>
+        </p:txBody>
+      </p:sp>
+      <p:sp>
+        <p:nvSpPr>
+          <p:cNvPr id="5" name="Title 4"/>
+          <p:cNvSpPr>
+            <a:spLocks noGrp="1"/>
+          </p:cNvSpPr>
+          <p:nvPr>
+            <p:ph type="title"/>
+          </p:nvPr>
+        </p:nvSpPr>
+        <p:spPr/>
+        <p:txBody>
+          <a:bodyPr/>
+          <a:lstStyle/>
+          <a:p>
+            <a:r>
+              <a:rPr lang="en-US" dirty="0" smtClean="0"/>
+              <a:t>Background: transmission expansion planning</a:t>
+            </a:r>
+            <a:endParaRPr lang="en-US" dirty="0"/>
+          </a:p>
+        </p:txBody>
+      </p:sp>
+      <p:grpSp>
+        <p:nvGrpSpPr>
+          <p:cNvPr id="19" name="Group 18"/>
+          <p:cNvGrpSpPr/>
+          <p:nvPr/>
+        </p:nvGrpSpPr>
+        <p:grpSpPr>
+          <a:xfrm>
+            <a:off x="6408234" y="1519349"/>
+            <a:ext cx="4898740" cy="1170877"/>
+            <a:chOff x="6408234" y="1519349"/>
+            <a:chExt cx="4898740" cy="1170877"/>
+          </a:xfrm>
+        </p:grpSpPr>
+        <p:sp>
+          <p:nvSpPr>
+            <p:cNvPr id="9" name="Rounded Rectangle 8"/>
+            <p:cNvSpPr/>
+            <p:nvPr/>
+          </p:nvSpPr>
+          <p:spPr>
+            <a:xfrm>
+              <a:off x="6408234" y="1519349"/>
+              <a:ext cx="2408663" cy="1170877"/>
+            </a:xfrm>
+            <a:prstGeom prst="roundRect">
+              <a:avLst/>
+            </a:prstGeom>
+          </p:spPr>
+          <p:style>
+            <a:lnRef idx="2">
+              <a:schemeClr val="accent1">
+                <a:shade val="50000"/>
+              </a:schemeClr>
+            </a:lnRef>
+            <a:fillRef idx="1">
+              <a:schemeClr val="accent1"/>
+            </a:fillRef>
+            <a:effectRef idx="0">
+              <a:schemeClr val="accent1"/>
+            </a:effectRef>
+            <a:fontRef idx="minor">
+              <a:schemeClr val="lt1"/>
+            </a:fontRef>
+          </p:style>
+          <p:txBody>
+            <a:bodyPr rtlCol="0" anchor="ctr"/>
+            <a:lstStyle/>
+            <a:p>
+              <a:pPr algn="ctr"/>
+              <a:r>
+                <a:rPr lang="en-US" sz="1600" dirty="0" smtClean="0"/>
+                <a:t>Capture variability in system operating conditions (weather)</a:t>
+              </a:r>
+              <a:endParaRPr lang="en-US" sz="1600" dirty="0"/>
+            </a:p>
+          </p:txBody>
+        </p:sp>
+        <p:sp>
+          <p:nvSpPr>
+            <p:cNvPr id="10" name="Rounded Rectangle 9"/>
+            <p:cNvSpPr/>
+            <p:nvPr/>
+          </p:nvSpPr>
+          <p:spPr>
+            <a:xfrm>
+              <a:off x="8898311" y="1519349"/>
+              <a:ext cx="2408663" cy="1170877"/>
+            </a:xfrm>
+            <a:prstGeom prst="roundRect">
+              <a:avLst/>
+            </a:prstGeom>
+          </p:spPr>
+          <p:style>
+            <a:lnRef idx="2">
+              <a:schemeClr val="accent1">
+                <a:shade val="50000"/>
+              </a:schemeClr>
+            </a:lnRef>
+            <a:fillRef idx="1">
+              <a:schemeClr val="accent1"/>
+            </a:fillRef>
+            <a:effectRef idx="0">
+              <a:schemeClr val="accent1"/>
+            </a:effectRef>
+            <a:fontRef idx="minor">
+              <a:schemeClr val="lt1"/>
+            </a:fontRef>
+          </p:style>
+          <p:txBody>
+            <a:bodyPr rtlCol="0" anchor="ctr"/>
+            <a:lstStyle/>
+            <a:p>
+              <a:pPr algn="ctr"/>
+              <a:r>
+                <a:rPr lang="en-US" sz="1600" dirty="0" smtClean="0"/>
+                <a:t>Accurately represent physical constraints of network</a:t>
+              </a:r>
+              <a:endParaRPr lang="en-US" sz="1600" dirty="0"/>
+            </a:p>
+          </p:txBody>
+        </p:sp>
+      </p:grpSp>
+      <p:sp>
+        <p:nvSpPr>
+          <p:cNvPr id="15" name="Down Arrow 14"/>
+          <p:cNvSpPr/>
+          <p:nvPr/>
+        </p:nvSpPr>
+        <p:spPr>
+          <a:xfrm>
+            <a:off x="7170051" y="2754776"/>
+            <a:ext cx="3293690" cy="812940"/>
+          </a:xfrm>
+          <a:prstGeom prst="downArrow">
+            <a:avLst>
+              <a:gd name="adj1" fmla="val 50000"/>
+              <a:gd name="adj2" fmla="val 47561"/>
+            </a:avLst>
+          </a:prstGeom>
+        </p:spPr>
+        <p:style>
+          <a:lnRef idx="2">
+            <a:schemeClr val="accent1">
+              <a:shade val="50000"/>
+            </a:schemeClr>
+          </a:lnRef>
+          <a:fillRef idx="1">
+            <a:schemeClr val="accent1"/>
+          </a:fillRef>
+          <a:effectRef idx="0">
+            <a:schemeClr val="accent1"/>
+          </a:effectRef>
+          <a:fontRef idx="minor">
+            <a:schemeClr val="lt1"/>
+          </a:fontRef>
+        </p:style>
+        <p:txBody>
+          <a:bodyPr rtlCol="0" anchor="ctr"/>
+          <a:lstStyle/>
+          <a:p>
+            <a:pPr algn="ctr"/>
+            <a:r>
+              <a:rPr lang="en-US" sz="1600" dirty="0" smtClean="0"/>
+              <a:t>Many demanding OPFS</a:t>
+            </a:r>
+            <a:endParaRPr lang="en-US" sz="1600" dirty="0"/>
+          </a:p>
+        </p:txBody>
+      </p:sp>
+      <p:sp>
+        <p:nvSpPr>
+          <p:cNvPr id="16" name="Rounded Rectangle 15"/>
+          <p:cNvSpPr/>
+          <p:nvPr/>
+        </p:nvSpPr>
+        <p:spPr>
+          <a:xfrm>
+            <a:off x="7612564" y="3621790"/>
+            <a:ext cx="2408663" cy="695150"/>
+          </a:xfrm>
+          <a:prstGeom prst="roundRect">
+            <a:avLst/>
+          </a:prstGeom>
+        </p:spPr>
+        <p:style>
+          <a:lnRef idx="2">
+            <a:schemeClr val="accent5">
+              <a:shade val="50000"/>
+            </a:schemeClr>
+          </a:lnRef>
+          <a:fillRef idx="1">
+            <a:schemeClr val="accent5"/>
+          </a:fillRef>
+          <a:effectRef idx="0">
+            <a:schemeClr val="accent5"/>
+          </a:effectRef>
+          <a:fontRef idx="minor">
+            <a:schemeClr val="lt1"/>
+          </a:fontRef>
+        </p:style>
+        <p:txBody>
+          <a:bodyPr rtlCol="0" anchor="ctr"/>
+          <a:lstStyle/>
+          <a:p>
+            <a:pPr algn="ctr"/>
+            <a:r>
+              <a:rPr lang="en-US" sz="1600" dirty="0" smtClean="0"/>
+              <a:t>Computational tractability</a:t>
+            </a:r>
+            <a:endParaRPr lang="en-US" sz="1600" dirty="0"/>
+          </a:p>
+        </p:txBody>
+      </p:sp>
+      <p:sp>
+        <p:nvSpPr>
+          <p:cNvPr id="18" name="Down Arrow 17"/>
+          <p:cNvSpPr/>
+          <p:nvPr/>
+        </p:nvSpPr>
+        <p:spPr>
+          <a:xfrm>
+            <a:off x="7170051" y="4371150"/>
+            <a:ext cx="3338564" cy="758412"/>
+          </a:xfrm>
+          <a:prstGeom prst="downArrow">
+            <a:avLst>
+              <a:gd name="adj1" fmla="val 50000"/>
+              <a:gd name="adj2" fmla="val 47561"/>
+            </a:avLst>
+          </a:prstGeom>
+        </p:spPr>
+        <p:style>
+          <a:lnRef idx="2">
+            <a:schemeClr val="accent1">
+              <a:shade val="50000"/>
+            </a:schemeClr>
+          </a:lnRef>
+          <a:fillRef idx="1">
+            <a:schemeClr val="accent1"/>
+          </a:fillRef>
+          <a:effectRef idx="0">
+            <a:schemeClr val="accent1"/>
+          </a:effectRef>
+          <a:fontRef idx="minor">
+            <a:schemeClr val="lt1"/>
+          </a:fontRef>
+        </p:style>
+        <p:txBody>
+          <a:bodyPr rtlCol="0" anchor="ctr"/>
+          <a:lstStyle/>
+          <a:p>
+            <a:pPr algn="ctr"/>
+            <a:r>
+              <a:rPr lang="en-US" sz="1600" dirty="0" smtClean="0"/>
+              <a:t>Temporal reduction</a:t>
+            </a:r>
+            <a:endParaRPr lang="en-US" sz="1600" dirty="0"/>
+          </a:p>
+        </p:txBody>
+      </p:sp>
+      <p:sp>
+        <p:nvSpPr>
+          <p:cNvPr id="21" name="Rounded Rectangle 20"/>
+          <p:cNvSpPr/>
+          <p:nvPr/>
+        </p:nvSpPr>
+        <p:spPr>
+          <a:xfrm>
+            <a:off x="7751595" y="5183773"/>
+            <a:ext cx="2293431" cy="749224"/>
+          </a:xfrm>
+          <a:prstGeom prst="roundRect">
+            <a:avLst/>
+          </a:prstGeom>
+          <a:solidFill>
+            <a:srgbClr val="92D050"/>
+          </a:solidFill>
+        </p:spPr>
+        <p:style>
+          <a:lnRef idx="2">
+            <a:schemeClr val="accent1">
+              <a:shade val="50000"/>
+            </a:schemeClr>
+          </a:lnRef>
+          <a:fillRef idx="1">
+            <a:schemeClr val="accent1"/>
+          </a:fillRef>
+          <a:effectRef idx="0">
+            <a:schemeClr val="accent1"/>
+          </a:effectRef>
+          <a:fontRef idx="minor">
+            <a:schemeClr val="lt1"/>
+          </a:fontRef>
+        </p:style>
+        <p:txBody>
+          <a:bodyPr rtlCol="0" anchor="ctr"/>
+          <a:lstStyle/>
+          <a:p>
+            <a:pPr algn="ctr"/>
+            <a:r>
+              <a:rPr lang="en-US" sz="1600" dirty="0" smtClean="0"/>
+              <a:t>Representative periods</a:t>
+            </a:r>
+            <a:endParaRPr lang="en-US" sz="1600" dirty="0"/>
+          </a:p>
+        </p:txBody>
+      </p:sp>
+    </p:spTree>
+    <p:extLst>
+      <p:ext uri="{BB962C8B-B14F-4D97-AF65-F5344CB8AC3E}">
+        <p14:creationId xmlns:p14="http://schemas.microsoft.com/office/powerpoint/2010/main" val="1496702185"/>
+      </p:ext>
+    </p:extLst>
+  </p:cSld>
+  <p:clrMapOvr>
+    <a:masterClrMapping/>
+  </p:clrMapOvr>
+</p:sld>
+</file>
+
+<file path=ppt/slides/slide5.xml><?xml version="1.0" encoding="utf-8"?>
+<p:sld xmlns:a="http://schemas.openxmlformats.org/drawingml/2006/main" xmlns:r="http://schemas.openxmlformats.org/officeDocument/2006/relationships" xmlns:p="http://schemas.openxmlformats.org/presentationml/2006/main">
+  <p:cSld>
+    <p:spTree>
+      <p:nvGrpSpPr>
+        <p:cNvPr id="1" name=""/>
+        <p:cNvGrpSpPr/>
+        <p:nvPr/>
+      </p:nvGrpSpPr>
+      <p:grpSpPr>
+        <a:xfrm>
+          <a:off x="0" y="0"/>
+          <a:ext cx="0" cy="0"/>
+          <a:chOff x="0" y="0"/>
+          <a:chExt cx="0" cy="0"/>
+        </a:xfrm>
+      </p:grpSpPr>
+      <p:sp>
+        <p:nvSpPr>
           <p:cNvPr id="69" name="Rectángulo: esquinas redondeadas 68">
             <a:extLst>
               <a:ext uri="{FF2B5EF4-FFF2-40B4-BE49-F238E27FC236}">
@@ -5515,7 +7001,7 @@
           <a:p>
             <a:fld id="{0A297500-7527-634B-90F4-69D0994C32B4}" type="slidenum">
               <a:rPr lang="nl-NL" smtClean="0"/>
-              <a:t>3</a:t>
+              <a:t>5</a:t>
             </a:fld>
             <a:endParaRPr lang="nl-NL"/>
           </a:p>
@@ -8748,7 +10234,7 @@
 </p:sld>
 </file>
 
-<file path=ppt/slides/slide4.xml><?xml version="1.0" encoding="utf-8"?>
+<file path=ppt/slides/slide6.xml><?xml version="1.0" encoding="utf-8"?>
 <p:sld xmlns:a="http://schemas.openxmlformats.org/drawingml/2006/main" xmlns:r="http://schemas.openxmlformats.org/officeDocument/2006/relationships" xmlns:p="http://schemas.openxmlformats.org/presentationml/2006/main">
   <p:cSld>
     <p:spTree>
@@ -8804,7 +10290,7 @@
           <a:p>
             <a:fld id="{0A297500-7527-634B-90F4-69D0994C32B4}" type="slidenum">
               <a:rPr lang="nl-NL" smtClean="0"/>
-              <a:t>4</a:t>
+              <a:t>6</a:t>
             </a:fld>
             <a:endParaRPr lang="nl-NL"/>
           </a:p>
@@ -8839,8 +10325,8 @@
           </a:p>
         </p:txBody>
       </p:sp>
-      <mc:AlternateContent xmlns:mc="http://schemas.openxmlformats.org/markup-compatibility/2006">
-        <mc:Choice xmlns:a14="http://schemas.microsoft.com/office/drawing/2010/main" Requires="a14">
+      <mc:AlternateContent xmlns:mc="http://schemas.openxmlformats.org/markup-compatibility/2006" xmlns:a14="http://schemas.microsoft.com/office/drawing/2010/main">
+        <mc:Choice Requires="a14">
           <p:graphicFrame>
             <p:nvGraphicFramePr>
               <p:cNvPr id="6" name="Tabla 1">
@@ -8863,7 +10349,7 @@
             </p:nvGraphicFramePr>
             <p:xfrm>
               <a:off x="1631503" y="1097128"/>
-              <a:ext cx="8928994" cy="4703934"/>
+              <a:ext cx="8928994" cy="4736827"/>
             </p:xfrm>
             <a:graphic>
               <a:graphicData uri="http://schemas.openxmlformats.org/drawingml/2006/table">
@@ -11806,17 +13292,7 @@
                                         <a:effectLst/>
                                         <a:latin typeface="Cambria Math" panose="02040503050406030204" pitchFamily="18" charset="0"/>
                                       </a:rPr>
-                                      <m:t>𝑘</m:t>
-                                    </m:r>
-                                    <m:r>
-                                      <a:rPr lang="es-ES" sz="1200" b="0" i="1" noProof="0" smtClean="0">
-                                        <a:solidFill>
-                                          <a:srgbClr val="000000"/>
-                                        </a:solidFill>
-                                        <a:effectLst/>
-                                        <a:latin typeface="Cambria Math" panose="02040503050406030204" pitchFamily="18" charset="0"/>
-                                      </a:rPr>
-                                      <m:t>𝑚</m:t>
+                                      <m:t>𝑘𝑚</m:t>
                                     </m:r>
                                   </m:sub>
                                 </m:sSub>
@@ -12385,17 +13861,7 @@
                                     <a:effectLst/>
                                     <a:latin typeface="Cambria Math" panose="02040503050406030204" pitchFamily="18" charset="0"/>
                                   </a:rPr>
-                                  <m:t>=</m:t>
-                                </m:r>
-                                <m:r>
-                                  <a:rPr lang="es-ES" sz="1200" b="0" i="1" noProof="0" smtClean="0">
-                                    <a:solidFill>
-                                      <a:srgbClr val="000000"/>
-                                    </a:solidFill>
-                                    <a:effectLst/>
-                                    <a:latin typeface="Cambria Math" panose="02040503050406030204" pitchFamily="18" charset="0"/>
-                                  </a:rPr>
-                                  <m:t>−</m:t>
+                                  <m:t>=−</m:t>
                                 </m:r>
                                 <m:sSub>
                                   <m:sSubPr>
@@ -14195,18 +15661,7 @@
                                         <a:latin typeface="Cambria Math" panose="02040503050406030204" pitchFamily="18" charset="0"/>
                                         <a:ea typeface="Cambria Math" panose="02040503050406030204" pitchFamily="18" charset="0"/>
                                       </a:rPr>
-                                      <m:t>𝑚</m:t>
-                                    </m:r>
-                                    <m:r>
-                                      <a:rPr lang="es-ES" sz="1200" b="0" i="1" noProof="0" smtClean="0">
-                                        <a:solidFill>
-                                          <a:srgbClr val="000000"/>
-                                        </a:solidFill>
-                                        <a:effectLst/>
-                                        <a:latin typeface="Cambria Math" panose="02040503050406030204" pitchFamily="18" charset="0"/>
-                                        <a:ea typeface="Cambria Math" panose="02040503050406030204" pitchFamily="18" charset="0"/>
-                                      </a:rPr>
-                                      <m:t>𝑖𝑛</m:t>
+                                      <m:t>𝑚𝑖𝑛</m:t>
                                     </m:r>
                                   </m:sup>
                                 </m:sSubSup>
@@ -15004,7 +16459,7 @@
             </a:graphic>
           </p:graphicFrame>
         </mc:Choice>
-        <mc:Fallback>
+        <mc:Fallback xmlns="">
           <p:graphicFrame>
             <p:nvGraphicFramePr>
               <p:cNvPr id="6" name="Tabla 1">
@@ -17620,7 +19075,7 @@
 </p:sld>
 </file>
 
-<file path=ppt/slides/slide5.xml><?xml version="1.0" encoding="utf-8"?>
+<file path=ppt/slides/slide7.xml><?xml version="1.0" encoding="utf-8"?>
 <p:sld xmlns:a="http://schemas.openxmlformats.org/drawingml/2006/main" xmlns:r="http://schemas.openxmlformats.org/officeDocument/2006/relationships" xmlns:p="http://schemas.openxmlformats.org/presentationml/2006/main">
   <p:cSld>
     <p:spTree>
@@ -17676,7 +19131,7 @@
           <a:p>
             <a:fld id="{0A297500-7527-634B-90F4-69D0994C32B4}" type="slidenum">
               <a:rPr lang="nl-NL" smtClean="0"/>
-              <a:t>5</a:t>
+              <a:t>7</a:t>
             </a:fld>
             <a:endParaRPr lang="nl-NL"/>
           </a:p>
@@ -18770,23 +20225,6 @@
 </file>
 
 <file path=customXml/item1.xml><?xml version="1.0" encoding="utf-8"?>
-<?mso-contentType ?>
-<FormTemplates xmlns="http://schemas.microsoft.com/sharepoint/v3/contenttype/forms">
-  <Display>DocumentLibraryForm</Display>
-  <Edit>DocumentLibraryForm</Edit>
-  <New>DocumentLibraryForm</New>
-</FormTemplates>
-</file>
-
-<file path=customXml/item2.xml><?xml version="1.0" encoding="utf-8"?>
-<p:properties xmlns:p="http://schemas.microsoft.com/office/2006/metadata/properties" xmlns:xsi="http://www.w3.org/2001/XMLSchema-instance" xmlns:pc="http://schemas.microsoft.com/office/infopath/2007/PartnerControls">
-  <documentManagement>
-    <_activity xmlns="fd689c1b-2561-4a46-ae04-6449f963ff76" xsi:nil="true"/>
-  </documentManagement>
-</p:properties>
-</file>
-
-<file path=customXml/item3.xml><?xml version="1.0" encoding="utf-8"?>
 <ct:contentTypeSchema xmlns:ct="http://schemas.microsoft.com/office/2006/metadata/contentType" xmlns:ma="http://schemas.microsoft.com/office/2006/metadata/properties/metaAttributes" ct:_="" ma:_="" ma:contentTypeName="Document" ma:contentTypeID="0x010100AF89B70DD9C08446A8443DF534F7285E" ma:contentTypeVersion="13" ma:contentTypeDescription="Create a new document." ma:contentTypeScope="" ma:versionID="ecc4e1277db930f2a9760bc5b361f436">
   <xsd:schema xmlns:xsd="http://www.w3.org/2001/XMLSchema" xmlns:xs="http://www.w3.org/2001/XMLSchema" xmlns:p="http://schemas.microsoft.com/office/2006/metadata/properties" xmlns:ns3="fd689c1b-2561-4a46-ae04-6449f963ff76" xmlns:ns4="04677cab-20cd-44d8-974c-14c664890eaa" targetNamespace="http://schemas.microsoft.com/office/2006/metadata/properties" ma:root="true" ma:fieldsID="494f09148d3a63d1912cdfb9c603bec2" ns3:_="" ns4:_="">
     <xsd:import namespace="fd689c1b-2561-4a46-ae04-6449f963ff76"/>
@@ -19007,32 +20445,24 @@
 </ct:contentTypeSchema>
 </file>
 
-<file path=customXml/itemProps1.xml><?xml version="1.0" encoding="utf-8"?>
-<ds:datastoreItem xmlns:ds="http://schemas.openxmlformats.org/officeDocument/2006/customXml" ds:itemID="{754D1958-5725-488F-A4D5-DA9E8FDB5252}">
-  <ds:schemaRefs>
-    <ds:schemaRef ds:uri="http://schemas.microsoft.com/sharepoint/v3/contenttype/forms"/>
-  </ds:schemaRefs>
-</ds:datastoreItem>
+<file path=customXml/item2.xml><?xml version="1.0" encoding="utf-8"?>
+<p:properties xmlns:p="http://schemas.microsoft.com/office/2006/metadata/properties" xmlns:xsi="http://www.w3.org/2001/XMLSchema-instance" xmlns:pc="http://schemas.microsoft.com/office/infopath/2007/PartnerControls">
+  <documentManagement>
+    <_activity xmlns="fd689c1b-2561-4a46-ae04-6449f963ff76" xsi:nil="true"/>
+  </documentManagement>
+</p:properties>
 </file>
 
-<file path=customXml/itemProps2.xml><?xml version="1.0" encoding="utf-8"?>
-<ds:datastoreItem xmlns:ds="http://schemas.openxmlformats.org/officeDocument/2006/customXml" ds:itemID="{6D3CDF3A-BF48-4B5B-B3E9-7B37F916BE05}">
-  <ds:schemaRefs>
-    <ds:schemaRef ds:uri="http://purl.org/dc/dcmitype/"/>
-    <ds:schemaRef ds:uri="http://schemas.microsoft.com/office/infopath/2007/PartnerControls"/>
-    <ds:schemaRef ds:uri="http://purl.org/dc/elements/1.1/"/>
-    <ds:schemaRef ds:uri="http://schemas.microsoft.com/office/2006/metadata/properties"/>
-    <ds:schemaRef ds:uri="04677cab-20cd-44d8-974c-14c664890eaa"/>
-    <ds:schemaRef ds:uri="fd689c1b-2561-4a46-ae04-6449f963ff76"/>
-    <ds:schemaRef ds:uri="http://purl.org/dc/terms/"/>
-    <ds:schemaRef ds:uri="http://schemas.microsoft.com/office/2006/documentManagement/types"/>
-    <ds:schemaRef ds:uri="http://schemas.openxmlformats.org/package/2006/metadata/core-properties"/>
-    <ds:schemaRef ds:uri="http://www.w3.org/XML/1998/namespace"/>
-  </ds:schemaRefs>
-</ds:datastoreItem>
+<file path=customXml/item3.xml><?xml version="1.0" encoding="utf-8"?>
+<?mso-contentType ?>
+<FormTemplates xmlns="http://schemas.microsoft.com/sharepoint/v3/contenttype/forms">
+  <Display>DocumentLibraryForm</Display>
+  <Edit>DocumentLibraryForm</Edit>
+  <New>DocumentLibraryForm</New>
+</FormTemplates>
 </file>
 
-<file path=customXml/itemProps3.xml><?xml version="1.0" encoding="utf-8"?>
+<file path=customXml/itemProps1.xml><?xml version="1.0" encoding="utf-8"?>
 <ds:datastoreItem xmlns:ds="http://schemas.openxmlformats.org/officeDocument/2006/customXml" ds:itemID="{038AB51F-98E0-4779-8180-600DAF31B4BF}">
   <ds:schemaRefs>
     <ds:schemaRef ds:uri="http://schemas.microsoft.com/office/2006/metadata/contentType"/>
@@ -19049,4 +20479,29 @@
     <ds:schemaRef ds:uri="http://schemas.microsoft.com/internal/obd"/>
   </ds:schemaRefs>
 </ds:datastoreItem>
+</file>
+
+<file path=customXml/itemProps2.xml><?xml version="1.0" encoding="utf-8"?>
+<ds:datastoreItem xmlns:ds="http://schemas.openxmlformats.org/officeDocument/2006/customXml" ds:itemID="{6D3CDF3A-BF48-4B5B-B3E9-7B37F916BE05}">
+  <ds:schemaRefs>
+    <ds:schemaRef ds:uri="http://purl.org/dc/terms/"/>
+    <ds:schemaRef ds:uri="http://schemas.openxmlformats.org/package/2006/metadata/core-properties"/>
+    <ds:schemaRef ds:uri="http://purl.org/dc/dcmitype/"/>
+    <ds:schemaRef ds:uri="http://schemas.microsoft.com/office/infopath/2007/PartnerControls"/>
+    <ds:schemaRef ds:uri="http://purl.org/dc/elements/1.1/"/>
+    <ds:schemaRef ds:uri="http://schemas.microsoft.com/office/2006/metadata/properties"/>
+    <ds:schemaRef ds:uri="04677cab-20cd-44d8-974c-14c664890eaa"/>
+    <ds:schemaRef ds:uri="http://schemas.microsoft.com/office/2006/documentManagement/types"/>
+    <ds:schemaRef ds:uri="fd689c1b-2561-4a46-ae04-6449f963ff76"/>
+    <ds:schemaRef ds:uri="http://www.w3.org/XML/1998/namespace"/>
+  </ds:schemaRefs>
+</ds:datastoreItem>
+</file>
+
+<file path=customXml/itemProps3.xml><?xml version="1.0" encoding="utf-8"?>
+<ds:datastoreItem xmlns:ds="http://schemas.openxmlformats.org/officeDocument/2006/customXml" ds:itemID="{754D1958-5725-488F-A4D5-DA9E8FDB5252}">
+  <ds:schemaRefs>
+    <ds:schemaRef ds:uri="http://schemas.microsoft.com/sharepoint/v3/contenttype/forms"/>
+  </ds:schemaRefs>
+</ds:datastoreItem>
 </file>
--- a/02. Presentations/PresentationGroup.pptx
+++ b/02. Presentations/PresentationGroup.pptx
@@ -6,17 +6,18 @@
     <p:sldMasterId id="2147483694" r:id="rId5"/>
   </p:sldMasterIdLst>
   <p:notesMasterIdLst>
-    <p:notesMasterId r:id="rId11"/>
+    <p:notesMasterId r:id="rId12"/>
   </p:notesMasterIdLst>
   <p:handoutMasterIdLst>
-    <p:handoutMasterId r:id="rId12"/>
+    <p:handoutMasterId r:id="rId13"/>
   </p:handoutMasterIdLst>
   <p:sldIdLst>
     <p:sldId id="269" r:id="rId6"/>
     <p:sldId id="273" r:id="rId7"/>
     <p:sldId id="275" r:id="rId8"/>
     <p:sldId id="276" r:id="rId9"/>
-    <p:sldId id="272" r:id="rId10"/>
+    <p:sldId id="277" r:id="rId10"/>
+    <p:sldId id="272" r:id="rId11"/>
   </p:sldIdLst>
   <p:sldSz cx="12192000" cy="6858000"/>
   <p:notesSz cx="6858000" cy="9144000"/>
@@ -17637,6 +17638,702 @@
           <a:chExt cx="0" cy="0"/>
         </a:xfrm>
       </p:grpSpPr>
+      <p:pic>
+        <p:nvPicPr>
+          <p:cNvPr id="40" name="Imagen 39">
+            <a:extLst>
+              <a:ext uri="{FF2B5EF4-FFF2-40B4-BE49-F238E27FC236}">
+                <a16:creationId xmlns:a16="http://schemas.microsoft.com/office/drawing/2014/main" id="{8F218771-7B67-AD0D-6818-242A026605E6}"/>
+              </a:ext>
+            </a:extLst>
+          </p:cNvPr>
+          <p:cNvPicPr>
+            <a:picLocks noChangeAspect="1"/>
+          </p:cNvPicPr>
+          <p:nvPr/>
+        </p:nvPicPr>
+        <p:blipFill>
+          <a:blip r:embed="rId2"/>
+          <a:stretch>
+            <a:fillRect/>
+          </a:stretch>
+        </p:blipFill>
+        <p:spPr>
+          <a:xfrm>
+            <a:off x="3883822" y="3966740"/>
+            <a:ext cx="3768003" cy="2116443"/>
+          </a:xfrm>
+          <a:prstGeom prst="rect">
+            <a:avLst/>
+          </a:prstGeom>
+        </p:spPr>
+      </p:pic>
+      <p:sp>
+        <p:nvSpPr>
+          <p:cNvPr id="3" name="Footer Placeholder 2"/>
+          <p:cNvSpPr>
+            <a:spLocks noGrp="1"/>
+          </p:cNvSpPr>
+          <p:nvPr>
+            <p:ph type="ftr" sz="quarter" idx="11"/>
+          </p:nvPr>
+        </p:nvSpPr>
+        <p:spPr/>
+        <p:txBody>
+          <a:bodyPr/>
+          <a:lstStyle/>
+          <a:p>
+            <a:r>
+              <a:rPr lang="nl-NL"/>
+              <a:t>Ingenieurswetenschappen, Werktuigkunde, TME</a:t>
+            </a:r>
+          </a:p>
+        </p:txBody>
+      </p:sp>
+      <p:sp>
+        <p:nvSpPr>
+          <p:cNvPr id="4" name="Slide Number Placeholder 3"/>
+          <p:cNvSpPr>
+            <a:spLocks noGrp="1"/>
+          </p:cNvSpPr>
+          <p:nvPr>
+            <p:ph type="sldNum" sz="quarter" idx="12"/>
+          </p:nvPr>
+        </p:nvSpPr>
+        <p:spPr/>
+        <p:txBody>
+          <a:bodyPr/>
+          <a:lstStyle/>
+          <a:p>
+            <a:fld id="{0A297500-7527-634B-90F4-69D0994C32B4}" type="slidenum">
+              <a:rPr lang="nl-NL" smtClean="0"/>
+              <a:t>5</a:t>
+            </a:fld>
+            <a:endParaRPr lang="nl-NL"/>
+          </a:p>
+        </p:txBody>
+      </p:sp>
+      <p:sp>
+        <p:nvSpPr>
+          <p:cNvPr id="5" name="Title 4"/>
+          <p:cNvSpPr>
+            <a:spLocks noGrp="1"/>
+          </p:cNvSpPr>
+          <p:nvPr>
+            <p:ph type="title"/>
+          </p:nvPr>
+        </p:nvSpPr>
+        <p:spPr/>
+        <p:txBody>
+          <a:bodyPr>
+            <a:normAutofit/>
+          </a:bodyPr>
+          <a:lstStyle/>
+          <a:p>
+            <a:r>
+              <a:rPr lang="en-US" dirty="0"/>
+              <a:t>ESOM: </a:t>
+            </a:r>
+            <a:r>
+              <a:rPr lang="en-US" sz="2800" dirty="0"/>
+              <a:t>Why considering AC-OPF?</a:t>
+            </a:r>
+            <a:endParaRPr lang="en-US" dirty="0"/>
+          </a:p>
+        </p:txBody>
+      </p:sp>
+      <p:pic>
+        <p:nvPicPr>
+          <p:cNvPr id="7" name="Imagen 6">
+            <a:extLst>
+              <a:ext uri="{FF2B5EF4-FFF2-40B4-BE49-F238E27FC236}">
+                <a16:creationId xmlns:a16="http://schemas.microsoft.com/office/drawing/2014/main" id="{7BDC14A6-2796-5F04-4BF1-47B4DFE9E387}"/>
+              </a:ext>
+            </a:extLst>
+          </p:cNvPr>
+          <p:cNvPicPr>
+            <a:picLocks noChangeAspect="1"/>
+          </p:cNvPicPr>
+          <p:nvPr/>
+        </p:nvPicPr>
+        <p:blipFill>
+          <a:blip r:embed="rId3"/>
+          <a:stretch>
+            <a:fillRect/>
+          </a:stretch>
+        </p:blipFill>
+        <p:spPr>
+          <a:xfrm>
+            <a:off x="258945" y="1398670"/>
+            <a:ext cx="3040399" cy="2716090"/>
+          </a:xfrm>
+          <a:prstGeom prst="rect">
+            <a:avLst/>
+          </a:prstGeom>
+        </p:spPr>
+      </p:pic>
+      <p:sp>
+        <p:nvSpPr>
+          <p:cNvPr id="9" name="CuadroTexto 8">
+            <a:extLst>
+              <a:ext uri="{FF2B5EF4-FFF2-40B4-BE49-F238E27FC236}">
+                <a16:creationId xmlns:a16="http://schemas.microsoft.com/office/drawing/2014/main" id="{DFCD37D3-A784-CE74-CE93-5062A093BC10}"/>
+              </a:ext>
+            </a:extLst>
+          </p:cNvPr>
+          <p:cNvSpPr txBox="1"/>
+          <p:nvPr/>
+        </p:nvSpPr>
+        <p:spPr>
+          <a:xfrm>
+            <a:off x="1276627" y="1075548"/>
+            <a:ext cx="1385957" cy="369332"/>
+          </a:xfrm>
+          <a:prstGeom prst="rect">
+            <a:avLst/>
+          </a:prstGeom>
+          <a:noFill/>
+        </p:spPr>
+        <p:txBody>
+          <a:bodyPr wrap="none" rtlCol="0">
+            <a:spAutoFit/>
+          </a:bodyPr>
+          <a:lstStyle/>
+          <a:p>
+            <a:r>
+              <a:rPr lang="en-GB" dirty="0"/>
+              <a:t>RTS-GMLC</a:t>
+            </a:r>
+          </a:p>
+        </p:txBody>
+      </p:sp>
+      <p:sp>
+        <p:nvSpPr>
+          <p:cNvPr id="12" name="CuadroTexto 11">
+            <a:extLst>
+              <a:ext uri="{FF2B5EF4-FFF2-40B4-BE49-F238E27FC236}">
+                <a16:creationId xmlns:a16="http://schemas.microsoft.com/office/drawing/2014/main" id="{74824BAE-50CA-6C43-84D0-3B94C7072EE0}"/>
+              </a:ext>
+            </a:extLst>
+          </p:cNvPr>
+          <p:cNvSpPr txBox="1"/>
+          <p:nvPr/>
+        </p:nvSpPr>
+        <p:spPr>
+          <a:xfrm>
+            <a:off x="258945" y="4049999"/>
+            <a:ext cx="3416320" cy="461665"/>
+          </a:xfrm>
+          <a:prstGeom prst="rect">
+            <a:avLst/>
+          </a:prstGeom>
+          <a:noFill/>
+        </p:spPr>
+        <p:txBody>
+          <a:bodyPr wrap="none" rtlCol="0">
+            <a:spAutoFit/>
+          </a:bodyPr>
+          <a:lstStyle/>
+          <a:p>
+            <a:r>
+              <a:rPr lang="en-GB" sz="800" dirty="0"/>
+              <a:t>Source: Scenario Creation and Power Conditioning Strategies for </a:t>
+            </a:r>
+          </a:p>
+          <a:p>
+            <a:r>
+              <a:rPr lang="en-GB" sz="800" dirty="0"/>
+              <a:t>Operating Power Grids with Two-Stage Stochastic Economic Dispatch </a:t>
+            </a:r>
+          </a:p>
+          <a:p>
+            <a:r>
+              <a:rPr lang="en-GB" sz="800" dirty="0"/>
+              <a:t>Link: https://www.nrel.gov/docs/fy21osti/75363.pdf</a:t>
+            </a:r>
+          </a:p>
+        </p:txBody>
+      </p:sp>
+      <p:cxnSp>
+        <p:nvCxnSpPr>
+          <p:cNvPr id="18" name="Conector recto 17">
+            <a:extLst>
+              <a:ext uri="{FF2B5EF4-FFF2-40B4-BE49-F238E27FC236}">
+                <a16:creationId xmlns:a16="http://schemas.microsoft.com/office/drawing/2014/main" id="{F30D5AC1-01C0-BF4B-A2F0-66E8420C5631}"/>
+              </a:ext>
+            </a:extLst>
+          </p:cNvPr>
+          <p:cNvCxnSpPr/>
+          <p:nvPr/>
+        </p:nvCxnSpPr>
+        <p:spPr>
+          <a:xfrm>
+            <a:off x="3675265" y="1140977"/>
+            <a:ext cx="0" cy="4782393"/>
+          </a:xfrm>
+          <a:prstGeom prst="line">
+            <a:avLst/>
+          </a:prstGeom>
+          <a:ln w="28575">
+            <a:prstDash val="lgDash"/>
+          </a:ln>
+        </p:spPr>
+        <p:style>
+          <a:lnRef idx="1">
+            <a:schemeClr val="dk1"/>
+          </a:lnRef>
+          <a:fillRef idx="0">
+            <a:schemeClr val="dk1"/>
+          </a:fillRef>
+          <a:effectRef idx="0">
+            <a:schemeClr val="dk1"/>
+          </a:effectRef>
+          <a:fontRef idx="minor">
+            <a:schemeClr val="tx1"/>
+          </a:fontRef>
+        </p:style>
+      </p:cxnSp>
+      <p:grpSp>
+        <p:nvGrpSpPr>
+          <p:cNvPr id="37" name="Grupo 36">
+            <a:extLst>
+              <a:ext uri="{FF2B5EF4-FFF2-40B4-BE49-F238E27FC236}">
+                <a16:creationId xmlns:a16="http://schemas.microsoft.com/office/drawing/2014/main" id="{79B88AB5-6C4A-6AFE-1B3C-D65678FA8265}"/>
+              </a:ext>
+            </a:extLst>
+          </p:cNvPr>
+          <p:cNvGrpSpPr/>
+          <p:nvPr/>
+        </p:nvGrpSpPr>
+        <p:grpSpPr>
+          <a:xfrm>
+            <a:off x="3883822" y="1444880"/>
+            <a:ext cx="3762409" cy="2320924"/>
+            <a:chOff x="3831250" y="1699327"/>
+            <a:chExt cx="3762409" cy="2320924"/>
+          </a:xfrm>
+        </p:grpSpPr>
+        <p:pic>
+          <p:nvPicPr>
+            <p:cNvPr id="24" name="Gráfico 23">
+              <a:extLst>
+                <a:ext uri="{FF2B5EF4-FFF2-40B4-BE49-F238E27FC236}">
+                  <a16:creationId xmlns:a16="http://schemas.microsoft.com/office/drawing/2014/main" id="{98F0593F-2979-6263-948D-4E1AFD9CB4FF}"/>
+                </a:ext>
+              </a:extLst>
+            </p:cNvPr>
+            <p:cNvPicPr>
+              <a:picLocks noChangeAspect="1"/>
+            </p:cNvPicPr>
+            <p:nvPr/>
+          </p:nvPicPr>
+          <p:blipFill>
+            <a:blip r:embed="rId4">
+              <a:extLst>
+                <a:ext uri="{96DAC541-7B7A-43D3-8B79-37D633B846F1}">
+                  <asvg:svgBlip xmlns:asvg="http://schemas.microsoft.com/office/drawing/2016/SVG/main" r:embed="rId5"/>
+                </a:ext>
+              </a:extLst>
+            </a:blip>
+            <a:stretch>
+              <a:fillRect/>
+            </a:stretch>
+          </p:blipFill>
+          <p:spPr>
+            <a:xfrm>
+              <a:off x="3831250" y="1699327"/>
+              <a:ext cx="3762409" cy="2320924"/>
+            </a:xfrm>
+            <a:prstGeom prst="rect">
+              <a:avLst/>
+            </a:prstGeom>
+          </p:spPr>
+        </p:pic>
+        <p:sp>
+          <p:nvSpPr>
+            <p:cNvPr id="27" name="Rectángulo 26">
+              <a:extLst>
+                <a:ext uri="{FF2B5EF4-FFF2-40B4-BE49-F238E27FC236}">
+                  <a16:creationId xmlns:a16="http://schemas.microsoft.com/office/drawing/2014/main" id="{8A4F6183-484B-73A1-7425-FD2FD8E6BE7A}"/>
+                </a:ext>
+              </a:extLst>
+            </p:cNvPr>
+            <p:cNvSpPr/>
+            <p:nvPr/>
+          </p:nvSpPr>
+          <p:spPr>
+            <a:xfrm>
+              <a:off x="6434667" y="3429000"/>
+              <a:ext cx="427951" cy="119785"/>
+            </a:xfrm>
+            <a:prstGeom prst="rect">
+              <a:avLst/>
+            </a:prstGeom>
+            <a:noFill/>
+            <a:ln w="19050" cap="flat" cmpd="sng" algn="ctr">
+              <a:solidFill>
+                <a:srgbClr val="C00000"/>
+              </a:solidFill>
+              <a:prstDash val="solid"/>
+              <a:round/>
+              <a:headEnd type="none" w="med" len="med"/>
+              <a:tailEnd type="none" w="med" len="med"/>
+            </a:ln>
+          </p:spPr>
+          <p:style>
+            <a:lnRef idx="0">
+              <a:scrgbClr r="0" g="0" b="0"/>
+            </a:lnRef>
+            <a:fillRef idx="0">
+              <a:scrgbClr r="0" g="0" b="0"/>
+            </a:fillRef>
+            <a:effectRef idx="0">
+              <a:scrgbClr r="0" g="0" b="0"/>
+            </a:effectRef>
+            <a:fontRef idx="minor">
+              <a:schemeClr val="dk1"/>
+            </a:fontRef>
+          </p:style>
+          <p:txBody>
+            <a:bodyPr rtlCol="0" anchor="ctr"/>
+            <a:lstStyle/>
+            <a:p>
+              <a:pPr algn="ctr"/>
+              <a:endParaRPr lang="en-GB"/>
+            </a:p>
+          </p:txBody>
+        </p:sp>
+        <p:cxnSp>
+          <p:nvCxnSpPr>
+            <p:cNvPr id="29" name="Conector recto 28">
+              <a:extLst>
+                <a:ext uri="{FF2B5EF4-FFF2-40B4-BE49-F238E27FC236}">
+                  <a16:creationId xmlns:a16="http://schemas.microsoft.com/office/drawing/2014/main" id="{57F71740-A484-384E-A9E6-01C8262F8C78}"/>
+                </a:ext>
+              </a:extLst>
+            </p:cNvPr>
+            <p:cNvCxnSpPr>
+              <a:cxnSpLocks/>
+              <a:endCxn id="27" idx="1"/>
+            </p:cNvCxnSpPr>
+            <p:nvPr/>
+          </p:nvCxnSpPr>
+          <p:spPr>
+            <a:xfrm>
+              <a:off x="6094473" y="2739916"/>
+              <a:ext cx="340194" cy="748977"/>
+            </a:xfrm>
+            <a:prstGeom prst="line">
+              <a:avLst/>
+            </a:prstGeom>
+            <a:ln>
+              <a:solidFill>
+                <a:srgbClr val="C00000"/>
+              </a:solidFill>
+            </a:ln>
+          </p:spPr>
+          <p:style>
+            <a:lnRef idx="1">
+              <a:schemeClr val="accent1"/>
+            </a:lnRef>
+            <a:fillRef idx="0">
+              <a:schemeClr val="accent1"/>
+            </a:fillRef>
+            <a:effectRef idx="0">
+              <a:schemeClr val="accent1"/>
+            </a:effectRef>
+            <a:fontRef idx="minor">
+              <a:schemeClr val="tx1"/>
+            </a:fontRef>
+          </p:style>
+        </p:cxnSp>
+        <p:cxnSp>
+          <p:nvCxnSpPr>
+            <p:cNvPr id="31" name="Conector recto 30">
+              <a:extLst>
+                <a:ext uri="{FF2B5EF4-FFF2-40B4-BE49-F238E27FC236}">
+                  <a16:creationId xmlns:a16="http://schemas.microsoft.com/office/drawing/2014/main" id="{E491B946-2BA5-6437-0232-36E4A50857CF}"/>
+                </a:ext>
+              </a:extLst>
+            </p:cNvPr>
+            <p:cNvCxnSpPr>
+              <a:cxnSpLocks/>
+            </p:cNvCxnSpPr>
+            <p:nvPr/>
+          </p:nvCxnSpPr>
+          <p:spPr>
+            <a:xfrm flipV="1">
+              <a:off x="6862618" y="2739916"/>
+              <a:ext cx="82665" cy="689084"/>
+            </a:xfrm>
+            <a:prstGeom prst="line">
+              <a:avLst/>
+            </a:prstGeom>
+            <a:ln>
+              <a:solidFill>
+                <a:srgbClr val="C00000"/>
+              </a:solidFill>
+            </a:ln>
+          </p:spPr>
+          <p:style>
+            <a:lnRef idx="1">
+              <a:schemeClr val="accent1"/>
+            </a:lnRef>
+            <a:fillRef idx="0">
+              <a:schemeClr val="accent1"/>
+            </a:fillRef>
+            <a:effectRef idx="0">
+              <a:schemeClr val="accent1"/>
+            </a:effectRef>
+            <a:fontRef idx="minor">
+              <a:schemeClr val="tx1"/>
+            </a:fontRef>
+          </p:style>
+        </p:cxnSp>
+        <p:pic>
+          <p:nvPicPr>
+            <p:cNvPr id="32" name="Imagen 31">
+              <a:extLst>
+                <a:ext uri="{FF2B5EF4-FFF2-40B4-BE49-F238E27FC236}">
+                  <a16:creationId xmlns:a16="http://schemas.microsoft.com/office/drawing/2014/main" id="{021336F5-17CA-E916-3AE3-0B2CDD3A5227}"/>
+                </a:ext>
+              </a:extLst>
+            </p:cNvPr>
+            <p:cNvPicPr>
+              <a:picLocks noChangeAspect="1"/>
+            </p:cNvPicPr>
+            <p:nvPr/>
+          </p:nvPicPr>
+          <p:blipFill>
+            <a:blip r:embed="rId6"/>
+            <a:stretch>
+              <a:fillRect/>
+            </a:stretch>
+          </p:blipFill>
+          <p:spPr>
+            <a:xfrm>
+              <a:off x="6097528" y="2232498"/>
+              <a:ext cx="847755" cy="507418"/>
+            </a:xfrm>
+            <a:prstGeom prst="rect">
+              <a:avLst/>
+            </a:prstGeom>
+            <a:ln>
+              <a:solidFill>
+                <a:srgbClr val="C00000"/>
+              </a:solidFill>
+            </a:ln>
+          </p:spPr>
+        </p:pic>
+      </p:grpSp>
+      <p:sp>
+        <p:nvSpPr>
+          <p:cNvPr id="39" name="Rectángulo 38">
+            <a:extLst>
+              <a:ext uri="{FF2B5EF4-FFF2-40B4-BE49-F238E27FC236}">
+                <a16:creationId xmlns:a16="http://schemas.microsoft.com/office/drawing/2014/main" id="{620DF5BB-33F2-A867-3EF1-9CAC823D140E}"/>
+              </a:ext>
+            </a:extLst>
+          </p:cNvPr>
+          <p:cNvSpPr/>
+          <p:nvPr/>
+        </p:nvSpPr>
+        <p:spPr>
+          <a:xfrm>
+            <a:off x="6096000" y="4806393"/>
+            <a:ext cx="788068" cy="540489"/>
+          </a:xfrm>
+          <a:prstGeom prst="rect">
+            <a:avLst/>
+          </a:prstGeom>
+          <a:noFill/>
+          <a:ln w="19050" cap="flat" cmpd="sng" algn="ctr">
+            <a:solidFill>
+              <a:srgbClr val="C00000"/>
+            </a:solidFill>
+            <a:prstDash val="solid"/>
+            <a:round/>
+            <a:headEnd type="none" w="med" len="med"/>
+            <a:tailEnd type="none" w="med" len="med"/>
+          </a:ln>
+        </p:spPr>
+        <p:style>
+          <a:lnRef idx="0">
+            <a:scrgbClr r="0" g="0" b="0"/>
+          </a:lnRef>
+          <a:fillRef idx="0">
+            <a:scrgbClr r="0" g="0" b="0"/>
+          </a:fillRef>
+          <a:effectRef idx="0">
+            <a:scrgbClr r="0" g="0" b="0"/>
+          </a:effectRef>
+          <a:fontRef idx="minor">
+            <a:schemeClr val="dk1"/>
+          </a:fontRef>
+        </p:style>
+        <p:txBody>
+          <a:bodyPr rtlCol="0" anchor="ctr"/>
+          <a:lstStyle/>
+          <a:p>
+            <a:pPr algn="ctr"/>
+            <a:endParaRPr lang="en-GB"/>
+          </a:p>
+        </p:txBody>
+      </p:sp>
+      <p:sp>
+        <p:nvSpPr>
+          <p:cNvPr id="41" name="Elipse 40">
+            <a:extLst>
+              <a:ext uri="{FF2B5EF4-FFF2-40B4-BE49-F238E27FC236}">
+                <a16:creationId xmlns:a16="http://schemas.microsoft.com/office/drawing/2014/main" id="{BC7CAD1B-3551-16A8-5A27-B88B38EDC3CC}"/>
+              </a:ext>
+            </a:extLst>
+          </p:cNvPr>
+          <p:cNvSpPr/>
+          <p:nvPr/>
+        </p:nvSpPr>
+        <p:spPr>
+          <a:xfrm>
+            <a:off x="4889089" y="4380271"/>
+            <a:ext cx="545691" cy="486697"/>
+          </a:xfrm>
+          <a:prstGeom prst="ellipse">
+            <a:avLst/>
+          </a:prstGeom>
+          <a:noFill/>
+          <a:ln w="19050" cap="flat" cmpd="sng" algn="ctr">
+            <a:solidFill>
+              <a:srgbClr val="C00000"/>
+            </a:solidFill>
+            <a:prstDash val="solid"/>
+            <a:round/>
+            <a:headEnd type="none" w="med" len="med"/>
+            <a:tailEnd type="none" w="med" len="med"/>
+          </a:ln>
+        </p:spPr>
+        <p:style>
+          <a:lnRef idx="0">
+            <a:scrgbClr r="0" g="0" b="0"/>
+          </a:lnRef>
+          <a:fillRef idx="0">
+            <a:scrgbClr r="0" g="0" b="0"/>
+          </a:fillRef>
+          <a:effectRef idx="0">
+            <a:scrgbClr r="0" g="0" b="0"/>
+          </a:effectRef>
+          <a:fontRef idx="minor">
+            <a:schemeClr val="dk1"/>
+          </a:fontRef>
+        </p:style>
+        <p:txBody>
+          <a:bodyPr rtlCol="0" anchor="ctr"/>
+          <a:lstStyle/>
+          <a:p>
+            <a:pPr algn="ctr"/>
+            <a:endParaRPr lang="en-GB"/>
+          </a:p>
+        </p:txBody>
+      </p:sp>
+      <p:sp>
+        <p:nvSpPr>
+          <p:cNvPr id="42" name="CuadroTexto 41">
+            <a:extLst>
+              <a:ext uri="{FF2B5EF4-FFF2-40B4-BE49-F238E27FC236}">
+                <a16:creationId xmlns:a16="http://schemas.microsoft.com/office/drawing/2014/main" id="{CDB88E94-4EBF-F140-384F-E78D16909B94}"/>
+              </a:ext>
+            </a:extLst>
+          </p:cNvPr>
+          <p:cNvSpPr txBox="1"/>
+          <p:nvPr/>
+        </p:nvSpPr>
+        <p:spPr>
+          <a:xfrm>
+            <a:off x="3999971" y="1116884"/>
+            <a:ext cx="3534942" cy="338554"/>
+          </a:xfrm>
+          <a:prstGeom prst="rect">
+            <a:avLst/>
+          </a:prstGeom>
+          <a:noFill/>
+        </p:spPr>
+        <p:txBody>
+          <a:bodyPr wrap="none" rtlCol="0">
+            <a:spAutoFit/>
+          </a:bodyPr>
+          <a:lstStyle/>
+          <a:p>
+            <a:r>
+              <a:rPr lang="en-GB" sz="1600" dirty="0"/>
+              <a:t>Implications on the capacity planning</a:t>
+            </a:r>
+          </a:p>
+        </p:txBody>
+      </p:sp>
+      <p:sp>
+        <p:nvSpPr>
+          <p:cNvPr id="43" name="CuadroTexto 42">
+            <a:extLst>
+              <a:ext uri="{FF2B5EF4-FFF2-40B4-BE49-F238E27FC236}">
+                <a16:creationId xmlns:a16="http://schemas.microsoft.com/office/drawing/2014/main" id="{F7DF0360-9111-9E38-ABFC-19E65F059C7D}"/>
+              </a:ext>
+            </a:extLst>
+          </p:cNvPr>
+          <p:cNvSpPr txBox="1"/>
+          <p:nvPr/>
+        </p:nvSpPr>
+        <p:spPr>
+          <a:xfrm>
+            <a:off x="7893356" y="1116884"/>
+            <a:ext cx="4094391" cy="338554"/>
+          </a:xfrm>
+          <a:prstGeom prst="rect">
+            <a:avLst/>
+          </a:prstGeom>
+          <a:noFill/>
+        </p:spPr>
+        <p:txBody>
+          <a:bodyPr wrap="none" rtlCol="0">
+            <a:spAutoFit/>
+          </a:bodyPr>
+          <a:lstStyle/>
+          <a:p>
+            <a:r>
+              <a:rPr lang="en-GB" sz="1600" dirty="0"/>
+              <a:t>Implications on the transmission expansion</a:t>
+            </a:r>
+          </a:p>
+        </p:txBody>
+      </p:sp>
+    </p:spTree>
+    <p:extLst>
+      <p:ext uri="{BB962C8B-B14F-4D97-AF65-F5344CB8AC3E}">
+        <p14:creationId xmlns:p14="http://schemas.microsoft.com/office/powerpoint/2010/main" val="2723966266"/>
+      </p:ext>
+    </p:extLst>
+  </p:cSld>
+  <p:clrMapOvr>
+    <a:masterClrMapping/>
+  </p:clrMapOvr>
+</p:sld>
+</file>
+
+<file path=ppt/slides/slide6.xml><?xml version="1.0" encoding="utf-8"?>
+<p:sld xmlns:a="http://schemas.openxmlformats.org/drawingml/2006/main" xmlns:r="http://schemas.openxmlformats.org/officeDocument/2006/relationships" xmlns:p="http://schemas.openxmlformats.org/presentationml/2006/main">
+  <p:cSld>
+    <p:spTree>
+      <p:nvGrpSpPr>
+        <p:cNvPr id="1" name=""/>
+        <p:cNvGrpSpPr/>
+        <p:nvPr/>
+      </p:nvGrpSpPr>
+      <p:grpSpPr>
+        <a:xfrm>
+          <a:off x="0" y="0"/>
+          <a:ext cx="0" cy="0"/>
+          <a:chOff x="0" y="0"/>
+          <a:chExt cx="0" cy="0"/>
+        </a:xfrm>
+      </p:grpSpPr>
       <p:sp>
         <p:nvSpPr>
           <p:cNvPr id="2" name="Footer Placeholder 1"/>
@@ -17676,7 +18373,7 @@
           <a:p>
             <a:fld id="{0A297500-7527-634B-90F4-69D0994C32B4}" type="slidenum">
               <a:rPr lang="nl-NL" smtClean="0"/>
-              <a:t>5</a:t>
+              <a:t>6</a:t>
             </a:fld>
             <a:endParaRPr lang="nl-NL"/>
           </a:p>

--- a/02. Presentations/PresentationGroup.pptx
+++ b/02. Presentations/PresentationGroup.pptx
@@ -5122,7 +5122,7 @@
                   <a:srgbClr val="92D050"/>
                 </a:solidFill>
               </a:rPr>
-              <a:t>Optimization problem (1)</a:t>
+              <a:t>Optimization problem (2)</a:t>
             </a:r>
           </a:p>
           <a:p>
@@ -8857,7 +8857,7 @@
               <p:nvPr>
                 <p:extLst>
                   <p:ext uri="{D42A27DB-BD31-4B8C-83A1-F6EECF244321}">
-                    <p14:modId xmlns:p14="http://schemas.microsoft.com/office/powerpoint/2010/main" val="3285139193"/>
+                    <p14:modId xmlns:p14="http://schemas.microsoft.com/office/powerpoint/2010/main" val="1788112316"/>
                   </p:ext>
                 </p:extLst>
               </p:nvPr>
@@ -8917,7 +8917,7 @@
                             </a:spcAft>
                           </a:pPr>
                           <a:r>
-                            <a:rPr lang="en-US" sz="1200" noProof="0" dirty="0">
+                            <a:rPr lang="en-US" sz="1200" b="1" noProof="0" dirty="0">
                               <a:effectLst/>
                               <a:latin typeface="Times New Roman" panose="02020603050405020304" pitchFamily="18" charset="0"/>
                               <a:ea typeface="SimSun" panose="02010600030101010101" pitchFamily="2" charset="-122"/>
@@ -15021,7 +15021,7 @@
               <p:nvPr>
                 <p:extLst>
                   <p:ext uri="{D42A27DB-BD31-4B8C-83A1-F6EECF244321}">
-                    <p14:modId xmlns:p14="http://schemas.microsoft.com/office/powerpoint/2010/main" val="3285139193"/>
+                    <p14:modId xmlns:p14="http://schemas.microsoft.com/office/powerpoint/2010/main" val="1788112316"/>
                   </p:ext>
                 </p:extLst>
               </p:nvPr>
@@ -15081,7 +15081,7 @@
                             </a:spcAft>
                           </a:pPr>
                           <a:r>
-                            <a:rPr lang="en-US" sz="1200" noProof="0" dirty="0">
+                            <a:rPr lang="en-US" sz="1200" b="1" noProof="0" dirty="0">
                               <a:effectLst/>
                               <a:latin typeface="Times New Roman" panose="02020603050405020304" pitchFamily="18" charset="0"/>
                               <a:ea typeface="SimSun" panose="02010600030101010101" pitchFamily="2" charset="-122"/>

--- a/02. Presentations/PresentationGroup.pptx
+++ b/02. Presentations/PresentationGroup.pptx
@@ -6,10 +6,10 @@
     <p:sldMasterId id="2147483694" r:id="rId5"/>
   </p:sldMasterIdLst>
   <p:notesMasterIdLst>
-    <p:notesMasterId r:id="rId12"/>
+    <p:notesMasterId r:id="rId13"/>
   </p:notesMasterIdLst>
   <p:handoutMasterIdLst>
-    <p:handoutMasterId r:id="rId13"/>
+    <p:handoutMasterId r:id="rId14"/>
   </p:handoutMasterIdLst>
   <p:sldIdLst>
     <p:sldId id="269" r:id="rId6"/>
@@ -17,7 +17,8 @@
     <p:sldId id="275" r:id="rId8"/>
     <p:sldId id="276" r:id="rId9"/>
     <p:sldId id="277" r:id="rId10"/>
-    <p:sldId id="272" r:id="rId11"/>
+    <p:sldId id="278" r:id="rId11"/>
+    <p:sldId id="272" r:id="rId12"/>
   </p:sldIdLst>
   <p:sldSz cx="12192000" cy="6858000"/>
   <p:notesSz cx="6858000" cy="9144000"/>
@@ -7445,62 +7446,6 @@
           </a:p>
         </p:txBody>
       </p:sp>
-      <p:sp>
-        <p:nvSpPr>
-          <p:cNvPr id="115" name="Rectángulo: esquinas redondeadas 114">
-            <a:extLst>
-              <a:ext uri="{FF2B5EF4-FFF2-40B4-BE49-F238E27FC236}">
-                <a16:creationId xmlns:a16="http://schemas.microsoft.com/office/drawing/2014/main" id="{06C49188-48EB-CC14-7DB5-0AFC99764816}"/>
-              </a:ext>
-            </a:extLst>
-          </p:cNvPr>
-          <p:cNvSpPr/>
-          <p:nvPr/>
-        </p:nvSpPr>
-        <p:spPr>
-          <a:xfrm>
-            <a:off x="2793841" y="4946141"/>
-            <a:ext cx="1846574" cy="996230"/>
-          </a:xfrm>
-          <a:prstGeom prst="roundRect">
-            <a:avLst/>
-          </a:prstGeom>
-          <a:solidFill>
-            <a:schemeClr val="bg1"/>
-          </a:solidFill>
-          <a:ln w="9525" cap="flat" cmpd="sng" algn="ctr">
-            <a:solidFill>
-              <a:schemeClr val="dk1"/>
-            </a:solidFill>
-            <a:prstDash val="solid"/>
-            <a:round/>
-            <a:headEnd type="none" w="med" len="med"/>
-            <a:tailEnd type="none" w="med" len="med"/>
-          </a:ln>
-        </p:spPr>
-        <p:style>
-          <a:lnRef idx="0">
-            <a:scrgbClr r="0" g="0" b="0"/>
-          </a:lnRef>
-          <a:fillRef idx="0">
-            <a:scrgbClr r="0" g="0" b="0"/>
-          </a:fillRef>
-          <a:effectRef idx="0">
-            <a:scrgbClr r="0" g="0" b="0"/>
-          </a:effectRef>
-          <a:fontRef idx="minor">
-            <a:schemeClr val="dk1"/>
-          </a:fontRef>
-        </p:style>
-        <p:txBody>
-          <a:bodyPr rtlCol="0" anchor="ctr"/>
-          <a:lstStyle/>
-          <a:p>
-            <a:pPr algn="ctr"/>
-            <a:endParaRPr lang="en-GB" dirty="0"/>
-          </a:p>
-        </p:txBody>
-      </p:sp>
       <p:grpSp>
         <p:nvGrpSpPr>
           <p:cNvPr id="116" name="Grupo 115">
@@ -8043,140 +7988,6 @@
           </a:fontRef>
         </p:style>
       </p:cxnSp>
-      <p:grpSp>
-        <p:nvGrpSpPr>
-          <p:cNvPr id="128" name="Grupo 127">
-            <a:extLst>
-              <a:ext uri="{FF2B5EF4-FFF2-40B4-BE49-F238E27FC236}">
-                <a16:creationId xmlns:a16="http://schemas.microsoft.com/office/drawing/2014/main" id="{07B1EB7C-22C1-3238-46D5-7A1CFBA92D6E}"/>
-              </a:ext>
-            </a:extLst>
-          </p:cNvPr>
-          <p:cNvGrpSpPr/>
-          <p:nvPr/>
-        </p:nvGrpSpPr>
-        <p:grpSpPr>
-          <a:xfrm>
-            <a:off x="3094448" y="5159396"/>
-            <a:ext cx="1213706" cy="728223"/>
-            <a:chOff x="10198340" y="754406"/>
-            <a:chExt cx="1213706" cy="728223"/>
-          </a:xfrm>
-        </p:grpSpPr>
-        <p:sp>
-          <p:nvSpPr>
-            <p:cNvPr id="129" name="Rectángulo: esquinas redondeadas 128">
-              <a:extLst>
-                <a:ext uri="{FF2B5EF4-FFF2-40B4-BE49-F238E27FC236}">
-                  <a16:creationId xmlns:a16="http://schemas.microsoft.com/office/drawing/2014/main" id="{916A5184-3C9B-3BEB-725C-C55B4D48E91E}"/>
-                </a:ext>
-              </a:extLst>
-            </p:cNvPr>
-            <p:cNvSpPr/>
-            <p:nvPr/>
-          </p:nvSpPr>
-          <p:spPr>
-            <a:xfrm>
-              <a:off x="10198340" y="754406"/>
-              <a:ext cx="1213706" cy="728223"/>
-            </a:xfrm>
-            <a:prstGeom prst="roundRect">
-              <a:avLst>
-                <a:gd name="adj" fmla="val 10000"/>
-              </a:avLst>
-            </a:prstGeom>
-          </p:spPr>
-          <p:style>
-            <a:lnRef idx="2">
-              <a:schemeClr val="lt1">
-                <a:hueOff val="0"/>
-                <a:satOff val="0"/>
-                <a:lumOff val="0"/>
-                <a:alphaOff val="0"/>
-              </a:schemeClr>
-            </a:lnRef>
-            <a:fillRef idx="1">
-              <a:schemeClr val="accent3">
-                <a:hueOff val="0"/>
-                <a:satOff val="0"/>
-                <a:lumOff val="0"/>
-                <a:alphaOff val="0"/>
-              </a:schemeClr>
-            </a:fillRef>
-            <a:effectRef idx="0">
-              <a:schemeClr val="accent3">
-                <a:hueOff val="0"/>
-                <a:satOff val="0"/>
-                <a:lumOff val="0"/>
-                <a:alphaOff val="0"/>
-              </a:schemeClr>
-            </a:effectRef>
-            <a:fontRef idx="minor">
-              <a:schemeClr val="lt1"/>
-            </a:fontRef>
-          </p:style>
-        </p:sp>
-        <p:sp>
-          <p:nvSpPr>
-            <p:cNvPr id="130" name="Rectángulo: esquinas redondeadas 4">
-              <a:extLst>
-                <a:ext uri="{FF2B5EF4-FFF2-40B4-BE49-F238E27FC236}">
-                  <a16:creationId xmlns:a16="http://schemas.microsoft.com/office/drawing/2014/main" id="{C5962369-3BD8-18A4-4790-E6C448809E2C}"/>
-                </a:ext>
-              </a:extLst>
-            </p:cNvPr>
-            <p:cNvSpPr txBox="1"/>
-            <p:nvPr/>
-          </p:nvSpPr>
-          <p:spPr>
-            <a:xfrm>
-              <a:off x="10219669" y="775735"/>
-              <a:ext cx="1171048" cy="685565"/>
-            </a:xfrm>
-            <a:prstGeom prst="rect">
-              <a:avLst/>
-            </a:prstGeom>
-          </p:spPr>
-          <p:style>
-            <a:lnRef idx="0">
-              <a:scrgbClr r="0" g="0" b="0"/>
-            </a:lnRef>
-            <a:fillRef idx="0">
-              <a:scrgbClr r="0" g="0" b="0"/>
-            </a:fillRef>
-            <a:effectRef idx="0">
-              <a:scrgbClr r="0" g="0" b="0"/>
-            </a:effectRef>
-            <a:fontRef idx="minor">
-              <a:schemeClr val="lt1"/>
-            </a:fontRef>
-          </p:style>
-          <p:txBody>
-            <a:bodyPr spcFirstLastPara="0" vert="horz" wrap="square" lIns="41910" tIns="41910" rIns="41910" bIns="41910" numCol="1" spcCol="1270" anchor="ctr" anchorCtr="0">
-              <a:noAutofit/>
-            </a:bodyPr>
-            <a:lstStyle/>
-            <a:p>
-              <a:pPr marL="0" lvl="0" indent="0" algn="ctr" defTabSz="488950">
-                <a:lnSpc>
-                  <a:spcPct val="90000"/>
-                </a:lnSpc>
-                <a:spcBef>
-                  <a:spcPct val="0"/>
-                </a:spcBef>
-                <a:spcAft>
-                  <a:spcPct val="35000"/>
-                </a:spcAft>
-                <a:buNone/>
-              </a:pPr>
-              <a:r>
-                <a:rPr lang="en-US" sz="1100" b="1" kern="1200" dirty="0"/>
-                <a:t>ANN: Cost Estimator</a:t>
-              </a:r>
-            </a:p>
-          </p:txBody>
-        </p:sp>
-      </p:grpSp>
       <p:cxnSp>
         <p:nvCxnSpPr>
           <p:cNvPr id="131" name="Conector recto de flecha 130">
@@ -8272,41 +8083,252 @@
           </a:p>
         </p:txBody>
       </p:sp>
-      <p:sp>
-        <p:nvSpPr>
-          <p:cNvPr id="133" name="CuadroTexto 132">
+      <p:grpSp>
+        <p:nvGrpSpPr>
+          <p:cNvPr id="154" name="Grupo 153">
             <a:extLst>
               <a:ext uri="{FF2B5EF4-FFF2-40B4-BE49-F238E27FC236}">
-                <a16:creationId xmlns:a16="http://schemas.microsoft.com/office/drawing/2014/main" id="{F534D431-00FC-6C21-43E5-21EDB7F8D882}"/>
+                <a16:creationId xmlns:a16="http://schemas.microsoft.com/office/drawing/2014/main" id="{E201DC7E-169C-AF01-9E7E-817975EAE89A}"/>
               </a:ext>
             </a:extLst>
           </p:cNvPr>
-          <p:cNvSpPr txBox="1"/>
+          <p:cNvGrpSpPr/>
           <p:nvPr/>
-        </p:nvSpPr>
-        <p:spPr>
+        </p:nvGrpSpPr>
+        <p:grpSpPr>
           <a:xfrm>
             <a:off x="2739338" y="4946141"/>
-            <a:ext cx="1984839" cy="261610"/>
+            <a:ext cx="1984839" cy="996230"/>
+            <a:chOff x="2739338" y="4946141"/>
+            <a:chExt cx="1984839" cy="996230"/>
           </a:xfrm>
-          <a:prstGeom prst="rect">
-            <a:avLst/>
-          </a:prstGeom>
-          <a:noFill/>
-        </p:spPr>
-        <p:txBody>
-          <a:bodyPr wrap="none" rtlCol="0">
-            <a:spAutoFit/>
-          </a:bodyPr>
-          <a:lstStyle/>
-          <a:p>
-            <a:r>
-              <a:rPr lang="en-GB" sz="1100" b="1" dirty="0"/>
-              <a:t>Investment Benefit Method</a:t>
-            </a:r>
-          </a:p>
-        </p:txBody>
-      </p:sp>
+        </p:grpSpPr>
+        <p:sp>
+          <p:nvSpPr>
+            <p:cNvPr id="115" name="Rectángulo: esquinas redondeadas 114">
+              <a:extLst>
+                <a:ext uri="{FF2B5EF4-FFF2-40B4-BE49-F238E27FC236}">
+                  <a16:creationId xmlns:a16="http://schemas.microsoft.com/office/drawing/2014/main" id="{06C49188-48EB-CC14-7DB5-0AFC99764816}"/>
+                </a:ext>
+              </a:extLst>
+            </p:cNvPr>
+            <p:cNvSpPr/>
+            <p:nvPr/>
+          </p:nvSpPr>
+          <p:spPr>
+            <a:xfrm>
+              <a:off x="2793841" y="4946141"/>
+              <a:ext cx="1846574" cy="996230"/>
+            </a:xfrm>
+            <a:prstGeom prst="roundRect">
+              <a:avLst/>
+            </a:prstGeom>
+            <a:solidFill>
+              <a:schemeClr val="bg1"/>
+            </a:solidFill>
+            <a:ln w="9525" cap="flat" cmpd="sng" algn="ctr">
+              <a:solidFill>
+                <a:schemeClr val="dk1"/>
+              </a:solidFill>
+              <a:prstDash val="solid"/>
+              <a:round/>
+              <a:headEnd type="none" w="med" len="med"/>
+              <a:tailEnd type="none" w="med" len="med"/>
+            </a:ln>
+          </p:spPr>
+          <p:style>
+            <a:lnRef idx="0">
+              <a:scrgbClr r="0" g="0" b="0"/>
+            </a:lnRef>
+            <a:fillRef idx="0">
+              <a:scrgbClr r="0" g="0" b="0"/>
+            </a:fillRef>
+            <a:effectRef idx="0">
+              <a:scrgbClr r="0" g="0" b="0"/>
+            </a:effectRef>
+            <a:fontRef idx="minor">
+              <a:schemeClr val="dk1"/>
+            </a:fontRef>
+          </p:style>
+          <p:txBody>
+            <a:bodyPr rtlCol="0" anchor="ctr"/>
+            <a:lstStyle/>
+            <a:p>
+              <a:pPr algn="ctr"/>
+              <a:endParaRPr lang="en-GB" dirty="0"/>
+            </a:p>
+          </p:txBody>
+        </p:sp>
+        <p:grpSp>
+          <p:nvGrpSpPr>
+            <p:cNvPr id="128" name="Grupo 127">
+              <a:extLst>
+                <a:ext uri="{FF2B5EF4-FFF2-40B4-BE49-F238E27FC236}">
+                  <a16:creationId xmlns:a16="http://schemas.microsoft.com/office/drawing/2014/main" id="{07B1EB7C-22C1-3238-46D5-7A1CFBA92D6E}"/>
+                </a:ext>
+              </a:extLst>
+            </p:cNvPr>
+            <p:cNvGrpSpPr/>
+            <p:nvPr/>
+          </p:nvGrpSpPr>
+          <p:grpSpPr>
+            <a:xfrm>
+              <a:off x="3094448" y="5159396"/>
+              <a:ext cx="1213706" cy="728223"/>
+              <a:chOff x="10198340" y="754406"/>
+              <a:chExt cx="1213706" cy="728223"/>
+            </a:xfrm>
+          </p:grpSpPr>
+          <p:sp>
+            <p:nvSpPr>
+              <p:cNvPr id="129" name="Rectángulo: esquinas redondeadas 128">
+                <a:extLst>
+                  <a:ext uri="{FF2B5EF4-FFF2-40B4-BE49-F238E27FC236}">
+                    <a16:creationId xmlns:a16="http://schemas.microsoft.com/office/drawing/2014/main" id="{916A5184-3C9B-3BEB-725C-C55B4D48E91E}"/>
+                  </a:ext>
+                </a:extLst>
+              </p:cNvPr>
+              <p:cNvSpPr/>
+              <p:nvPr/>
+            </p:nvSpPr>
+            <p:spPr>
+              <a:xfrm>
+                <a:off x="10198340" y="754406"/>
+                <a:ext cx="1213706" cy="728223"/>
+              </a:xfrm>
+              <a:prstGeom prst="roundRect">
+                <a:avLst>
+                  <a:gd name="adj" fmla="val 10000"/>
+                </a:avLst>
+              </a:prstGeom>
+            </p:spPr>
+            <p:style>
+              <a:lnRef idx="2">
+                <a:schemeClr val="lt1">
+                  <a:hueOff val="0"/>
+                  <a:satOff val="0"/>
+                  <a:lumOff val="0"/>
+                  <a:alphaOff val="0"/>
+                </a:schemeClr>
+              </a:lnRef>
+              <a:fillRef idx="1">
+                <a:schemeClr val="accent3">
+                  <a:hueOff val="0"/>
+                  <a:satOff val="0"/>
+                  <a:lumOff val="0"/>
+                  <a:alphaOff val="0"/>
+                </a:schemeClr>
+              </a:fillRef>
+              <a:effectRef idx="0">
+                <a:schemeClr val="accent3">
+                  <a:hueOff val="0"/>
+                  <a:satOff val="0"/>
+                  <a:lumOff val="0"/>
+                  <a:alphaOff val="0"/>
+                </a:schemeClr>
+              </a:effectRef>
+              <a:fontRef idx="minor">
+                <a:schemeClr val="lt1"/>
+              </a:fontRef>
+            </p:style>
+          </p:sp>
+          <p:sp>
+            <p:nvSpPr>
+              <p:cNvPr id="130" name="Rectángulo: esquinas redondeadas 4">
+                <a:extLst>
+                  <a:ext uri="{FF2B5EF4-FFF2-40B4-BE49-F238E27FC236}">
+                    <a16:creationId xmlns:a16="http://schemas.microsoft.com/office/drawing/2014/main" id="{C5962369-3BD8-18A4-4790-E6C448809E2C}"/>
+                  </a:ext>
+                </a:extLst>
+              </p:cNvPr>
+              <p:cNvSpPr txBox="1"/>
+              <p:nvPr/>
+            </p:nvSpPr>
+            <p:spPr>
+              <a:xfrm>
+                <a:off x="10219669" y="775735"/>
+                <a:ext cx="1171048" cy="685565"/>
+              </a:xfrm>
+              <a:prstGeom prst="rect">
+                <a:avLst/>
+              </a:prstGeom>
+            </p:spPr>
+            <p:style>
+              <a:lnRef idx="0">
+                <a:scrgbClr r="0" g="0" b="0"/>
+              </a:lnRef>
+              <a:fillRef idx="0">
+                <a:scrgbClr r="0" g="0" b="0"/>
+              </a:fillRef>
+              <a:effectRef idx="0">
+                <a:scrgbClr r="0" g="0" b="0"/>
+              </a:effectRef>
+              <a:fontRef idx="minor">
+                <a:schemeClr val="lt1"/>
+              </a:fontRef>
+            </p:style>
+            <p:txBody>
+              <a:bodyPr spcFirstLastPara="0" vert="horz" wrap="square" lIns="41910" tIns="41910" rIns="41910" bIns="41910" numCol="1" spcCol="1270" anchor="ctr" anchorCtr="0">
+                <a:noAutofit/>
+              </a:bodyPr>
+              <a:lstStyle/>
+              <a:p>
+                <a:pPr marL="0" lvl="0" indent="0" algn="ctr" defTabSz="488950">
+                  <a:lnSpc>
+                    <a:spcPct val="90000"/>
+                  </a:lnSpc>
+                  <a:spcBef>
+                    <a:spcPct val="0"/>
+                  </a:spcBef>
+                  <a:spcAft>
+                    <a:spcPct val="35000"/>
+                  </a:spcAft>
+                  <a:buNone/>
+                </a:pPr>
+                <a:r>
+                  <a:rPr lang="en-US" sz="1100" b="1" kern="1200" dirty="0"/>
+                  <a:t>ANN: Cost Estimator</a:t>
+                </a:r>
+              </a:p>
+            </p:txBody>
+          </p:sp>
+        </p:grpSp>
+        <p:sp>
+          <p:nvSpPr>
+            <p:cNvPr id="133" name="CuadroTexto 132">
+              <a:extLst>
+                <a:ext uri="{FF2B5EF4-FFF2-40B4-BE49-F238E27FC236}">
+                  <a16:creationId xmlns:a16="http://schemas.microsoft.com/office/drawing/2014/main" id="{F534D431-00FC-6C21-43E5-21EDB7F8D882}"/>
+                </a:ext>
+              </a:extLst>
+            </p:cNvPr>
+            <p:cNvSpPr txBox="1"/>
+            <p:nvPr/>
+          </p:nvSpPr>
+          <p:spPr>
+            <a:xfrm>
+              <a:off x="2739338" y="4946141"/>
+              <a:ext cx="1984839" cy="261610"/>
+            </a:xfrm>
+            <a:prstGeom prst="rect">
+              <a:avLst/>
+            </a:prstGeom>
+            <a:noFill/>
+          </p:spPr>
+          <p:txBody>
+            <a:bodyPr wrap="none" rtlCol="0">
+              <a:spAutoFit/>
+            </a:bodyPr>
+            <a:lstStyle/>
+            <a:p>
+              <a:r>
+                <a:rPr lang="en-GB" sz="1100" b="1" dirty="0"/>
+                <a:t>Investment Benefit Method</a:t>
+              </a:r>
+            </a:p>
+          </p:txBody>
+        </p:sp>
+      </p:grpSp>
       <p:grpSp>
         <p:nvGrpSpPr>
           <p:cNvPr id="139" name="Grupo 138">
@@ -18336,6 +18358,1345 @@
       </p:grpSpPr>
       <p:sp>
         <p:nvSpPr>
+          <p:cNvPr id="3" name="Footer Placeholder 2"/>
+          <p:cNvSpPr>
+            <a:spLocks noGrp="1"/>
+          </p:cNvSpPr>
+          <p:nvPr>
+            <p:ph type="ftr" sz="quarter" idx="11"/>
+          </p:nvPr>
+        </p:nvSpPr>
+        <p:spPr/>
+        <p:txBody>
+          <a:bodyPr/>
+          <a:lstStyle/>
+          <a:p>
+            <a:r>
+              <a:rPr lang="nl-NL"/>
+              <a:t>Ingenieurswetenschappen, Werktuigkunde, TME</a:t>
+            </a:r>
+          </a:p>
+        </p:txBody>
+      </p:sp>
+      <p:sp>
+        <p:nvSpPr>
+          <p:cNvPr id="4" name="Slide Number Placeholder 3"/>
+          <p:cNvSpPr>
+            <a:spLocks noGrp="1"/>
+          </p:cNvSpPr>
+          <p:nvPr>
+            <p:ph type="sldNum" sz="quarter" idx="12"/>
+          </p:nvPr>
+        </p:nvSpPr>
+        <p:spPr/>
+        <p:txBody>
+          <a:bodyPr/>
+          <a:lstStyle/>
+          <a:p>
+            <a:fld id="{0A297500-7527-634B-90F4-69D0994C32B4}" type="slidenum">
+              <a:rPr lang="nl-NL" smtClean="0"/>
+              <a:t>6</a:t>
+            </a:fld>
+            <a:endParaRPr lang="nl-NL"/>
+          </a:p>
+        </p:txBody>
+      </p:sp>
+      <p:sp>
+        <p:nvSpPr>
+          <p:cNvPr id="5" name="Title 4"/>
+          <p:cNvSpPr>
+            <a:spLocks noGrp="1"/>
+          </p:cNvSpPr>
+          <p:nvPr>
+            <p:ph type="title"/>
+          </p:nvPr>
+        </p:nvSpPr>
+        <p:spPr/>
+        <p:txBody>
+          <a:bodyPr>
+            <a:normAutofit/>
+          </a:bodyPr>
+          <a:lstStyle/>
+          <a:p>
+            <a:r>
+              <a:rPr lang="en-US" dirty="0"/>
+              <a:t>Line Benefits</a:t>
+            </a:r>
+          </a:p>
+        </p:txBody>
+      </p:sp>
+      <p:sp>
+        <p:nvSpPr>
+          <p:cNvPr id="2" name="CuadroTexto 1">
+            <a:extLst>
+              <a:ext uri="{FF2B5EF4-FFF2-40B4-BE49-F238E27FC236}">
+                <a16:creationId xmlns:a16="http://schemas.microsoft.com/office/drawing/2014/main" id="{8FCD4D04-BA87-D5FB-5D73-00E3D068F328}"/>
+              </a:ext>
+            </a:extLst>
+          </p:cNvPr>
+          <p:cNvSpPr txBox="1"/>
+          <p:nvPr/>
+        </p:nvSpPr>
+        <p:spPr>
+          <a:xfrm>
+            <a:off x="863338" y="6119336"/>
+            <a:ext cx="6096000" cy="738664"/>
+          </a:xfrm>
+          <a:prstGeom prst="rect">
+            <a:avLst/>
+          </a:prstGeom>
+          <a:noFill/>
+        </p:spPr>
+        <p:txBody>
+          <a:bodyPr wrap="square">
+            <a:spAutoFit/>
+          </a:bodyPr>
+          <a:lstStyle/>
+          <a:p>
+            <a:r>
+              <a:rPr lang="en-US" sz="1400" dirty="0"/>
+              <a:t>*</a:t>
+            </a:r>
+            <a:r>
+              <a:rPr lang="en-US" sz="1400" b="1" dirty="0"/>
+              <a:t>ESOM</a:t>
+            </a:r>
+            <a:r>
+              <a:rPr lang="en-US" sz="1400" dirty="0"/>
+              <a:t>: </a:t>
+            </a:r>
+            <a:r>
+              <a:rPr lang="en-US" sz="1400" b="1" dirty="0"/>
+              <a:t>E</a:t>
+            </a:r>
+            <a:r>
+              <a:rPr lang="en-US" sz="1400" dirty="0"/>
+              <a:t>nergy </a:t>
+            </a:r>
+            <a:r>
+              <a:rPr lang="en-US" sz="1400" b="1" dirty="0"/>
+              <a:t>S</a:t>
+            </a:r>
+            <a:r>
+              <a:rPr lang="en-US" sz="1400" dirty="0"/>
+              <a:t>ystem </a:t>
+            </a:r>
+            <a:r>
+              <a:rPr lang="en-US" sz="1400" b="1" dirty="0"/>
+              <a:t>O</a:t>
+            </a:r>
+            <a:r>
+              <a:rPr lang="en-US" sz="1400" dirty="0"/>
+              <a:t>ptimization </a:t>
+            </a:r>
+            <a:r>
+              <a:rPr lang="en-US" sz="1400" b="1" dirty="0"/>
+              <a:t>M</a:t>
+            </a:r>
+            <a:r>
+              <a:rPr lang="en-US" sz="1400" dirty="0"/>
+              <a:t>odel</a:t>
+            </a:r>
+          </a:p>
+          <a:p>
+            <a:r>
+              <a:rPr lang="en-US" sz="1400" dirty="0"/>
+              <a:t>*</a:t>
+            </a:r>
+            <a:r>
+              <a:rPr lang="en-US" sz="1400" b="1" dirty="0"/>
+              <a:t>PINT</a:t>
+            </a:r>
+            <a:r>
+              <a:rPr lang="en-US" sz="1400" dirty="0"/>
+              <a:t>: </a:t>
+            </a:r>
+            <a:r>
+              <a:rPr lang="en-GB" sz="1400" b="1" dirty="0"/>
+              <a:t>P</a:t>
+            </a:r>
+            <a:r>
+              <a:rPr lang="en-GB" sz="1400" dirty="0"/>
+              <a:t>ut</a:t>
+            </a:r>
+            <a:r>
+              <a:rPr lang="en-GB" sz="1400" b="1" dirty="0"/>
+              <a:t> IN </a:t>
+            </a:r>
+            <a:r>
+              <a:rPr lang="en-GB" sz="1400" dirty="0"/>
+              <a:t>one at a </a:t>
+            </a:r>
+            <a:r>
+              <a:rPr lang="en-GB" sz="1400" b="1" dirty="0"/>
+              <a:t>T</a:t>
+            </a:r>
+            <a:r>
+              <a:rPr lang="en-GB" sz="1400" dirty="0"/>
+              <a:t>ime</a:t>
+            </a:r>
+          </a:p>
+          <a:p>
+            <a:r>
+              <a:rPr lang="en-US" sz="1400" dirty="0"/>
+              <a:t>*</a:t>
+            </a:r>
+            <a:r>
+              <a:rPr lang="en-US" sz="1400" b="1" dirty="0"/>
+              <a:t>TOOT</a:t>
+            </a:r>
+            <a:r>
+              <a:rPr lang="en-US" sz="1400" dirty="0"/>
+              <a:t>: </a:t>
+            </a:r>
+            <a:r>
+              <a:rPr lang="en-GB" sz="1400" b="1" dirty="0"/>
+              <a:t>T</a:t>
+            </a:r>
+            <a:r>
+              <a:rPr lang="en-GB" sz="1400" dirty="0"/>
+              <a:t>ake</a:t>
+            </a:r>
+            <a:r>
+              <a:rPr lang="en-GB" sz="1400" b="1" dirty="0"/>
+              <a:t> O</a:t>
+            </a:r>
+            <a:r>
+              <a:rPr lang="en-GB" sz="1400" dirty="0"/>
+              <a:t>ut</a:t>
+            </a:r>
+            <a:r>
+              <a:rPr lang="en-GB" sz="1400" b="1" dirty="0"/>
+              <a:t> O</a:t>
+            </a:r>
+            <a:r>
+              <a:rPr lang="en-GB" sz="1400" dirty="0"/>
+              <a:t>ne</a:t>
+            </a:r>
+            <a:r>
+              <a:rPr lang="en-GB" sz="1400" b="1" dirty="0"/>
+              <a:t> </a:t>
+            </a:r>
+            <a:r>
+              <a:rPr lang="en-GB" sz="1400" dirty="0"/>
+              <a:t>at a </a:t>
+            </a:r>
+            <a:r>
+              <a:rPr lang="en-GB" sz="1400" b="1" dirty="0"/>
+              <a:t>T</a:t>
+            </a:r>
+            <a:r>
+              <a:rPr lang="en-GB" sz="1400" dirty="0"/>
+              <a:t>ime</a:t>
+            </a:r>
+          </a:p>
+        </p:txBody>
+      </p:sp>
+      <p:sp>
+        <p:nvSpPr>
+          <p:cNvPr id="7" name="CuadroTexto 6">
+            <a:extLst>
+              <a:ext uri="{FF2B5EF4-FFF2-40B4-BE49-F238E27FC236}">
+                <a16:creationId xmlns:a16="http://schemas.microsoft.com/office/drawing/2014/main" id="{D1E56796-9C42-C1C3-0A9A-CA792835BD0F}"/>
+              </a:ext>
+            </a:extLst>
+          </p:cNvPr>
+          <p:cNvSpPr txBox="1"/>
+          <p:nvPr/>
+        </p:nvSpPr>
+        <p:spPr>
+          <a:xfrm>
+            <a:off x="7551604" y="2323580"/>
+            <a:ext cx="1470274" cy="523220"/>
+          </a:xfrm>
+          <a:prstGeom prst="rect">
+            <a:avLst/>
+          </a:prstGeom>
+          <a:noFill/>
+        </p:spPr>
+        <p:txBody>
+          <a:bodyPr wrap="none" rtlCol="0">
+            <a:spAutoFit/>
+          </a:bodyPr>
+          <a:lstStyle/>
+          <a:p>
+            <a:pPr algn="ctr"/>
+            <a:r>
+              <a:rPr lang="en-GB" sz="1400" dirty="0"/>
+              <a:t>Relaxed ESOM </a:t>
+            </a:r>
+          </a:p>
+          <a:p>
+            <a:pPr algn="ctr"/>
+            <a:r>
+              <a:rPr lang="en-GB" sz="1400" dirty="0"/>
+              <a:t>in hourly basis</a:t>
+            </a:r>
+          </a:p>
+        </p:txBody>
+      </p:sp>
+      <p:sp>
+        <p:nvSpPr>
+          <p:cNvPr id="9" name="CuadroTexto 8">
+            <a:extLst>
+              <a:ext uri="{FF2B5EF4-FFF2-40B4-BE49-F238E27FC236}">
+                <a16:creationId xmlns:a16="http://schemas.microsoft.com/office/drawing/2014/main" id="{CEE43A32-779C-5A87-462E-F0637320A8FC}"/>
+              </a:ext>
+            </a:extLst>
+          </p:cNvPr>
+          <p:cNvSpPr txBox="1"/>
+          <p:nvPr/>
+        </p:nvSpPr>
+        <p:spPr>
+          <a:xfrm>
+            <a:off x="9529358" y="2314266"/>
+            <a:ext cx="1768433" cy="523220"/>
+          </a:xfrm>
+          <a:prstGeom prst="rect">
+            <a:avLst/>
+          </a:prstGeom>
+          <a:noFill/>
+        </p:spPr>
+        <p:txBody>
+          <a:bodyPr wrap="none" rtlCol="0">
+            <a:spAutoFit/>
+          </a:bodyPr>
+          <a:lstStyle/>
+          <a:p>
+            <a:pPr algn="ctr"/>
+            <a:r>
+              <a:rPr lang="en-GB" sz="1400" dirty="0"/>
+              <a:t>Economic Dispatch </a:t>
+            </a:r>
+          </a:p>
+          <a:p>
+            <a:pPr algn="ctr"/>
+            <a:r>
+              <a:rPr lang="en-GB" sz="1400" dirty="0"/>
+              <a:t>in hourly basis</a:t>
+            </a:r>
+          </a:p>
+        </p:txBody>
+      </p:sp>
+      <p:sp>
+        <p:nvSpPr>
+          <p:cNvPr id="12" name="Rectángulo: esquinas redondeadas 11">
+            <a:extLst>
+              <a:ext uri="{FF2B5EF4-FFF2-40B4-BE49-F238E27FC236}">
+                <a16:creationId xmlns:a16="http://schemas.microsoft.com/office/drawing/2014/main" id="{0B0B49D7-A880-6C46-D245-17FD2EE690CE}"/>
+              </a:ext>
+            </a:extLst>
+          </p:cNvPr>
+          <p:cNvSpPr/>
+          <p:nvPr/>
+        </p:nvSpPr>
+        <p:spPr>
+          <a:xfrm>
+            <a:off x="7682057" y="2832787"/>
+            <a:ext cx="1209368" cy="619433"/>
+          </a:xfrm>
+          <a:prstGeom prst="roundRect">
+            <a:avLst/>
+          </a:prstGeom>
+        </p:spPr>
+        <p:style>
+          <a:lnRef idx="2">
+            <a:schemeClr val="dk1">
+              <a:shade val="50000"/>
+            </a:schemeClr>
+          </a:lnRef>
+          <a:fillRef idx="1">
+            <a:schemeClr val="dk1"/>
+          </a:fillRef>
+          <a:effectRef idx="0">
+            <a:schemeClr val="dk1"/>
+          </a:effectRef>
+          <a:fontRef idx="minor">
+            <a:schemeClr val="lt1"/>
+          </a:fontRef>
+        </p:style>
+        <p:txBody>
+          <a:bodyPr rtlCol="0" anchor="ctr"/>
+          <a:lstStyle/>
+          <a:p>
+            <a:pPr algn="ctr"/>
+            <a:r>
+              <a:rPr lang="en-GB" sz="1600" b="1" dirty="0"/>
+              <a:t>ANN</a:t>
+            </a:r>
+          </a:p>
+          <a:p>
+            <a:pPr algn="ctr"/>
+            <a:r>
+              <a:rPr lang="en-GB" sz="1600" b="1" dirty="0"/>
+              <a:t>Estimator</a:t>
+            </a:r>
+          </a:p>
+        </p:txBody>
+      </p:sp>
+      <p:sp>
+        <p:nvSpPr>
+          <p:cNvPr id="15" name="Rectángulo: esquinas redondeadas 14">
+            <a:extLst>
+              <a:ext uri="{FF2B5EF4-FFF2-40B4-BE49-F238E27FC236}">
+                <a16:creationId xmlns:a16="http://schemas.microsoft.com/office/drawing/2014/main" id="{E23A2693-D652-6C66-6826-11C1D943C265}"/>
+              </a:ext>
+            </a:extLst>
+          </p:cNvPr>
+          <p:cNvSpPr/>
+          <p:nvPr/>
+        </p:nvSpPr>
+        <p:spPr>
+          <a:xfrm>
+            <a:off x="9808891" y="2832787"/>
+            <a:ext cx="1209368" cy="619433"/>
+          </a:xfrm>
+          <a:prstGeom prst="roundRect">
+            <a:avLst/>
+          </a:prstGeom>
+        </p:spPr>
+        <p:style>
+          <a:lnRef idx="2">
+            <a:schemeClr val="dk1">
+              <a:shade val="50000"/>
+            </a:schemeClr>
+          </a:lnRef>
+          <a:fillRef idx="1">
+            <a:schemeClr val="dk1"/>
+          </a:fillRef>
+          <a:effectRef idx="0">
+            <a:schemeClr val="dk1"/>
+          </a:effectRef>
+          <a:fontRef idx="minor">
+            <a:schemeClr val="lt1"/>
+          </a:fontRef>
+        </p:style>
+        <p:txBody>
+          <a:bodyPr rtlCol="0" anchor="ctr"/>
+          <a:lstStyle/>
+          <a:p>
+            <a:pPr algn="ctr"/>
+            <a:r>
+              <a:rPr lang="en-GB" sz="1600" b="1" dirty="0"/>
+              <a:t>ANN</a:t>
+            </a:r>
+          </a:p>
+          <a:p>
+            <a:pPr algn="ctr"/>
+            <a:r>
+              <a:rPr lang="en-GB" sz="1600" b="1" dirty="0"/>
+              <a:t>Estimator</a:t>
+            </a:r>
+          </a:p>
+        </p:txBody>
+      </p:sp>
+      <p:sp>
+        <p:nvSpPr>
+          <p:cNvPr id="17" name="Rectángulo: esquinas redondeadas 16">
+            <a:extLst>
+              <a:ext uri="{FF2B5EF4-FFF2-40B4-BE49-F238E27FC236}">
+                <a16:creationId xmlns:a16="http://schemas.microsoft.com/office/drawing/2014/main" id="{AE123482-1D87-128C-57E9-7F228FC3D60A}"/>
+              </a:ext>
+            </a:extLst>
+          </p:cNvPr>
+          <p:cNvSpPr/>
+          <p:nvPr/>
+        </p:nvSpPr>
+        <p:spPr>
+          <a:xfrm>
+            <a:off x="8622137" y="4103244"/>
+            <a:ext cx="1436856" cy="635001"/>
+          </a:xfrm>
+          <a:prstGeom prst="roundRect">
+            <a:avLst/>
+          </a:prstGeom>
+        </p:spPr>
+        <p:style>
+          <a:lnRef idx="2">
+            <a:schemeClr val="dk1"/>
+          </a:lnRef>
+          <a:fillRef idx="1">
+            <a:schemeClr val="lt1"/>
+          </a:fillRef>
+          <a:effectRef idx="0">
+            <a:schemeClr val="dk1"/>
+          </a:effectRef>
+          <a:fontRef idx="minor">
+            <a:schemeClr val="dk1"/>
+          </a:fontRef>
+        </p:style>
+        <p:txBody>
+          <a:bodyPr rtlCol="0" anchor="ctr"/>
+          <a:lstStyle/>
+          <a:p>
+            <a:pPr algn="ctr"/>
+            <a:r>
+              <a:rPr lang="en-GB" sz="1400" b="1" dirty="0"/>
+              <a:t>Benefit per asset in hourly basis</a:t>
+            </a:r>
+          </a:p>
+        </p:txBody>
+      </p:sp>
+      <p:cxnSp>
+        <p:nvCxnSpPr>
+          <p:cNvPr id="18" name="Conector: angular 17">
+            <a:extLst>
+              <a:ext uri="{FF2B5EF4-FFF2-40B4-BE49-F238E27FC236}">
+                <a16:creationId xmlns:a16="http://schemas.microsoft.com/office/drawing/2014/main" id="{8A759B6C-F064-D463-86B4-BC22C291EBF6}"/>
+              </a:ext>
+            </a:extLst>
+          </p:cNvPr>
+          <p:cNvCxnSpPr>
+            <a:cxnSpLocks/>
+            <a:stCxn id="15" idx="2"/>
+            <a:endCxn id="17" idx="3"/>
+          </p:cNvCxnSpPr>
+          <p:nvPr/>
+        </p:nvCxnSpPr>
+        <p:spPr>
+          <a:xfrm rot="5400000">
+            <a:off x="9752022" y="3759191"/>
+            <a:ext cx="968525" cy="354582"/>
+          </a:xfrm>
+          <a:prstGeom prst="bentConnector2">
+            <a:avLst/>
+          </a:prstGeom>
+          <a:ln>
+            <a:tailEnd type="triangle"/>
+          </a:ln>
+        </p:spPr>
+        <p:style>
+          <a:lnRef idx="1">
+            <a:schemeClr val="dk1"/>
+          </a:lnRef>
+          <a:fillRef idx="0">
+            <a:schemeClr val="dk1"/>
+          </a:fillRef>
+          <a:effectRef idx="0">
+            <a:schemeClr val="dk1"/>
+          </a:effectRef>
+          <a:fontRef idx="minor">
+            <a:schemeClr val="tx1"/>
+          </a:fontRef>
+        </p:style>
+      </p:cxnSp>
+      <p:cxnSp>
+        <p:nvCxnSpPr>
+          <p:cNvPr id="19" name="Conector: angular 18">
+            <a:extLst>
+              <a:ext uri="{FF2B5EF4-FFF2-40B4-BE49-F238E27FC236}">
+                <a16:creationId xmlns:a16="http://schemas.microsoft.com/office/drawing/2014/main" id="{F83E8BAB-73D6-7F2C-B847-45AE500D9E64}"/>
+              </a:ext>
+            </a:extLst>
+          </p:cNvPr>
+          <p:cNvCxnSpPr>
+            <a:cxnSpLocks/>
+            <a:stCxn id="12" idx="2"/>
+            <a:endCxn id="17" idx="1"/>
+          </p:cNvCxnSpPr>
+          <p:nvPr/>
+        </p:nvCxnSpPr>
+        <p:spPr>
+          <a:xfrm rot="16200000" flipH="1">
+            <a:off x="7970177" y="3768784"/>
+            <a:ext cx="968525" cy="335396"/>
+          </a:xfrm>
+          <a:prstGeom prst="bentConnector2">
+            <a:avLst/>
+          </a:prstGeom>
+          <a:ln>
+            <a:tailEnd type="triangle"/>
+          </a:ln>
+        </p:spPr>
+        <p:style>
+          <a:lnRef idx="1">
+            <a:schemeClr val="dk1"/>
+          </a:lnRef>
+          <a:fillRef idx="0">
+            <a:schemeClr val="dk1"/>
+          </a:fillRef>
+          <a:effectRef idx="0">
+            <a:schemeClr val="dk1"/>
+          </a:effectRef>
+          <a:fontRef idx="minor">
+            <a:schemeClr val="tx1"/>
+          </a:fontRef>
+        </p:style>
+      </p:cxnSp>
+      <p:sp>
+        <p:nvSpPr>
+          <p:cNvPr id="20" name="Rectángulo: esquinas redondeadas 19">
+            <a:extLst>
+              <a:ext uri="{FF2B5EF4-FFF2-40B4-BE49-F238E27FC236}">
+                <a16:creationId xmlns:a16="http://schemas.microsoft.com/office/drawing/2014/main" id="{D34031D6-3441-7899-7B93-9183B1C1D588}"/>
+              </a:ext>
+            </a:extLst>
+          </p:cNvPr>
+          <p:cNvSpPr/>
+          <p:nvPr/>
+        </p:nvSpPr>
+        <p:spPr>
+          <a:xfrm>
+            <a:off x="7323910" y="2270259"/>
+            <a:ext cx="4033312" cy="2647866"/>
+          </a:xfrm>
+          <a:prstGeom prst="roundRect">
+            <a:avLst/>
+          </a:prstGeom>
+          <a:noFill/>
+          <a:ln w="38100">
+            <a:solidFill>
+              <a:schemeClr val="accent6">
+                <a:lumMod val="75000"/>
+              </a:schemeClr>
+            </a:solidFill>
+            <a:prstDash val="dash"/>
+          </a:ln>
+        </p:spPr>
+        <p:style>
+          <a:lnRef idx="2">
+            <a:schemeClr val="accent1">
+              <a:shade val="50000"/>
+            </a:schemeClr>
+          </a:lnRef>
+          <a:fillRef idx="1">
+            <a:schemeClr val="accent1"/>
+          </a:fillRef>
+          <a:effectRef idx="0">
+            <a:schemeClr val="accent1"/>
+          </a:effectRef>
+          <a:fontRef idx="minor">
+            <a:schemeClr val="lt1"/>
+          </a:fontRef>
+        </p:style>
+        <p:txBody>
+          <a:bodyPr rtlCol="0" anchor="ctr"/>
+          <a:lstStyle/>
+          <a:p>
+            <a:pPr algn="ctr"/>
+            <a:endParaRPr lang="en-GB"/>
+          </a:p>
+        </p:txBody>
+      </p:sp>
+      <p:sp>
+        <p:nvSpPr>
+          <p:cNvPr id="21" name="CuadroTexto 20">
+            <a:extLst>
+              <a:ext uri="{FF2B5EF4-FFF2-40B4-BE49-F238E27FC236}">
+                <a16:creationId xmlns:a16="http://schemas.microsoft.com/office/drawing/2014/main" id="{C1E07F10-1F8E-7F2F-8B60-BF775F35F3F2}"/>
+              </a:ext>
+            </a:extLst>
+          </p:cNvPr>
+          <p:cNvSpPr txBox="1"/>
+          <p:nvPr/>
+        </p:nvSpPr>
+        <p:spPr>
+          <a:xfrm>
+            <a:off x="8384116" y="1997814"/>
+            <a:ext cx="1675460" cy="338554"/>
+          </a:xfrm>
+          <a:prstGeom prst="rect">
+            <a:avLst/>
+          </a:prstGeom>
+          <a:noFill/>
+        </p:spPr>
+        <p:txBody>
+          <a:bodyPr wrap="none" rtlCol="0">
+            <a:spAutoFit/>
+          </a:bodyPr>
+          <a:lstStyle/>
+          <a:p>
+            <a:pPr algn="ctr"/>
+            <a:r>
+              <a:rPr lang="en-GB" sz="1600" b="1" dirty="0"/>
+              <a:t>PINT Sequence</a:t>
+            </a:r>
+          </a:p>
+        </p:txBody>
+      </p:sp>
+      <p:sp>
+        <p:nvSpPr>
+          <p:cNvPr id="30" name="Rectángulo: esquinas redondeadas 29">
+            <a:extLst>
+              <a:ext uri="{FF2B5EF4-FFF2-40B4-BE49-F238E27FC236}">
+                <a16:creationId xmlns:a16="http://schemas.microsoft.com/office/drawing/2014/main" id="{5E1B540B-9907-D432-4BCA-85AA381AC962}"/>
+              </a:ext>
+            </a:extLst>
+          </p:cNvPr>
+          <p:cNvSpPr/>
+          <p:nvPr/>
+        </p:nvSpPr>
+        <p:spPr>
+          <a:xfrm>
+            <a:off x="7180794" y="1997814"/>
+            <a:ext cx="4324668" cy="3192756"/>
+          </a:xfrm>
+          <a:prstGeom prst="roundRect">
+            <a:avLst/>
+          </a:prstGeom>
+          <a:noFill/>
+          <a:ln w="28575">
+            <a:solidFill>
+              <a:srgbClr val="C00000"/>
+            </a:solidFill>
+          </a:ln>
+        </p:spPr>
+        <p:style>
+          <a:lnRef idx="2">
+            <a:schemeClr val="accent1">
+              <a:shade val="50000"/>
+            </a:schemeClr>
+          </a:lnRef>
+          <a:fillRef idx="1">
+            <a:schemeClr val="accent1"/>
+          </a:fillRef>
+          <a:effectRef idx="0">
+            <a:schemeClr val="accent1"/>
+          </a:effectRef>
+          <a:fontRef idx="minor">
+            <a:schemeClr val="lt1"/>
+          </a:fontRef>
+        </p:style>
+        <p:txBody>
+          <a:bodyPr rtlCol="0" anchor="ctr"/>
+          <a:lstStyle/>
+          <a:p>
+            <a:pPr algn="ctr"/>
+            <a:endParaRPr lang="en-GB"/>
+          </a:p>
+        </p:txBody>
+      </p:sp>
+      <p:sp>
+        <p:nvSpPr>
+          <p:cNvPr id="32" name="CuadroTexto 31">
+            <a:extLst>
+              <a:ext uri="{FF2B5EF4-FFF2-40B4-BE49-F238E27FC236}">
+                <a16:creationId xmlns:a16="http://schemas.microsoft.com/office/drawing/2014/main" id="{95EF94AB-FDBC-CB34-192A-4DDE5BFD1981}"/>
+              </a:ext>
+            </a:extLst>
+          </p:cNvPr>
+          <p:cNvSpPr txBox="1"/>
+          <p:nvPr/>
+        </p:nvSpPr>
+        <p:spPr>
+          <a:xfrm>
+            <a:off x="7909988" y="1360038"/>
+            <a:ext cx="2767104" cy="300082"/>
+          </a:xfrm>
+          <a:prstGeom prst="rect">
+            <a:avLst/>
+          </a:prstGeom>
+          <a:noFill/>
+        </p:spPr>
+        <p:txBody>
+          <a:bodyPr wrap="none" rtlCol="0">
+            <a:spAutoFit/>
+          </a:bodyPr>
+          <a:lstStyle/>
+          <a:p>
+            <a:pPr algn="ctr"/>
+            <a:r>
+              <a:rPr lang="en-GB" b="1" dirty="0"/>
+              <a:t>Sequence per candidate asset</a:t>
+            </a:r>
+          </a:p>
+        </p:txBody>
+      </p:sp>
+      <p:sp>
+        <p:nvSpPr>
+          <p:cNvPr id="36" name="4 Título">
+            <a:extLst>
+              <a:ext uri="{FF2B5EF4-FFF2-40B4-BE49-F238E27FC236}">
+                <a16:creationId xmlns:a16="http://schemas.microsoft.com/office/drawing/2014/main" id="{7A86FB17-A49E-0670-9DBE-501DD3D1DB42}"/>
+              </a:ext>
+            </a:extLst>
+          </p:cNvPr>
+          <p:cNvSpPr txBox="1">
+            <a:spLocks/>
+          </p:cNvSpPr>
+          <p:nvPr/>
+        </p:nvSpPr>
+        <p:spPr>
+          <a:xfrm>
+            <a:off x="6959338" y="924438"/>
+            <a:ext cx="4668400" cy="457120"/>
+          </a:xfrm>
+          <a:prstGeom prst="rect">
+            <a:avLst/>
+          </a:prstGeom>
+        </p:spPr>
+        <p:txBody>
+          <a:bodyPr>
+            <a:noAutofit/>
+          </a:bodyPr>
+          <a:lstStyle>
+            <a:lvl1pPr algn="l" rtl="0" eaLnBrk="1" latinLnBrk="0" hangingPunct="1">
+              <a:spcBef>
+                <a:spcPct val="0"/>
+              </a:spcBef>
+              <a:buNone/>
+              <a:defRPr kumimoji="0" sz="4000" kern="1200">
+                <a:solidFill>
+                  <a:schemeClr val="tx2"/>
+                </a:solidFill>
+                <a:latin typeface="+mj-lt"/>
+                <a:ea typeface="+mj-ea"/>
+                <a:cs typeface="+mj-cs"/>
+              </a:defRPr>
+            </a:lvl1pPr>
+          </a:lstStyle>
+          <a:p>
+            <a:r>
+              <a:rPr lang="en-US" altLang="en-US" sz="2400" dirty="0">
+                <a:ln w="0"/>
+                <a:effectLst>
+                  <a:outerShdw blurRad="38100" dist="38100" dir="2700000" algn="tl">
+                    <a:srgbClr val="000000">
+                      <a:alpha val="43137"/>
+                    </a:srgbClr>
+                  </a:outerShdw>
+                </a:effectLst>
+              </a:rPr>
+              <a:t>The PINT and TOOT approaches</a:t>
+            </a:r>
+          </a:p>
+        </p:txBody>
+      </p:sp>
+      <p:sp>
+        <p:nvSpPr>
+          <p:cNvPr id="37" name="CuadroTexto 36">
+            <a:extLst>
+              <a:ext uri="{FF2B5EF4-FFF2-40B4-BE49-F238E27FC236}">
+                <a16:creationId xmlns:a16="http://schemas.microsoft.com/office/drawing/2014/main" id="{75F14BB4-D313-A62F-4745-894646C650C4}"/>
+              </a:ext>
+            </a:extLst>
+          </p:cNvPr>
+          <p:cNvSpPr txBox="1"/>
+          <p:nvPr/>
+        </p:nvSpPr>
+        <p:spPr>
+          <a:xfrm>
+            <a:off x="94607" y="4279307"/>
+            <a:ext cx="3527441" cy="1169551"/>
+          </a:xfrm>
+          <a:prstGeom prst="rect">
+            <a:avLst/>
+          </a:prstGeom>
+          <a:noFill/>
+        </p:spPr>
+        <p:txBody>
+          <a:bodyPr wrap="none" rtlCol="0">
+            <a:spAutoFit/>
+          </a:bodyPr>
+          <a:lstStyle/>
+          <a:p>
+            <a:r>
+              <a:rPr lang="en-GB" sz="1400" dirty="0"/>
+              <a:t>Approaches:</a:t>
+            </a:r>
+          </a:p>
+          <a:p>
+            <a:pPr marL="285750" indent="-285750">
+              <a:buFont typeface="Arial" panose="020B0604020202020204" pitchFamily="34" charset="0"/>
+              <a:buChar char="•"/>
+            </a:pPr>
+            <a:r>
+              <a:rPr lang="en-GB" sz="1400" dirty="0"/>
+              <a:t>The Put IN one at the Time (PINT)</a:t>
+            </a:r>
+          </a:p>
+          <a:p>
+            <a:pPr marL="285750" indent="-285750">
+              <a:buFont typeface="Arial" panose="020B0604020202020204" pitchFamily="34" charset="0"/>
+              <a:buChar char="•"/>
+            </a:pPr>
+            <a:r>
+              <a:rPr lang="en-GB" sz="1400" dirty="0"/>
+              <a:t>The Take Out One at the Time (TOOT)</a:t>
+            </a:r>
+          </a:p>
+          <a:p>
+            <a:pPr marL="285750" indent="-285750">
+              <a:buFont typeface="Arial" panose="020B0604020202020204" pitchFamily="34" charset="0"/>
+              <a:buChar char="•"/>
+            </a:pPr>
+            <a:r>
+              <a:rPr lang="en-GB" sz="1400" dirty="0"/>
+              <a:t>Shapley value</a:t>
+            </a:r>
+          </a:p>
+          <a:p>
+            <a:pPr marL="285750" indent="-285750">
+              <a:buFont typeface="Arial" panose="020B0604020202020204" pitchFamily="34" charset="0"/>
+              <a:buChar char="•"/>
+            </a:pPr>
+            <a:r>
+              <a:rPr lang="en-GB" sz="1400" dirty="0" err="1"/>
+              <a:t>Aumann-shapley</a:t>
+            </a:r>
+            <a:r>
+              <a:rPr lang="en-GB" sz="1400" dirty="0"/>
+              <a:t> value</a:t>
+            </a:r>
+          </a:p>
+        </p:txBody>
+      </p:sp>
+      <p:pic>
+        <p:nvPicPr>
+          <p:cNvPr id="39" name="Imagen 38">
+            <a:extLst>
+              <a:ext uri="{FF2B5EF4-FFF2-40B4-BE49-F238E27FC236}">
+                <a16:creationId xmlns:a16="http://schemas.microsoft.com/office/drawing/2014/main" id="{D142990F-ED31-DC32-E58E-9F20C2FD745C}"/>
+              </a:ext>
+            </a:extLst>
+          </p:cNvPr>
+          <p:cNvPicPr>
+            <a:picLocks noChangeAspect="1"/>
+          </p:cNvPicPr>
+          <p:nvPr/>
+        </p:nvPicPr>
+        <p:blipFill>
+          <a:blip r:embed="rId2"/>
+          <a:stretch>
+            <a:fillRect/>
+          </a:stretch>
+        </p:blipFill>
+        <p:spPr>
+          <a:xfrm>
+            <a:off x="3877879" y="2162412"/>
+            <a:ext cx="2915928" cy="2755713"/>
+          </a:xfrm>
+          <a:prstGeom prst="rect">
+            <a:avLst/>
+          </a:prstGeom>
+        </p:spPr>
+      </p:pic>
+      <p:sp>
+        <p:nvSpPr>
+          <p:cNvPr id="40" name="CuadroTexto 39">
+            <a:extLst>
+              <a:ext uri="{FF2B5EF4-FFF2-40B4-BE49-F238E27FC236}">
+                <a16:creationId xmlns:a16="http://schemas.microsoft.com/office/drawing/2014/main" id="{D0950B19-C235-FAB0-CE6E-F228A0B42DFE}"/>
+              </a:ext>
+            </a:extLst>
+          </p:cNvPr>
+          <p:cNvSpPr txBox="1"/>
+          <p:nvPr/>
+        </p:nvSpPr>
+        <p:spPr>
+          <a:xfrm>
+            <a:off x="3874695" y="4920471"/>
+            <a:ext cx="2915929" cy="830997"/>
+          </a:xfrm>
+          <a:prstGeom prst="rect">
+            <a:avLst/>
+          </a:prstGeom>
+          <a:noFill/>
+        </p:spPr>
+        <p:txBody>
+          <a:bodyPr wrap="square" rtlCol="0">
+            <a:spAutoFit/>
+          </a:bodyPr>
+          <a:lstStyle/>
+          <a:p>
+            <a:r>
+              <a:rPr lang="en-GB" sz="800" dirty="0"/>
+              <a:t>[source] ENTSO-E: Guideline for Cost Benefit Analysis of Grid Development Projects</a:t>
+            </a:r>
+          </a:p>
+          <a:p>
+            <a:r>
+              <a:rPr lang="en-GB" sz="800" dirty="0"/>
+              <a:t>Link: https://eepublicdownloads.entsoe.eu/clean-documents/tyndp-documents/Cost%20Benefit%20Analysis/191023_CBA3_Draft%20for%20consultation.pdf</a:t>
+            </a:r>
+          </a:p>
+        </p:txBody>
+      </p:sp>
+      <p:grpSp>
+        <p:nvGrpSpPr>
+          <p:cNvPr id="51" name="Grupo 50">
+            <a:extLst>
+              <a:ext uri="{FF2B5EF4-FFF2-40B4-BE49-F238E27FC236}">
+                <a16:creationId xmlns:a16="http://schemas.microsoft.com/office/drawing/2014/main" id="{DDD61EEB-3747-272F-FB38-E296779C159F}"/>
+              </a:ext>
+            </a:extLst>
+          </p:cNvPr>
+          <p:cNvGrpSpPr/>
+          <p:nvPr/>
+        </p:nvGrpSpPr>
+        <p:grpSpPr>
+          <a:xfrm>
+            <a:off x="255261" y="1441588"/>
+            <a:ext cx="3216764" cy="996230"/>
+            <a:chOff x="204186" y="1441588"/>
+            <a:chExt cx="3216764" cy="996230"/>
+          </a:xfrm>
+        </p:grpSpPr>
+        <p:grpSp>
+          <p:nvGrpSpPr>
+            <p:cNvPr id="42" name="Grupo 41">
+              <a:extLst>
+                <a:ext uri="{FF2B5EF4-FFF2-40B4-BE49-F238E27FC236}">
+                  <a16:creationId xmlns:a16="http://schemas.microsoft.com/office/drawing/2014/main" id="{1FBA2BED-48AA-0F31-3384-DC3D0DFC7317}"/>
+                </a:ext>
+              </a:extLst>
+            </p:cNvPr>
+            <p:cNvGrpSpPr/>
+            <p:nvPr/>
+          </p:nvGrpSpPr>
+          <p:grpSpPr>
+            <a:xfrm>
+              <a:off x="834778" y="1441588"/>
+              <a:ext cx="1984839" cy="996230"/>
+              <a:chOff x="2739338" y="4946141"/>
+              <a:chExt cx="1984839" cy="996230"/>
+            </a:xfrm>
+          </p:grpSpPr>
+          <p:sp>
+            <p:nvSpPr>
+              <p:cNvPr id="43" name="Rectángulo: esquinas redondeadas 42">
+                <a:extLst>
+                  <a:ext uri="{FF2B5EF4-FFF2-40B4-BE49-F238E27FC236}">
+                    <a16:creationId xmlns:a16="http://schemas.microsoft.com/office/drawing/2014/main" id="{AE86920C-92B7-DD7F-675D-7056414913EC}"/>
+                  </a:ext>
+                </a:extLst>
+              </p:cNvPr>
+              <p:cNvSpPr/>
+              <p:nvPr/>
+            </p:nvSpPr>
+            <p:spPr>
+              <a:xfrm>
+                <a:off x="2793841" y="4946141"/>
+                <a:ext cx="1846574" cy="996230"/>
+              </a:xfrm>
+              <a:prstGeom prst="roundRect">
+                <a:avLst/>
+              </a:prstGeom>
+              <a:solidFill>
+                <a:schemeClr val="bg1"/>
+              </a:solidFill>
+              <a:ln w="9525" cap="flat" cmpd="sng" algn="ctr">
+                <a:solidFill>
+                  <a:schemeClr val="dk1"/>
+                </a:solidFill>
+                <a:prstDash val="solid"/>
+                <a:round/>
+                <a:headEnd type="none" w="med" len="med"/>
+                <a:tailEnd type="none" w="med" len="med"/>
+              </a:ln>
+            </p:spPr>
+            <p:style>
+              <a:lnRef idx="0">
+                <a:scrgbClr r="0" g="0" b="0"/>
+              </a:lnRef>
+              <a:fillRef idx="0">
+                <a:scrgbClr r="0" g="0" b="0"/>
+              </a:fillRef>
+              <a:effectRef idx="0">
+                <a:scrgbClr r="0" g="0" b="0"/>
+              </a:effectRef>
+              <a:fontRef idx="minor">
+                <a:schemeClr val="dk1"/>
+              </a:fontRef>
+            </p:style>
+            <p:txBody>
+              <a:bodyPr rtlCol="0" anchor="ctr"/>
+              <a:lstStyle/>
+              <a:p>
+                <a:pPr algn="ctr"/>
+                <a:endParaRPr lang="en-GB" dirty="0"/>
+              </a:p>
+            </p:txBody>
+          </p:sp>
+          <p:grpSp>
+            <p:nvGrpSpPr>
+              <p:cNvPr id="44" name="Grupo 43">
+                <a:extLst>
+                  <a:ext uri="{FF2B5EF4-FFF2-40B4-BE49-F238E27FC236}">
+                    <a16:creationId xmlns:a16="http://schemas.microsoft.com/office/drawing/2014/main" id="{CCD0E6E4-37FE-8F4D-EC54-8673C4C5E19B}"/>
+                  </a:ext>
+                </a:extLst>
+              </p:cNvPr>
+              <p:cNvGrpSpPr/>
+              <p:nvPr/>
+            </p:nvGrpSpPr>
+            <p:grpSpPr>
+              <a:xfrm>
+                <a:off x="3094448" y="5159396"/>
+                <a:ext cx="1213706" cy="728223"/>
+                <a:chOff x="10198340" y="754406"/>
+                <a:chExt cx="1213706" cy="728223"/>
+              </a:xfrm>
+            </p:grpSpPr>
+            <p:sp>
+              <p:nvSpPr>
+                <p:cNvPr id="46" name="Rectángulo: esquinas redondeadas 45">
+                  <a:extLst>
+                    <a:ext uri="{FF2B5EF4-FFF2-40B4-BE49-F238E27FC236}">
+                      <a16:creationId xmlns:a16="http://schemas.microsoft.com/office/drawing/2014/main" id="{0E013E49-6DA2-AC06-A194-615B60525F54}"/>
+                    </a:ext>
+                  </a:extLst>
+                </p:cNvPr>
+                <p:cNvSpPr/>
+                <p:nvPr/>
+              </p:nvSpPr>
+              <p:spPr>
+                <a:xfrm>
+                  <a:off x="10198340" y="754406"/>
+                  <a:ext cx="1213706" cy="728223"/>
+                </a:xfrm>
+                <a:prstGeom prst="roundRect">
+                  <a:avLst>
+                    <a:gd name="adj" fmla="val 10000"/>
+                  </a:avLst>
+                </a:prstGeom>
+              </p:spPr>
+              <p:style>
+                <a:lnRef idx="2">
+                  <a:schemeClr val="lt1">
+                    <a:hueOff val="0"/>
+                    <a:satOff val="0"/>
+                    <a:lumOff val="0"/>
+                    <a:alphaOff val="0"/>
+                  </a:schemeClr>
+                </a:lnRef>
+                <a:fillRef idx="1">
+                  <a:schemeClr val="accent3">
+                    <a:hueOff val="0"/>
+                    <a:satOff val="0"/>
+                    <a:lumOff val="0"/>
+                    <a:alphaOff val="0"/>
+                  </a:schemeClr>
+                </a:fillRef>
+                <a:effectRef idx="0">
+                  <a:schemeClr val="accent3">
+                    <a:hueOff val="0"/>
+                    <a:satOff val="0"/>
+                    <a:lumOff val="0"/>
+                    <a:alphaOff val="0"/>
+                  </a:schemeClr>
+                </a:effectRef>
+                <a:fontRef idx="minor">
+                  <a:schemeClr val="lt1"/>
+                </a:fontRef>
+              </p:style>
+            </p:sp>
+            <p:sp>
+              <p:nvSpPr>
+                <p:cNvPr id="47" name="Rectángulo: esquinas redondeadas 4">
+                  <a:extLst>
+                    <a:ext uri="{FF2B5EF4-FFF2-40B4-BE49-F238E27FC236}">
+                      <a16:creationId xmlns:a16="http://schemas.microsoft.com/office/drawing/2014/main" id="{2F3360A8-26B6-1A43-F091-BF607CD15C40}"/>
+                    </a:ext>
+                  </a:extLst>
+                </p:cNvPr>
+                <p:cNvSpPr txBox="1"/>
+                <p:nvPr/>
+              </p:nvSpPr>
+              <p:spPr>
+                <a:xfrm>
+                  <a:off x="10219669" y="775735"/>
+                  <a:ext cx="1171048" cy="685565"/>
+                </a:xfrm>
+                <a:prstGeom prst="rect">
+                  <a:avLst/>
+                </a:prstGeom>
+              </p:spPr>
+              <p:style>
+                <a:lnRef idx="0">
+                  <a:scrgbClr r="0" g="0" b="0"/>
+                </a:lnRef>
+                <a:fillRef idx="0">
+                  <a:scrgbClr r="0" g="0" b="0"/>
+                </a:fillRef>
+                <a:effectRef idx="0">
+                  <a:scrgbClr r="0" g="0" b="0"/>
+                </a:effectRef>
+                <a:fontRef idx="minor">
+                  <a:schemeClr val="lt1"/>
+                </a:fontRef>
+              </p:style>
+              <p:txBody>
+                <a:bodyPr spcFirstLastPara="0" vert="horz" wrap="square" lIns="41910" tIns="41910" rIns="41910" bIns="41910" numCol="1" spcCol="1270" anchor="ctr" anchorCtr="0">
+                  <a:noAutofit/>
+                </a:bodyPr>
+                <a:lstStyle/>
+                <a:p>
+                  <a:pPr marL="0" lvl="0" indent="0" algn="ctr" defTabSz="488950">
+                    <a:lnSpc>
+                      <a:spcPct val="90000"/>
+                    </a:lnSpc>
+                    <a:spcBef>
+                      <a:spcPct val="0"/>
+                    </a:spcBef>
+                    <a:spcAft>
+                      <a:spcPct val="35000"/>
+                    </a:spcAft>
+                    <a:buNone/>
+                  </a:pPr>
+                  <a:r>
+                    <a:rPr lang="en-US" sz="1100" b="1" kern="1200" dirty="0"/>
+                    <a:t>ANN: Cost Estimator</a:t>
+                  </a:r>
+                </a:p>
+              </p:txBody>
+            </p:sp>
+          </p:grpSp>
+          <p:sp>
+            <p:nvSpPr>
+              <p:cNvPr id="45" name="CuadroTexto 44">
+                <a:extLst>
+                  <a:ext uri="{FF2B5EF4-FFF2-40B4-BE49-F238E27FC236}">
+                    <a16:creationId xmlns:a16="http://schemas.microsoft.com/office/drawing/2014/main" id="{F41D9D90-D2F4-C78E-6587-07C75DE1B809}"/>
+                  </a:ext>
+                </a:extLst>
+              </p:cNvPr>
+              <p:cNvSpPr txBox="1"/>
+              <p:nvPr/>
+            </p:nvSpPr>
+            <p:spPr>
+              <a:xfrm>
+                <a:off x="2739338" y="4946141"/>
+                <a:ext cx="1984839" cy="261610"/>
+              </a:xfrm>
+              <a:prstGeom prst="rect">
+                <a:avLst/>
+              </a:prstGeom>
+              <a:noFill/>
+            </p:spPr>
+            <p:txBody>
+              <a:bodyPr wrap="none" rtlCol="0">
+                <a:spAutoFit/>
+              </a:bodyPr>
+              <a:lstStyle/>
+              <a:p>
+                <a:r>
+                  <a:rPr lang="en-GB" sz="1100" b="1" dirty="0"/>
+                  <a:t>Investment Benefit Method</a:t>
+                </a:r>
+              </a:p>
+            </p:txBody>
+          </p:sp>
+        </p:grpSp>
+        <p:cxnSp>
+          <p:nvCxnSpPr>
+            <p:cNvPr id="49" name="Conector recto de flecha 48">
+              <a:extLst>
+                <a:ext uri="{FF2B5EF4-FFF2-40B4-BE49-F238E27FC236}">
+                  <a16:creationId xmlns:a16="http://schemas.microsoft.com/office/drawing/2014/main" id="{000F3705-8868-2580-82F2-6EEB56F9B7AF}"/>
+                </a:ext>
+              </a:extLst>
+            </p:cNvPr>
+            <p:cNvCxnSpPr>
+              <a:endCxn id="43" idx="1"/>
+            </p:cNvCxnSpPr>
+            <p:nvPr/>
+          </p:nvCxnSpPr>
+          <p:spPr>
+            <a:xfrm>
+              <a:off x="204186" y="1939703"/>
+              <a:ext cx="685095" cy="0"/>
+            </a:xfrm>
+            <a:prstGeom prst="straightConnector1">
+              <a:avLst/>
+            </a:prstGeom>
+            <a:ln w="28575">
+              <a:solidFill>
+                <a:srgbClr val="C00000"/>
+              </a:solidFill>
+              <a:tailEnd type="triangle"/>
+            </a:ln>
+          </p:spPr>
+          <p:style>
+            <a:lnRef idx="1">
+              <a:schemeClr val="accent1"/>
+            </a:lnRef>
+            <a:fillRef idx="0">
+              <a:schemeClr val="accent1"/>
+            </a:fillRef>
+            <a:effectRef idx="0">
+              <a:schemeClr val="accent1"/>
+            </a:effectRef>
+            <a:fontRef idx="minor">
+              <a:schemeClr val="tx1"/>
+            </a:fontRef>
+          </p:style>
+        </p:cxnSp>
+        <p:cxnSp>
+          <p:nvCxnSpPr>
+            <p:cNvPr id="50" name="Conector recto de flecha 49">
+              <a:extLst>
+                <a:ext uri="{FF2B5EF4-FFF2-40B4-BE49-F238E27FC236}">
+                  <a16:creationId xmlns:a16="http://schemas.microsoft.com/office/drawing/2014/main" id="{CC27D07C-D3CE-D85E-00F6-9AC082BFF969}"/>
+                </a:ext>
+              </a:extLst>
+            </p:cNvPr>
+            <p:cNvCxnSpPr/>
+            <p:nvPr/>
+          </p:nvCxnSpPr>
+          <p:spPr>
+            <a:xfrm>
+              <a:off x="2735855" y="1939703"/>
+              <a:ext cx="685095" cy="0"/>
+            </a:xfrm>
+            <a:prstGeom prst="straightConnector1">
+              <a:avLst/>
+            </a:prstGeom>
+            <a:ln w="28575">
+              <a:solidFill>
+                <a:srgbClr val="C00000"/>
+              </a:solidFill>
+              <a:tailEnd type="triangle"/>
+            </a:ln>
+          </p:spPr>
+          <p:style>
+            <a:lnRef idx="1">
+              <a:schemeClr val="accent1"/>
+            </a:lnRef>
+            <a:fillRef idx="0">
+              <a:schemeClr val="accent1"/>
+            </a:fillRef>
+            <a:effectRef idx="0">
+              <a:schemeClr val="accent1"/>
+            </a:effectRef>
+            <a:fontRef idx="minor">
+              <a:schemeClr val="tx1"/>
+            </a:fontRef>
+          </p:style>
+        </p:cxnSp>
+      </p:grpSp>
+    </p:spTree>
+    <p:extLst>
+      <p:ext uri="{BB962C8B-B14F-4D97-AF65-F5344CB8AC3E}">
+        <p14:creationId xmlns:p14="http://schemas.microsoft.com/office/powerpoint/2010/main" val="196709477"/>
+      </p:ext>
+    </p:extLst>
+  </p:cSld>
+  <p:clrMapOvr>
+    <a:masterClrMapping/>
+  </p:clrMapOvr>
+</p:sld>
+</file>
+
+<file path=ppt/slides/slide7.xml><?xml version="1.0" encoding="utf-8"?>
+<p:sld xmlns:a="http://schemas.openxmlformats.org/drawingml/2006/main" xmlns:r="http://schemas.openxmlformats.org/officeDocument/2006/relationships" xmlns:p="http://schemas.openxmlformats.org/presentationml/2006/main">
+  <p:cSld>
+    <p:spTree>
+      <p:nvGrpSpPr>
+        <p:cNvPr id="1" name=""/>
+        <p:cNvGrpSpPr/>
+        <p:nvPr/>
+      </p:nvGrpSpPr>
+      <p:grpSpPr>
+        <a:xfrm>
+          <a:off x="0" y="0"/>
+          <a:ext cx="0" cy="0"/>
+          <a:chOff x="0" y="0"/>
+          <a:chExt cx="0" cy="0"/>
+        </a:xfrm>
+      </p:grpSpPr>
+      <p:sp>
+        <p:nvSpPr>
           <p:cNvPr id="2" name="Footer Placeholder 1"/>
           <p:cNvSpPr>
             <a:spLocks noGrp="1"/>
@@ -18373,7 +19734,7 @@
           <a:p>
             <a:fld id="{0A297500-7527-634B-90F4-69D0994C32B4}" type="slidenum">
               <a:rPr lang="nl-NL" smtClean="0"/>
-              <a:t>6</a:t>
+              <a:t>7</a:t>
             </a:fld>
             <a:endParaRPr lang="nl-NL"/>
           </a:p>

--- a/02. Presentations/PresentationGroup.pptx
+++ b/02. Presentations/PresentationGroup.pptx
@@ -8097,10 +8097,10 @@
         </p:nvGrpSpPr>
         <p:grpSpPr>
           <a:xfrm>
-            <a:off x="2739338" y="4946141"/>
-            <a:ext cx="1984839" cy="996230"/>
-            <a:chOff x="2739338" y="4946141"/>
-            <a:chExt cx="1984839" cy="996230"/>
+            <a:off x="2793841" y="4946141"/>
+            <a:ext cx="1846574" cy="996230"/>
+            <a:chOff x="2793841" y="4946141"/>
+            <a:chExt cx="1846574" cy="996230"/>
           </a:xfrm>
         </p:grpSpPr>
         <p:sp>
@@ -8307,8 +8307,8 @@
           </p:nvSpPr>
           <p:spPr>
             <a:xfrm>
-              <a:off x="2739338" y="4946141"/>
-              <a:ext cx="1984839" cy="261610"/>
+              <a:off x="2985796" y="4946141"/>
+              <a:ext cx="1444626" cy="261610"/>
             </a:xfrm>
             <a:prstGeom prst="rect">
               <a:avLst/>
@@ -8323,7 +8323,7 @@
             <a:p>
               <a:r>
                 <a:rPr lang="en-GB" sz="1100" b="1" dirty="0"/>
-                <a:t>Investment Benefit Method</a:t>
+                <a:t>Investment Benefit</a:t>
               </a:r>
             </a:p>
           </p:txBody>
@@ -19176,7 +19176,7 @@
         </p:nvSpPr>
         <p:spPr>
           <a:xfrm>
-            <a:off x="94607" y="4279307"/>
+            <a:off x="202198" y="3358082"/>
             <a:ext cx="3527441" cy="1169551"/>
           </a:xfrm>
           <a:prstGeom prst="rect">
@@ -19192,7 +19192,7 @@
           <a:p>
             <a:r>
               <a:rPr lang="en-GB" sz="1400" dirty="0"/>
-              <a:t>Approaches:</a:t>
+              <a:t>Line Benefit Methods:</a:t>
             </a:r>
           </a:p>
           <a:p>
@@ -19346,10 +19346,10 @@
           </p:nvGrpSpPr>
           <p:grpSpPr>
             <a:xfrm>
-              <a:off x="834778" y="1441588"/>
-              <a:ext cx="1984839" cy="996230"/>
-              <a:chOff x="2739338" y="4946141"/>
-              <a:chExt cx="1984839" cy="996230"/>
+              <a:off x="889281" y="1441588"/>
+              <a:ext cx="1846574" cy="996230"/>
+              <a:chOff x="2793841" y="4946141"/>
+              <a:chExt cx="1846574" cy="996230"/>
             </a:xfrm>
           </p:grpSpPr>
           <p:sp>
@@ -19556,8 +19556,8 @@
             </p:nvSpPr>
             <p:spPr>
               <a:xfrm>
-                <a:off x="2739338" y="4946141"/>
-                <a:ext cx="1984839" cy="261610"/>
+                <a:off x="2994815" y="4946141"/>
+                <a:ext cx="1444626" cy="261610"/>
               </a:xfrm>
               <a:prstGeom prst="rect">
                 <a:avLst/>
@@ -19572,7 +19572,7 @@
               <a:p>
                 <a:r>
                   <a:rPr lang="en-GB" sz="1100" b="1" dirty="0"/>
-                  <a:t>Investment Benefit Method</a:t>
+                  <a:t>Investment Benefit</a:t>
                 </a:r>
               </a:p>
             </p:txBody>

--- a/02. Presentations/PresentationGroup.pptx
+++ b/02. Presentations/PresentationGroup.pptx
@@ -18326,6 +18326,174 @@
           </a:p>
         </p:txBody>
       </p:sp>
+      <p:pic>
+        <p:nvPicPr>
+          <p:cNvPr id="47" name="Imagen 46">
+            <a:extLst>
+              <a:ext uri="{FF2B5EF4-FFF2-40B4-BE49-F238E27FC236}">
+                <a16:creationId xmlns:a16="http://schemas.microsoft.com/office/drawing/2014/main" id="{8F2F364E-CF39-0E3F-D988-27EE2F4AA25D}"/>
+              </a:ext>
+            </a:extLst>
+          </p:cNvPr>
+          <p:cNvPicPr>
+            <a:picLocks noChangeAspect="1"/>
+          </p:cNvPicPr>
+          <p:nvPr/>
+        </p:nvPicPr>
+        <p:blipFill>
+          <a:blip r:embed="rId7"/>
+          <a:stretch>
+            <a:fillRect/>
+          </a:stretch>
+        </p:blipFill>
+        <p:spPr>
+          <a:xfrm>
+            <a:off x="7986425" y="3966740"/>
+            <a:ext cx="3779520" cy="2127504"/>
+          </a:xfrm>
+          <a:prstGeom prst="rect">
+            <a:avLst/>
+          </a:prstGeom>
+        </p:spPr>
+      </p:pic>
+      <p:pic>
+        <p:nvPicPr>
+          <p:cNvPr id="48" name="Imagen 47">
+            <a:extLst>
+              <a:ext uri="{FF2B5EF4-FFF2-40B4-BE49-F238E27FC236}">
+                <a16:creationId xmlns:a16="http://schemas.microsoft.com/office/drawing/2014/main" id="{95807E3B-983B-CE75-0509-B974A0285F9D}"/>
+              </a:ext>
+            </a:extLst>
+          </p:cNvPr>
+          <p:cNvPicPr>
+            <a:picLocks noChangeAspect="1"/>
+          </p:cNvPicPr>
+          <p:nvPr/>
+        </p:nvPicPr>
+        <p:blipFill>
+          <a:blip r:embed="rId8"/>
+          <a:stretch>
+            <a:fillRect/>
+          </a:stretch>
+        </p:blipFill>
+        <p:spPr>
+          <a:xfrm>
+            <a:off x="7990235" y="1434084"/>
+            <a:ext cx="3771900" cy="2331720"/>
+          </a:xfrm>
+          <a:prstGeom prst="rect">
+            <a:avLst/>
+          </a:prstGeom>
+        </p:spPr>
+      </p:pic>
+      <p:sp>
+        <p:nvSpPr>
+          <p:cNvPr id="49" name="Rectángulo 48">
+            <a:extLst>
+              <a:ext uri="{FF2B5EF4-FFF2-40B4-BE49-F238E27FC236}">
+                <a16:creationId xmlns:a16="http://schemas.microsoft.com/office/drawing/2014/main" id="{06561934-1BC0-F6FD-BB22-C6FBCE8C7255}"/>
+              </a:ext>
+            </a:extLst>
+          </p:cNvPr>
+          <p:cNvSpPr/>
+          <p:nvPr/>
+        </p:nvSpPr>
+        <p:spPr>
+          <a:xfrm>
+            <a:off x="10299939" y="4511664"/>
+            <a:ext cx="646981" cy="404725"/>
+          </a:xfrm>
+          <a:prstGeom prst="rect">
+            <a:avLst/>
+          </a:prstGeom>
+          <a:noFill/>
+          <a:ln w="19050" cap="flat" cmpd="sng" algn="ctr">
+            <a:solidFill>
+              <a:srgbClr val="C00000"/>
+            </a:solidFill>
+            <a:prstDash val="solid"/>
+            <a:round/>
+            <a:headEnd type="none" w="med" len="med"/>
+            <a:tailEnd type="none" w="med" len="med"/>
+          </a:ln>
+        </p:spPr>
+        <p:style>
+          <a:lnRef idx="0">
+            <a:scrgbClr r="0" g="0" b="0"/>
+          </a:lnRef>
+          <a:fillRef idx="0">
+            <a:scrgbClr r="0" g="0" b="0"/>
+          </a:fillRef>
+          <a:effectRef idx="0">
+            <a:scrgbClr r="0" g="0" b="0"/>
+          </a:effectRef>
+          <a:fontRef idx="minor">
+            <a:schemeClr val="dk1"/>
+          </a:fontRef>
+        </p:style>
+        <p:txBody>
+          <a:bodyPr rtlCol="0" anchor="ctr"/>
+          <a:lstStyle/>
+          <a:p>
+            <a:pPr algn="ctr"/>
+            <a:endParaRPr lang="en-GB"/>
+          </a:p>
+        </p:txBody>
+      </p:sp>
+      <p:sp>
+        <p:nvSpPr>
+          <p:cNvPr id="50" name="Elipse 49">
+            <a:extLst>
+              <a:ext uri="{FF2B5EF4-FFF2-40B4-BE49-F238E27FC236}">
+                <a16:creationId xmlns:a16="http://schemas.microsoft.com/office/drawing/2014/main" id="{A53AC0AC-57A0-B3F9-293B-5629A5410ECA}"/>
+              </a:ext>
+            </a:extLst>
+          </p:cNvPr>
+          <p:cNvSpPr/>
+          <p:nvPr/>
+        </p:nvSpPr>
+        <p:spPr>
+          <a:xfrm>
+            <a:off x="9096246" y="4747429"/>
+            <a:ext cx="442316" cy="404725"/>
+          </a:xfrm>
+          <a:prstGeom prst="ellipse">
+            <a:avLst/>
+          </a:prstGeom>
+          <a:noFill/>
+          <a:ln w="19050" cap="flat" cmpd="sng" algn="ctr">
+            <a:solidFill>
+              <a:srgbClr val="C00000"/>
+            </a:solidFill>
+            <a:prstDash val="solid"/>
+            <a:round/>
+            <a:headEnd type="none" w="med" len="med"/>
+            <a:tailEnd type="none" w="med" len="med"/>
+          </a:ln>
+        </p:spPr>
+        <p:style>
+          <a:lnRef idx="0">
+            <a:scrgbClr r="0" g="0" b="0"/>
+          </a:lnRef>
+          <a:fillRef idx="0">
+            <a:scrgbClr r="0" g="0" b="0"/>
+          </a:fillRef>
+          <a:effectRef idx="0">
+            <a:scrgbClr r="0" g="0" b="0"/>
+          </a:effectRef>
+          <a:fontRef idx="minor">
+            <a:schemeClr val="dk1"/>
+          </a:fontRef>
+        </p:style>
+        <p:txBody>
+          <a:bodyPr rtlCol="0" anchor="ctr"/>
+          <a:lstStyle/>
+          <a:p>
+            <a:pPr algn="ctr"/>
+            <a:endParaRPr lang="en-GB"/>
+          </a:p>
+        </p:txBody>
+      </p:sp>
     </p:spTree>
     <p:extLst>
       <p:ext uri="{BB962C8B-B14F-4D97-AF65-F5344CB8AC3E}">
@@ -18427,10 +18595,10 @@
       </p:sp>
       <p:sp>
         <p:nvSpPr>
-          <p:cNvPr id="2" name="CuadroTexto 1">
+          <p:cNvPr id="9" name="CuadroTexto 8">
             <a:extLst>
               <a:ext uri="{FF2B5EF4-FFF2-40B4-BE49-F238E27FC236}">
-                <a16:creationId xmlns:a16="http://schemas.microsoft.com/office/drawing/2014/main" id="{8FCD4D04-BA87-D5FB-5D73-00E3D068F328}"/>
+                <a16:creationId xmlns:a16="http://schemas.microsoft.com/office/drawing/2014/main" id="{CEE43A32-779C-5A87-462E-F0637320A8FC}"/>
               </a:ext>
             </a:extLst>
           </p:cNvPr>
@@ -18439,175 +18607,8 @@
         </p:nvSpPr>
         <p:spPr>
           <a:xfrm>
-            <a:off x="863338" y="6119336"/>
-            <a:ext cx="6096000" cy="738664"/>
-          </a:xfrm>
-          <a:prstGeom prst="rect">
-            <a:avLst/>
-          </a:prstGeom>
-          <a:noFill/>
-        </p:spPr>
-        <p:txBody>
-          <a:bodyPr wrap="square">
-            <a:spAutoFit/>
-          </a:bodyPr>
-          <a:lstStyle/>
-          <a:p>
-            <a:r>
-              <a:rPr lang="en-US" sz="1400" dirty="0"/>
-              <a:t>*</a:t>
-            </a:r>
-            <a:r>
-              <a:rPr lang="en-US" sz="1400" b="1" dirty="0"/>
-              <a:t>ESOM</a:t>
-            </a:r>
-            <a:r>
-              <a:rPr lang="en-US" sz="1400" dirty="0"/>
-              <a:t>: </a:t>
-            </a:r>
-            <a:r>
-              <a:rPr lang="en-US" sz="1400" b="1" dirty="0"/>
-              <a:t>E</a:t>
-            </a:r>
-            <a:r>
-              <a:rPr lang="en-US" sz="1400" dirty="0"/>
-              <a:t>nergy </a:t>
-            </a:r>
-            <a:r>
-              <a:rPr lang="en-US" sz="1400" b="1" dirty="0"/>
-              <a:t>S</a:t>
-            </a:r>
-            <a:r>
-              <a:rPr lang="en-US" sz="1400" dirty="0"/>
-              <a:t>ystem </a:t>
-            </a:r>
-            <a:r>
-              <a:rPr lang="en-US" sz="1400" b="1" dirty="0"/>
-              <a:t>O</a:t>
-            </a:r>
-            <a:r>
-              <a:rPr lang="en-US" sz="1400" dirty="0"/>
-              <a:t>ptimization </a:t>
-            </a:r>
-            <a:r>
-              <a:rPr lang="en-US" sz="1400" b="1" dirty="0"/>
-              <a:t>M</a:t>
-            </a:r>
-            <a:r>
-              <a:rPr lang="en-US" sz="1400" dirty="0"/>
-              <a:t>odel</a:t>
-            </a:r>
-          </a:p>
-          <a:p>
-            <a:r>
-              <a:rPr lang="en-US" sz="1400" dirty="0"/>
-              <a:t>*</a:t>
-            </a:r>
-            <a:r>
-              <a:rPr lang="en-US" sz="1400" b="1" dirty="0"/>
-              <a:t>PINT</a:t>
-            </a:r>
-            <a:r>
-              <a:rPr lang="en-US" sz="1400" dirty="0"/>
-              <a:t>: </a:t>
-            </a:r>
-            <a:r>
-              <a:rPr lang="en-GB" sz="1400" b="1" dirty="0"/>
-              <a:t>P</a:t>
-            </a:r>
-            <a:r>
-              <a:rPr lang="en-GB" sz="1400" dirty="0"/>
-              <a:t>ut</a:t>
-            </a:r>
-            <a:r>
-              <a:rPr lang="en-GB" sz="1400" b="1" dirty="0"/>
-              <a:t> IN </a:t>
-            </a:r>
-            <a:r>
-              <a:rPr lang="en-GB" sz="1400" dirty="0"/>
-              <a:t>one at a </a:t>
-            </a:r>
-            <a:r>
-              <a:rPr lang="en-GB" sz="1400" b="1" dirty="0"/>
-              <a:t>T</a:t>
-            </a:r>
-            <a:r>
-              <a:rPr lang="en-GB" sz="1400" dirty="0"/>
-              <a:t>ime</a:t>
-            </a:r>
-          </a:p>
-          <a:p>
-            <a:r>
-              <a:rPr lang="en-US" sz="1400" dirty="0"/>
-              <a:t>*</a:t>
-            </a:r>
-            <a:r>
-              <a:rPr lang="en-US" sz="1400" b="1" dirty="0"/>
-              <a:t>TOOT</a:t>
-            </a:r>
-            <a:r>
-              <a:rPr lang="en-US" sz="1400" dirty="0"/>
-              <a:t>: </a:t>
-            </a:r>
-            <a:r>
-              <a:rPr lang="en-GB" sz="1400" b="1" dirty="0"/>
-              <a:t>T</a:t>
-            </a:r>
-            <a:r>
-              <a:rPr lang="en-GB" sz="1400" dirty="0"/>
-              <a:t>ake</a:t>
-            </a:r>
-            <a:r>
-              <a:rPr lang="en-GB" sz="1400" b="1" dirty="0"/>
-              <a:t> O</a:t>
-            </a:r>
-            <a:r>
-              <a:rPr lang="en-GB" sz="1400" dirty="0"/>
-              <a:t>ut</a:t>
-            </a:r>
-            <a:r>
-              <a:rPr lang="en-GB" sz="1400" b="1" dirty="0"/>
-              <a:t> O</a:t>
-            </a:r>
-            <a:r>
-              <a:rPr lang="en-GB" sz="1400" dirty="0"/>
-              <a:t>ne</a:t>
-            </a:r>
-            <a:r>
-              <a:rPr lang="en-GB" sz="1400" b="1" dirty="0"/>
-              <a:t> </a:t>
-            </a:r>
-            <a:r>
-              <a:rPr lang="en-GB" sz="1400" dirty="0"/>
-              <a:t>at a </a:t>
-            </a:r>
-            <a:r>
-              <a:rPr lang="en-GB" sz="1400" b="1" dirty="0"/>
-              <a:t>T</a:t>
-            </a:r>
-            <a:r>
-              <a:rPr lang="en-GB" sz="1400" dirty="0"/>
-              <a:t>ime</a:t>
-            </a:r>
-          </a:p>
-        </p:txBody>
-      </p:sp>
-      <p:sp>
-        <p:nvSpPr>
-          <p:cNvPr id="7" name="CuadroTexto 6">
-            <a:extLst>
-              <a:ext uri="{FF2B5EF4-FFF2-40B4-BE49-F238E27FC236}">
-                <a16:creationId xmlns:a16="http://schemas.microsoft.com/office/drawing/2014/main" id="{D1E56796-9C42-C1C3-0A9A-CA792835BD0F}"/>
-              </a:ext>
-            </a:extLst>
-          </p:cNvPr>
-          <p:cNvSpPr txBox="1"/>
-          <p:nvPr/>
-        </p:nvSpPr>
-        <p:spPr>
-          <a:xfrm>
-            <a:off x="7551604" y="2323580"/>
-            <a:ext cx="1470274" cy="523220"/>
+            <a:off x="10476649" y="2303871"/>
+            <a:ext cx="1358065" cy="307777"/>
           </a:xfrm>
           <a:prstGeom prst="rect">
             <a:avLst/>
@@ -18623,57 +18624,7 @@
             <a:pPr algn="ctr"/>
             <a:r>
               <a:rPr lang="en-GB" sz="1400" dirty="0"/>
-              <a:t>Relaxed ESOM </a:t>
-            </a:r>
-          </a:p>
-          <a:p>
-            <a:pPr algn="ctr"/>
-            <a:r>
-              <a:rPr lang="en-GB" sz="1400" dirty="0"/>
-              <a:t>in hourly basis</a:t>
-            </a:r>
-          </a:p>
-        </p:txBody>
-      </p:sp>
-      <p:sp>
-        <p:nvSpPr>
-          <p:cNvPr id="9" name="CuadroTexto 8">
-            <a:extLst>
-              <a:ext uri="{FF2B5EF4-FFF2-40B4-BE49-F238E27FC236}">
-                <a16:creationId xmlns:a16="http://schemas.microsoft.com/office/drawing/2014/main" id="{CEE43A32-779C-5A87-462E-F0637320A8FC}"/>
-              </a:ext>
-            </a:extLst>
-          </p:cNvPr>
-          <p:cNvSpPr txBox="1"/>
-          <p:nvPr/>
-        </p:nvSpPr>
-        <p:spPr>
-          <a:xfrm>
-            <a:off x="9529358" y="2314266"/>
-            <a:ext cx="1768433" cy="523220"/>
-          </a:xfrm>
-          <a:prstGeom prst="rect">
-            <a:avLst/>
-          </a:prstGeom>
-          <a:noFill/>
-        </p:spPr>
-        <p:txBody>
-          <a:bodyPr wrap="none" rtlCol="0">
-            <a:spAutoFit/>
-          </a:bodyPr>
-          <a:lstStyle/>
-          <a:p>
-            <a:pPr algn="ctr"/>
-            <a:r>
-              <a:rPr lang="en-GB" sz="1400" dirty="0"/>
-              <a:t>Economic Dispatch </a:t>
-            </a:r>
-          </a:p>
-          <a:p>
-            <a:pPr algn="ctr"/>
-            <a:r>
-              <a:rPr lang="en-GB" sz="1400" dirty="0"/>
-              <a:t>in hourly basis</a:t>
+              <a:t>Reference grid</a:t>
             </a:r>
           </a:p>
         </p:txBody>
@@ -18692,7 +18643,7 @@
         </p:nvSpPr>
         <p:spPr>
           <a:xfrm>
-            <a:off x="7682057" y="2832787"/>
+            <a:off x="7864878" y="2721518"/>
             <a:ext cx="1209368" cy="619433"/>
           </a:xfrm>
           <a:prstGeom prst="roundRect">
@@ -18722,7 +18673,7 @@
             <a:pPr algn="ctr"/>
             <a:r>
               <a:rPr lang="en-GB" sz="1600" b="1" dirty="0"/>
-              <a:t>ANN</a:t>
+              <a:t>ANN Cost</a:t>
             </a:r>
           </a:p>
           <a:p>
@@ -18748,7 +18699,7 @@
         </p:nvSpPr>
         <p:spPr>
           <a:xfrm>
-            <a:off x="9808891" y="2832787"/>
+            <a:off x="10543397" y="2721518"/>
             <a:ext cx="1209368" cy="619433"/>
           </a:xfrm>
           <a:prstGeom prst="roundRect">
@@ -18778,7 +18729,7 @@
             <a:pPr algn="ctr"/>
             <a:r>
               <a:rPr lang="en-GB" sz="1600" b="1" dirty="0"/>
-              <a:t>ANN</a:t>
+              <a:t>ANN Cost</a:t>
             </a:r>
           </a:p>
           <a:p>
@@ -18804,8 +18755,8 @@
         </p:nvSpPr>
         <p:spPr>
           <a:xfrm>
-            <a:off x="8622137" y="4103244"/>
-            <a:ext cx="1436856" cy="635001"/>
+            <a:off x="8704873" y="3527352"/>
+            <a:ext cx="2146020" cy="1049941"/>
           </a:xfrm>
           <a:prstGeom prst="roundRect">
             <a:avLst/>
@@ -18831,8 +18782,22 @@
           <a:p>
             <a:pPr algn="ctr"/>
             <a:r>
-              <a:rPr lang="en-GB" sz="1400" b="1" dirty="0"/>
-              <a:t>Benefit per asset in hourly basis</a:t>
+              <a:rPr lang="en-GB" sz="1200" b="1" dirty="0"/>
+              <a:t>Benefit 1 (Benefit 2) = </a:t>
+            </a:r>
+          </a:p>
+          <a:p>
+            <a:pPr algn="ctr"/>
+            <a:r>
+              <a:rPr lang="en-GB" sz="1200" b="1" dirty="0"/>
+              <a:t>Reference grid – PINT</a:t>
+            </a:r>
+          </a:p>
+          <a:p>
+            <a:pPr algn="ctr"/>
+            <a:r>
+              <a:rPr lang="en-GB" sz="1200" b="1" dirty="0"/>
+              <a:t>(TOOT – Reference grid)</a:t>
             </a:r>
           </a:p>
         </p:txBody>
@@ -18855,8 +18820,8 @@
         </p:nvCxnSpPr>
         <p:spPr>
           <a:xfrm rot="5400000">
-            <a:off x="9752022" y="3759191"/>
-            <a:ext cx="968525" cy="354582"/>
+            <a:off x="10643801" y="3548043"/>
+            <a:ext cx="711372" cy="297188"/>
           </a:xfrm>
           <a:prstGeom prst="bentConnector2">
             <a:avLst/>
@@ -18898,8 +18863,8 @@
         </p:nvCxnSpPr>
         <p:spPr>
           <a:xfrm rot="16200000" flipH="1">
-            <a:off x="7970177" y="3768784"/>
-            <a:ext cx="968525" cy="335396"/>
+            <a:off x="8231531" y="3578981"/>
+            <a:ext cx="711372" cy="235311"/>
           </a:xfrm>
           <a:prstGeom prst="bentConnector2">
             <a:avLst/>
@@ -18925,97 +18890,6 @@
       </p:cxnSp>
       <p:sp>
         <p:nvSpPr>
-          <p:cNvPr id="20" name="Rectángulo: esquinas redondeadas 19">
-            <a:extLst>
-              <a:ext uri="{FF2B5EF4-FFF2-40B4-BE49-F238E27FC236}">
-                <a16:creationId xmlns:a16="http://schemas.microsoft.com/office/drawing/2014/main" id="{D34031D6-3441-7899-7B93-9183B1C1D588}"/>
-              </a:ext>
-            </a:extLst>
-          </p:cNvPr>
-          <p:cNvSpPr/>
-          <p:nvPr/>
-        </p:nvSpPr>
-        <p:spPr>
-          <a:xfrm>
-            <a:off x="7323910" y="2270259"/>
-            <a:ext cx="4033312" cy="2647866"/>
-          </a:xfrm>
-          <a:prstGeom prst="roundRect">
-            <a:avLst/>
-          </a:prstGeom>
-          <a:noFill/>
-          <a:ln w="38100">
-            <a:solidFill>
-              <a:schemeClr val="accent6">
-                <a:lumMod val="75000"/>
-              </a:schemeClr>
-            </a:solidFill>
-            <a:prstDash val="dash"/>
-          </a:ln>
-        </p:spPr>
-        <p:style>
-          <a:lnRef idx="2">
-            <a:schemeClr val="accent1">
-              <a:shade val="50000"/>
-            </a:schemeClr>
-          </a:lnRef>
-          <a:fillRef idx="1">
-            <a:schemeClr val="accent1"/>
-          </a:fillRef>
-          <a:effectRef idx="0">
-            <a:schemeClr val="accent1"/>
-          </a:effectRef>
-          <a:fontRef idx="minor">
-            <a:schemeClr val="lt1"/>
-          </a:fontRef>
-        </p:style>
-        <p:txBody>
-          <a:bodyPr rtlCol="0" anchor="ctr"/>
-          <a:lstStyle/>
-          <a:p>
-            <a:pPr algn="ctr"/>
-            <a:endParaRPr lang="en-GB"/>
-          </a:p>
-        </p:txBody>
-      </p:sp>
-      <p:sp>
-        <p:nvSpPr>
-          <p:cNvPr id="21" name="CuadroTexto 20">
-            <a:extLst>
-              <a:ext uri="{FF2B5EF4-FFF2-40B4-BE49-F238E27FC236}">
-                <a16:creationId xmlns:a16="http://schemas.microsoft.com/office/drawing/2014/main" id="{C1E07F10-1F8E-7F2F-8B60-BF775F35F3F2}"/>
-              </a:ext>
-            </a:extLst>
-          </p:cNvPr>
-          <p:cNvSpPr txBox="1"/>
-          <p:nvPr/>
-        </p:nvSpPr>
-        <p:spPr>
-          <a:xfrm>
-            <a:off x="8384116" y="1997814"/>
-            <a:ext cx="1675460" cy="338554"/>
-          </a:xfrm>
-          <a:prstGeom prst="rect">
-            <a:avLst/>
-          </a:prstGeom>
-          <a:noFill/>
-        </p:spPr>
-        <p:txBody>
-          <a:bodyPr wrap="none" rtlCol="0">
-            <a:spAutoFit/>
-          </a:bodyPr>
-          <a:lstStyle/>
-          <a:p>
-            <a:pPr algn="ctr"/>
-            <a:r>
-              <a:rPr lang="en-GB" sz="1600" b="1" dirty="0"/>
-              <a:t>PINT Sequence</a:t>
-            </a:r>
-          </a:p>
-        </p:txBody>
-      </p:sp>
-      <p:sp>
-        <p:nvSpPr>
           <p:cNvPr id="30" name="Rectángulo: esquinas redondeadas 29">
             <a:extLst>
               <a:ext uri="{FF2B5EF4-FFF2-40B4-BE49-F238E27FC236}">
@@ -19028,8 +18902,8 @@
         </p:nvSpPr>
         <p:spPr>
           <a:xfrm>
-            <a:off x="7180794" y="1997814"/>
-            <a:ext cx="4324668" cy="3192756"/>
+            <a:off x="7665134" y="2199736"/>
+            <a:ext cx="4324668" cy="2566374"/>
           </a:xfrm>
           <a:prstGeom prst="roundRect">
             <a:avLst/>
@@ -19080,8 +18954,8 @@
         </p:nvSpPr>
         <p:spPr>
           <a:xfrm>
-            <a:off x="7909988" y="1360038"/>
-            <a:ext cx="2767104" cy="300082"/>
+            <a:off x="7444968" y="1809317"/>
+            <a:ext cx="4544834" cy="369332"/>
           </a:xfrm>
           <a:prstGeom prst="rect">
             <a:avLst/>
@@ -19097,7 +18971,7 @@
             <a:pPr algn="ctr"/>
             <a:r>
               <a:rPr lang="en-GB" b="1" dirty="0"/>
-              <a:t>Sequence per candidate asset</a:t>
+              <a:t>Sequence per candidate asset and hour</a:t>
             </a:r>
           </a:p>
         </p:txBody>
@@ -19118,8 +18992,8 @@
         </p:nvSpPr>
         <p:spPr>
           <a:xfrm>
-            <a:off x="6959338" y="924438"/>
-            <a:ext cx="4668400" cy="457120"/>
+            <a:off x="4219034" y="1014669"/>
+            <a:ext cx="3055930" cy="457120"/>
           </a:xfrm>
           <a:prstGeom prst="rect">
             <a:avLst/>
@@ -19157,7 +19031,7 @@
                   </a:outerShdw>
                 </a:effectLst>
               </a:rPr>
-              <a:t>The PINT and TOOT approaches</a:t>
+              <a:t>The PINT and TOOT</a:t>
             </a:r>
           </a:p>
         </p:txBody>
@@ -19263,7 +19137,7 @@
         </p:blipFill>
         <p:spPr>
           <a:xfrm>
-            <a:off x="3877879" y="2162412"/>
+            <a:off x="4362219" y="2051143"/>
             <a:ext cx="2915928" cy="2755713"/>
           </a:xfrm>
           <a:prstGeom prst="rect">
@@ -19285,7 +19159,7 @@
         </p:nvSpPr>
         <p:spPr>
           <a:xfrm>
-            <a:off x="3874695" y="4920471"/>
+            <a:off x="4359035" y="4809202"/>
             <a:ext cx="2915929" cy="830997"/>
           </a:xfrm>
           <a:prstGeom prst="rect">
@@ -19665,6 +19539,81 @@
           </p:style>
         </p:cxnSp>
       </p:grpSp>
+      <p:cxnSp>
+        <p:nvCxnSpPr>
+          <p:cNvPr id="53" name="Conector recto 52">
+            <a:extLst>
+              <a:ext uri="{FF2B5EF4-FFF2-40B4-BE49-F238E27FC236}">
+                <a16:creationId xmlns:a16="http://schemas.microsoft.com/office/drawing/2014/main" id="{EF1F9D9E-D6FB-D3D4-E001-A93C501935B6}"/>
+              </a:ext>
+            </a:extLst>
+          </p:cNvPr>
+          <p:cNvCxnSpPr/>
+          <p:nvPr/>
+        </p:nvCxnSpPr>
+        <p:spPr>
+          <a:xfrm>
+            <a:off x="3933645" y="1047603"/>
+            <a:ext cx="0" cy="5059899"/>
+          </a:xfrm>
+          <a:prstGeom prst="line">
+            <a:avLst/>
+          </a:prstGeom>
+          <a:ln w="28575">
+            <a:prstDash val="lgDash"/>
+          </a:ln>
+        </p:spPr>
+        <p:style>
+          <a:lnRef idx="1">
+            <a:schemeClr val="dk1"/>
+          </a:lnRef>
+          <a:fillRef idx="0">
+            <a:schemeClr val="dk1"/>
+          </a:fillRef>
+          <a:effectRef idx="0">
+            <a:schemeClr val="dk1"/>
+          </a:effectRef>
+          <a:fontRef idx="minor">
+            <a:schemeClr val="tx1"/>
+          </a:fontRef>
+        </p:style>
+      </p:cxnSp>
+      <p:sp>
+        <p:nvSpPr>
+          <p:cNvPr id="56" name="CuadroTexto 55">
+            <a:extLst>
+              <a:ext uri="{FF2B5EF4-FFF2-40B4-BE49-F238E27FC236}">
+                <a16:creationId xmlns:a16="http://schemas.microsoft.com/office/drawing/2014/main" id="{CA19D018-9B14-3691-8760-843E30DC0E5B}"/>
+              </a:ext>
+            </a:extLst>
+          </p:cNvPr>
+          <p:cNvSpPr txBox="1"/>
+          <p:nvPr/>
+        </p:nvSpPr>
+        <p:spPr>
+          <a:xfrm>
+            <a:off x="7741064" y="2303699"/>
+            <a:ext cx="1457258" cy="307777"/>
+          </a:xfrm>
+          <a:prstGeom prst="rect">
+            <a:avLst/>
+          </a:prstGeom>
+          <a:noFill/>
+        </p:spPr>
+        <p:txBody>
+          <a:bodyPr wrap="none" rtlCol="0">
+            <a:spAutoFit/>
+          </a:bodyPr>
+          <a:lstStyle/>
+          <a:p>
+            <a:pPr algn="ctr"/>
+            <a:r>
+              <a:rPr lang="en-GB" sz="1400" dirty="0"/>
+              <a:t>PINT (or TOOT)</a:t>
+            </a:r>
+          </a:p>
+        </p:txBody>
+      </p:sp>
     </p:spTree>
     <p:extLst>
       <p:ext uri="{BB962C8B-B14F-4D97-AF65-F5344CB8AC3E}">

--- a/02. Presentations/PresentationGroup.pptx
+++ b/02. Presentations/PresentationGroup.pptx
@@ -6,10 +6,10 @@
     <p:sldMasterId id="2147483694" r:id="rId5"/>
   </p:sldMasterIdLst>
   <p:notesMasterIdLst>
-    <p:notesMasterId r:id="rId13"/>
+    <p:notesMasterId r:id="rId15"/>
   </p:notesMasterIdLst>
   <p:handoutMasterIdLst>
-    <p:handoutMasterId r:id="rId14"/>
+    <p:handoutMasterId r:id="rId16"/>
   </p:handoutMasterIdLst>
   <p:sldIdLst>
     <p:sldId id="269" r:id="rId6"/>
@@ -18,7 +18,9 @@
     <p:sldId id="276" r:id="rId9"/>
     <p:sldId id="277" r:id="rId10"/>
     <p:sldId id="278" r:id="rId11"/>
-    <p:sldId id="272" r:id="rId12"/>
+    <p:sldId id="279" r:id="rId12"/>
+    <p:sldId id="280" r:id="rId13"/>
+    <p:sldId id="272" r:id="rId14"/>
   </p:sldIdLst>
   <p:sldSz cx="12192000" cy="6858000"/>
   <p:notesSz cx="6858000" cy="9144000"/>
@@ -8879,14 +8881,14 @@
               <p:nvPr>
                 <p:extLst>
                   <p:ext uri="{D42A27DB-BD31-4B8C-83A1-F6EECF244321}">
-                    <p14:modId xmlns:p14="http://schemas.microsoft.com/office/powerpoint/2010/main" val="1788112316"/>
+                    <p14:modId xmlns:p14="http://schemas.microsoft.com/office/powerpoint/2010/main" val="529266224"/>
                   </p:ext>
                 </p:extLst>
               </p:nvPr>
             </p:nvGraphicFramePr>
             <p:xfrm>
               <a:off x="1631503" y="1097128"/>
-              <a:ext cx="8928994" cy="4703934"/>
+              <a:ext cx="8928994" cy="5094269"/>
             </p:xfrm>
             <a:graphic>
               <a:graphicData uri="http://schemas.openxmlformats.org/drawingml/2006/table">
@@ -10628,17 +10630,6 @@
                                     <a:latin typeface="Cambria Math" panose="02040503050406030204" pitchFamily="18" charset="0"/>
                                     <a:ea typeface="Cambria Math" panose="02040503050406030204" pitchFamily="18" charset="0"/>
                                   </a:rPr>
-                                  <m:t>𝑝</m:t>
-                                </m:r>
-                                <m:r>
-                                  <a:rPr lang="es-ES" sz="1200" b="0" i="1" noProof="0" smtClean="0">
-                                    <a:solidFill>
-                                      <a:srgbClr val="000000"/>
-                                    </a:solidFill>
-                                    <a:effectLst/>
-                                    <a:latin typeface="Cambria Math" panose="02040503050406030204" pitchFamily="18" charset="0"/>
-                                    <a:ea typeface="Cambria Math" panose="02040503050406030204" pitchFamily="18" charset="0"/>
-                                  </a:rPr>
                                   <m:t>𝜔</m:t>
                                 </m:r>
                                 <m:r>
@@ -11341,17 +11332,6 @@
                                     <a:ea typeface="Cambria Math" panose="02040503050406030204" pitchFamily="18" charset="0"/>
                                   </a:rPr>
                                   <m:t>∀</m:t>
-                                </m:r>
-                                <m:r>
-                                  <a:rPr lang="es-ES" sz="1200" b="0" i="1" noProof="0" smtClean="0">
-                                    <a:solidFill>
-                                      <a:srgbClr val="000000"/>
-                                    </a:solidFill>
-                                    <a:effectLst/>
-                                    <a:latin typeface="Cambria Math" panose="02040503050406030204" pitchFamily="18" charset="0"/>
-                                    <a:ea typeface="Cambria Math" panose="02040503050406030204" pitchFamily="18" charset="0"/>
-                                  </a:rPr>
-                                  <m:t>𝑝</m:t>
                                 </m:r>
                                 <m:r>
                                   <a:rPr lang="es-ES" sz="1200" b="0" i="1" noProof="0" smtClean="0">
@@ -12083,17 +12063,6 @@
                                     <a:latin typeface="Cambria Math" panose="02040503050406030204" pitchFamily="18" charset="0"/>
                                     <a:ea typeface="Cambria Math" panose="02040503050406030204" pitchFamily="18" charset="0"/>
                                   </a:rPr>
-                                  <m:t>𝑝</m:t>
-                                </m:r>
-                                <m:r>
-                                  <a:rPr lang="es-ES" sz="1200" b="0" i="1" noProof="0" smtClean="0">
-                                    <a:solidFill>
-                                      <a:srgbClr val="000000"/>
-                                    </a:solidFill>
-                                    <a:effectLst/>
-                                    <a:latin typeface="Cambria Math" panose="02040503050406030204" pitchFamily="18" charset="0"/>
-                                    <a:ea typeface="Cambria Math" panose="02040503050406030204" pitchFamily="18" charset="0"/>
-                                  </a:rPr>
                                   <m:t>𝜔</m:t>
                                 </m:r>
                                 <m:r>
@@ -12816,17 +12785,6 @@
                                     <a:latin typeface="Cambria Math" panose="02040503050406030204" pitchFamily="18" charset="0"/>
                                     <a:ea typeface="Cambria Math" panose="02040503050406030204" pitchFamily="18" charset="0"/>
                                   </a:rPr>
-                                  <m:t>𝑝</m:t>
-                                </m:r>
-                                <m:r>
-                                  <a:rPr lang="es-ES" sz="1200" b="0" i="1" noProof="0" smtClean="0">
-                                    <a:solidFill>
-                                      <a:srgbClr val="000000"/>
-                                    </a:solidFill>
-                                    <a:effectLst/>
-                                    <a:latin typeface="Cambria Math" panose="02040503050406030204" pitchFamily="18" charset="0"/>
-                                    <a:ea typeface="Cambria Math" panose="02040503050406030204" pitchFamily="18" charset="0"/>
-                                  </a:rPr>
                                   <m:t>𝜔</m:t>
                                 </m:r>
                                 <m:r>
@@ -13454,17 +13412,6 @@
                                     <a:latin typeface="Cambria Math" panose="02040503050406030204" pitchFamily="18" charset="0"/>
                                     <a:ea typeface="Cambria Math" panose="02040503050406030204" pitchFamily="18" charset="0"/>
                                   </a:rPr>
-                                  <m:t>𝑝</m:t>
-                                </m:r>
-                                <m:r>
-                                  <a:rPr lang="es-ES" sz="1200" b="0" i="1" noProof="0" smtClean="0">
-                                    <a:solidFill>
-                                      <a:srgbClr val="000000"/>
-                                    </a:solidFill>
-                                    <a:effectLst/>
-                                    <a:latin typeface="Cambria Math" panose="02040503050406030204" pitchFamily="18" charset="0"/>
-                                    <a:ea typeface="Cambria Math" panose="02040503050406030204" pitchFamily="18" charset="0"/>
-                                  </a:rPr>
                                   <m:t>𝜔</m:t>
                                 </m:r>
                                 <m:r>
@@ -14084,6 +14031,631 @@
                     <a:extLst>
                       <a:ext uri="{0D108BD9-81ED-4DB2-BD59-A6C34878D82A}">
                         <a16:rowId xmlns:a16="http://schemas.microsoft.com/office/drawing/2014/main" val="2894563703"/>
+                      </a:ext>
+                    </a:extLst>
+                  </a:tr>
+                  <a:tr h="248971">
+                    <a:tc>
+                      <a:txBody>
+                        <a:bodyPr/>
+                        <a:lstStyle/>
+                        <a:p>
+                          <a:pPr algn="r">
+                            <a:lnSpc>
+                              <a:spcPct val="150000"/>
+                            </a:lnSpc>
+                            <a:spcAft>
+                              <a:spcPts val="0"/>
+                            </a:spcAft>
+                          </a:pPr>
+                          <a:endParaRPr lang="en-US" sz="1200" b="1" noProof="0" dirty="0">
+                            <a:effectLst/>
+                            <a:latin typeface="Consolas" panose="020B0609020204030204" pitchFamily="49" charset="0"/>
+                            <a:ea typeface="SimSun" panose="02010600030101010101" pitchFamily="2" charset="-122"/>
+                          </a:endParaRPr>
+                        </a:p>
+                      </a:txBody>
+                      <a:tcPr marL="0" marR="0" marT="0" marB="0" anchor="ctr">
+                        <a:lnL w="12700" cap="flat" cmpd="sng" algn="ctr">
+                          <a:noFill/>
+                          <a:prstDash val="solid"/>
+                          <a:round/>
+                          <a:headEnd type="none" w="med" len="med"/>
+                          <a:tailEnd type="none" w="med" len="med"/>
+                        </a:lnL>
+                        <a:lnR w="12700" cap="flat" cmpd="sng" algn="ctr">
+                          <a:noFill/>
+                          <a:prstDash val="solid"/>
+                          <a:round/>
+                          <a:headEnd type="none" w="med" len="med"/>
+                          <a:tailEnd type="none" w="med" len="med"/>
+                        </a:lnR>
+                        <a:lnT w="12700" cap="flat" cmpd="sng" algn="ctr">
+                          <a:noFill/>
+                          <a:prstDash val="solid"/>
+                          <a:round/>
+                          <a:headEnd type="none" w="med" len="med"/>
+                          <a:tailEnd type="none" w="med" len="med"/>
+                        </a:lnT>
+                        <a:lnB w="12700" cap="flat" cmpd="sng" algn="ctr">
+                          <a:noFill/>
+                          <a:prstDash val="solid"/>
+                          <a:round/>
+                          <a:headEnd type="none" w="med" len="med"/>
+                          <a:tailEnd type="none" w="med" len="med"/>
+                        </a:lnB>
+                        <a:lnTlToBr w="12700" cmpd="sng">
+                          <a:noFill/>
+                          <a:prstDash val="solid"/>
+                        </a:lnTlToBr>
+                        <a:lnBlToTr w="12700" cmpd="sng">
+                          <a:noFill/>
+                          <a:prstDash val="solid"/>
+                        </a:lnBlToTr>
+                        <a:solidFill>
+                          <a:schemeClr val="bg1"/>
+                        </a:solidFill>
+                      </a:tcPr>
+                    </a:tc>
+                    <a:tc>
+                      <a:txBody>
+                        <a:bodyPr/>
+                        <a:lstStyle/>
+                        <a:p>
+                          <a:pPr algn="ctr">
+                            <a:lnSpc>
+                              <a:spcPct val="150000"/>
+                            </a:lnSpc>
+                            <a:spcAft>
+                              <a:spcPts val="0"/>
+                            </a:spcAft>
+                          </a:pPr>
+                          <a14:m>
+                            <m:oMathPara xmlns:m="http://schemas.openxmlformats.org/officeDocument/2006/math">
+                              <m:oMathParaPr>
+                                <m:jc m:val="centerGroup"/>
+                              </m:oMathParaPr>
+                              <m:oMath xmlns:m="http://schemas.openxmlformats.org/officeDocument/2006/math">
+                                <m:sSup>
+                                  <m:sSupPr>
+                                    <m:ctrlPr>
+                                      <a:rPr lang="es-ES" sz="1200" b="0" i="1" noProof="0" smtClean="0">
+                                        <a:solidFill>
+                                          <a:srgbClr val="000000"/>
+                                        </a:solidFill>
+                                        <a:effectLst/>
+                                        <a:latin typeface="Cambria Math" panose="02040503050406030204" pitchFamily="18" charset="0"/>
+                                        <a:ea typeface="Cambria Math" panose="02040503050406030204" pitchFamily="18" charset="0"/>
+                                      </a:rPr>
+                                    </m:ctrlPr>
+                                  </m:sSupPr>
+                                  <m:e>
+                                    <m:d>
+                                      <m:dPr>
+                                        <m:ctrlPr>
+                                          <a:rPr lang="es-ES" sz="1200" b="0" i="1" noProof="0" smtClean="0">
+                                            <a:solidFill>
+                                              <a:srgbClr val="000000"/>
+                                            </a:solidFill>
+                                            <a:effectLst/>
+                                            <a:latin typeface="Cambria Math" panose="02040503050406030204" pitchFamily="18" charset="0"/>
+                                            <a:ea typeface="Cambria Math" panose="02040503050406030204" pitchFamily="18" charset="0"/>
+                                          </a:rPr>
+                                        </m:ctrlPr>
+                                      </m:dPr>
+                                      <m:e>
+                                        <m:sSubSup>
+                                          <m:sSubSupPr>
+                                            <m:ctrlPr>
+                                              <a:rPr lang="en-US" sz="1200" b="1" i="1" noProof="0" smtClean="0">
+                                                <a:solidFill>
+                                                  <a:srgbClr val="FF0000"/>
+                                                </a:solidFill>
+                                                <a:effectLst/>
+                                                <a:latin typeface="Cambria Math" panose="02040503050406030204" pitchFamily="18" charset="0"/>
+                                              </a:rPr>
+                                            </m:ctrlPr>
+                                          </m:sSubSupPr>
+                                          <m:e>
+                                            <m:r>
+                                              <a:rPr lang="es-ES" sz="1200" b="1" i="1" noProof="0" smtClean="0">
+                                                <a:solidFill>
+                                                  <a:srgbClr val="FF0000"/>
+                                                </a:solidFill>
+                                                <a:effectLst/>
+                                                <a:latin typeface="Cambria Math" panose="02040503050406030204" pitchFamily="18" charset="0"/>
+                                              </a:rPr>
+                                              <m:t>𝒇</m:t>
+                                            </m:r>
+                                          </m:e>
+                                          <m:sub>
+                                            <m:r>
+                                              <a:rPr lang="es-ES" sz="1200" b="1" i="1" noProof="0" smtClean="0">
+                                                <a:solidFill>
+                                                  <a:srgbClr val="FF0000"/>
+                                                </a:solidFill>
+                                                <a:effectLst/>
+                                                <a:latin typeface="Cambria Math" panose="02040503050406030204" pitchFamily="18" charset="0"/>
+                                                <a:ea typeface="Cambria Math" panose="02040503050406030204" pitchFamily="18" charset="0"/>
+                                              </a:rPr>
+                                              <m:t>𝝎</m:t>
+                                            </m:r>
+                                            <m:r>
+                                              <a:rPr lang="es-ES" sz="1200" b="1" i="1" noProof="0" smtClean="0">
+                                                <a:solidFill>
+                                                  <a:srgbClr val="FF0000"/>
+                                                </a:solidFill>
+                                                <a:effectLst/>
+                                                <a:latin typeface="Cambria Math" panose="02040503050406030204" pitchFamily="18" charset="0"/>
+                                                <a:ea typeface="Cambria Math" panose="02040503050406030204" pitchFamily="18" charset="0"/>
+                                              </a:rPr>
+                                              <m:t>𝒏𝒌𝒎</m:t>
+                                            </m:r>
+                                          </m:sub>
+                                          <m:sup>
+                                            <m:r>
+                                              <a:rPr lang="es-ES" sz="1200" b="1" i="1" noProof="0" smtClean="0">
+                                                <a:solidFill>
+                                                  <a:srgbClr val="FF0000"/>
+                                                </a:solidFill>
+                                                <a:effectLst/>
+                                                <a:latin typeface="Cambria Math" panose="02040503050406030204" pitchFamily="18" charset="0"/>
+                                              </a:rPr>
+                                              <m:t>𝑷</m:t>
+                                            </m:r>
+                                          </m:sup>
+                                        </m:sSubSup>
+                                      </m:e>
+                                    </m:d>
+                                  </m:e>
+                                  <m:sup>
+                                    <m:r>
+                                      <a:rPr lang="es-ES" sz="1200" b="0" i="1" noProof="0" smtClean="0">
+                                        <a:solidFill>
+                                          <a:srgbClr val="000000"/>
+                                        </a:solidFill>
+                                        <a:effectLst/>
+                                        <a:latin typeface="Cambria Math" panose="02040503050406030204" pitchFamily="18" charset="0"/>
+                                        <a:ea typeface="Cambria Math" panose="02040503050406030204" pitchFamily="18" charset="0"/>
+                                      </a:rPr>
+                                      <m:t>2</m:t>
+                                    </m:r>
+                                  </m:sup>
+                                </m:sSup>
+                                <m:r>
+                                  <a:rPr lang="es-ES" sz="1200" b="0" i="1" noProof="0" smtClean="0">
+                                    <a:solidFill>
+                                      <a:srgbClr val="000000"/>
+                                    </a:solidFill>
+                                    <a:effectLst/>
+                                    <a:latin typeface="Cambria Math" panose="02040503050406030204" pitchFamily="18" charset="0"/>
+                                    <a:ea typeface="Cambria Math" panose="02040503050406030204" pitchFamily="18" charset="0"/>
+                                  </a:rPr>
+                                  <m:t>+</m:t>
+                                </m:r>
+                                <m:sSup>
+                                  <m:sSupPr>
+                                    <m:ctrlPr>
+                                      <a:rPr lang="es-ES" sz="1200" b="0" i="1" noProof="0" smtClean="0">
+                                        <a:solidFill>
+                                          <a:srgbClr val="000000"/>
+                                        </a:solidFill>
+                                        <a:effectLst/>
+                                        <a:latin typeface="Cambria Math" panose="02040503050406030204" pitchFamily="18" charset="0"/>
+                                        <a:ea typeface="Cambria Math" panose="02040503050406030204" pitchFamily="18" charset="0"/>
+                                      </a:rPr>
+                                    </m:ctrlPr>
+                                  </m:sSupPr>
+                                  <m:e>
+                                    <m:d>
+                                      <m:dPr>
+                                        <m:ctrlPr>
+                                          <a:rPr lang="es-ES" sz="1200" b="0" i="1" noProof="0" smtClean="0">
+                                            <a:solidFill>
+                                              <a:srgbClr val="000000"/>
+                                            </a:solidFill>
+                                            <a:effectLst/>
+                                            <a:latin typeface="Cambria Math" panose="02040503050406030204" pitchFamily="18" charset="0"/>
+                                            <a:ea typeface="Cambria Math" panose="02040503050406030204" pitchFamily="18" charset="0"/>
+                                          </a:rPr>
+                                        </m:ctrlPr>
+                                      </m:dPr>
+                                      <m:e>
+                                        <m:sSubSup>
+                                          <m:sSubSupPr>
+                                            <m:ctrlPr>
+                                              <a:rPr lang="en-US" sz="1200" b="1" i="1" noProof="0" smtClean="0">
+                                                <a:solidFill>
+                                                  <a:srgbClr val="FF0000"/>
+                                                </a:solidFill>
+                                                <a:effectLst/>
+                                                <a:latin typeface="Cambria Math" panose="02040503050406030204" pitchFamily="18" charset="0"/>
+                                              </a:rPr>
+                                            </m:ctrlPr>
+                                          </m:sSubSupPr>
+                                          <m:e>
+                                            <m:r>
+                                              <a:rPr lang="es-ES" sz="1200" b="1" i="1" noProof="0" smtClean="0">
+                                                <a:solidFill>
+                                                  <a:srgbClr val="FF0000"/>
+                                                </a:solidFill>
+                                                <a:effectLst/>
+                                                <a:latin typeface="Cambria Math" panose="02040503050406030204" pitchFamily="18" charset="0"/>
+                                              </a:rPr>
+                                              <m:t>𝒇</m:t>
+                                            </m:r>
+                                          </m:e>
+                                          <m:sub>
+                                            <m:r>
+                                              <a:rPr lang="es-ES" sz="1200" b="1" i="1" noProof="0" smtClean="0">
+                                                <a:solidFill>
+                                                  <a:srgbClr val="FF0000"/>
+                                                </a:solidFill>
+                                                <a:effectLst/>
+                                                <a:latin typeface="Cambria Math" panose="02040503050406030204" pitchFamily="18" charset="0"/>
+                                                <a:ea typeface="Cambria Math" panose="02040503050406030204" pitchFamily="18" charset="0"/>
+                                              </a:rPr>
+                                              <m:t>𝝎</m:t>
+                                            </m:r>
+                                            <m:r>
+                                              <a:rPr lang="es-ES" sz="1200" b="1" i="1" noProof="0" smtClean="0">
+                                                <a:solidFill>
+                                                  <a:srgbClr val="FF0000"/>
+                                                </a:solidFill>
+                                                <a:effectLst/>
+                                                <a:latin typeface="Cambria Math" panose="02040503050406030204" pitchFamily="18" charset="0"/>
+                                                <a:ea typeface="Cambria Math" panose="02040503050406030204" pitchFamily="18" charset="0"/>
+                                              </a:rPr>
+                                              <m:t>𝒏𝒌𝒎</m:t>
+                                            </m:r>
+                                          </m:sub>
+                                          <m:sup>
+                                            <m:r>
+                                              <a:rPr lang="es-ES" sz="1200" b="1" i="1" noProof="0" smtClean="0">
+                                                <a:solidFill>
+                                                  <a:srgbClr val="FF0000"/>
+                                                </a:solidFill>
+                                                <a:effectLst/>
+                                                <a:latin typeface="Cambria Math" panose="02040503050406030204" pitchFamily="18" charset="0"/>
+                                                <a:ea typeface="Cambria Math" panose="02040503050406030204" pitchFamily="18" charset="0"/>
+                                              </a:rPr>
+                                              <m:t>𝑸</m:t>
+                                            </m:r>
+                                          </m:sup>
+                                        </m:sSubSup>
+                                      </m:e>
+                                    </m:d>
+                                  </m:e>
+                                  <m:sup>
+                                    <m:r>
+                                      <a:rPr lang="es-ES" sz="1200" b="0" i="1" noProof="0" smtClean="0">
+                                        <a:solidFill>
+                                          <a:srgbClr val="000000"/>
+                                        </a:solidFill>
+                                        <a:effectLst/>
+                                        <a:latin typeface="Cambria Math" panose="02040503050406030204" pitchFamily="18" charset="0"/>
+                                        <a:ea typeface="Cambria Math" panose="02040503050406030204" pitchFamily="18" charset="0"/>
+                                      </a:rPr>
+                                      <m:t>2</m:t>
+                                    </m:r>
+                                  </m:sup>
+                                </m:sSup>
+                                <m:r>
+                                  <a:rPr lang="es-ES" sz="1200" b="0" i="1" noProof="0" smtClean="0">
+                                    <a:solidFill>
+                                      <a:srgbClr val="000000"/>
+                                    </a:solidFill>
+                                    <a:effectLst/>
+                                    <a:latin typeface="Cambria Math" panose="02040503050406030204" pitchFamily="18" charset="0"/>
+                                    <a:ea typeface="Cambria Math" panose="02040503050406030204" pitchFamily="18" charset="0"/>
+                                  </a:rPr>
+                                  <m:t>≤</m:t>
+                                </m:r>
+                                <m:sSubSup>
+                                  <m:sSubSupPr>
+                                    <m:ctrlPr>
+                                      <a:rPr lang="es-ES" sz="1200" b="0" i="1" noProof="0" smtClean="0">
+                                        <a:solidFill>
+                                          <a:srgbClr val="000000"/>
+                                        </a:solidFill>
+                                        <a:effectLst/>
+                                        <a:latin typeface="Cambria Math" panose="02040503050406030204" pitchFamily="18" charset="0"/>
+                                        <a:ea typeface="Cambria Math" panose="02040503050406030204" pitchFamily="18" charset="0"/>
+                                      </a:rPr>
+                                    </m:ctrlPr>
+                                  </m:sSubSupPr>
+                                  <m:e>
+                                    <m:r>
+                                      <a:rPr lang="es-ES" sz="1200" b="0" i="1" noProof="0" smtClean="0">
+                                        <a:solidFill>
+                                          <a:srgbClr val="000000"/>
+                                        </a:solidFill>
+                                        <a:effectLst/>
+                                        <a:latin typeface="Cambria Math" panose="02040503050406030204" pitchFamily="18" charset="0"/>
+                                        <a:ea typeface="Cambria Math" panose="02040503050406030204" pitchFamily="18" charset="0"/>
+                                      </a:rPr>
+                                      <m:t>𝑈</m:t>
+                                    </m:r>
+                                  </m:e>
+                                  <m:sub>
+                                    <m:r>
+                                      <a:rPr lang="es-ES" sz="1200" b="0" i="1" noProof="0" smtClean="0">
+                                        <a:solidFill>
+                                          <a:srgbClr val="000000"/>
+                                        </a:solidFill>
+                                        <a:effectLst/>
+                                        <a:latin typeface="Cambria Math" panose="02040503050406030204" pitchFamily="18" charset="0"/>
+                                        <a:ea typeface="Cambria Math" panose="02040503050406030204" pitchFamily="18" charset="0"/>
+                                      </a:rPr>
+                                      <m:t>𝑘</m:t>
+                                    </m:r>
+                                    <m:r>
+                                      <a:rPr lang="es-ES" sz="1200" b="0" i="1" noProof="0" smtClean="0">
+                                        <a:solidFill>
+                                          <a:srgbClr val="000000"/>
+                                        </a:solidFill>
+                                        <a:effectLst/>
+                                        <a:latin typeface="Cambria Math" panose="02040503050406030204" pitchFamily="18" charset="0"/>
+                                        <a:ea typeface="Cambria Math" panose="02040503050406030204" pitchFamily="18" charset="0"/>
+                                      </a:rPr>
+                                      <m:t>𝑚</m:t>
+                                    </m:r>
+                                  </m:sub>
+                                  <m:sup>
+                                    <m:r>
+                                      <a:rPr lang="es-ES" sz="1200" b="0" i="1" noProof="0" smtClean="0">
+                                        <a:solidFill>
+                                          <a:srgbClr val="000000"/>
+                                        </a:solidFill>
+                                        <a:effectLst/>
+                                        <a:latin typeface="Cambria Math" panose="02040503050406030204" pitchFamily="18" charset="0"/>
+                                        <a:ea typeface="Cambria Math" panose="02040503050406030204" pitchFamily="18" charset="0"/>
+                                      </a:rPr>
+                                      <m:t>2</m:t>
+                                    </m:r>
+                                  </m:sup>
+                                </m:sSubSup>
+                              </m:oMath>
+                            </m:oMathPara>
+                          </a14:m>
+                          <a:endParaRPr lang="en-US" sz="1200" b="0" noProof="0" dirty="0">
+                            <a:effectLst/>
+                            <a:latin typeface="Times New Roman" panose="02020603050405020304" pitchFamily="18" charset="0"/>
+                            <a:ea typeface="SimSun" panose="02010600030101010101" pitchFamily="2" charset="-122"/>
+                          </a:endParaRPr>
+                        </a:p>
+                      </a:txBody>
+                      <a:tcPr marL="0" marR="0" marT="0" marB="0" anchor="ctr">
+                        <a:lnL w="12700" cap="flat" cmpd="sng" algn="ctr">
+                          <a:noFill/>
+                          <a:prstDash val="solid"/>
+                          <a:round/>
+                          <a:headEnd type="none" w="med" len="med"/>
+                          <a:tailEnd type="none" w="med" len="med"/>
+                        </a:lnL>
+                        <a:lnR w="12700" cap="flat" cmpd="sng" algn="ctr">
+                          <a:noFill/>
+                          <a:prstDash val="solid"/>
+                          <a:round/>
+                          <a:headEnd type="none" w="med" len="med"/>
+                          <a:tailEnd type="none" w="med" len="med"/>
+                        </a:lnR>
+                        <a:lnT w="12700" cap="flat" cmpd="sng" algn="ctr">
+                          <a:noFill/>
+                          <a:prstDash val="solid"/>
+                          <a:round/>
+                          <a:headEnd type="none" w="med" len="med"/>
+                          <a:tailEnd type="none" w="med" len="med"/>
+                        </a:lnT>
+                        <a:lnB w="12700" cap="flat" cmpd="sng" algn="ctr">
+                          <a:noFill/>
+                          <a:prstDash val="solid"/>
+                          <a:round/>
+                          <a:headEnd type="none" w="med" len="med"/>
+                          <a:tailEnd type="none" w="med" len="med"/>
+                        </a:lnB>
+                        <a:lnTlToBr w="12700" cmpd="sng">
+                          <a:noFill/>
+                          <a:prstDash val="solid"/>
+                        </a:lnTlToBr>
+                        <a:lnBlToTr w="12700" cmpd="sng">
+                          <a:noFill/>
+                          <a:prstDash val="solid"/>
+                        </a:lnBlToTr>
+                        <a:solidFill>
+                          <a:schemeClr val="bg1"/>
+                        </a:solidFill>
+                      </a:tcPr>
+                    </a:tc>
+                    <a:tc>
+                      <a:txBody>
+                        <a:bodyPr/>
+                        <a:lstStyle/>
+                        <a:p>
+                          <a:pPr algn="ctr">
+                            <a:lnSpc>
+                              <a:spcPct val="150000"/>
+                            </a:lnSpc>
+                            <a:spcAft>
+                              <a:spcPts val="0"/>
+                            </a:spcAft>
+                          </a:pPr>
+                          <a14:m>
+                            <m:oMathPara xmlns:m="http://schemas.openxmlformats.org/officeDocument/2006/math">
+                              <m:oMathParaPr>
+                                <m:jc m:val="centerGroup"/>
+                              </m:oMathParaPr>
+                              <m:oMath xmlns:m="http://schemas.openxmlformats.org/officeDocument/2006/math">
+                                <m:r>
+                                  <a:rPr lang="en-US" sz="1200" i="1" noProof="0" smtClean="0">
+                                    <a:solidFill>
+                                      <a:srgbClr val="000000"/>
+                                    </a:solidFill>
+                                    <a:effectLst/>
+                                    <a:latin typeface="Cambria Math" panose="02040503050406030204" pitchFamily="18" charset="0"/>
+                                    <a:ea typeface="Cambria Math" panose="02040503050406030204" pitchFamily="18" charset="0"/>
+                                  </a:rPr>
+                                  <m:t>∀</m:t>
+                                </m:r>
+                                <m:r>
+                                  <a:rPr lang="es-ES" sz="1200" b="0" i="1" noProof="0" smtClean="0">
+                                    <a:solidFill>
+                                      <a:srgbClr val="000000"/>
+                                    </a:solidFill>
+                                    <a:effectLst/>
+                                    <a:latin typeface="Cambria Math" panose="02040503050406030204" pitchFamily="18" charset="0"/>
+                                    <a:ea typeface="Cambria Math" panose="02040503050406030204" pitchFamily="18" charset="0"/>
+                                  </a:rPr>
+                                  <m:t>𝜔</m:t>
+                                </m:r>
+                                <m:r>
+                                  <a:rPr lang="es-ES" sz="1200" b="0" i="1" noProof="0" smtClean="0">
+                                    <a:solidFill>
+                                      <a:srgbClr val="000000"/>
+                                    </a:solidFill>
+                                    <a:effectLst/>
+                                    <a:latin typeface="Cambria Math" panose="02040503050406030204" pitchFamily="18" charset="0"/>
+                                    <a:ea typeface="Cambria Math" panose="02040503050406030204" pitchFamily="18" charset="0"/>
+                                  </a:rPr>
+                                  <m:t>𝑛𝑘𝑚</m:t>
+                                </m:r>
+                                <m:r>
+                                  <a:rPr lang="es-ES" sz="1200" b="0" i="1" noProof="0" smtClean="0">
+                                    <a:solidFill>
+                                      <a:srgbClr val="000000"/>
+                                    </a:solidFill>
+                                    <a:effectLst/>
+                                    <a:latin typeface="Cambria Math" panose="02040503050406030204" pitchFamily="18" charset="0"/>
+                                    <a:ea typeface="Cambria Math" panose="02040503050406030204" pitchFamily="18" charset="0"/>
+                                  </a:rPr>
+                                  <m:t>,</m:t>
+                                </m:r>
+                              </m:oMath>
+                            </m:oMathPara>
+                          </a14:m>
+                          <a:endParaRPr lang="en-US" sz="1200" noProof="0" dirty="0">
+                            <a:solidFill>
+                              <a:srgbClr val="000000"/>
+                            </a:solidFill>
+                            <a:effectLst/>
+                            <a:latin typeface="Times New Roman" panose="02020603050405020304" pitchFamily="18" charset="0"/>
+                            <a:ea typeface="SimSun" panose="02010600030101010101" pitchFamily="2" charset="-122"/>
+                          </a:endParaRPr>
+                        </a:p>
+                      </a:txBody>
+                      <a:tcPr marL="0" marR="0" marT="0" marB="0" anchor="ctr">
+                        <a:lnL w="12700" cap="flat" cmpd="sng" algn="ctr">
+                          <a:noFill/>
+                          <a:prstDash val="solid"/>
+                          <a:round/>
+                          <a:headEnd type="none" w="med" len="med"/>
+                          <a:tailEnd type="none" w="med" len="med"/>
+                        </a:lnL>
+                        <a:lnR w="12700" cap="flat" cmpd="sng" algn="ctr">
+                          <a:noFill/>
+                          <a:prstDash val="solid"/>
+                          <a:round/>
+                          <a:headEnd type="none" w="med" len="med"/>
+                          <a:tailEnd type="none" w="med" len="med"/>
+                        </a:lnR>
+                        <a:lnT w="12700" cap="flat" cmpd="sng" algn="ctr">
+                          <a:noFill/>
+                          <a:prstDash val="solid"/>
+                          <a:round/>
+                          <a:headEnd type="none" w="med" len="med"/>
+                          <a:tailEnd type="none" w="med" len="med"/>
+                        </a:lnT>
+                        <a:lnB w="12700" cap="flat" cmpd="sng" algn="ctr">
+                          <a:noFill/>
+                          <a:prstDash val="solid"/>
+                          <a:round/>
+                          <a:headEnd type="none" w="med" len="med"/>
+                          <a:tailEnd type="none" w="med" len="med"/>
+                        </a:lnB>
+                        <a:lnTlToBr w="12700" cmpd="sng">
+                          <a:noFill/>
+                          <a:prstDash val="solid"/>
+                        </a:lnTlToBr>
+                        <a:lnBlToTr w="12700" cmpd="sng">
+                          <a:noFill/>
+                          <a:prstDash val="solid"/>
+                        </a:lnBlToTr>
+                        <a:solidFill>
+                          <a:schemeClr val="bg1"/>
+                        </a:solidFill>
+                      </a:tcPr>
+                    </a:tc>
+                    <a:tc>
+                      <a:txBody>
+                        <a:bodyPr/>
+                        <a:lstStyle/>
+                        <a:p>
+                          <a:pPr algn="ctr">
+                            <a:lnSpc>
+                              <a:spcPct val="150000"/>
+                            </a:lnSpc>
+                            <a:spcAft>
+                              <a:spcPts val="0"/>
+                            </a:spcAft>
+                          </a:pPr>
+                          <a:r>
+                            <a:rPr lang="en-US" sz="1200" noProof="0" dirty="0">
+                              <a:solidFill>
+                                <a:srgbClr val="000000"/>
+                              </a:solidFill>
+                              <a:effectLst/>
+                              <a:latin typeface="Times New Roman" panose="02020603050405020304" pitchFamily="18" charset="0"/>
+                              <a:ea typeface="SimSun" panose="02010600030101010101" pitchFamily="2" charset="-122"/>
+                            </a:rPr>
+                            <a:t>(1.8)</a:t>
+                          </a:r>
+                        </a:p>
+                      </a:txBody>
+                      <a:tcPr marL="0" marR="0" marT="0" marB="0" anchor="ctr">
+                        <a:lnL w="12700" cap="flat" cmpd="sng" algn="ctr">
+                          <a:noFill/>
+                          <a:prstDash val="solid"/>
+                          <a:round/>
+                          <a:headEnd type="none" w="med" len="med"/>
+                          <a:tailEnd type="none" w="med" len="med"/>
+                        </a:lnL>
+                        <a:lnR w="12700" cap="flat" cmpd="sng" algn="ctr">
+                          <a:noFill/>
+                          <a:prstDash val="solid"/>
+                          <a:round/>
+                          <a:headEnd type="none" w="med" len="med"/>
+                          <a:tailEnd type="none" w="med" len="med"/>
+                        </a:lnR>
+                        <a:lnT w="12700" cap="flat" cmpd="sng" algn="ctr">
+                          <a:noFill/>
+                          <a:prstDash val="solid"/>
+                          <a:round/>
+                          <a:headEnd type="none" w="med" len="med"/>
+                          <a:tailEnd type="none" w="med" len="med"/>
+                        </a:lnT>
+                        <a:lnB w="12700" cap="flat" cmpd="sng" algn="ctr">
+                          <a:noFill/>
+                          <a:prstDash val="solid"/>
+                          <a:round/>
+                          <a:headEnd type="none" w="med" len="med"/>
+                          <a:tailEnd type="none" w="med" len="med"/>
+                        </a:lnB>
+                        <a:lnTlToBr w="12700" cmpd="sng">
+                          <a:noFill/>
+                          <a:prstDash val="solid"/>
+                        </a:lnTlToBr>
+                        <a:lnBlToTr w="12700" cmpd="sng">
+                          <a:noFill/>
+                          <a:prstDash val="solid"/>
+                        </a:lnBlToTr>
+                        <a:solidFill>
+                          <a:schemeClr val="bg1"/>
+                        </a:solidFill>
+                      </a:tcPr>
+                    </a:tc>
+                    <a:extLst>
+                      <a:ext uri="{0D108BD9-81ED-4DB2-BD59-A6C34878D82A}">
+                        <a16:rowId xmlns:a16="http://schemas.microsoft.com/office/drawing/2014/main" val="2512400277"/>
                       </a:ext>
                     </a:extLst>
                   </a:tr>
@@ -14940,7 +15512,7 @@
                               <a:latin typeface="Times New Roman" panose="02020603050405020304" pitchFamily="18" charset="0"/>
                               <a:ea typeface="SimSun" panose="02010600030101010101" pitchFamily="2" charset="-122"/>
                             </a:rPr>
-                            <a:t>(1.8)</a:t>
+                            <a:t>(1.9)</a:t>
                           </a:r>
                         </a:p>
                         <a:p>
@@ -14970,7 +15542,7 @@
                               <a:latin typeface="Times New Roman" panose="02020603050405020304" pitchFamily="18" charset="0"/>
                               <a:ea typeface="SimSun" panose="02010600030101010101" pitchFamily="2" charset="-122"/>
                             </a:rPr>
-                            <a:t>(1.9)</a:t>
+                            <a:t>(1.10)</a:t>
                           </a:r>
                         </a:p>
                       </a:txBody>
@@ -15043,14 +15615,14 @@
               <p:nvPr>
                 <p:extLst>
                   <p:ext uri="{D42A27DB-BD31-4B8C-83A1-F6EECF244321}">
-                    <p14:modId xmlns:p14="http://schemas.microsoft.com/office/powerpoint/2010/main" val="1788112316"/>
+                    <p14:modId xmlns:p14="http://schemas.microsoft.com/office/powerpoint/2010/main" val="529266224"/>
                   </p:ext>
                 </p:extLst>
               </p:nvPr>
             </p:nvGraphicFramePr>
             <p:xfrm>
               <a:off x="1631503" y="1097128"/>
-              <a:ext cx="8928994" cy="4703934"/>
+              <a:ext cx="8928994" cy="5094269"/>
             </p:xfrm>
             <a:graphic>
               <a:graphicData uri="http://schemas.openxmlformats.org/drawingml/2006/table">
@@ -15202,7 +15774,7 @@
                         <a:blipFill>
                           <a:blip r:embed="rId2"/>
                           <a:stretch>
-                            <a:fillRect l="-29957" r="-26333" b="-573913"/>
+                            <a:fillRect l="-29957" r="-26333" b="-629565"/>
                           </a:stretch>
                         </a:blipFill>
                       </a:tcPr>
@@ -15727,7 +16299,7 @@
                         <a:blipFill>
                           <a:blip r:embed="rId2"/>
                           <a:stretch>
-                            <a:fillRect l="-29957" t="-97468" r="-26333" b="-293038"/>
+                            <a:fillRect l="-29957" t="-97468" r="-26333" b="-333544"/>
                           </a:stretch>
                         </a:blipFill>
                       </a:tcPr>
@@ -15780,7 +16352,7 @@
                         <a:blipFill>
                           <a:blip r:embed="rId2"/>
                           <a:stretch>
-                            <a:fillRect l="-721302" t="-97468" r="-46154" b="-293038"/>
+                            <a:fillRect l="-721302" t="-97468" r="-46154" b="-333544"/>
                           </a:stretch>
                         </a:blipFill>
                       </a:tcPr>
@@ -15974,7 +16546,7 @@
                         <a:blipFill>
                           <a:blip r:embed="rId2"/>
                           <a:stretch>
-                            <a:fillRect l="-29957" t="-331915" r="-26333" b="-392553"/>
+                            <a:fillRect l="-29957" t="-331915" r="-26333" b="-460638"/>
                           </a:stretch>
                         </a:blipFill>
                       </a:tcPr>
@@ -16027,7 +16599,7 @@
                         <a:blipFill>
                           <a:blip r:embed="rId2"/>
                           <a:stretch>
-                            <a:fillRect l="-721302" t="-331915" r="-46154" b="-392553"/>
+                            <a:fillRect l="-721302" t="-331915" r="-46154" b="-460638"/>
                           </a:stretch>
                         </a:blipFill>
                       </a:tcPr>
@@ -16217,7 +16789,7 @@
                         <a:blipFill>
                           <a:blip r:embed="rId2"/>
                           <a:stretch>
-                            <a:fillRect l="-29957" t="-712281" r="-26333" b="-547368"/>
+                            <a:fillRect l="-29957" t="-712281" r="-26333" b="-659649"/>
                           </a:stretch>
                         </a:blipFill>
                       </a:tcPr>
@@ -16270,7 +16842,7 @@
                         <a:blipFill>
                           <a:blip r:embed="rId2"/>
                           <a:stretch>
-                            <a:fillRect l="-721302" t="-712281" r="-46154" b="-547368"/>
+                            <a:fillRect l="-721302" t="-712281" r="-46154" b="-659649"/>
                           </a:stretch>
                         </a:blipFill>
                       </a:tcPr>
@@ -16469,7 +17041,7 @@
                         <a:blipFill>
                           <a:blip r:embed="rId2"/>
                           <a:stretch>
-                            <a:fillRect l="-29957" t="-520225" r="-26333" b="-250562"/>
+                            <a:fillRect l="-29957" t="-520225" r="-26333" b="-322472"/>
                           </a:stretch>
                         </a:blipFill>
                       </a:tcPr>
@@ -16522,7 +17094,7 @@
                         <a:blipFill>
                           <a:blip r:embed="rId2"/>
                           <a:stretch>
-                            <a:fillRect l="-721302" t="-520225" r="-46154" b="-250562"/>
+                            <a:fillRect l="-721302" t="-520225" r="-46154" b="-322472"/>
                           </a:stretch>
                         </a:blipFill>
                       </a:tcPr>
@@ -16712,7 +17284,7 @@
                         <a:blipFill>
                           <a:blip r:embed="rId2"/>
                           <a:stretch>
-                            <a:fillRect l="-29957" t="-968421" r="-26333" b="-291228"/>
+                            <a:fillRect l="-29957" t="-968421" r="-26333" b="-403509"/>
                           </a:stretch>
                         </a:blipFill>
                       </a:tcPr>
@@ -16765,7 +17337,7 @@
                         <a:blipFill>
                           <a:blip r:embed="rId2"/>
                           <a:stretch>
-                            <a:fillRect l="-721302" t="-968421" r="-46154" b="-291228"/>
+                            <a:fillRect l="-721302" t="-968421" r="-46154" b="-403509"/>
                           </a:stretch>
                         </a:blipFill>
                       </a:tcPr>
@@ -16955,7 +17527,7 @@
                         <a:blipFill>
                           <a:blip r:embed="rId2"/>
                           <a:stretch>
-                            <a:fillRect l="-29957" t="-1242857" r="-26333" b="-238776"/>
+                            <a:fillRect l="-29957" t="-1242857" r="-26333" b="-369388"/>
                           </a:stretch>
                         </a:blipFill>
                       </a:tcPr>
@@ -17008,7 +17580,7 @@
                         <a:blipFill>
                           <a:blip r:embed="rId2"/>
                           <a:stretch>
-                            <a:fillRect l="-721302" t="-1242857" r="-46154" b="-238776"/>
+                            <a:fillRect l="-721302" t="-1242857" r="-46154" b="-369388"/>
                           </a:stretch>
                         </a:blipFill>
                       </a:tcPr>
@@ -17087,6 +17659,249 @@
                       </a:ext>
                     </a:extLst>
                   </a:tr>
+                  <a:tr h="390335">
+                    <a:tc>
+                      <a:txBody>
+                        <a:bodyPr/>
+                        <a:lstStyle/>
+                        <a:p>
+                          <a:pPr algn="r">
+                            <a:lnSpc>
+                              <a:spcPct val="150000"/>
+                            </a:lnSpc>
+                            <a:spcAft>
+                              <a:spcPts val="0"/>
+                            </a:spcAft>
+                          </a:pPr>
+                          <a:endParaRPr lang="en-US" sz="1200" b="1" noProof="0" dirty="0">
+                            <a:effectLst/>
+                            <a:latin typeface="Consolas" panose="020B0609020204030204" pitchFamily="49" charset="0"/>
+                            <a:ea typeface="SimSun" panose="02010600030101010101" pitchFamily="2" charset="-122"/>
+                          </a:endParaRPr>
+                        </a:p>
+                      </a:txBody>
+                      <a:tcPr marL="0" marR="0" marT="0" marB="0" anchor="ctr">
+                        <a:lnL w="12700" cap="flat" cmpd="sng" algn="ctr">
+                          <a:noFill/>
+                          <a:prstDash val="solid"/>
+                          <a:round/>
+                          <a:headEnd type="none" w="med" len="med"/>
+                          <a:tailEnd type="none" w="med" len="med"/>
+                        </a:lnL>
+                        <a:lnR w="12700" cap="flat" cmpd="sng" algn="ctr">
+                          <a:noFill/>
+                          <a:prstDash val="solid"/>
+                          <a:round/>
+                          <a:headEnd type="none" w="med" len="med"/>
+                          <a:tailEnd type="none" w="med" len="med"/>
+                        </a:lnR>
+                        <a:lnT w="12700" cap="flat" cmpd="sng" algn="ctr">
+                          <a:noFill/>
+                          <a:prstDash val="solid"/>
+                          <a:round/>
+                          <a:headEnd type="none" w="med" len="med"/>
+                          <a:tailEnd type="none" w="med" len="med"/>
+                        </a:lnT>
+                        <a:lnB w="12700" cap="flat" cmpd="sng" algn="ctr">
+                          <a:noFill/>
+                          <a:prstDash val="solid"/>
+                          <a:round/>
+                          <a:headEnd type="none" w="med" len="med"/>
+                          <a:tailEnd type="none" w="med" len="med"/>
+                        </a:lnB>
+                        <a:lnTlToBr w="12700" cmpd="sng">
+                          <a:noFill/>
+                          <a:prstDash val="solid"/>
+                        </a:lnTlToBr>
+                        <a:lnBlToTr w="12700" cmpd="sng">
+                          <a:noFill/>
+                          <a:prstDash val="solid"/>
+                        </a:lnBlToTr>
+                        <a:solidFill>
+                          <a:schemeClr val="bg1"/>
+                        </a:solidFill>
+                      </a:tcPr>
+                    </a:tc>
+                    <a:tc>
+                      <a:txBody>
+                        <a:bodyPr/>
+                        <a:lstStyle/>
+                        <a:p>
+                          <a:endParaRPr lang="en-US"/>
+                        </a:p>
+                      </a:txBody>
+                      <a:tcPr marL="0" marR="0" marT="0" marB="0" anchor="ctr">
+                        <a:lnL w="12700" cap="flat" cmpd="sng" algn="ctr">
+                          <a:noFill/>
+                          <a:prstDash val="solid"/>
+                          <a:round/>
+                          <a:headEnd type="none" w="med" len="med"/>
+                          <a:tailEnd type="none" w="med" len="med"/>
+                        </a:lnL>
+                        <a:lnR w="12700" cap="flat" cmpd="sng" algn="ctr">
+                          <a:noFill/>
+                          <a:prstDash val="solid"/>
+                          <a:round/>
+                          <a:headEnd type="none" w="med" len="med"/>
+                          <a:tailEnd type="none" w="med" len="med"/>
+                        </a:lnR>
+                        <a:lnT w="12700" cap="flat" cmpd="sng" algn="ctr">
+                          <a:noFill/>
+                          <a:prstDash val="solid"/>
+                          <a:round/>
+                          <a:headEnd type="none" w="med" len="med"/>
+                          <a:tailEnd type="none" w="med" len="med"/>
+                        </a:lnT>
+                        <a:lnB w="12700" cap="flat" cmpd="sng" algn="ctr">
+                          <a:noFill/>
+                          <a:prstDash val="solid"/>
+                          <a:round/>
+                          <a:headEnd type="none" w="med" len="med"/>
+                          <a:tailEnd type="none" w="med" len="med"/>
+                        </a:lnB>
+                        <a:lnTlToBr w="12700" cmpd="sng">
+                          <a:noFill/>
+                          <a:prstDash val="solid"/>
+                        </a:lnTlToBr>
+                        <a:lnBlToTr w="12700" cmpd="sng">
+                          <a:noFill/>
+                          <a:prstDash val="solid"/>
+                        </a:lnBlToTr>
+                        <a:blipFill>
+                          <a:blip r:embed="rId2"/>
+                          <a:stretch>
+                            <a:fillRect l="-29957" t="-1028125" r="-26333" b="-182813"/>
+                          </a:stretch>
+                        </a:blipFill>
+                      </a:tcPr>
+                    </a:tc>
+                    <a:tc>
+                      <a:txBody>
+                        <a:bodyPr/>
+                        <a:lstStyle/>
+                        <a:p>
+                          <a:endParaRPr lang="en-US"/>
+                        </a:p>
+                      </a:txBody>
+                      <a:tcPr marL="0" marR="0" marT="0" marB="0" anchor="ctr">
+                        <a:lnL w="12700" cap="flat" cmpd="sng" algn="ctr">
+                          <a:noFill/>
+                          <a:prstDash val="solid"/>
+                          <a:round/>
+                          <a:headEnd type="none" w="med" len="med"/>
+                          <a:tailEnd type="none" w="med" len="med"/>
+                        </a:lnL>
+                        <a:lnR w="12700" cap="flat" cmpd="sng" algn="ctr">
+                          <a:noFill/>
+                          <a:prstDash val="solid"/>
+                          <a:round/>
+                          <a:headEnd type="none" w="med" len="med"/>
+                          <a:tailEnd type="none" w="med" len="med"/>
+                        </a:lnR>
+                        <a:lnT w="12700" cap="flat" cmpd="sng" algn="ctr">
+                          <a:noFill/>
+                          <a:prstDash val="solid"/>
+                          <a:round/>
+                          <a:headEnd type="none" w="med" len="med"/>
+                          <a:tailEnd type="none" w="med" len="med"/>
+                        </a:lnT>
+                        <a:lnB w="12700" cap="flat" cmpd="sng" algn="ctr">
+                          <a:noFill/>
+                          <a:prstDash val="solid"/>
+                          <a:round/>
+                          <a:headEnd type="none" w="med" len="med"/>
+                          <a:tailEnd type="none" w="med" len="med"/>
+                        </a:lnB>
+                        <a:lnTlToBr w="12700" cmpd="sng">
+                          <a:noFill/>
+                          <a:prstDash val="solid"/>
+                        </a:lnTlToBr>
+                        <a:lnBlToTr w="12700" cmpd="sng">
+                          <a:noFill/>
+                          <a:prstDash val="solid"/>
+                        </a:lnBlToTr>
+                        <a:blipFill>
+                          <a:blip r:embed="rId2"/>
+                          <a:stretch>
+                            <a:fillRect l="-721302" t="-1028125" r="-46154" b="-182813"/>
+                          </a:stretch>
+                        </a:blipFill>
+                      </a:tcPr>
+                    </a:tc>
+                    <a:tc>
+                      <a:txBody>
+                        <a:bodyPr/>
+                        <a:lstStyle/>
+                        <a:p>
+                          <a:pPr algn="ctr">
+                            <a:lnSpc>
+                              <a:spcPct val="150000"/>
+                            </a:lnSpc>
+                            <a:spcAft>
+                              <a:spcPts val="0"/>
+                            </a:spcAft>
+                          </a:pPr>
+                          <a:r>
+                            <a:rPr lang="en-US" sz="1200" noProof="0" dirty="0">
+                              <a:solidFill>
+                                <a:srgbClr val="000000"/>
+                              </a:solidFill>
+                              <a:effectLst/>
+                              <a:latin typeface="Times New Roman" panose="02020603050405020304" pitchFamily="18" charset="0"/>
+                              <a:ea typeface="SimSun" panose="02010600030101010101" pitchFamily="2" charset="-122"/>
+                            </a:rPr>
+                            <a:t>(1.8)</a:t>
+                          </a:r>
+                        </a:p>
+                      </a:txBody>
+                      <a:tcPr marL="0" marR="0" marT="0" marB="0" anchor="ctr">
+                        <a:lnL w="12700" cap="flat" cmpd="sng" algn="ctr">
+                          <a:noFill/>
+                          <a:prstDash val="solid"/>
+                          <a:round/>
+                          <a:headEnd type="none" w="med" len="med"/>
+                          <a:tailEnd type="none" w="med" len="med"/>
+                        </a:lnL>
+                        <a:lnR w="12700" cap="flat" cmpd="sng" algn="ctr">
+                          <a:noFill/>
+                          <a:prstDash val="solid"/>
+                          <a:round/>
+                          <a:headEnd type="none" w="med" len="med"/>
+                          <a:tailEnd type="none" w="med" len="med"/>
+                        </a:lnR>
+                        <a:lnT w="12700" cap="flat" cmpd="sng" algn="ctr">
+                          <a:noFill/>
+                          <a:prstDash val="solid"/>
+                          <a:round/>
+                          <a:headEnd type="none" w="med" len="med"/>
+                          <a:tailEnd type="none" w="med" len="med"/>
+                        </a:lnT>
+                        <a:lnB w="12700" cap="flat" cmpd="sng" algn="ctr">
+                          <a:noFill/>
+                          <a:prstDash val="solid"/>
+                          <a:round/>
+                          <a:headEnd type="none" w="med" len="med"/>
+                          <a:tailEnd type="none" w="med" len="med"/>
+                        </a:lnB>
+                        <a:lnTlToBr w="12700" cmpd="sng">
+                          <a:noFill/>
+                          <a:prstDash val="solid"/>
+                        </a:lnTlToBr>
+                        <a:lnBlToTr w="12700" cmpd="sng">
+                          <a:noFill/>
+                          <a:prstDash val="solid"/>
+                        </a:lnBlToTr>
+                        <a:solidFill>
+                          <a:schemeClr val="bg1"/>
+                        </a:solidFill>
+                      </a:tcPr>
+                    </a:tc>
+                    <a:extLst>
+                      <a:ext uri="{0D108BD9-81ED-4DB2-BD59-A6C34878D82A}">
+                        <a16:rowId xmlns:a16="http://schemas.microsoft.com/office/drawing/2014/main" val="2512400277"/>
+                      </a:ext>
+                    </a:extLst>
+                  </a:tr>
                   <a:tr h="700405">
                     <a:tc>
                       <a:txBody>
@@ -17198,7 +18013,7 @@
                         <a:blipFill>
                           <a:blip r:embed="rId2"/>
                           <a:stretch>
-                            <a:fillRect l="-29957" t="-572174" r="-26333" b="-1739"/>
+                            <a:fillRect l="-29957" t="-627826" r="-26333" b="-1739"/>
                           </a:stretch>
                         </a:blipFill>
                       </a:tcPr>
@@ -17251,7 +18066,7 @@
                         <a:blipFill>
                           <a:blip r:embed="rId2"/>
                           <a:stretch>
-                            <a:fillRect l="-721302" t="-572174" r="-46154" b="-1739"/>
+                            <a:fillRect l="-721302" t="-627826" r="-46154" b="-1739"/>
                           </a:stretch>
                         </a:blipFill>
                       </a:tcPr>
@@ -17287,7 +18102,7 @@
                               <a:latin typeface="Times New Roman" panose="02020603050405020304" pitchFamily="18" charset="0"/>
                               <a:ea typeface="SimSun" panose="02010600030101010101" pitchFamily="2" charset="-122"/>
                             </a:rPr>
-                            <a:t>(1.8)</a:t>
+                            <a:t>(1.9)</a:t>
                           </a:r>
                         </a:p>
                         <a:p>
@@ -17317,7 +18132,7 @@
                               <a:latin typeface="Times New Roman" panose="02020603050405020304" pitchFamily="18" charset="0"/>
                               <a:ea typeface="SimSun" panose="02010600030101010101" pitchFamily="2" charset="-122"/>
                             </a:rPr>
-                            <a:t>(1.9)</a:t>
+                            <a:t>(1.10)</a:t>
                           </a:r>
                         </a:p>
                       </a:txBody>
@@ -17630,6 +18445,85 @@
           </a:p>
         </p:txBody>
       </p:sp>
+      <p:sp>
+        <p:nvSpPr>
+          <p:cNvPr id="17" name="Rectángulo 16">
+            <a:extLst>
+              <a:ext uri="{FF2B5EF4-FFF2-40B4-BE49-F238E27FC236}">
+                <a16:creationId xmlns:a16="http://schemas.microsoft.com/office/drawing/2014/main" id="{7FF1167A-D1D8-A424-E91C-4809B7BAABD0}"/>
+              </a:ext>
+            </a:extLst>
+          </p:cNvPr>
+          <p:cNvSpPr/>
+          <p:nvPr/>
+        </p:nvSpPr>
+        <p:spPr>
+          <a:xfrm>
+            <a:off x="526693" y="4852910"/>
+            <a:ext cx="3321169" cy="1293961"/>
+          </a:xfrm>
+          <a:prstGeom prst="rect">
+            <a:avLst/>
+          </a:prstGeom>
+        </p:spPr>
+        <p:style>
+          <a:lnRef idx="2">
+            <a:schemeClr val="accent4">
+              <a:shade val="15000"/>
+            </a:schemeClr>
+          </a:lnRef>
+          <a:fillRef idx="1">
+            <a:schemeClr val="accent4"/>
+          </a:fillRef>
+          <a:effectRef idx="0">
+            <a:schemeClr val="accent4"/>
+          </a:effectRef>
+          <a:fontRef idx="minor">
+            <a:schemeClr val="lt1"/>
+          </a:fontRef>
+        </p:style>
+        <p:txBody>
+          <a:bodyPr rtlCol="0" anchor="ctr"/>
+          <a:lstStyle/>
+          <a:p>
+            <a:pPr algn="ctr"/>
+            <a:r>
+              <a:rPr lang="en-GB" sz="1600" dirty="0"/>
+              <a:t>Getting a MILP model by applying:</a:t>
+            </a:r>
+          </a:p>
+          <a:p>
+            <a:pPr marL="285750" indent="-285750">
+              <a:buFont typeface="Arial" panose="020B0604020202020204" pitchFamily="34" charset="0"/>
+              <a:buChar char="•"/>
+            </a:pPr>
+            <a:r>
+              <a:rPr lang="en-GB" sz="1600" dirty="0"/>
+              <a:t>Disjunctive constraints</a:t>
+            </a:r>
+          </a:p>
+          <a:p>
+            <a:pPr marL="285750" indent="-285750">
+              <a:buFont typeface="Arial" panose="020B0604020202020204" pitchFamily="34" charset="0"/>
+              <a:buChar char="•"/>
+            </a:pPr>
+            <a:r>
+              <a:rPr lang="en-GB" sz="1600" dirty="0"/>
+              <a:t>Piecewise functions</a:t>
+            </a:r>
+          </a:p>
+          <a:p>
+            <a:pPr marL="285750" indent="-285750">
+              <a:buFont typeface="Arial" panose="020B0604020202020204" pitchFamily="34" charset="0"/>
+              <a:buChar char="•"/>
+            </a:pPr>
+            <a:r>
+              <a:rPr lang="en-GB" sz="1600" dirty="0"/>
+              <a:t>McCormick envelopes</a:t>
+            </a:r>
+          </a:p>
+        </p:txBody>
+      </p:sp>
     </p:spTree>
     <p:extLst>
       <p:ext uri="{BB962C8B-B14F-4D97-AF65-F5344CB8AC3E}">
@@ -17662,6 +18556,36 @@
       </p:grpSpPr>
       <p:pic>
         <p:nvPicPr>
+          <p:cNvPr id="52" name="Imagen 51">
+            <a:extLst>
+              <a:ext uri="{FF2B5EF4-FFF2-40B4-BE49-F238E27FC236}">
+                <a16:creationId xmlns:a16="http://schemas.microsoft.com/office/drawing/2014/main" id="{10825553-5F40-C8EB-8299-F9DBA2260317}"/>
+              </a:ext>
+            </a:extLst>
+          </p:cNvPr>
+          <p:cNvPicPr>
+            <a:picLocks noChangeAspect="1"/>
+          </p:cNvPicPr>
+          <p:nvPr/>
+        </p:nvPicPr>
+        <p:blipFill>
+          <a:blip r:embed="rId2"/>
+          <a:stretch>
+            <a:fillRect/>
+          </a:stretch>
+        </p:blipFill>
+        <p:spPr>
+          <a:xfrm>
+            <a:off x="7985760" y="3968370"/>
+            <a:ext cx="3779520" cy="2127504"/>
+          </a:xfrm>
+          <a:prstGeom prst="rect">
+            <a:avLst/>
+          </a:prstGeom>
+        </p:spPr>
+      </p:pic>
+      <p:pic>
+        <p:nvPicPr>
           <p:cNvPr id="40" name="Imagen 39">
             <a:extLst>
               <a:ext uri="{FF2B5EF4-FFF2-40B4-BE49-F238E27FC236}">
@@ -17675,7 +18599,7 @@
           <p:nvPr/>
         </p:nvPicPr>
         <p:blipFill>
-          <a:blip r:embed="rId2"/>
+          <a:blip r:embed="rId3"/>
           <a:stretch>
             <a:fillRect/>
           </a:stretch>
@@ -17779,14 +18703,14 @@
           <p:nvPr/>
         </p:nvPicPr>
         <p:blipFill>
-          <a:blip r:embed="rId3"/>
+          <a:blip r:embed="rId4"/>
           <a:stretch>
             <a:fillRect/>
           </a:stretch>
         </p:blipFill>
         <p:spPr>
           <a:xfrm>
-            <a:off x="258945" y="1398670"/>
+            <a:off x="258945" y="2155064"/>
             <a:ext cx="3040399" cy="2716090"/>
           </a:xfrm>
           <a:prstGeom prst="rect">
@@ -17808,7 +18732,7 @@
         </p:nvSpPr>
         <p:spPr>
           <a:xfrm>
-            <a:off x="1276627" y="1075548"/>
+            <a:off x="1276627" y="1831942"/>
             <a:ext cx="1385957" cy="369332"/>
           </a:xfrm>
           <a:prstGeom prst="rect">
@@ -17843,7 +18767,7 @@
         </p:nvSpPr>
         <p:spPr>
           <a:xfrm>
-            <a:off x="258945" y="4049999"/>
+            <a:off x="258945" y="4806393"/>
             <a:ext cx="3416320" cy="461665"/>
           </a:xfrm>
           <a:prstGeom prst="rect">
@@ -17950,10 +18874,10 @@
             <p:nvPr/>
           </p:nvPicPr>
           <p:blipFill>
-            <a:blip r:embed="rId4">
+            <a:blip r:embed="rId5">
               <a:extLst>
                 <a:ext uri="{96DAC541-7B7A-43D3-8B79-37D633B846F1}">
-                  <asvg:svgBlip xmlns:asvg="http://schemas.microsoft.com/office/drawing/2016/SVG/main" r:embed="rId5"/>
+                  <asvg:svgBlip xmlns:asvg="http://schemas.microsoft.com/office/drawing/2016/SVG/main" r:embed="rId6"/>
                 </a:ext>
               </a:extLst>
             </a:blip>
@@ -18127,7 +19051,7 @@
             <p:nvPr/>
           </p:nvPicPr>
           <p:blipFill>
-            <a:blip r:embed="rId6"/>
+            <a:blip r:embed="rId7"/>
             <a:stretch>
               <a:fillRect/>
             </a:stretch>
@@ -18270,8 +19194,8 @@
         </p:nvSpPr>
         <p:spPr>
           <a:xfrm>
-            <a:off x="3999971" y="1116884"/>
-            <a:ext cx="3534942" cy="338554"/>
+            <a:off x="3779948" y="1116884"/>
+            <a:ext cx="4038285" cy="338554"/>
           </a:xfrm>
           <a:prstGeom prst="rect">
             <a:avLst/>
@@ -18286,7 +19210,7 @@
           <a:p>
             <a:r>
               <a:rPr lang="en-GB" sz="1600" dirty="0"/>
-              <a:t>Implications on the capacity planning</a:t>
+              <a:t>Implications on the Gen. capacity planning</a:t>
             </a:r>
           </a:p>
         </p:txBody>
@@ -18326,66 +19250,6 @@
           </a:p>
         </p:txBody>
       </p:sp>
-      <p:pic>
-        <p:nvPicPr>
-          <p:cNvPr id="47" name="Imagen 46">
-            <a:extLst>
-              <a:ext uri="{FF2B5EF4-FFF2-40B4-BE49-F238E27FC236}">
-                <a16:creationId xmlns:a16="http://schemas.microsoft.com/office/drawing/2014/main" id="{8F2F364E-CF39-0E3F-D988-27EE2F4AA25D}"/>
-              </a:ext>
-            </a:extLst>
-          </p:cNvPr>
-          <p:cNvPicPr>
-            <a:picLocks noChangeAspect="1"/>
-          </p:cNvPicPr>
-          <p:nvPr/>
-        </p:nvPicPr>
-        <p:blipFill>
-          <a:blip r:embed="rId7"/>
-          <a:stretch>
-            <a:fillRect/>
-          </a:stretch>
-        </p:blipFill>
-        <p:spPr>
-          <a:xfrm>
-            <a:off x="7986425" y="3966740"/>
-            <a:ext cx="3779520" cy="2127504"/>
-          </a:xfrm>
-          <a:prstGeom prst="rect">
-            <a:avLst/>
-          </a:prstGeom>
-        </p:spPr>
-      </p:pic>
-      <p:pic>
-        <p:nvPicPr>
-          <p:cNvPr id="48" name="Imagen 47">
-            <a:extLst>
-              <a:ext uri="{FF2B5EF4-FFF2-40B4-BE49-F238E27FC236}">
-                <a16:creationId xmlns:a16="http://schemas.microsoft.com/office/drawing/2014/main" id="{95807E3B-983B-CE75-0509-B974A0285F9D}"/>
-              </a:ext>
-            </a:extLst>
-          </p:cNvPr>
-          <p:cNvPicPr>
-            <a:picLocks noChangeAspect="1"/>
-          </p:cNvPicPr>
-          <p:nvPr/>
-        </p:nvPicPr>
-        <p:blipFill>
-          <a:blip r:embed="rId8"/>
-          <a:stretch>
-            <a:fillRect/>
-          </a:stretch>
-        </p:blipFill>
-        <p:spPr>
-          <a:xfrm>
-            <a:off x="7990235" y="1434084"/>
-            <a:ext cx="3771900" cy="2331720"/>
-          </a:xfrm>
-          <a:prstGeom prst="rect">
-            <a:avLst/>
-          </a:prstGeom>
-        </p:spPr>
-      </p:pic>
       <p:sp>
         <p:nvSpPr>
           <p:cNvPr id="49" name="Rectángulo 48">
@@ -18400,7 +19264,7 @@
         </p:nvSpPr>
         <p:spPr>
           <a:xfrm>
-            <a:off x="10299939" y="4511664"/>
+            <a:off x="10435888" y="4545115"/>
             <a:ext cx="646981" cy="404725"/>
           </a:xfrm>
           <a:prstGeom prst="rect">
@@ -18454,7 +19318,7 @@
         </p:nvSpPr>
         <p:spPr>
           <a:xfrm>
-            <a:off x="9096246" y="4747429"/>
+            <a:off x="9021919" y="4829759"/>
             <a:ext cx="442316" cy="404725"/>
           </a:xfrm>
           <a:prstGeom prst="ellipse">
@@ -18491,6 +19355,127 @@
           <a:p>
             <a:pPr algn="ctr"/>
             <a:endParaRPr lang="en-GB"/>
+          </a:p>
+        </p:txBody>
+      </p:sp>
+      <p:pic>
+        <p:nvPicPr>
+          <p:cNvPr id="51" name="Imagen 50">
+            <a:extLst>
+              <a:ext uri="{FF2B5EF4-FFF2-40B4-BE49-F238E27FC236}">
+                <a16:creationId xmlns:a16="http://schemas.microsoft.com/office/drawing/2014/main" id="{FA0B8B79-8998-322D-3152-B50FDB891FDD}"/>
+              </a:ext>
+            </a:extLst>
+          </p:cNvPr>
+          <p:cNvPicPr>
+            <a:picLocks noChangeAspect="1"/>
+          </p:cNvPicPr>
+          <p:nvPr/>
+        </p:nvPicPr>
+        <p:blipFill>
+          <a:blip r:embed="rId8"/>
+          <a:stretch>
+            <a:fillRect/>
+          </a:stretch>
+        </p:blipFill>
+        <p:spPr>
+          <a:xfrm>
+            <a:off x="7990235" y="1434084"/>
+            <a:ext cx="3771900" cy="2331720"/>
+          </a:xfrm>
+          <a:prstGeom prst="rect">
+            <a:avLst/>
+          </a:prstGeom>
+        </p:spPr>
+      </p:pic>
+      <p:sp>
+        <p:nvSpPr>
+          <p:cNvPr id="53" name="Rectángulo 52">
+            <a:extLst>
+              <a:ext uri="{FF2B5EF4-FFF2-40B4-BE49-F238E27FC236}">
+                <a16:creationId xmlns:a16="http://schemas.microsoft.com/office/drawing/2014/main" id="{DD498B52-F796-8372-41E2-F01A69A9CA10}"/>
+              </a:ext>
+            </a:extLst>
+          </p:cNvPr>
+          <p:cNvSpPr/>
+          <p:nvPr/>
+        </p:nvSpPr>
+        <p:spPr>
+          <a:xfrm>
+            <a:off x="7975139" y="126338"/>
+            <a:ext cx="3786996" cy="853933"/>
+          </a:xfrm>
+          <a:prstGeom prst="rect">
+            <a:avLst/>
+          </a:prstGeom>
+          <a:solidFill>
+            <a:schemeClr val="accent6">
+              <a:lumMod val="20000"/>
+              <a:lumOff val="80000"/>
+            </a:schemeClr>
+          </a:solidFill>
+          <a:ln w="28575">
+            <a:solidFill>
+              <a:srgbClr val="C00000"/>
+            </a:solidFill>
+          </a:ln>
+        </p:spPr>
+        <p:style>
+          <a:lnRef idx="2">
+            <a:schemeClr val="accent1">
+              <a:shade val="15000"/>
+            </a:schemeClr>
+          </a:lnRef>
+          <a:fillRef idx="1">
+            <a:schemeClr val="accent1"/>
+          </a:fillRef>
+          <a:effectRef idx="0">
+            <a:schemeClr val="accent1"/>
+          </a:effectRef>
+          <a:fontRef idx="minor">
+            <a:schemeClr val="lt1"/>
+          </a:fontRef>
+        </p:style>
+        <p:txBody>
+          <a:bodyPr rtlCol="0" anchor="ctr"/>
+          <a:lstStyle/>
+          <a:p>
+            <a:r>
+              <a:rPr lang="en-GB" sz="1200" dirty="0">
+                <a:solidFill>
+                  <a:sysClr val="windowText" lastClr="000000"/>
+                </a:solidFill>
+              </a:rPr>
+              <a:t>Disadvantages:</a:t>
+            </a:r>
+          </a:p>
+          <a:p>
+            <a:pPr marL="285750" indent="-285750">
+              <a:buFont typeface="Arial" panose="020B0604020202020204" pitchFamily="34" charset="0"/>
+              <a:buChar char="•"/>
+            </a:pPr>
+            <a:r>
+              <a:rPr lang="en-GB" sz="1200" dirty="0">
+                <a:solidFill>
+                  <a:sysClr val="windowText" lastClr="000000"/>
+                </a:solidFill>
+              </a:rPr>
+              <a:t>ACOPF’s problem size is ~4x-6x of the DCOPF</a:t>
+            </a:r>
+          </a:p>
+          <a:p>
+            <a:pPr marL="285750" indent="-285750">
+              <a:buFont typeface="Arial" panose="020B0604020202020204" pitchFamily="34" charset="0"/>
+              <a:buChar char="•"/>
+            </a:pPr>
+            <a:r>
+              <a:rPr lang="en-GB" sz="1200" dirty="0">
+                <a:solidFill>
+                  <a:sysClr val="windowText" lastClr="000000"/>
+                </a:solidFill>
+              </a:rPr>
+              <a:t>Computation burden: ~6x-10x</a:t>
+            </a:r>
           </a:p>
         </p:txBody>
       </p:sp>
@@ -19646,6 +20631,507 @@
       </p:grpSpPr>
       <p:sp>
         <p:nvSpPr>
+          <p:cNvPr id="3" name="Footer Placeholder 2"/>
+          <p:cNvSpPr>
+            <a:spLocks noGrp="1"/>
+          </p:cNvSpPr>
+          <p:nvPr>
+            <p:ph type="ftr" sz="quarter" idx="11"/>
+          </p:nvPr>
+        </p:nvSpPr>
+        <p:spPr/>
+        <p:txBody>
+          <a:bodyPr/>
+          <a:lstStyle/>
+          <a:p>
+            <a:r>
+              <a:rPr lang="nl-NL"/>
+              <a:t>Ingenieurswetenschappen, Werktuigkunde, TME</a:t>
+            </a:r>
+          </a:p>
+        </p:txBody>
+      </p:sp>
+      <p:sp>
+        <p:nvSpPr>
+          <p:cNvPr id="4" name="Slide Number Placeholder 3"/>
+          <p:cNvSpPr>
+            <a:spLocks noGrp="1"/>
+          </p:cNvSpPr>
+          <p:nvPr>
+            <p:ph type="sldNum" sz="quarter" idx="12"/>
+          </p:nvPr>
+        </p:nvSpPr>
+        <p:spPr/>
+        <p:txBody>
+          <a:bodyPr/>
+          <a:lstStyle/>
+          <a:p>
+            <a:fld id="{0A297500-7527-634B-90F4-69D0994C32B4}" type="slidenum">
+              <a:rPr lang="nl-NL" smtClean="0"/>
+              <a:t>7</a:t>
+            </a:fld>
+            <a:endParaRPr lang="nl-NL"/>
+          </a:p>
+        </p:txBody>
+      </p:sp>
+      <p:sp>
+        <p:nvSpPr>
+          <p:cNvPr id="5" name="Title 4"/>
+          <p:cNvSpPr>
+            <a:spLocks noGrp="1"/>
+          </p:cNvSpPr>
+          <p:nvPr>
+            <p:ph type="title"/>
+          </p:nvPr>
+        </p:nvSpPr>
+        <p:spPr/>
+        <p:txBody>
+          <a:bodyPr>
+            <a:normAutofit/>
+          </a:bodyPr>
+          <a:lstStyle/>
+          <a:p>
+            <a:r>
+              <a:rPr lang="en-US" dirty="0"/>
+              <a:t>Clustering process</a:t>
+            </a:r>
+          </a:p>
+        </p:txBody>
+      </p:sp>
+      <p:sp>
+        <p:nvSpPr>
+          <p:cNvPr id="2" name="CuadroTexto 1">
+            <a:extLst>
+              <a:ext uri="{FF2B5EF4-FFF2-40B4-BE49-F238E27FC236}">
+                <a16:creationId xmlns:a16="http://schemas.microsoft.com/office/drawing/2014/main" id="{3D90B8B4-D006-2F5A-BC51-A8D5B9C669D6}"/>
+              </a:ext>
+            </a:extLst>
+          </p:cNvPr>
+          <p:cNvSpPr txBox="1"/>
+          <p:nvPr/>
+        </p:nvSpPr>
+        <p:spPr>
+          <a:xfrm>
+            <a:off x="576000" y="1115530"/>
+            <a:ext cx="5169192" cy="923330"/>
+          </a:xfrm>
+          <a:prstGeom prst="rect">
+            <a:avLst/>
+          </a:prstGeom>
+          <a:noFill/>
+        </p:spPr>
+        <p:txBody>
+          <a:bodyPr wrap="square" rtlCol="0">
+            <a:spAutoFit/>
+          </a:bodyPr>
+          <a:lstStyle/>
+          <a:p>
+            <a:pPr marL="342900" indent="-342900">
+              <a:buFont typeface="+mj-lt"/>
+              <a:buAutoNum type="arabicPeriod"/>
+            </a:pPr>
+            <a:r>
+              <a:rPr lang="en-GB" dirty="0"/>
+              <a:t>Dimensionality reduction</a:t>
+            </a:r>
+          </a:p>
+          <a:p>
+            <a:pPr marL="342900" indent="-342900">
+              <a:buFont typeface="+mj-lt"/>
+              <a:buAutoNum type="arabicPeriod"/>
+            </a:pPr>
+            <a:r>
+              <a:rPr lang="en-GB" dirty="0"/>
+              <a:t>Optimal number of representatives/clusters</a:t>
+            </a:r>
+          </a:p>
+          <a:p>
+            <a:pPr marL="342900" indent="-342900">
+              <a:buFont typeface="+mj-lt"/>
+              <a:buAutoNum type="arabicPeriod"/>
+            </a:pPr>
+            <a:r>
+              <a:rPr lang="en-GB" dirty="0"/>
+              <a:t>Selection/aggregation using K-medoids</a:t>
+            </a:r>
+          </a:p>
+        </p:txBody>
+      </p:sp>
+      <p:pic>
+        <p:nvPicPr>
+          <p:cNvPr id="10" name="Imagen 9" descr="Gráfico, Gráfico de dispersión&#10;&#10;Descripción generada automáticamente">
+            <a:extLst>
+              <a:ext uri="{FF2B5EF4-FFF2-40B4-BE49-F238E27FC236}">
+                <a16:creationId xmlns:a16="http://schemas.microsoft.com/office/drawing/2014/main" id="{167060B1-F8A7-F009-F4D3-2614E6A75A82}"/>
+              </a:ext>
+            </a:extLst>
+          </p:cNvPr>
+          <p:cNvPicPr>
+            <a:picLocks noChangeAspect="1"/>
+          </p:cNvPicPr>
+          <p:nvPr/>
+        </p:nvPicPr>
+        <p:blipFill>
+          <a:blip r:embed="rId2"/>
+          <a:stretch>
+            <a:fillRect/>
+          </a:stretch>
+        </p:blipFill>
+        <p:spPr>
+          <a:xfrm>
+            <a:off x="4722484" y="3102215"/>
+            <a:ext cx="2324905" cy="2491964"/>
+          </a:xfrm>
+          <a:prstGeom prst="rect">
+            <a:avLst/>
+          </a:prstGeom>
+        </p:spPr>
+      </p:pic>
+      <p:pic>
+        <p:nvPicPr>
+          <p:cNvPr id="13" name="Imagen 12" descr="Gráfico, Histograma&#10;&#10;Descripción generada automáticamente">
+            <a:extLst>
+              <a:ext uri="{FF2B5EF4-FFF2-40B4-BE49-F238E27FC236}">
+                <a16:creationId xmlns:a16="http://schemas.microsoft.com/office/drawing/2014/main" id="{784AAE89-EC5F-3E25-09C3-9A0BB3BF4986}"/>
+              </a:ext>
+            </a:extLst>
+          </p:cNvPr>
+          <p:cNvPicPr>
+            <a:picLocks noChangeAspect="1"/>
+          </p:cNvPicPr>
+          <p:nvPr/>
+        </p:nvPicPr>
+        <p:blipFill>
+          <a:blip r:embed="rId3"/>
+          <a:stretch>
+            <a:fillRect/>
+          </a:stretch>
+        </p:blipFill>
+        <p:spPr>
+          <a:xfrm>
+            <a:off x="701066" y="3102215"/>
+            <a:ext cx="3737946" cy="2491964"/>
+          </a:xfrm>
+          <a:prstGeom prst="rect">
+            <a:avLst/>
+          </a:prstGeom>
+        </p:spPr>
+      </p:pic>
+      <p:pic>
+        <p:nvPicPr>
+          <p:cNvPr id="16" name="Imagen 15" descr="Imagen que contiene Diagrama&#10;&#10;Descripción generada automáticamente">
+            <a:extLst>
+              <a:ext uri="{FF2B5EF4-FFF2-40B4-BE49-F238E27FC236}">
+                <a16:creationId xmlns:a16="http://schemas.microsoft.com/office/drawing/2014/main" id="{4E7D347D-4B91-D027-1CF1-16B4F616C0E9}"/>
+              </a:ext>
+            </a:extLst>
+          </p:cNvPr>
+          <p:cNvPicPr>
+            <a:picLocks noChangeAspect="1"/>
+          </p:cNvPicPr>
+          <p:nvPr/>
+        </p:nvPicPr>
+        <p:blipFill>
+          <a:blip r:embed="rId4"/>
+          <a:stretch>
+            <a:fillRect/>
+          </a:stretch>
+        </p:blipFill>
+        <p:spPr>
+          <a:xfrm>
+            <a:off x="8434781" y="2713809"/>
+            <a:ext cx="3207491" cy="3207491"/>
+          </a:xfrm>
+          <a:prstGeom prst="rect">
+            <a:avLst/>
+          </a:prstGeom>
+        </p:spPr>
+      </p:pic>
+      <p:sp>
+        <p:nvSpPr>
+          <p:cNvPr id="21" name="Rectángulo: esquinas redondeadas 20">
+            <a:extLst>
+              <a:ext uri="{FF2B5EF4-FFF2-40B4-BE49-F238E27FC236}">
+                <a16:creationId xmlns:a16="http://schemas.microsoft.com/office/drawing/2014/main" id="{8ECB3075-9496-3A13-C2B8-4A1C60CAE233}"/>
+              </a:ext>
+            </a:extLst>
+          </p:cNvPr>
+          <p:cNvSpPr/>
+          <p:nvPr/>
+        </p:nvSpPr>
+        <p:spPr>
+          <a:xfrm>
+            <a:off x="448574" y="2898475"/>
+            <a:ext cx="6814868" cy="3010619"/>
+          </a:xfrm>
+          <a:prstGeom prst="roundRect">
+            <a:avLst/>
+          </a:prstGeom>
+          <a:noFill/>
+          <a:ln w="19050" cap="flat" cmpd="sng" algn="ctr">
+            <a:solidFill>
+              <a:schemeClr val="dk1"/>
+            </a:solidFill>
+            <a:prstDash val="solid"/>
+            <a:round/>
+            <a:headEnd type="none" w="med" len="med"/>
+            <a:tailEnd type="none" w="med" len="med"/>
+          </a:ln>
+        </p:spPr>
+        <p:style>
+          <a:lnRef idx="0">
+            <a:scrgbClr r="0" g="0" b="0"/>
+          </a:lnRef>
+          <a:fillRef idx="0">
+            <a:scrgbClr r="0" g="0" b="0"/>
+          </a:fillRef>
+          <a:effectRef idx="0">
+            <a:scrgbClr r="0" g="0" b="0"/>
+          </a:effectRef>
+          <a:fontRef idx="minor">
+            <a:schemeClr val="dk1"/>
+          </a:fontRef>
+        </p:style>
+        <p:txBody>
+          <a:bodyPr rtlCol="0" anchor="ctr"/>
+          <a:lstStyle/>
+          <a:p>
+            <a:pPr algn="ctr"/>
+            <a:endParaRPr lang="en-GB"/>
+          </a:p>
+        </p:txBody>
+      </p:sp>
+      <p:sp>
+        <p:nvSpPr>
+          <p:cNvPr id="22" name="CuadroTexto 21">
+            <a:extLst>
+              <a:ext uri="{FF2B5EF4-FFF2-40B4-BE49-F238E27FC236}">
+                <a16:creationId xmlns:a16="http://schemas.microsoft.com/office/drawing/2014/main" id="{E5F1C330-255A-2E80-B16E-21F7287DE7AA}"/>
+              </a:ext>
+            </a:extLst>
+          </p:cNvPr>
+          <p:cNvSpPr txBox="1"/>
+          <p:nvPr/>
+        </p:nvSpPr>
+        <p:spPr>
+          <a:xfrm>
+            <a:off x="2153473" y="2529143"/>
+            <a:ext cx="3852337" cy="369332"/>
+          </a:xfrm>
+          <a:prstGeom prst="rect">
+            <a:avLst/>
+          </a:prstGeom>
+          <a:noFill/>
+        </p:spPr>
+        <p:txBody>
+          <a:bodyPr wrap="none" rtlCol="0">
+            <a:spAutoFit/>
+          </a:bodyPr>
+          <a:lstStyle/>
+          <a:p>
+            <a:r>
+              <a:rPr lang="en-GB" dirty="0"/>
+              <a:t>Dimensionality reduction using PCA</a:t>
+            </a:r>
+          </a:p>
+        </p:txBody>
+      </p:sp>
+      <p:sp>
+        <p:nvSpPr>
+          <p:cNvPr id="23" name="CuadroTexto 22">
+            <a:extLst>
+              <a:ext uri="{FF2B5EF4-FFF2-40B4-BE49-F238E27FC236}">
+                <a16:creationId xmlns:a16="http://schemas.microsoft.com/office/drawing/2014/main" id="{3640268D-CA1B-1D62-801D-C16F4B5F1BDB}"/>
+              </a:ext>
+            </a:extLst>
+          </p:cNvPr>
+          <p:cNvSpPr txBox="1"/>
+          <p:nvPr/>
+        </p:nvSpPr>
+        <p:spPr>
+          <a:xfrm>
+            <a:off x="8567610" y="2529143"/>
+            <a:ext cx="3005951" cy="369332"/>
+          </a:xfrm>
+          <a:prstGeom prst="rect">
+            <a:avLst/>
+          </a:prstGeom>
+          <a:noFill/>
+        </p:spPr>
+        <p:txBody>
+          <a:bodyPr wrap="none" rtlCol="0">
+            <a:spAutoFit/>
+          </a:bodyPr>
+          <a:lstStyle/>
+          <a:p>
+            <a:r>
+              <a:rPr lang="en-GB" dirty="0"/>
+              <a:t>Optimal number of clusters</a:t>
+            </a:r>
+          </a:p>
+        </p:txBody>
+      </p:sp>
+    </p:spTree>
+    <p:extLst>
+      <p:ext uri="{BB962C8B-B14F-4D97-AF65-F5344CB8AC3E}">
+        <p14:creationId xmlns:p14="http://schemas.microsoft.com/office/powerpoint/2010/main" val="780203379"/>
+      </p:ext>
+    </p:extLst>
+  </p:cSld>
+  <p:clrMapOvr>
+    <a:masterClrMapping/>
+  </p:clrMapOvr>
+</p:sld>
+</file>
+
+<file path=ppt/slides/slide8.xml><?xml version="1.0" encoding="utf-8"?>
+<p:sld xmlns:a="http://schemas.openxmlformats.org/drawingml/2006/main" xmlns:r="http://schemas.openxmlformats.org/officeDocument/2006/relationships" xmlns:p="http://schemas.openxmlformats.org/presentationml/2006/main">
+  <p:cSld>
+    <p:spTree>
+      <p:nvGrpSpPr>
+        <p:cNvPr id="1" name=""/>
+        <p:cNvGrpSpPr/>
+        <p:nvPr/>
+      </p:nvGrpSpPr>
+      <p:grpSpPr>
+        <a:xfrm>
+          <a:off x="0" y="0"/>
+          <a:ext cx="0" cy="0"/>
+          <a:chOff x="0" y="0"/>
+          <a:chExt cx="0" cy="0"/>
+        </a:xfrm>
+      </p:grpSpPr>
+      <p:sp>
+        <p:nvSpPr>
+          <p:cNvPr id="3" name="Footer Placeholder 2"/>
+          <p:cNvSpPr>
+            <a:spLocks noGrp="1"/>
+          </p:cNvSpPr>
+          <p:nvPr>
+            <p:ph type="ftr" sz="quarter" idx="11"/>
+          </p:nvPr>
+        </p:nvSpPr>
+        <p:spPr/>
+        <p:txBody>
+          <a:bodyPr/>
+          <a:lstStyle/>
+          <a:p>
+            <a:r>
+              <a:rPr lang="nl-NL"/>
+              <a:t>Ingenieurswetenschappen, Werktuigkunde, TME</a:t>
+            </a:r>
+          </a:p>
+        </p:txBody>
+      </p:sp>
+      <p:sp>
+        <p:nvSpPr>
+          <p:cNvPr id="4" name="Slide Number Placeholder 3"/>
+          <p:cNvSpPr>
+            <a:spLocks noGrp="1"/>
+          </p:cNvSpPr>
+          <p:nvPr>
+            <p:ph type="sldNum" sz="quarter" idx="12"/>
+          </p:nvPr>
+        </p:nvSpPr>
+        <p:spPr/>
+        <p:txBody>
+          <a:bodyPr/>
+          <a:lstStyle/>
+          <a:p>
+            <a:fld id="{0A297500-7527-634B-90F4-69D0994C32B4}" type="slidenum">
+              <a:rPr lang="nl-NL" smtClean="0"/>
+              <a:t>8</a:t>
+            </a:fld>
+            <a:endParaRPr lang="nl-NL"/>
+          </a:p>
+        </p:txBody>
+      </p:sp>
+      <p:sp>
+        <p:nvSpPr>
+          <p:cNvPr id="5" name="Title 4"/>
+          <p:cNvSpPr>
+            <a:spLocks noGrp="1"/>
+          </p:cNvSpPr>
+          <p:nvPr>
+            <p:ph type="title"/>
+          </p:nvPr>
+        </p:nvSpPr>
+        <p:spPr/>
+        <p:txBody>
+          <a:bodyPr>
+            <a:normAutofit/>
+          </a:bodyPr>
+          <a:lstStyle/>
+          <a:p>
+            <a:r>
+              <a:rPr lang="en-US" dirty="0"/>
+              <a:t>Line Benefits: Preliminary results</a:t>
+            </a:r>
+          </a:p>
+        </p:txBody>
+      </p:sp>
+      <p:pic>
+        <p:nvPicPr>
+          <p:cNvPr id="2" name="Imagen 1">
+            <a:extLst>
+              <a:ext uri="{FF2B5EF4-FFF2-40B4-BE49-F238E27FC236}">
+                <a16:creationId xmlns:a16="http://schemas.microsoft.com/office/drawing/2014/main" id="{2C206139-75EA-1C16-06E2-5432C8803DC8}"/>
+              </a:ext>
+            </a:extLst>
+          </p:cNvPr>
+          <p:cNvPicPr>
+            <a:picLocks noChangeAspect="1"/>
+          </p:cNvPicPr>
+          <p:nvPr/>
+        </p:nvPicPr>
+        <p:blipFill>
+          <a:blip r:embed="rId2"/>
+          <a:stretch>
+            <a:fillRect/>
+          </a:stretch>
+        </p:blipFill>
+        <p:spPr>
+          <a:xfrm>
+            <a:off x="466531" y="2383971"/>
+            <a:ext cx="6095999" cy="2593453"/>
+          </a:xfrm>
+          <a:prstGeom prst="rect">
+            <a:avLst/>
+          </a:prstGeom>
+        </p:spPr>
+      </p:pic>
+    </p:spTree>
+    <p:extLst>
+      <p:ext uri="{BB962C8B-B14F-4D97-AF65-F5344CB8AC3E}">
+        <p14:creationId xmlns:p14="http://schemas.microsoft.com/office/powerpoint/2010/main" val="4026936855"/>
+      </p:ext>
+    </p:extLst>
+  </p:cSld>
+  <p:clrMapOvr>
+    <a:masterClrMapping/>
+  </p:clrMapOvr>
+</p:sld>
+</file>
+
+<file path=ppt/slides/slide9.xml><?xml version="1.0" encoding="utf-8"?>
+<p:sld xmlns:a="http://schemas.openxmlformats.org/drawingml/2006/main" xmlns:r="http://schemas.openxmlformats.org/officeDocument/2006/relationships" xmlns:p="http://schemas.openxmlformats.org/presentationml/2006/main">
+  <p:cSld>
+    <p:spTree>
+      <p:nvGrpSpPr>
+        <p:cNvPr id="1" name=""/>
+        <p:cNvGrpSpPr/>
+        <p:nvPr/>
+      </p:nvGrpSpPr>
+      <p:grpSpPr>
+        <a:xfrm>
+          <a:off x="0" y="0"/>
+          <a:ext cx="0" cy="0"/>
+          <a:chOff x="0" y="0"/>
+          <a:chExt cx="0" cy="0"/>
+        </a:xfrm>
+      </p:grpSpPr>
+      <p:sp>
+        <p:nvSpPr>
           <p:cNvPr id="2" name="Footer Placeholder 1"/>
           <p:cNvSpPr>
             <a:spLocks noGrp="1"/>
@@ -19683,7 +21169,7 @@
           <a:p>
             <a:fld id="{0A297500-7527-634B-90F4-69D0994C32B4}" type="slidenum">
               <a:rPr lang="nl-NL" smtClean="0"/>
-              <a:t>7</a:t>
+              <a:t>9</a:t>
             </a:fld>
             <a:endParaRPr lang="nl-NL"/>
           </a:p>

--- a/02. Presentations/PresentationGroup.pptx
+++ b/02. Presentations/PresentationGroup.pptx
@@ -6,21 +6,25 @@
     <p:sldMasterId id="2147483694" r:id="rId5"/>
   </p:sldMasterIdLst>
   <p:notesMasterIdLst>
-    <p:notesMasterId r:id="rId15"/>
+    <p:notesMasterId r:id="rId19"/>
   </p:notesMasterIdLst>
   <p:handoutMasterIdLst>
-    <p:handoutMasterId r:id="rId16"/>
+    <p:handoutMasterId r:id="rId20"/>
   </p:handoutMasterIdLst>
   <p:sldIdLst>
     <p:sldId id="269" r:id="rId6"/>
     <p:sldId id="273" r:id="rId7"/>
-    <p:sldId id="275" r:id="rId8"/>
-    <p:sldId id="276" r:id="rId9"/>
-    <p:sldId id="277" r:id="rId10"/>
-    <p:sldId id="278" r:id="rId11"/>
-    <p:sldId id="279" r:id="rId12"/>
-    <p:sldId id="280" r:id="rId13"/>
-    <p:sldId id="272" r:id="rId14"/>
+    <p:sldId id="281" r:id="rId8"/>
+    <p:sldId id="282" r:id="rId9"/>
+    <p:sldId id="283" r:id="rId10"/>
+    <p:sldId id="284" r:id="rId11"/>
+    <p:sldId id="275" r:id="rId12"/>
+    <p:sldId id="276" r:id="rId13"/>
+    <p:sldId id="277" r:id="rId14"/>
+    <p:sldId id="278" r:id="rId15"/>
+    <p:sldId id="279" r:id="rId16"/>
+    <p:sldId id="280" r:id="rId17"/>
+    <p:sldId id="272" r:id="rId18"/>
   </p:sldIdLst>
   <p:sldSz cx="12192000" cy="6858000"/>
   <p:notesSz cx="6858000" cy="9144000"/>
@@ -212,7 +216,7 @@
           <a:p>
             <a:fld id="{8F591CCF-F6FD-734B-854A-5BC033593B1E}" type="datetimeFigureOut">
               <a:rPr lang="nl-NL" smtClean="0"/>
-              <a:t>11-7-2023</a:t>
+              <a:t>12-7-2023</a:t>
             </a:fld>
             <a:endParaRPr lang="nl-NL"/>
           </a:p>
@@ -377,7 +381,7 @@
           <a:p>
             <a:fld id="{23C66214-DB21-4647-B5DA-0D17CA592867}" type="datetimeFigureOut">
               <a:rPr lang="nl-NL" smtClean="0"/>
-              <a:t>11-7-2023</a:t>
+              <a:t>12-7-2023</a:t>
             </a:fld>
             <a:endParaRPr lang="nl-NL"/>
           </a:p>
@@ -1366,7 +1370,7 @@
           <a:p>
             <a:fld id="{DEF7A732-A4AD-4522-B2BE-EB7057D7CF5F}" type="datetime1">
               <a:rPr lang="nl-BE" smtClean="0"/>
-              <a:t>11/07/2023</a:t>
+              <a:t>12/07/2023</a:t>
             </a:fld>
             <a:endParaRPr lang="nl-NL"/>
           </a:p>
@@ -1649,7 +1653,7 @@
           <a:p>
             <a:fld id="{786B981F-AC8F-4D0A-9D3D-054EDA1A26C8}" type="datetime1">
               <a:rPr lang="nl-BE" smtClean="0"/>
-              <a:t>11/07/2023</a:t>
+              <a:t>12/07/2023</a:t>
             </a:fld>
             <a:endParaRPr lang="nl-NL"/>
           </a:p>
@@ -1979,7 +1983,7 @@
           <a:p>
             <a:fld id="{774E5DA5-416E-40CD-977F-95B9AE6C400A}" type="datetime1">
               <a:rPr lang="nl-BE" smtClean="0"/>
-              <a:t>11/07/2023</a:t>
+              <a:t>12/07/2023</a:t>
             </a:fld>
             <a:endParaRPr lang="nl-NL"/>
           </a:p>
@@ -2298,7 +2302,7 @@
           <a:p>
             <a:fld id="{9AB00FA2-5D8E-4EFA-B553-8ED3D3357851}" type="datetime1">
               <a:rPr lang="nl-BE" smtClean="0"/>
-              <a:t>11/07/2023</a:t>
+              <a:t>12/07/2023</a:t>
             </a:fld>
             <a:endParaRPr lang="nl-NL" dirty="0"/>
           </a:p>
@@ -2619,7 +2623,7 @@
           <a:p>
             <a:fld id="{58F13653-D054-4682-85A4-34FDEC5F4E36}" type="datetime1">
               <a:rPr lang="nl-BE" smtClean="0"/>
-              <a:t>11/07/2023</a:t>
+              <a:t>12/07/2023</a:t>
             </a:fld>
             <a:endParaRPr lang="nl-NL" dirty="0"/>
           </a:p>
@@ -2761,7 +2765,7 @@
           <a:p>
             <a:fld id="{62E91AFE-9FCE-477A-9124-C4B80AEF48C7}" type="datetime1">
               <a:rPr lang="nl-BE" smtClean="0"/>
-              <a:t>11/07/2023</a:t>
+              <a:t>12/07/2023</a:t>
             </a:fld>
             <a:endParaRPr lang="nl-NL"/>
           </a:p>
@@ -3245,7 +3249,7 @@
           <a:p>
             <a:fld id="{1C033EDC-A3F7-4F7C-85EB-8F5252324348}" type="datetime1">
               <a:rPr lang="nl-BE" smtClean="0"/>
-              <a:t>11/07/2023</a:t>
+              <a:t>12/07/2023</a:t>
             </a:fld>
             <a:endParaRPr lang="nl-NL" dirty="0"/>
           </a:p>
@@ -3366,7 +3370,7 @@
           <a:p>
             <a:fld id="{6E56B198-CB76-44C8-8B8B-C32C5E4E9FF6}" type="datetime1">
               <a:rPr lang="nl-BE" smtClean="0"/>
-              <a:t>11/07/2023</a:t>
+              <a:t>12/07/2023</a:t>
             </a:fld>
             <a:endParaRPr lang="nl-NL"/>
           </a:p>
@@ -3487,7 +3491,7 @@
           <a:p>
             <a:fld id="{B0F646BC-7054-4704-BB7B-A94419D9C564}" type="datetime1">
               <a:rPr lang="nl-BE" smtClean="0"/>
-              <a:t>11/07/2023</a:t>
+              <a:t>12/07/2023</a:t>
             </a:fld>
             <a:endParaRPr lang="nl-NL"/>
           </a:p>
@@ -3669,7 +3673,7 @@
           <a:p>
             <a:fld id="{A40E7283-2893-48B2-890F-992993862CB2}" type="datetime1">
               <a:rPr lang="nl-BE" smtClean="0"/>
-              <a:t>11/07/2023</a:t>
+              <a:t>12/07/2023</a:t>
             </a:fld>
             <a:endParaRPr lang="nl-NL" dirty="0"/>
           </a:p>
@@ -3953,7 +3957,7 @@
           <a:p>
             <a:fld id="{B056CF81-9F3E-4E96-937E-A73BA19B8937}" type="datetime1">
               <a:rPr lang="nl-BE" smtClean="0"/>
-              <a:t>11/07/2023</a:t>
+              <a:t>12/07/2023</a:t>
             </a:fld>
             <a:endParaRPr lang="nl-NL" dirty="0"/>
           </a:p>
@@ -4594,7 +4598,7 @@
           <a:p>
             <a:fld id="{D0089BD7-EA0B-4494-9FFF-95E6CEB32087}" type="datetime1">
               <a:rPr lang="nl-BE" smtClean="0"/>
-              <a:t>11/07/2023</a:t>
+              <a:t>12/07/2023</a:t>
             </a:fld>
             <a:endParaRPr lang="nl-NL" dirty="0"/>
           </a:p>
@@ -5030,17 +5034,10 @@
           <a:lstStyle/>
           <a:p>
             <a:r>
-              <a:rPr lang="en-US" dirty="0"/>
-              <a:t>Neural Network for cost estimation: </a:t>
-            </a:r>
-            <a:r>
-              <a:rPr lang="en-US" dirty="0" err="1"/>
-              <a:t>Hyperparameter</a:t>
-            </a:r>
-            <a:r>
-              <a:rPr lang="en-US" dirty="0"/>
-              <a:t> tuning</a:t>
-            </a:r>
+              <a:rPr lang="en-GB" dirty="0"/>
+              <a:t>Neural Network Assisted Temporal Reduction for Transmission Expansion Planning</a:t>
+            </a:r>
+            <a:endParaRPr lang="en-US" dirty="0"/>
           </a:p>
         </p:txBody>
       </p:sp>
@@ -5048,6 +5045,1738 @@
     <p:extLst>
       <p:ext uri="{BB962C8B-B14F-4D97-AF65-F5344CB8AC3E}">
         <p14:creationId xmlns:p14="http://schemas.microsoft.com/office/powerpoint/2010/main" val="939354871"/>
+      </p:ext>
+    </p:extLst>
+  </p:cSld>
+  <p:clrMapOvr>
+    <a:masterClrMapping/>
+  </p:clrMapOvr>
+</p:sld>
+</file>
+
+<file path=ppt/slides/slide10.xml><?xml version="1.0" encoding="utf-8"?>
+<p:sld xmlns:a="http://schemas.openxmlformats.org/drawingml/2006/main" xmlns:r="http://schemas.openxmlformats.org/officeDocument/2006/relationships" xmlns:p="http://schemas.openxmlformats.org/presentationml/2006/main">
+  <p:cSld>
+    <p:spTree>
+      <p:nvGrpSpPr>
+        <p:cNvPr id="1" name=""/>
+        <p:cNvGrpSpPr/>
+        <p:nvPr/>
+      </p:nvGrpSpPr>
+      <p:grpSpPr>
+        <a:xfrm>
+          <a:off x="0" y="0"/>
+          <a:ext cx="0" cy="0"/>
+          <a:chOff x="0" y="0"/>
+          <a:chExt cx="0" cy="0"/>
+        </a:xfrm>
+      </p:grpSpPr>
+      <p:sp>
+        <p:nvSpPr>
+          <p:cNvPr id="3" name="Footer Placeholder 2"/>
+          <p:cNvSpPr>
+            <a:spLocks noGrp="1"/>
+          </p:cNvSpPr>
+          <p:nvPr>
+            <p:ph type="ftr" sz="quarter" idx="11"/>
+          </p:nvPr>
+        </p:nvSpPr>
+        <p:spPr/>
+        <p:txBody>
+          <a:bodyPr/>
+          <a:lstStyle/>
+          <a:p>
+            <a:r>
+              <a:rPr lang="nl-NL"/>
+              <a:t>Ingenieurswetenschappen, Werktuigkunde, TME</a:t>
+            </a:r>
+          </a:p>
+        </p:txBody>
+      </p:sp>
+      <p:sp>
+        <p:nvSpPr>
+          <p:cNvPr id="4" name="Slide Number Placeholder 3"/>
+          <p:cNvSpPr>
+            <a:spLocks noGrp="1"/>
+          </p:cNvSpPr>
+          <p:nvPr>
+            <p:ph type="sldNum" sz="quarter" idx="12"/>
+          </p:nvPr>
+        </p:nvSpPr>
+        <p:spPr/>
+        <p:txBody>
+          <a:bodyPr/>
+          <a:lstStyle/>
+          <a:p>
+            <a:fld id="{0A297500-7527-634B-90F4-69D0994C32B4}" type="slidenum">
+              <a:rPr lang="nl-NL" smtClean="0"/>
+              <a:t>10</a:t>
+            </a:fld>
+            <a:endParaRPr lang="nl-NL"/>
+          </a:p>
+        </p:txBody>
+      </p:sp>
+      <p:sp>
+        <p:nvSpPr>
+          <p:cNvPr id="5" name="Title 4"/>
+          <p:cNvSpPr>
+            <a:spLocks noGrp="1"/>
+          </p:cNvSpPr>
+          <p:nvPr>
+            <p:ph type="title"/>
+          </p:nvPr>
+        </p:nvSpPr>
+        <p:spPr/>
+        <p:txBody>
+          <a:bodyPr>
+            <a:normAutofit/>
+          </a:bodyPr>
+          <a:lstStyle/>
+          <a:p>
+            <a:r>
+              <a:rPr lang="en-US" dirty="0"/>
+              <a:t>Line Benefits</a:t>
+            </a:r>
+          </a:p>
+        </p:txBody>
+      </p:sp>
+      <p:sp>
+        <p:nvSpPr>
+          <p:cNvPr id="9" name="CuadroTexto 8">
+            <a:extLst>
+              <a:ext uri="{FF2B5EF4-FFF2-40B4-BE49-F238E27FC236}">
+                <a16:creationId xmlns:a16="http://schemas.microsoft.com/office/drawing/2014/main" id="{CEE43A32-779C-5A87-462E-F0637320A8FC}"/>
+              </a:ext>
+            </a:extLst>
+          </p:cNvPr>
+          <p:cNvSpPr txBox="1"/>
+          <p:nvPr/>
+        </p:nvSpPr>
+        <p:spPr>
+          <a:xfrm>
+            <a:off x="10476649" y="2303871"/>
+            <a:ext cx="1358065" cy="307777"/>
+          </a:xfrm>
+          <a:prstGeom prst="rect">
+            <a:avLst/>
+          </a:prstGeom>
+          <a:noFill/>
+        </p:spPr>
+        <p:txBody>
+          <a:bodyPr wrap="none" rtlCol="0">
+            <a:spAutoFit/>
+          </a:bodyPr>
+          <a:lstStyle/>
+          <a:p>
+            <a:pPr algn="ctr"/>
+            <a:r>
+              <a:rPr lang="en-GB" sz="1400" dirty="0"/>
+              <a:t>Reference grid</a:t>
+            </a:r>
+          </a:p>
+        </p:txBody>
+      </p:sp>
+      <p:sp>
+        <p:nvSpPr>
+          <p:cNvPr id="12" name="Rectángulo: esquinas redondeadas 11">
+            <a:extLst>
+              <a:ext uri="{FF2B5EF4-FFF2-40B4-BE49-F238E27FC236}">
+                <a16:creationId xmlns:a16="http://schemas.microsoft.com/office/drawing/2014/main" id="{0B0B49D7-A880-6C46-D245-17FD2EE690CE}"/>
+              </a:ext>
+            </a:extLst>
+          </p:cNvPr>
+          <p:cNvSpPr/>
+          <p:nvPr/>
+        </p:nvSpPr>
+        <p:spPr>
+          <a:xfrm>
+            <a:off x="7864878" y="2721518"/>
+            <a:ext cx="1209368" cy="619433"/>
+          </a:xfrm>
+          <a:prstGeom prst="roundRect">
+            <a:avLst/>
+          </a:prstGeom>
+        </p:spPr>
+        <p:style>
+          <a:lnRef idx="2">
+            <a:schemeClr val="dk1">
+              <a:shade val="50000"/>
+            </a:schemeClr>
+          </a:lnRef>
+          <a:fillRef idx="1">
+            <a:schemeClr val="dk1"/>
+          </a:fillRef>
+          <a:effectRef idx="0">
+            <a:schemeClr val="dk1"/>
+          </a:effectRef>
+          <a:fontRef idx="minor">
+            <a:schemeClr val="lt1"/>
+          </a:fontRef>
+        </p:style>
+        <p:txBody>
+          <a:bodyPr rtlCol="0" anchor="ctr"/>
+          <a:lstStyle/>
+          <a:p>
+            <a:pPr algn="ctr"/>
+            <a:r>
+              <a:rPr lang="en-GB" sz="1600" b="1" dirty="0"/>
+              <a:t>ANN Cost</a:t>
+            </a:r>
+          </a:p>
+          <a:p>
+            <a:pPr algn="ctr"/>
+            <a:r>
+              <a:rPr lang="en-GB" sz="1600" b="1" dirty="0"/>
+              <a:t>Estimator</a:t>
+            </a:r>
+          </a:p>
+        </p:txBody>
+      </p:sp>
+      <p:sp>
+        <p:nvSpPr>
+          <p:cNvPr id="15" name="Rectángulo: esquinas redondeadas 14">
+            <a:extLst>
+              <a:ext uri="{FF2B5EF4-FFF2-40B4-BE49-F238E27FC236}">
+                <a16:creationId xmlns:a16="http://schemas.microsoft.com/office/drawing/2014/main" id="{E23A2693-D652-6C66-6826-11C1D943C265}"/>
+              </a:ext>
+            </a:extLst>
+          </p:cNvPr>
+          <p:cNvSpPr/>
+          <p:nvPr/>
+        </p:nvSpPr>
+        <p:spPr>
+          <a:xfrm>
+            <a:off x="10543397" y="2721518"/>
+            <a:ext cx="1209368" cy="619433"/>
+          </a:xfrm>
+          <a:prstGeom prst="roundRect">
+            <a:avLst/>
+          </a:prstGeom>
+        </p:spPr>
+        <p:style>
+          <a:lnRef idx="2">
+            <a:schemeClr val="dk1">
+              <a:shade val="50000"/>
+            </a:schemeClr>
+          </a:lnRef>
+          <a:fillRef idx="1">
+            <a:schemeClr val="dk1"/>
+          </a:fillRef>
+          <a:effectRef idx="0">
+            <a:schemeClr val="dk1"/>
+          </a:effectRef>
+          <a:fontRef idx="minor">
+            <a:schemeClr val="lt1"/>
+          </a:fontRef>
+        </p:style>
+        <p:txBody>
+          <a:bodyPr rtlCol="0" anchor="ctr"/>
+          <a:lstStyle/>
+          <a:p>
+            <a:pPr algn="ctr"/>
+            <a:r>
+              <a:rPr lang="en-GB" sz="1600" b="1" dirty="0"/>
+              <a:t>ANN Cost</a:t>
+            </a:r>
+          </a:p>
+          <a:p>
+            <a:pPr algn="ctr"/>
+            <a:r>
+              <a:rPr lang="en-GB" sz="1600" b="1" dirty="0"/>
+              <a:t>Estimator</a:t>
+            </a:r>
+          </a:p>
+        </p:txBody>
+      </p:sp>
+      <p:sp>
+        <p:nvSpPr>
+          <p:cNvPr id="17" name="Rectángulo: esquinas redondeadas 16">
+            <a:extLst>
+              <a:ext uri="{FF2B5EF4-FFF2-40B4-BE49-F238E27FC236}">
+                <a16:creationId xmlns:a16="http://schemas.microsoft.com/office/drawing/2014/main" id="{AE123482-1D87-128C-57E9-7F228FC3D60A}"/>
+              </a:ext>
+            </a:extLst>
+          </p:cNvPr>
+          <p:cNvSpPr/>
+          <p:nvPr/>
+        </p:nvSpPr>
+        <p:spPr>
+          <a:xfrm>
+            <a:off x="8704873" y="3527352"/>
+            <a:ext cx="2146020" cy="1049941"/>
+          </a:xfrm>
+          <a:prstGeom prst="roundRect">
+            <a:avLst/>
+          </a:prstGeom>
+        </p:spPr>
+        <p:style>
+          <a:lnRef idx="2">
+            <a:schemeClr val="dk1"/>
+          </a:lnRef>
+          <a:fillRef idx="1">
+            <a:schemeClr val="lt1"/>
+          </a:fillRef>
+          <a:effectRef idx="0">
+            <a:schemeClr val="dk1"/>
+          </a:effectRef>
+          <a:fontRef idx="minor">
+            <a:schemeClr val="dk1"/>
+          </a:fontRef>
+        </p:style>
+        <p:txBody>
+          <a:bodyPr rtlCol="0" anchor="ctr"/>
+          <a:lstStyle/>
+          <a:p>
+            <a:pPr algn="ctr"/>
+            <a:r>
+              <a:rPr lang="en-GB" sz="1200" b="1" dirty="0"/>
+              <a:t>Benefit 1 (Benefit 2) = </a:t>
+            </a:r>
+          </a:p>
+          <a:p>
+            <a:pPr algn="ctr"/>
+            <a:r>
+              <a:rPr lang="en-GB" sz="1200" b="1" dirty="0"/>
+              <a:t>Reference grid – PINT</a:t>
+            </a:r>
+          </a:p>
+          <a:p>
+            <a:pPr algn="ctr"/>
+            <a:r>
+              <a:rPr lang="en-GB" sz="1200" b="1" dirty="0"/>
+              <a:t>(TOOT – Reference grid)</a:t>
+            </a:r>
+          </a:p>
+        </p:txBody>
+      </p:sp>
+      <p:cxnSp>
+        <p:nvCxnSpPr>
+          <p:cNvPr id="18" name="Conector: angular 17">
+            <a:extLst>
+              <a:ext uri="{FF2B5EF4-FFF2-40B4-BE49-F238E27FC236}">
+                <a16:creationId xmlns:a16="http://schemas.microsoft.com/office/drawing/2014/main" id="{8A759B6C-F064-D463-86B4-BC22C291EBF6}"/>
+              </a:ext>
+            </a:extLst>
+          </p:cNvPr>
+          <p:cNvCxnSpPr>
+            <a:cxnSpLocks/>
+            <a:stCxn id="15" idx="2"/>
+            <a:endCxn id="17" idx="3"/>
+          </p:cNvCxnSpPr>
+          <p:nvPr/>
+        </p:nvCxnSpPr>
+        <p:spPr>
+          <a:xfrm rot="5400000">
+            <a:off x="10643801" y="3548043"/>
+            <a:ext cx="711372" cy="297188"/>
+          </a:xfrm>
+          <a:prstGeom prst="bentConnector2">
+            <a:avLst/>
+          </a:prstGeom>
+          <a:ln>
+            <a:tailEnd type="triangle"/>
+          </a:ln>
+        </p:spPr>
+        <p:style>
+          <a:lnRef idx="1">
+            <a:schemeClr val="dk1"/>
+          </a:lnRef>
+          <a:fillRef idx="0">
+            <a:schemeClr val="dk1"/>
+          </a:fillRef>
+          <a:effectRef idx="0">
+            <a:schemeClr val="dk1"/>
+          </a:effectRef>
+          <a:fontRef idx="minor">
+            <a:schemeClr val="tx1"/>
+          </a:fontRef>
+        </p:style>
+      </p:cxnSp>
+      <p:cxnSp>
+        <p:nvCxnSpPr>
+          <p:cNvPr id="19" name="Conector: angular 18">
+            <a:extLst>
+              <a:ext uri="{FF2B5EF4-FFF2-40B4-BE49-F238E27FC236}">
+                <a16:creationId xmlns:a16="http://schemas.microsoft.com/office/drawing/2014/main" id="{F83E8BAB-73D6-7F2C-B847-45AE500D9E64}"/>
+              </a:ext>
+            </a:extLst>
+          </p:cNvPr>
+          <p:cNvCxnSpPr>
+            <a:cxnSpLocks/>
+            <a:stCxn id="12" idx="2"/>
+            <a:endCxn id="17" idx="1"/>
+          </p:cNvCxnSpPr>
+          <p:nvPr/>
+        </p:nvCxnSpPr>
+        <p:spPr>
+          <a:xfrm rot="16200000" flipH="1">
+            <a:off x="8231531" y="3578981"/>
+            <a:ext cx="711372" cy="235311"/>
+          </a:xfrm>
+          <a:prstGeom prst="bentConnector2">
+            <a:avLst/>
+          </a:prstGeom>
+          <a:ln>
+            <a:tailEnd type="triangle"/>
+          </a:ln>
+        </p:spPr>
+        <p:style>
+          <a:lnRef idx="1">
+            <a:schemeClr val="dk1"/>
+          </a:lnRef>
+          <a:fillRef idx="0">
+            <a:schemeClr val="dk1"/>
+          </a:fillRef>
+          <a:effectRef idx="0">
+            <a:schemeClr val="dk1"/>
+          </a:effectRef>
+          <a:fontRef idx="minor">
+            <a:schemeClr val="tx1"/>
+          </a:fontRef>
+        </p:style>
+      </p:cxnSp>
+      <p:sp>
+        <p:nvSpPr>
+          <p:cNvPr id="30" name="Rectángulo: esquinas redondeadas 29">
+            <a:extLst>
+              <a:ext uri="{FF2B5EF4-FFF2-40B4-BE49-F238E27FC236}">
+                <a16:creationId xmlns:a16="http://schemas.microsoft.com/office/drawing/2014/main" id="{5E1B540B-9907-D432-4BCA-85AA381AC962}"/>
+              </a:ext>
+            </a:extLst>
+          </p:cNvPr>
+          <p:cNvSpPr/>
+          <p:nvPr/>
+        </p:nvSpPr>
+        <p:spPr>
+          <a:xfrm>
+            <a:off x="7665134" y="2199736"/>
+            <a:ext cx="4324668" cy="2566374"/>
+          </a:xfrm>
+          <a:prstGeom prst="roundRect">
+            <a:avLst/>
+          </a:prstGeom>
+          <a:noFill/>
+          <a:ln w="28575">
+            <a:solidFill>
+              <a:srgbClr val="C00000"/>
+            </a:solidFill>
+          </a:ln>
+        </p:spPr>
+        <p:style>
+          <a:lnRef idx="2">
+            <a:schemeClr val="accent1">
+              <a:shade val="50000"/>
+            </a:schemeClr>
+          </a:lnRef>
+          <a:fillRef idx="1">
+            <a:schemeClr val="accent1"/>
+          </a:fillRef>
+          <a:effectRef idx="0">
+            <a:schemeClr val="accent1"/>
+          </a:effectRef>
+          <a:fontRef idx="minor">
+            <a:schemeClr val="lt1"/>
+          </a:fontRef>
+        </p:style>
+        <p:txBody>
+          <a:bodyPr rtlCol="0" anchor="ctr"/>
+          <a:lstStyle/>
+          <a:p>
+            <a:pPr algn="ctr"/>
+            <a:endParaRPr lang="en-GB"/>
+          </a:p>
+        </p:txBody>
+      </p:sp>
+      <p:sp>
+        <p:nvSpPr>
+          <p:cNvPr id="32" name="CuadroTexto 31">
+            <a:extLst>
+              <a:ext uri="{FF2B5EF4-FFF2-40B4-BE49-F238E27FC236}">
+                <a16:creationId xmlns:a16="http://schemas.microsoft.com/office/drawing/2014/main" id="{95EF94AB-FDBC-CB34-192A-4DDE5BFD1981}"/>
+              </a:ext>
+            </a:extLst>
+          </p:cNvPr>
+          <p:cNvSpPr txBox="1"/>
+          <p:nvPr/>
+        </p:nvSpPr>
+        <p:spPr>
+          <a:xfrm>
+            <a:off x="7444968" y="1809317"/>
+            <a:ext cx="4544834" cy="369332"/>
+          </a:xfrm>
+          <a:prstGeom prst="rect">
+            <a:avLst/>
+          </a:prstGeom>
+          <a:noFill/>
+        </p:spPr>
+        <p:txBody>
+          <a:bodyPr wrap="none" rtlCol="0">
+            <a:spAutoFit/>
+          </a:bodyPr>
+          <a:lstStyle/>
+          <a:p>
+            <a:pPr algn="ctr"/>
+            <a:r>
+              <a:rPr lang="en-GB" b="1" dirty="0"/>
+              <a:t>Sequence per candidate asset and hour</a:t>
+            </a:r>
+          </a:p>
+        </p:txBody>
+      </p:sp>
+      <p:sp>
+        <p:nvSpPr>
+          <p:cNvPr id="36" name="4 Título">
+            <a:extLst>
+              <a:ext uri="{FF2B5EF4-FFF2-40B4-BE49-F238E27FC236}">
+                <a16:creationId xmlns:a16="http://schemas.microsoft.com/office/drawing/2014/main" id="{7A86FB17-A49E-0670-9DBE-501DD3D1DB42}"/>
+              </a:ext>
+            </a:extLst>
+          </p:cNvPr>
+          <p:cNvSpPr txBox="1">
+            <a:spLocks/>
+          </p:cNvSpPr>
+          <p:nvPr/>
+        </p:nvSpPr>
+        <p:spPr>
+          <a:xfrm>
+            <a:off x="4219034" y="1014669"/>
+            <a:ext cx="3055930" cy="457120"/>
+          </a:xfrm>
+          <a:prstGeom prst="rect">
+            <a:avLst/>
+          </a:prstGeom>
+        </p:spPr>
+        <p:txBody>
+          <a:bodyPr>
+            <a:noAutofit/>
+          </a:bodyPr>
+          <a:lstStyle>
+            <a:lvl1pPr algn="l" rtl="0" eaLnBrk="1" latinLnBrk="0" hangingPunct="1">
+              <a:spcBef>
+                <a:spcPct val="0"/>
+              </a:spcBef>
+              <a:buNone/>
+              <a:defRPr kumimoji="0" sz="4000" kern="1200">
+                <a:solidFill>
+                  <a:schemeClr val="tx2"/>
+                </a:solidFill>
+                <a:latin typeface="+mj-lt"/>
+                <a:ea typeface="+mj-ea"/>
+                <a:cs typeface="+mj-cs"/>
+              </a:defRPr>
+            </a:lvl1pPr>
+          </a:lstStyle>
+          <a:p>
+            <a:r>
+              <a:rPr lang="en-US" altLang="en-US" sz="2400" dirty="0">
+                <a:ln w="0"/>
+                <a:effectLst>
+                  <a:outerShdw blurRad="38100" dist="38100" dir="2700000" algn="tl">
+                    <a:srgbClr val="000000">
+                      <a:alpha val="43137"/>
+                    </a:srgbClr>
+                  </a:outerShdw>
+                </a:effectLst>
+              </a:rPr>
+              <a:t>The PINT and TOOT</a:t>
+            </a:r>
+          </a:p>
+        </p:txBody>
+      </p:sp>
+      <p:sp>
+        <p:nvSpPr>
+          <p:cNvPr id="37" name="CuadroTexto 36">
+            <a:extLst>
+              <a:ext uri="{FF2B5EF4-FFF2-40B4-BE49-F238E27FC236}">
+                <a16:creationId xmlns:a16="http://schemas.microsoft.com/office/drawing/2014/main" id="{75F14BB4-D313-A62F-4745-894646C650C4}"/>
+              </a:ext>
+            </a:extLst>
+          </p:cNvPr>
+          <p:cNvSpPr txBox="1"/>
+          <p:nvPr/>
+        </p:nvSpPr>
+        <p:spPr>
+          <a:xfrm>
+            <a:off x="202198" y="3358082"/>
+            <a:ext cx="3527441" cy="1169551"/>
+          </a:xfrm>
+          <a:prstGeom prst="rect">
+            <a:avLst/>
+          </a:prstGeom>
+          <a:noFill/>
+        </p:spPr>
+        <p:txBody>
+          <a:bodyPr wrap="none" rtlCol="0">
+            <a:spAutoFit/>
+          </a:bodyPr>
+          <a:lstStyle/>
+          <a:p>
+            <a:r>
+              <a:rPr lang="en-GB" sz="1400" dirty="0"/>
+              <a:t>Line Benefit Methods:</a:t>
+            </a:r>
+          </a:p>
+          <a:p>
+            <a:pPr marL="285750" indent="-285750">
+              <a:buFont typeface="Arial" panose="020B0604020202020204" pitchFamily="34" charset="0"/>
+              <a:buChar char="•"/>
+            </a:pPr>
+            <a:r>
+              <a:rPr lang="en-GB" sz="1400" dirty="0"/>
+              <a:t>The Put IN one at the Time (PINT)</a:t>
+            </a:r>
+          </a:p>
+          <a:p>
+            <a:pPr marL="285750" indent="-285750">
+              <a:buFont typeface="Arial" panose="020B0604020202020204" pitchFamily="34" charset="0"/>
+              <a:buChar char="•"/>
+            </a:pPr>
+            <a:r>
+              <a:rPr lang="en-GB" sz="1400" dirty="0"/>
+              <a:t>The Take Out One at the Time (TOOT)</a:t>
+            </a:r>
+          </a:p>
+          <a:p>
+            <a:pPr marL="285750" indent="-285750">
+              <a:buFont typeface="Arial" panose="020B0604020202020204" pitchFamily="34" charset="0"/>
+              <a:buChar char="•"/>
+            </a:pPr>
+            <a:r>
+              <a:rPr lang="en-GB" sz="1400" dirty="0"/>
+              <a:t>Shapley value</a:t>
+            </a:r>
+          </a:p>
+          <a:p>
+            <a:pPr marL="285750" indent="-285750">
+              <a:buFont typeface="Arial" panose="020B0604020202020204" pitchFamily="34" charset="0"/>
+              <a:buChar char="•"/>
+            </a:pPr>
+            <a:r>
+              <a:rPr lang="en-GB" sz="1400" dirty="0" err="1"/>
+              <a:t>Aumann-shapley</a:t>
+            </a:r>
+            <a:r>
+              <a:rPr lang="en-GB" sz="1400" dirty="0"/>
+              <a:t> value</a:t>
+            </a:r>
+          </a:p>
+        </p:txBody>
+      </p:sp>
+      <p:pic>
+        <p:nvPicPr>
+          <p:cNvPr id="39" name="Imagen 38">
+            <a:extLst>
+              <a:ext uri="{FF2B5EF4-FFF2-40B4-BE49-F238E27FC236}">
+                <a16:creationId xmlns:a16="http://schemas.microsoft.com/office/drawing/2014/main" id="{D142990F-ED31-DC32-E58E-9F20C2FD745C}"/>
+              </a:ext>
+            </a:extLst>
+          </p:cNvPr>
+          <p:cNvPicPr>
+            <a:picLocks noChangeAspect="1"/>
+          </p:cNvPicPr>
+          <p:nvPr/>
+        </p:nvPicPr>
+        <p:blipFill>
+          <a:blip r:embed="rId2"/>
+          <a:stretch>
+            <a:fillRect/>
+          </a:stretch>
+        </p:blipFill>
+        <p:spPr>
+          <a:xfrm>
+            <a:off x="4362219" y="2051143"/>
+            <a:ext cx="2915928" cy="2755713"/>
+          </a:xfrm>
+          <a:prstGeom prst="rect">
+            <a:avLst/>
+          </a:prstGeom>
+        </p:spPr>
+      </p:pic>
+      <p:sp>
+        <p:nvSpPr>
+          <p:cNvPr id="40" name="CuadroTexto 39">
+            <a:extLst>
+              <a:ext uri="{FF2B5EF4-FFF2-40B4-BE49-F238E27FC236}">
+                <a16:creationId xmlns:a16="http://schemas.microsoft.com/office/drawing/2014/main" id="{D0950B19-C235-FAB0-CE6E-F228A0B42DFE}"/>
+              </a:ext>
+            </a:extLst>
+          </p:cNvPr>
+          <p:cNvSpPr txBox="1"/>
+          <p:nvPr/>
+        </p:nvSpPr>
+        <p:spPr>
+          <a:xfrm>
+            <a:off x="4359035" y="4809202"/>
+            <a:ext cx="2915929" cy="830997"/>
+          </a:xfrm>
+          <a:prstGeom prst="rect">
+            <a:avLst/>
+          </a:prstGeom>
+          <a:noFill/>
+        </p:spPr>
+        <p:txBody>
+          <a:bodyPr wrap="square" rtlCol="0">
+            <a:spAutoFit/>
+          </a:bodyPr>
+          <a:lstStyle/>
+          <a:p>
+            <a:r>
+              <a:rPr lang="en-GB" sz="800" dirty="0"/>
+              <a:t>[source] ENTSO-E: Guideline for Cost Benefit Analysis of Grid Development Projects</a:t>
+            </a:r>
+          </a:p>
+          <a:p>
+            <a:r>
+              <a:rPr lang="en-GB" sz="800" dirty="0"/>
+              <a:t>Link: https://eepublicdownloads.entsoe.eu/clean-documents/tyndp-documents/Cost%20Benefit%20Analysis/191023_CBA3_Draft%20for%20consultation.pdf</a:t>
+            </a:r>
+          </a:p>
+        </p:txBody>
+      </p:sp>
+      <p:grpSp>
+        <p:nvGrpSpPr>
+          <p:cNvPr id="51" name="Grupo 50">
+            <a:extLst>
+              <a:ext uri="{FF2B5EF4-FFF2-40B4-BE49-F238E27FC236}">
+                <a16:creationId xmlns:a16="http://schemas.microsoft.com/office/drawing/2014/main" id="{DDD61EEB-3747-272F-FB38-E296779C159F}"/>
+              </a:ext>
+            </a:extLst>
+          </p:cNvPr>
+          <p:cNvGrpSpPr/>
+          <p:nvPr/>
+        </p:nvGrpSpPr>
+        <p:grpSpPr>
+          <a:xfrm>
+            <a:off x="255261" y="1441588"/>
+            <a:ext cx="3216764" cy="996230"/>
+            <a:chOff x="204186" y="1441588"/>
+            <a:chExt cx="3216764" cy="996230"/>
+          </a:xfrm>
+        </p:grpSpPr>
+        <p:grpSp>
+          <p:nvGrpSpPr>
+            <p:cNvPr id="42" name="Grupo 41">
+              <a:extLst>
+                <a:ext uri="{FF2B5EF4-FFF2-40B4-BE49-F238E27FC236}">
+                  <a16:creationId xmlns:a16="http://schemas.microsoft.com/office/drawing/2014/main" id="{1FBA2BED-48AA-0F31-3384-DC3D0DFC7317}"/>
+                </a:ext>
+              </a:extLst>
+            </p:cNvPr>
+            <p:cNvGrpSpPr/>
+            <p:nvPr/>
+          </p:nvGrpSpPr>
+          <p:grpSpPr>
+            <a:xfrm>
+              <a:off x="889281" y="1441588"/>
+              <a:ext cx="1846574" cy="996230"/>
+              <a:chOff x="2793841" y="4946141"/>
+              <a:chExt cx="1846574" cy="996230"/>
+            </a:xfrm>
+          </p:grpSpPr>
+          <p:sp>
+            <p:nvSpPr>
+              <p:cNvPr id="43" name="Rectángulo: esquinas redondeadas 42">
+                <a:extLst>
+                  <a:ext uri="{FF2B5EF4-FFF2-40B4-BE49-F238E27FC236}">
+                    <a16:creationId xmlns:a16="http://schemas.microsoft.com/office/drawing/2014/main" id="{AE86920C-92B7-DD7F-675D-7056414913EC}"/>
+                  </a:ext>
+                </a:extLst>
+              </p:cNvPr>
+              <p:cNvSpPr/>
+              <p:nvPr/>
+            </p:nvSpPr>
+            <p:spPr>
+              <a:xfrm>
+                <a:off x="2793841" y="4946141"/>
+                <a:ext cx="1846574" cy="996230"/>
+              </a:xfrm>
+              <a:prstGeom prst="roundRect">
+                <a:avLst/>
+              </a:prstGeom>
+              <a:solidFill>
+                <a:schemeClr val="bg1"/>
+              </a:solidFill>
+              <a:ln w="9525" cap="flat" cmpd="sng" algn="ctr">
+                <a:solidFill>
+                  <a:schemeClr val="dk1"/>
+                </a:solidFill>
+                <a:prstDash val="solid"/>
+                <a:round/>
+                <a:headEnd type="none" w="med" len="med"/>
+                <a:tailEnd type="none" w="med" len="med"/>
+              </a:ln>
+            </p:spPr>
+            <p:style>
+              <a:lnRef idx="0">
+                <a:scrgbClr r="0" g="0" b="0"/>
+              </a:lnRef>
+              <a:fillRef idx="0">
+                <a:scrgbClr r="0" g="0" b="0"/>
+              </a:fillRef>
+              <a:effectRef idx="0">
+                <a:scrgbClr r="0" g="0" b="0"/>
+              </a:effectRef>
+              <a:fontRef idx="minor">
+                <a:schemeClr val="dk1"/>
+              </a:fontRef>
+            </p:style>
+            <p:txBody>
+              <a:bodyPr rtlCol="0" anchor="ctr"/>
+              <a:lstStyle/>
+              <a:p>
+                <a:pPr algn="ctr"/>
+                <a:endParaRPr lang="en-GB" dirty="0"/>
+              </a:p>
+            </p:txBody>
+          </p:sp>
+          <p:grpSp>
+            <p:nvGrpSpPr>
+              <p:cNvPr id="44" name="Grupo 43">
+                <a:extLst>
+                  <a:ext uri="{FF2B5EF4-FFF2-40B4-BE49-F238E27FC236}">
+                    <a16:creationId xmlns:a16="http://schemas.microsoft.com/office/drawing/2014/main" id="{CCD0E6E4-37FE-8F4D-EC54-8673C4C5E19B}"/>
+                  </a:ext>
+                </a:extLst>
+              </p:cNvPr>
+              <p:cNvGrpSpPr/>
+              <p:nvPr/>
+            </p:nvGrpSpPr>
+            <p:grpSpPr>
+              <a:xfrm>
+                <a:off x="3094448" y="5159396"/>
+                <a:ext cx="1213706" cy="728223"/>
+                <a:chOff x="10198340" y="754406"/>
+                <a:chExt cx="1213706" cy="728223"/>
+              </a:xfrm>
+            </p:grpSpPr>
+            <p:sp>
+              <p:nvSpPr>
+                <p:cNvPr id="46" name="Rectángulo: esquinas redondeadas 45">
+                  <a:extLst>
+                    <a:ext uri="{FF2B5EF4-FFF2-40B4-BE49-F238E27FC236}">
+                      <a16:creationId xmlns:a16="http://schemas.microsoft.com/office/drawing/2014/main" id="{0E013E49-6DA2-AC06-A194-615B60525F54}"/>
+                    </a:ext>
+                  </a:extLst>
+                </p:cNvPr>
+                <p:cNvSpPr/>
+                <p:nvPr/>
+              </p:nvSpPr>
+              <p:spPr>
+                <a:xfrm>
+                  <a:off x="10198340" y="754406"/>
+                  <a:ext cx="1213706" cy="728223"/>
+                </a:xfrm>
+                <a:prstGeom prst="roundRect">
+                  <a:avLst>
+                    <a:gd name="adj" fmla="val 10000"/>
+                  </a:avLst>
+                </a:prstGeom>
+              </p:spPr>
+              <p:style>
+                <a:lnRef idx="2">
+                  <a:schemeClr val="lt1">
+                    <a:hueOff val="0"/>
+                    <a:satOff val="0"/>
+                    <a:lumOff val="0"/>
+                    <a:alphaOff val="0"/>
+                  </a:schemeClr>
+                </a:lnRef>
+                <a:fillRef idx="1">
+                  <a:schemeClr val="accent3">
+                    <a:hueOff val="0"/>
+                    <a:satOff val="0"/>
+                    <a:lumOff val="0"/>
+                    <a:alphaOff val="0"/>
+                  </a:schemeClr>
+                </a:fillRef>
+                <a:effectRef idx="0">
+                  <a:schemeClr val="accent3">
+                    <a:hueOff val="0"/>
+                    <a:satOff val="0"/>
+                    <a:lumOff val="0"/>
+                    <a:alphaOff val="0"/>
+                  </a:schemeClr>
+                </a:effectRef>
+                <a:fontRef idx="minor">
+                  <a:schemeClr val="lt1"/>
+                </a:fontRef>
+              </p:style>
+            </p:sp>
+            <p:sp>
+              <p:nvSpPr>
+                <p:cNvPr id="47" name="Rectángulo: esquinas redondeadas 4">
+                  <a:extLst>
+                    <a:ext uri="{FF2B5EF4-FFF2-40B4-BE49-F238E27FC236}">
+                      <a16:creationId xmlns:a16="http://schemas.microsoft.com/office/drawing/2014/main" id="{2F3360A8-26B6-1A43-F091-BF607CD15C40}"/>
+                    </a:ext>
+                  </a:extLst>
+                </p:cNvPr>
+                <p:cNvSpPr txBox="1"/>
+                <p:nvPr/>
+              </p:nvSpPr>
+              <p:spPr>
+                <a:xfrm>
+                  <a:off x="10219669" y="775735"/>
+                  <a:ext cx="1171048" cy="685565"/>
+                </a:xfrm>
+                <a:prstGeom prst="rect">
+                  <a:avLst/>
+                </a:prstGeom>
+              </p:spPr>
+              <p:style>
+                <a:lnRef idx="0">
+                  <a:scrgbClr r="0" g="0" b="0"/>
+                </a:lnRef>
+                <a:fillRef idx="0">
+                  <a:scrgbClr r="0" g="0" b="0"/>
+                </a:fillRef>
+                <a:effectRef idx="0">
+                  <a:scrgbClr r="0" g="0" b="0"/>
+                </a:effectRef>
+                <a:fontRef idx="minor">
+                  <a:schemeClr val="lt1"/>
+                </a:fontRef>
+              </p:style>
+              <p:txBody>
+                <a:bodyPr spcFirstLastPara="0" vert="horz" wrap="square" lIns="41910" tIns="41910" rIns="41910" bIns="41910" numCol="1" spcCol="1270" anchor="ctr" anchorCtr="0">
+                  <a:noAutofit/>
+                </a:bodyPr>
+                <a:lstStyle/>
+                <a:p>
+                  <a:pPr marL="0" lvl="0" indent="0" algn="ctr" defTabSz="488950">
+                    <a:lnSpc>
+                      <a:spcPct val="90000"/>
+                    </a:lnSpc>
+                    <a:spcBef>
+                      <a:spcPct val="0"/>
+                    </a:spcBef>
+                    <a:spcAft>
+                      <a:spcPct val="35000"/>
+                    </a:spcAft>
+                    <a:buNone/>
+                  </a:pPr>
+                  <a:r>
+                    <a:rPr lang="en-US" sz="1100" b="1" kern="1200" dirty="0"/>
+                    <a:t>ANN: Cost Estimator</a:t>
+                  </a:r>
+                </a:p>
+              </p:txBody>
+            </p:sp>
+          </p:grpSp>
+          <p:sp>
+            <p:nvSpPr>
+              <p:cNvPr id="45" name="CuadroTexto 44">
+                <a:extLst>
+                  <a:ext uri="{FF2B5EF4-FFF2-40B4-BE49-F238E27FC236}">
+                    <a16:creationId xmlns:a16="http://schemas.microsoft.com/office/drawing/2014/main" id="{F41D9D90-D2F4-C78E-6587-07C75DE1B809}"/>
+                  </a:ext>
+                </a:extLst>
+              </p:cNvPr>
+              <p:cNvSpPr txBox="1"/>
+              <p:nvPr/>
+            </p:nvSpPr>
+            <p:spPr>
+              <a:xfrm>
+                <a:off x="2994815" y="4946141"/>
+                <a:ext cx="1444626" cy="261610"/>
+              </a:xfrm>
+              <a:prstGeom prst="rect">
+                <a:avLst/>
+              </a:prstGeom>
+              <a:noFill/>
+            </p:spPr>
+            <p:txBody>
+              <a:bodyPr wrap="none" rtlCol="0">
+                <a:spAutoFit/>
+              </a:bodyPr>
+              <a:lstStyle/>
+              <a:p>
+                <a:r>
+                  <a:rPr lang="en-GB" sz="1100" b="1" dirty="0"/>
+                  <a:t>Investment Benefit</a:t>
+                </a:r>
+              </a:p>
+            </p:txBody>
+          </p:sp>
+        </p:grpSp>
+        <p:cxnSp>
+          <p:nvCxnSpPr>
+            <p:cNvPr id="49" name="Conector recto de flecha 48">
+              <a:extLst>
+                <a:ext uri="{FF2B5EF4-FFF2-40B4-BE49-F238E27FC236}">
+                  <a16:creationId xmlns:a16="http://schemas.microsoft.com/office/drawing/2014/main" id="{000F3705-8868-2580-82F2-6EEB56F9B7AF}"/>
+                </a:ext>
+              </a:extLst>
+            </p:cNvPr>
+            <p:cNvCxnSpPr>
+              <a:endCxn id="43" idx="1"/>
+            </p:cNvCxnSpPr>
+            <p:nvPr/>
+          </p:nvCxnSpPr>
+          <p:spPr>
+            <a:xfrm>
+              <a:off x="204186" y="1939703"/>
+              <a:ext cx="685095" cy="0"/>
+            </a:xfrm>
+            <a:prstGeom prst="straightConnector1">
+              <a:avLst/>
+            </a:prstGeom>
+            <a:ln w="28575">
+              <a:solidFill>
+                <a:srgbClr val="C00000"/>
+              </a:solidFill>
+              <a:tailEnd type="triangle"/>
+            </a:ln>
+          </p:spPr>
+          <p:style>
+            <a:lnRef idx="1">
+              <a:schemeClr val="accent1"/>
+            </a:lnRef>
+            <a:fillRef idx="0">
+              <a:schemeClr val="accent1"/>
+            </a:fillRef>
+            <a:effectRef idx="0">
+              <a:schemeClr val="accent1"/>
+            </a:effectRef>
+            <a:fontRef idx="minor">
+              <a:schemeClr val="tx1"/>
+            </a:fontRef>
+          </p:style>
+        </p:cxnSp>
+        <p:cxnSp>
+          <p:nvCxnSpPr>
+            <p:cNvPr id="50" name="Conector recto de flecha 49">
+              <a:extLst>
+                <a:ext uri="{FF2B5EF4-FFF2-40B4-BE49-F238E27FC236}">
+                  <a16:creationId xmlns:a16="http://schemas.microsoft.com/office/drawing/2014/main" id="{CC27D07C-D3CE-D85E-00F6-9AC082BFF969}"/>
+                </a:ext>
+              </a:extLst>
+            </p:cNvPr>
+            <p:cNvCxnSpPr/>
+            <p:nvPr/>
+          </p:nvCxnSpPr>
+          <p:spPr>
+            <a:xfrm>
+              <a:off x="2735855" y="1939703"/>
+              <a:ext cx="685095" cy="0"/>
+            </a:xfrm>
+            <a:prstGeom prst="straightConnector1">
+              <a:avLst/>
+            </a:prstGeom>
+            <a:ln w="28575">
+              <a:solidFill>
+                <a:srgbClr val="C00000"/>
+              </a:solidFill>
+              <a:tailEnd type="triangle"/>
+            </a:ln>
+          </p:spPr>
+          <p:style>
+            <a:lnRef idx="1">
+              <a:schemeClr val="accent1"/>
+            </a:lnRef>
+            <a:fillRef idx="0">
+              <a:schemeClr val="accent1"/>
+            </a:fillRef>
+            <a:effectRef idx="0">
+              <a:schemeClr val="accent1"/>
+            </a:effectRef>
+            <a:fontRef idx="minor">
+              <a:schemeClr val="tx1"/>
+            </a:fontRef>
+          </p:style>
+        </p:cxnSp>
+      </p:grpSp>
+      <p:cxnSp>
+        <p:nvCxnSpPr>
+          <p:cNvPr id="53" name="Conector recto 52">
+            <a:extLst>
+              <a:ext uri="{FF2B5EF4-FFF2-40B4-BE49-F238E27FC236}">
+                <a16:creationId xmlns:a16="http://schemas.microsoft.com/office/drawing/2014/main" id="{EF1F9D9E-D6FB-D3D4-E001-A93C501935B6}"/>
+              </a:ext>
+            </a:extLst>
+          </p:cNvPr>
+          <p:cNvCxnSpPr/>
+          <p:nvPr/>
+        </p:nvCxnSpPr>
+        <p:spPr>
+          <a:xfrm>
+            <a:off x="3933645" y="1047603"/>
+            <a:ext cx="0" cy="5059899"/>
+          </a:xfrm>
+          <a:prstGeom prst="line">
+            <a:avLst/>
+          </a:prstGeom>
+          <a:ln w="28575">
+            <a:prstDash val="lgDash"/>
+          </a:ln>
+        </p:spPr>
+        <p:style>
+          <a:lnRef idx="1">
+            <a:schemeClr val="dk1"/>
+          </a:lnRef>
+          <a:fillRef idx="0">
+            <a:schemeClr val="dk1"/>
+          </a:fillRef>
+          <a:effectRef idx="0">
+            <a:schemeClr val="dk1"/>
+          </a:effectRef>
+          <a:fontRef idx="minor">
+            <a:schemeClr val="tx1"/>
+          </a:fontRef>
+        </p:style>
+      </p:cxnSp>
+      <p:sp>
+        <p:nvSpPr>
+          <p:cNvPr id="56" name="CuadroTexto 55">
+            <a:extLst>
+              <a:ext uri="{FF2B5EF4-FFF2-40B4-BE49-F238E27FC236}">
+                <a16:creationId xmlns:a16="http://schemas.microsoft.com/office/drawing/2014/main" id="{CA19D018-9B14-3691-8760-843E30DC0E5B}"/>
+              </a:ext>
+            </a:extLst>
+          </p:cNvPr>
+          <p:cNvSpPr txBox="1"/>
+          <p:nvPr/>
+        </p:nvSpPr>
+        <p:spPr>
+          <a:xfrm>
+            <a:off x="7741064" y="2303699"/>
+            <a:ext cx="1457258" cy="307777"/>
+          </a:xfrm>
+          <a:prstGeom prst="rect">
+            <a:avLst/>
+          </a:prstGeom>
+          <a:noFill/>
+        </p:spPr>
+        <p:txBody>
+          <a:bodyPr wrap="none" rtlCol="0">
+            <a:spAutoFit/>
+          </a:bodyPr>
+          <a:lstStyle/>
+          <a:p>
+            <a:pPr algn="ctr"/>
+            <a:r>
+              <a:rPr lang="en-GB" sz="1400" dirty="0"/>
+              <a:t>PINT (or TOOT)</a:t>
+            </a:r>
+          </a:p>
+        </p:txBody>
+      </p:sp>
+    </p:spTree>
+    <p:extLst>
+      <p:ext uri="{BB962C8B-B14F-4D97-AF65-F5344CB8AC3E}">
+        <p14:creationId xmlns:p14="http://schemas.microsoft.com/office/powerpoint/2010/main" val="196709477"/>
+      </p:ext>
+    </p:extLst>
+  </p:cSld>
+  <p:clrMapOvr>
+    <a:masterClrMapping/>
+  </p:clrMapOvr>
+</p:sld>
+</file>
+
+<file path=ppt/slides/slide11.xml><?xml version="1.0" encoding="utf-8"?>
+<p:sld xmlns:a="http://schemas.openxmlformats.org/drawingml/2006/main" xmlns:r="http://schemas.openxmlformats.org/officeDocument/2006/relationships" xmlns:p="http://schemas.openxmlformats.org/presentationml/2006/main">
+  <p:cSld>
+    <p:spTree>
+      <p:nvGrpSpPr>
+        <p:cNvPr id="1" name=""/>
+        <p:cNvGrpSpPr/>
+        <p:nvPr/>
+      </p:nvGrpSpPr>
+      <p:grpSpPr>
+        <a:xfrm>
+          <a:off x="0" y="0"/>
+          <a:ext cx="0" cy="0"/>
+          <a:chOff x="0" y="0"/>
+          <a:chExt cx="0" cy="0"/>
+        </a:xfrm>
+      </p:grpSpPr>
+      <p:sp>
+        <p:nvSpPr>
+          <p:cNvPr id="3" name="Footer Placeholder 2"/>
+          <p:cNvSpPr>
+            <a:spLocks noGrp="1"/>
+          </p:cNvSpPr>
+          <p:nvPr>
+            <p:ph type="ftr" sz="quarter" idx="11"/>
+          </p:nvPr>
+        </p:nvSpPr>
+        <p:spPr/>
+        <p:txBody>
+          <a:bodyPr/>
+          <a:lstStyle/>
+          <a:p>
+            <a:r>
+              <a:rPr lang="nl-NL"/>
+              <a:t>Ingenieurswetenschappen, Werktuigkunde, TME</a:t>
+            </a:r>
+          </a:p>
+        </p:txBody>
+      </p:sp>
+      <p:sp>
+        <p:nvSpPr>
+          <p:cNvPr id="4" name="Slide Number Placeholder 3"/>
+          <p:cNvSpPr>
+            <a:spLocks noGrp="1"/>
+          </p:cNvSpPr>
+          <p:nvPr>
+            <p:ph type="sldNum" sz="quarter" idx="12"/>
+          </p:nvPr>
+        </p:nvSpPr>
+        <p:spPr/>
+        <p:txBody>
+          <a:bodyPr/>
+          <a:lstStyle/>
+          <a:p>
+            <a:fld id="{0A297500-7527-634B-90F4-69D0994C32B4}" type="slidenum">
+              <a:rPr lang="nl-NL" smtClean="0"/>
+              <a:t>11</a:t>
+            </a:fld>
+            <a:endParaRPr lang="nl-NL"/>
+          </a:p>
+        </p:txBody>
+      </p:sp>
+      <p:sp>
+        <p:nvSpPr>
+          <p:cNvPr id="5" name="Title 4"/>
+          <p:cNvSpPr>
+            <a:spLocks noGrp="1"/>
+          </p:cNvSpPr>
+          <p:nvPr>
+            <p:ph type="title"/>
+          </p:nvPr>
+        </p:nvSpPr>
+        <p:spPr/>
+        <p:txBody>
+          <a:bodyPr>
+            <a:normAutofit/>
+          </a:bodyPr>
+          <a:lstStyle/>
+          <a:p>
+            <a:r>
+              <a:rPr lang="en-US" dirty="0"/>
+              <a:t>Clustering process</a:t>
+            </a:r>
+          </a:p>
+        </p:txBody>
+      </p:sp>
+      <p:sp>
+        <p:nvSpPr>
+          <p:cNvPr id="2" name="CuadroTexto 1">
+            <a:extLst>
+              <a:ext uri="{FF2B5EF4-FFF2-40B4-BE49-F238E27FC236}">
+                <a16:creationId xmlns:a16="http://schemas.microsoft.com/office/drawing/2014/main" id="{3D90B8B4-D006-2F5A-BC51-A8D5B9C669D6}"/>
+              </a:ext>
+            </a:extLst>
+          </p:cNvPr>
+          <p:cNvSpPr txBox="1"/>
+          <p:nvPr/>
+        </p:nvSpPr>
+        <p:spPr>
+          <a:xfrm>
+            <a:off x="576000" y="1115530"/>
+            <a:ext cx="5169192" cy="923330"/>
+          </a:xfrm>
+          <a:prstGeom prst="rect">
+            <a:avLst/>
+          </a:prstGeom>
+          <a:noFill/>
+        </p:spPr>
+        <p:txBody>
+          <a:bodyPr wrap="square" rtlCol="0">
+            <a:spAutoFit/>
+          </a:bodyPr>
+          <a:lstStyle/>
+          <a:p>
+            <a:pPr marL="342900" indent="-342900">
+              <a:buFont typeface="+mj-lt"/>
+              <a:buAutoNum type="arabicPeriod"/>
+            </a:pPr>
+            <a:r>
+              <a:rPr lang="en-GB" dirty="0"/>
+              <a:t>Dimensionality reduction</a:t>
+            </a:r>
+          </a:p>
+          <a:p>
+            <a:pPr marL="342900" indent="-342900">
+              <a:buFont typeface="+mj-lt"/>
+              <a:buAutoNum type="arabicPeriod"/>
+            </a:pPr>
+            <a:r>
+              <a:rPr lang="en-GB" dirty="0"/>
+              <a:t>Optimal number of representatives/clusters</a:t>
+            </a:r>
+          </a:p>
+          <a:p>
+            <a:pPr marL="342900" indent="-342900">
+              <a:buFont typeface="+mj-lt"/>
+              <a:buAutoNum type="arabicPeriod"/>
+            </a:pPr>
+            <a:r>
+              <a:rPr lang="en-GB" dirty="0"/>
+              <a:t>Selection/aggregation using K-medoids</a:t>
+            </a:r>
+          </a:p>
+        </p:txBody>
+      </p:sp>
+      <p:pic>
+        <p:nvPicPr>
+          <p:cNvPr id="10" name="Imagen 9" descr="Gráfico, Gráfico de dispersión&#10;&#10;Descripción generada automáticamente">
+            <a:extLst>
+              <a:ext uri="{FF2B5EF4-FFF2-40B4-BE49-F238E27FC236}">
+                <a16:creationId xmlns:a16="http://schemas.microsoft.com/office/drawing/2014/main" id="{167060B1-F8A7-F009-F4D3-2614E6A75A82}"/>
+              </a:ext>
+            </a:extLst>
+          </p:cNvPr>
+          <p:cNvPicPr>
+            <a:picLocks noChangeAspect="1"/>
+          </p:cNvPicPr>
+          <p:nvPr/>
+        </p:nvPicPr>
+        <p:blipFill>
+          <a:blip r:embed="rId2"/>
+          <a:stretch>
+            <a:fillRect/>
+          </a:stretch>
+        </p:blipFill>
+        <p:spPr>
+          <a:xfrm>
+            <a:off x="4722484" y="3102215"/>
+            <a:ext cx="2324905" cy="2491964"/>
+          </a:xfrm>
+          <a:prstGeom prst="rect">
+            <a:avLst/>
+          </a:prstGeom>
+        </p:spPr>
+      </p:pic>
+      <p:pic>
+        <p:nvPicPr>
+          <p:cNvPr id="13" name="Imagen 12" descr="Gráfico, Histograma&#10;&#10;Descripción generada automáticamente">
+            <a:extLst>
+              <a:ext uri="{FF2B5EF4-FFF2-40B4-BE49-F238E27FC236}">
+                <a16:creationId xmlns:a16="http://schemas.microsoft.com/office/drawing/2014/main" id="{784AAE89-EC5F-3E25-09C3-9A0BB3BF4986}"/>
+              </a:ext>
+            </a:extLst>
+          </p:cNvPr>
+          <p:cNvPicPr>
+            <a:picLocks noChangeAspect="1"/>
+          </p:cNvPicPr>
+          <p:nvPr/>
+        </p:nvPicPr>
+        <p:blipFill>
+          <a:blip r:embed="rId3"/>
+          <a:stretch>
+            <a:fillRect/>
+          </a:stretch>
+        </p:blipFill>
+        <p:spPr>
+          <a:xfrm>
+            <a:off x="701066" y="3102215"/>
+            <a:ext cx="3737946" cy="2491964"/>
+          </a:xfrm>
+          <a:prstGeom prst="rect">
+            <a:avLst/>
+          </a:prstGeom>
+        </p:spPr>
+      </p:pic>
+      <p:pic>
+        <p:nvPicPr>
+          <p:cNvPr id="16" name="Imagen 15" descr="Imagen que contiene Diagrama&#10;&#10;Descripción generada automáticamente">
+            <a:extLst>
+              <a:ext uri="{FF2B5EF4-FFF2-40B4-BE49-F238E27FC236}">
+                <a16:creationId xmlns:a16="http://schemas.microsoft.com/office/drawing/2014/main" id="{4E7D347D-4B91-D027-1CF1-16B4F616C0E9}"/>
+              </a:ext>
+            </a:extLst>
+          </p:cNvPr>
+          <p:cNvPicPr>
+            <a:picLocks noChangeAspect="1"/>
+          </p:cNvPicPr>
+          <p:nvPr/>
+        </p:nvPicPr>
+        <p:blipFill>
+          <a:blip r:embed="rId4"/>
+          <a:stretch>
+            <a:fillRect/>
+          </a:stretch>
+        </p:blipFill>
+        <p:spPr>
+          <a:xfrm>
+            <a:off x="8434781" y="2713809"/>
+            <a:ext cx="3207491" cy="3207491"/>
+          </a:xfrm>
+          <a:prstGeom prst="rect">
+            <a:avLst/>
+          </a:prstGeom>
+        </p:spPr>
+      </p:pic>
+      <p:sp>
+        <p:nvSpPr>
+          <p:cNvPr id="21" name="Rectángulo: esquinas redondeadas 20">
+            <a:extLst>
+              <a:ext uri="{FF2B5EF4-FFF2-40B4-BE49-F238E27FC236}">
+                <a16:creationId xmlns:a16="http://schemas.microsoft.com/office/drawing/2014/main" id="{8ECB3075-9496-3A13-C2B8-4A1C60CAE233}"/>
+              </a:ext>
+            </a:extLst>
+          </p:cNvPr>
+          <p:cNvSpPr/>
+          <p:nvPr/>
+        </p:nvSpPr>
+        <p:spPr>
+          <a:xfrm>
+            <a:off x="448574" y="2898475"/>
+            <a:ext cx="6814868" cy="3010619"/>
+          </a:xfrm>
+          <a:prstGeom prst="roundRect">
+            <a:avLst/>
+          </a:prstGeom>
+          <a:noFill/>
+          <a:ln w="19050" cap="flat" cmpd="sng" algn="ctr">
+            <a:solidFill>
+              <a:schemeClr val="dk1"/>
+            </a:solidFill>
+            <a:prstDash val="solid"/>
+            <a:round/>
+            <a:headEnd type="none" w="med" len="med"/>
+            <a:tailEnd type="none" w="med" len="med"/>
+          </a:ln>
+        </p:spPr>
+        <p:style>
+          <a:lnRef idx="0">
+            <a:scrgbClr r="0" g="0" b="0"/>
+          </a:lnRef>
+          <a:fillRef idx="0">
+            <a:scrgbClr r="0" g="0" b="0"/>
+          </a:fillRef>
+          <a:effectRef idx="0">
+            <a:scrgbClr r="0" g="0" b="0"/>
+          </a:effectRef>
+          <a:fontRef idx="minor">
+            <a:schemeClr val="dk1"/>
+          </a:fontRef>
+        </p:style>
+        <p:txBody>
+          <a:bodyPr rtlCol="0" anchor="ctr"/>
+          <a:lstStyle/>
+          <a:p>
+            <a:pPr algn="ctr"/>
+            <a:endParaRPr lang="en-GB"/>
+          </a:p>
+        </p:txBody>
+      </p:sp>
+      <p:sp>
+        <p:nvSpPr>
+          <p:cNvPr id="22" name="CuadroTexto 21">
+            <a:extLst>
+              <a:ext uri="{FF2B5EF4-FFF2-40B4-BE49-F238E27FC236}">
+                <a16:creationId xmlns:a16="http://schemas.microsoft.com/office/drawing/2014/main" id="{E5F1C330-255A-2E80-B16E-21F7287DE7AA}"/>
+              </a:ext>
+            </a:extLst>
+          </p:cNvPr>
+          <p:cNvSpPr txBox="1"/>
+          <p:nvPr/>
+        </p:nvSpPr>
+        <p:spPr>
+          <a:xfrm>
+            <a:off x="2153473" y="2529143"/>
+            <a:ext cx="3852337" cy="369332"/>
+          </a:xfrm>
+          <a:prstGeom prst="rect">
+            <a:avLst/>
+          </a:prstGeom>
+          <a:noFill/>
+        </p:spPr>
+        <p:txBody>
+          <a:bodyPr wrap="none" rtlCol="0">
+            <a:spAutoFit/>
+          </a:bodyPr>
+          <a:lstStyle/>
+          <a:p>
+            <a:r>
+              <a:rPr lang="en-GB" dirty="0"/>
+              <a:t>Dimensionality reduction using PCA</a:t>
+            </a:r>
+          </a:p>
+        </p:txBody>
+      </p:sp>
+      <p:sp>
+        <p:nvSpPr>
+          <p:cNvPr id="23" name="CuadroTexto 22">
+            <a:extLst>
+              <a:ext uri="{FF2B5EF4-FFF2-40B4-BE49-F238E27FC236}">
+                <a16:creationId xmlns:a16="http://schemas.microsoft.com/office/drawing/2014/main" id="{3640268D-CA1B-1D62-801D-C16F4B5F1BDB}"/>
+              </a:ext>
+            </a:extLst>
+          </p:cNvPr>
+          <p:cNvSpPr txBox="1"/>
+          <p:nvPr/>
+        </p:nvSpPr>
+        <p:spPr>
+          <a:xfrm>
+            <a:off x="8567610" y="2529143"/>
+            <a:ext cx="3070071" cy="646331"/>
+          </a:xfrm>
+          <a:prstGeom prst="rect">
+            <a:avLst/>
+          </a:prstGeom>
+          <a:noFill/>
+        </p:spPr>
+        <p:txBody>
+          <a:bodyPr wrap="none" rtlCol="0">
+            <a:spAutoFit/>
+          </a:bodyPr>
+          <a:lstStyle/>
+          <a:p>
+            <a:r>
+              <a:rPr lang="en-GB" dirty="0"/>
+              <a:t>Optimal number of clusters: </a:t>
+            </a:r>
+          </a:p>
+          <a:p>
+            <a:r>
+              <a:rPr lang="en-GB" dirty="0"/>
+              <a:t>Elbow method</a:t>
+            </a:r>
+          </a:p>
+        </p:txBody>
+      </p:sp>
+    </p:spTree>
+    <p:extLst>
+      <p:ext uri="{BB962C8B-B14F-4D97-AF65-F5344CB8AC3E}">
+        <p14:creationId xmlns:p14="http://schemas.microsoft.com/office/powerpoint/2010/main" val="780203379"/>
+      </p:ext>
+    </p:extLst>
+  </p:cSld>
+  <p:clrMapOvr>
+    <a:masterClrMapping/>
+  </p:clrMapOvr>
+</p:sld>
+</file>
+
+<file path=ppt/slides/slide12.xml><?xml version="1.0" encoding="utf-8"?>
+<p:sld xmlns:a="http://schemas.openxmlformats.org/drawingml/2006/main" xmlns:r="http://schemas.openxmlformats.org/officeDocument/2006/relationships" xmlns:p="http://schemas.openxmlformats.org/presentationml/2006/main">
+  <p:cSld>
+    <p:spTree>
+      <p:nvGrpSpPr>
+        <p:cNvPr id="1" name=""/>
+        <p:cNvGrpSpPr/>
+        <p:nvPr/>
+      </p:nvGrpSpPr>
+      <p:grpSpPr>
+        <a:xfrm>
+          <a:off x="0" y="0"/>
+          <a:ext cx="0" cy="0"/>
+          <a:chOff x="0" y="0"/>
+          <a:chExt cx="0" cy="0"/>
+        </a:xfrm>
+      </p:grpSpPr>
+      <p:sp>
+        <p:nvSpPr>
+          <p:cNvPr id="3" name="Footer Placeholder 2"/>
+          <p:cNvSpPr>
+            <a:spLocks noGrp="1"/>
+          </p:cNvSpPr>
+          <p:nvPr>
+            <p:ph type="ftr" sz="quarter" idx="11"/>
+          </p:nvPr>
+        </p:nvSpPr>
+        <p:spPr/>
+        <p:txBody>
+          <a:bodyPr/>
+          <a:lstStyle/>
+          <a:p>
+            <a:r>
+              <a:rPr lang="nl-NL"/>
+              <a:t>Ingenieurswetenschappen, Werktuigkunde, TME</a:t>
+            </a:r>
+          </a:p>
+        </p:txBody>
+      </p:sp>
+      <p:sp>
+        <p:nvSpPr>
+          <p:cNvPr id="4" name="Slide Number Placeholder 3"/>
+          <p:cNvSpPr>
+            <a:spLocks noGrp="1"/>
+          </p:cNvSpPr>
+          <p:nvPr>
+            <p:ph type="sldNum" sz="quarter" idx="12"/>
+          </p:nvPr>
+        </p:nvSpPr>
+        <p:spPr/>
+        <p:txBody>
+          <a:bodyPr/>
+          <a:lstStyle/>
+          <a:p>
+            <a:fld id="{0A297500-7527-634B-90F4-69D0994C32B4}" type="slidenum">
+              <a:rPr lang="nl-NL" smtClean="0"/>
+              <a:t>12</a:t>
+            </a:fld>
+            <a:endParaRPr lang="nl-NL"/>
+          </a:p>
+        </p:txBody>
+      </p:sp>
+      <p:sp>
+        <p:nvSpPr>
+          <p:cNvPr id="5" name="Title 4"/>
+          <p:cNvSpPr>
+            <a:spLocks noGrp="1"/>
+          </p:cNvSpPr>
+          <p:nvPr>
+            <p:ph type="title"/>
+          </p:nvPr>
+        </p:nvSpPr>
+        <p:spPr/>
+        <p:txBody>
+          <a:bodyPr>
+            <a:normAutofit/>
+          </a:bodyPr>
+          <a:lstStyle/>
+          <a:p>
+            <a:r>
+              <a:rPr lang="en-US" dirty="0"/>
+              <a:t>Line Benefits: Preliminary results</a:t>
+            </a:r>
+          </a:p>
+        </p:txBody>
+      </p:sp>
+      <p:pic>
+        <p:nvPicPr>
+          <p:cNvPr id="2" name="Imagen 1">
+            <a:extLst>
+              <a:ext uri="{FF2B5EF4-FFF2-40B4-BE49-F238E27FC236}">
+                <a16:creationId xmlns:a16="http://schemas.microsoft.com/office/drawing/2014/main" id="{2C206139-75EA-1C16-06E2-5432C8803DC8}"/>
+              </a:ext>
+            </a:extLst>
+          </p:cNvPr>
+          <p:cNvPicPr>
+            <a:picLocks noChangeAspect="1"/>
+          </p:cNvPicPr>
+          <p:nvPr/>
+        </p:nvPicPr>
+        <p:blipFill>
+          <a:blip r:embed="rId2"/>
+          <a:stretch>
+            <a:fillRect/>
+          </a:stretch>
+        </p:blipFill>
+        <p:spPr>
+          <a:xfrm>
+            <a:off x="466531" y="2383971"/>
+            <a:ext cx="6095999" cy="2593453"/>
+          </a:xfrm>
+          <a:prstGeom prst="rect">
+            <a:avLst/>
+          </a:prstGeom>
+        </p:spPr>
+      </p:pic>
+    </p:spTree>
+    <p:extLst>
+      <p:ext uri="{BB962C8B-B14F-4D97-AF65-F5344CB8AC3E}">
+        <p14:creationId xmlns:p14="http://schemas.microsoft.com/office/powerpoint/2010/main" val="4026936855"/>
+      </p:ext>
+    </p:extLst>
+  </p:cSld>
+  <p:clrMapOvr>
+    <a:masterClrMapping/>
+  </p:clrMapOvr>
+</p:sld>
+</file>
+
+<file path=ppt/slides/slide13.xml><?xml version="1.0" encoding="utf-8"?>
+<p:sld xmlns:a="http://schemas.openxmlformats.org/drawingml/2006/main" xmlns:r="http://schemas.openxmlformats.org/officeDocument/2006/relationships" xmlns:p="http://schemas.openxmlformats.org/presentationml/2006/main">
+  <p:cSld>
+    <p:spTree>
+      <p:nvGrpSpPr>
+        <p:cNvPr id="1" name=""/>
+        <p:cNvGrpSpPr/>
+        <p:nvPr/>
+      </p:nvGrpSpPr>
+      <p:grpSpPr>
+        <a:xfrm>
+          <a:off x="0" y="0"/>
+          <a:ext cx="0" cy="0"/>
+          <a:chOff x="0" y="0"/>
+          <a:chExt cx="0" cy="0"/>
+        </a:xfrm>
+      </p:grpSpPr>
+      <p:sp>
+        <p:nvSpPr>
+          <p:cNvPr id="2" name="Footer Placeholder 1"/>
+          <p:cNvSpPr>
+            <a:spLocks noGrp="1"/>
+          </p:cNvSpPr>
+          <p:nvPr>
+            <p:ph type="ftr" sz="quarter" idx="11"/>
+          </p:nvPr>
+        </p:nvSpPr>
+        <p:spPr/>
+        <p:txBody>
+          <a:bodyPr/>
+          <a:lstStyle/>
+          <a:p>
+            <a:r>
+              <a:rPr lang="nl-NL"/>
+              <a:t>Ingenieurswetenschappen, Werktuigkunde, TME</a:t>
+            </a:r>
+          </a:p>
+        </p:txBody>
+      </p:sp>
+      <p:sp>
+        <p:nvSpPr>
+          <p:cNvPr id="3" name="Slide Number Placeholder 2"/>
+          <p:cNvSpPr>
+            <a:spLocks noGrp="1"/>
+          </p:cNvSpPr>
+          <p:nvPr>
+            <p:ph type="sldNum" sz="quarter" idx="12"/>
+          </p:nvPr>
+        </p:nvSpPr>
+        <p:spPr/>
+        <p:txBody>
+          <a:bodyPr/>
+          <a:lstStyle/>
+          <a:p>
+            <a:fld id="{0A297500-7527-634B-90F4-69D0994C32B4}" type="slidenum">
+              <a:rPr lang="nl-NL" smtClean="0"/>
+              <a:t>13</a:t>
+            </a:fld>
+            <a:endParaRPr lang="nl-NL"/>
+          </a:p>
+        </p:txBody>
+      </p:sp>
+      <p:pic>
+        <p:nvPicPr>
+          <p:cNvPr id="4" name="Picture 3"/>
+          <p:cNvPicPr>
+            <a:picLocks noChangeAspect="1"/>
+          </p:cNvPicPr>
+          <p:nvPr/>
+        </p:nvPicPr>
+        <p:blipFill>
+          <a:blip r:embed="rId2">
+            <a:extLst>
+              <a:ext uri="{28A0092B-C50C-407E-A947-70E740481C1C}">
+                <a14:useLocalDpi xmlns:a14="http://schemas.microsoft.com/office/drawing/2010/main" val="0"/>
+              </a:ext>
+            </a:extLst>
+          </a:blip>
+          <a:stretch>
+            <a:fillRect/>
+          </a:stretch>
+        </p:blipFill>
+        <p:spPr>
+          <a:xfrm>
+            <a:off x="758283" y="115326"/>
+            <a:ext cx="10283407" cy="5782439"/>
+          </a:xfrm>
+          <a:prstGeom prst="rect">
+            <a:avLst/>
+          </a:prstGeom>
+        </p:spPr>
+      </p:pic>
+    </p:spTree>
+    <p:extLst>
+      <p:ext uri="{BB962C8B-B14F-4D97-AF65-F5344CB8AC3E}">
+        <p14:creationId xmlns:p14="http://schemas.microsoft.com/office/powerpoint/2010/main" val="261656653"/>
       </p:ext>
     </p:extLst>
   </p:cSld>
@@ -5308,6 +7037,1813 @@
 </file>
 
 <file path=ppt/slides/slide3.xml><?xml version="1.0" encoding="utf-8"?>
+<p:sld xmlns:a="http://schemas.openxmlformats.org/drawingml/2006/main" xmlns:r="http://schemas.openxmlformats.org/officeDocument/2006/relationships" xmlns:p="http://schemas.openxmlformats.org/presentationml/2006/main">
+  <p:cSld>
+    <p:spTree>
+      <p:nvGrpSpPr>
+        <p:cNvPr id="1" name=""/>
+        <p:cNvGrpSpPr/>
+        <p:nvPr/>
+      </p:nvGrpSpPr>
+      <p:grpSpPr>
+        <a:xfrm>
+          <a:off x="0" y="0"/>
+          <a:ext cx="0" cy="0"/>
+          <a:chOff x="0" y="0"/>
+          <a:chExt cx="0" cy="0"/>
+        </a:xfrm>
+      </p:grpSpPr>
+      <p:sp>
+        <p:nvSpPr>
+          <p:cNvPr id="3" name="Footer Placeholder 2"/>
+          <p:cNvSpPr>
+            <a:spLocks noGrp="1"/>
+          </p:cNvSpPr>
+          <p:nvPr>
+            <p:ph type="ftr" sz="quarter" idx="11"/>
+          </p:nvPr>
+        </p:nvSpPr>
+        <p:spPr/>
+        <p:txBody>
+          <a:bodyPr/>
+          <a:lstStyle/>
+          <a:p>
+            <a:r>
+              <a:rPr lang="nl-NL"/>
+              <a:t>Ingenieurswetenschappen, Werktuigkunde, TME</a:t>
+            </a:r>
+          </a:p>
+        </p:txBody>
+      </p:sp>
+      <p:sp>
+        <p:nvSpPr>
+          <p:cNvPr id="4" name="Slide Number Placeholder 3"/>
+          <p:cNvSpPr>
+            <a:spLocks noGrp="1"/>
+          </p:cNvSpPr>
+          <p:nvPr>
+            <p:ph type="sldNum" sz="quarter" idx="12"/>
+          </p:nvPr>
+        </p:nvSpPr>
+        <p:spPr/>
+        <p:txBody>
+          <a:bodyPr/>
+          <a:lstStyle/>
+          <a:p>
+            <a:fld id="{0A297500-7527-634B-90F4-69D0994C32B4}" type="slidenum">
+              <a:rPr lang="nl-NL" smtClean="0"/>
+              <a:t>3</a:t>
+            </a:fld>
+            <a:endParaRPr lang="nl-NL"/>
+          </a:p>
+        </p:txBody>
+      </p:sp>
+      <p:sp>
+        <p:nvSpPr>
+          <p:cNvPr id="5" name="Title 4"/>
+          <p:cNvSpPr>
+            <a:spLocks noGrp="1"/>
+          </p:cNvSpPr>
+          <p:nvPr>
+            <p:ph type="title"/>
+          </p:nvPr>
+        </p:nvSpPr>
+        <p:spPr/>
+        <p:txBody>
+          <a:bodyPr/>
+          <a:lstStyle/>
+          <a:p>
+            <a:r>
+              <a:rPr lang="en-US" dirty="0"/>
+              <a:t>Problem setting</a:t>
+            </a:r>
+          </a:p>
+        </p:txBody>
+      </p:sp>
+      <p:sp>
+        <p:nvSpPr>
+          <p:cNvPr id="7" name="TextBox 6">
+            <a:extLst>
+              <a:ext uri="{FF2B5EF4-FFF2-40B4-BE49-F238E27FC236}">
+                <a16:creationId xmlns:a16="http://schemas.microsoft.com/office/drawing/2014/main" id="{B3BA1466-7CC8-41DA-92ED-AABE114C2831}"/>
+              </a:ext>
+            </a:extLst>
+          </p:cNvPr>
+          <p:cNvSpPr txBox="1"/>
+          <p:nvPr/>
+        </p:nvSpPr>
+        <p:spPr>
+          <a:xfrm>
+            <a:off x="576000" y="1638915"/>
+            <a:ext cx="6648923" cy="4585871"/>
+          </a:xfrm>
+          <a:prstGeom prst="rect">
+            <a:avLst/>
+          </a:prstGeom>
+          <a:noFill/>
+        </p:spPr>
+        <p:txBody>
+          <a:bodyPr wrap="square" rtlCol="0">
+            <a:spAutoFit/>
+          </a:bodyPr>
+          <a:lstStyle/>
+          <a:p>
+            <a:r>
+              <a:rPr lang="nl-BE" sz="2000" b="1" dirty="0">
+                <a:latin typeface="Calibri" panose="020F0502020204030204" pitchFamily="34" charset="0"/>
+                <a:cs typeface="Calibri" panose="020F0502020204030204" pitchFamily="34" charset="0"/>
+              </a:rPr>
+              <a:t>Research background</a:t>
+            </a:r>
+            <a:endParaRPr lang="nl-BE" sz="2000" dirty="0">
+              <a:latin typeface="Calibri" panose="020F0502020204030204" pitchFamily="34" charset="0"/>
+              <a:cs typeface="Calibri" panose="020F0502020204030204" pitchFamily="34" charset="0"/>
+            </a:endParaRPr>
+          </a:p>
+          <a:p>
+            <a:endParaRPr lang="nl-BE" sz="1600" dirty="0">
+              <a:latin typeface="Calibri" panose="020F0502020204030204" pitchFamily="34" charset="0"/>
+              <a:cs typeface="Calibri" panose="020F0502020204030204" pitchFamily="34" charset="0"/>
+            </a:endParaRPr>
+          </a:p>
+          <a:p>
+            <a:pPr marL="285750" indent="-285750">
+              <a:buFont typeface="Arial" panose="020B0604020202020204" pitchFamily="34" charset="0"/>
+              <a:buChar char="•"/>
+            </a:pPr>
+            <a:r>
+              <a:rPr lang="nl-BE" sz="1600" dirty="0">
+                <a:latin typeface="Calibri" panose="020F0502020204030204" pitchFamily="34" charset="0"/>
+                <a:cs typeface="Calibri" panose="020F0502020204030204" pitchFamily="34" charset="0"/>
+              </a:rPr>
+              <a:t>Transmission </a:t>
+            </a:r>
+            <a:r>
+              <a:rPr lang="nl-BE" sz="1600" dirty="0" err="1">
+                <a:latin typeface="Calibri" panose="020F0502020204030204" pitchFamily="34" charset="0"/>
+                <a:cs typeface="Calibri" panose="020F0502020204030204" pitchFamily="34" charset="0"/>
+              </a:rPr>
+              <a:t>expansion</a:t>
+            </a:r>
+            <a:r>
+              <a:rPr lang="nl-BE" sz="1600" dirty="0">
+                <a:latin typeface="Calibri" panose="020F0502020204030204" pitchFamily="34" charset="0"/>
+                <a:cs typeface="Calibri" panose="020F0502020204030204" pitchFamily="34" charset="0"/>
+              </a:rPr>
+              <a:t> planning (TEP) is </a:t>
+            </a:r>
+            <a:r>
+              <a:rPr lang="nl-BE" sz="1600" dirty="0" err="1">
+                <a:latin typeface="Calibri" panose="020F0502020204030204" pitchFamily="34" charset="0"/>
+                <a:cs typeface="Calibri" panose="020F0502020204030204" pitchFamily="34" charset="0"/>
+              </a:rPr>
+              <a:t>based</a:t>
+            </a:r>
+            <a:r>
+              <a:rPr lang="nl-BE" sz="1600" dirty="0">
+                <a:latin typeface="Calibri" panose="020F0502020204030204" pitchFamily="34" charset="0"/>
+                <a:cs typeface="Calibri" panose="020F0502020204030204" pitchFamily="34" charset="0"/>
+              </a:rPr>
+              <a:t> on </a:t>
+            </a:r>
+            <a:r>
+              <a:rPr lang="nl-BE" sz="1600" dirty="0" err="1">
+                <a:latin typeface="Calibri" panose="020F0502020204030204" pitchFamily="34" charset="0"/>
+                <a:cs typeface="Calibri" panose="020F0502020204030204" pitchFamily="34" charset="0"/>
+              </a:rPr>
+              <a:t>calculating</a:t>
+            </a:r>
+            <a:r>
+              <a:rPr lang="nl-BE" sz="1600" dirty="0">
+                <a:latin typeface="Calibri" panose="020F0502020204030204" pitchFamily="34" charset="0"/>
+                <a:cs typeface="Calibri" panose="020F0502020204030204" pitchFamily="34" charset="0"/>
+              </a:rPr>
+              <a:t> </a:t>
+            </a:r>
+            <a:r>
+              <a:rPr lang="nl-BE" sz="1600" dirty="0" err="1">
+                <a:latin typeface="Calibri" panose="020F0502020204030204" pitchFamily="34" charset="0"/>
+                <a:cs typeface="Calibri" panose="020F0502020204030204" pitchFamily="34" charset="0"/>
+              </a:rPr>
+              <a:t>Optimal</a:t>
+            </a:r>
+            <a:r>
+              <a:rPr lang="nl-BE" sz="1600" dirty="0">
+                <a:latin typeface="Calibri" panose="020F0502020204030204" pitchFamily="34" charset="0"/>
+                <a:cs typeface="Calibri" panose="020F0502020204030204" pitchFamily="34" charset="0"/>
+              </a:rPr>
+              <a:t> Power Flow (OPF)</a:t>
+            </a:r>
+          </a:p>
+          <a:p>
+            <a:pPr marL="285750" indent="-285750">
+              <a:buFont typeface="Arial" panose="020B0604020202020204" pitchFamily="34" charset="0"/>
+              <a:buChar char="•"/>
+            </a:pPr>
+            <a:r>
+              <a:rPr lang="nl-BE" sz="1600" dirty="0">
+                <a:latin typeface="Calibri" panose="020F0502020204030204" pitchFamily="34" charset="0"/>
+                <a:cs typeface="Calibri" panose="020F0502020204030204" pitchFamily="34" charset="0"/>
+              </a:rPr>
+              <a:t>OPF </a:t>
+            </a:r>
+            <a:r>
+              <a:rPr lang="nl-BE" sz="1600" dirty="0" err="1">
+                <a:latin typeface="Calibri" panose="020F0502020204030204" pitchFamily="34" charset="0"/>
+                <a:cs typeface="Calibri" panose="020F0502020204030204" pitchFamily="34" charset="0"/>
+              </a:rPr>
+              <a:t>problem</a:t>
+            </a:r>
+            <a:r>
+              <a:rPr lang="nl-BE" sz="1600" dirty="0">
+                <a:latin typeface="Calibri" panose="020F0502020204030204" pitchFamily="34" charset="0"/>
+                <a:cs typeface="Calibri" panose="020F0502020204030204" pitchFamily="34" charset="0"/>
+              </a:rPr>
+              <a:t> is </a:t>
+            </a:r>
+            <a:r>
+              <a:rPr lang="nl-BE" sz="1600" dirty="0" err="1">
+                <a:latin typeface="Calibri" panose="020F0502020204030204" pitchFamily="34" charset="0"/>
+                <a:cs typeface="Calibri" panose="020F0502020204030204" pitchFamily="34" charset="0"/>
+              </a:rPr>
+              <a:t>computationally</a:t>
+            </a:r>
+            <a:r>
+              <a:rPr lang="nl-BE" sz="1600" dirty="0">
+                <a:latin typeface="Calibri" panose="020F0502020204030204" pitchFamily="34" charset="0"/>
+                <a:cs typeface="Calibri" panose="020F0502020204030204" pitchFamily="34" charset="0"/>
+              </a:rPr>
+              <a:t> heavy, </a:t>
+            </a:r>
+            <a:r>
+              <a:rPr lang="nl-BE" sz="1600" dirty="0" err="1">
+                <a:latin typeface="Calibri" panose="020F0502020204030204" pitchFamily="34" charset="0"/>
+                <a:cs typeface="Calibri" panose="020F0502020204030204" pitchFamily="34" charset="0"/>
+              </a:rPr>
+              <a:t>especially</a:t>
+            </a:r>
+            <a:r>
+              <a:rPr lang="nl-BE" sz="1600" dirty="0">
+                <a:latin typeface="Calibri" panose="020F0502020204030204" pitchFamily="34" charset="0"/>
+                <a:cs typeface="Calibri" panose="020F0502020204030204" pitchFamily="34" charset="0"/>
+              </a:rPr>
+              <a:t> AC </a:t>
+            </a:r>
+            <a:r>
+              <a:rPr lang="nl-BE" sz="1600" dirty="0" err="1">
+                <a:latin typeface="Calibri" panose="020F0502020204030204" pitchFamily="34" charset="0"/>
+                <a:cs typeface="Calibri" panose="020F0502020204030204" pitchFamily="34" charset="0"/>
+              </a:rPr>
+              <a:t>formulations</a:t>
+            </a:r>
+            <a:endParaRPr lang="nl-BE" sz="1600" dirty="0">
+              <a:latin typeface="Calibri" panose="020F0502020204030204" pitchFamily="34" charset="0"/>
+              <a:cs typeface="Calibri" panose="020F0502020204030204" pitchFamily="34" charset="0"/>
+            </a:endParaRPr>
+          </a:p>
+          <a:p>
+            <a:pPr marL="285750" indent="-285750">
+              <a:buFont typeface="Wingdings" panose="05000000000000000000" pitchFamily="2" charset="2"/>
+              <a:buChar char="à"/>
+            </a:pPr>
+            <a:r>
+              <a:rPr lang="nl-BE" sz="1600" dirty="0" err="1">
+                <a:latin typeface="Calibri" panose="020F0502020204030204" pitchFamily="34" charset="0"/>
+                <a:cs typeface="Calibri" panose="020F0502020204030204" pitchFamily="34" charset="0"/>
+                <a:sym typeface="Wingdings" panose="05000000000000000000" pitchFamily="2" charset="2"/>
+              </a:rPr>
+              <a:t>Temporal</a:t>
+            </a:r>
+            <a:r>
+              <a:rPr lang="nl-BE" sz="1600" dirty="0">
+                <a:latin typeface="Calibri" panose="020F0502020204030204" pitchFamily="34" charset="0"/>
+                <a:cs typeface="Calibri" panose="020F0502020204030204" pitchFamily="34" charset="0"/>
+                <a:sym typeface="Wingdings" panose="05000000000000000000" pitchFamily="2" charset="2"/>
+              </a:rPr>
+              <a:t> </a:t>
+            </a:r>
+            <a:r>
+              <a:rPr lang="nl-BE" sz="1600" dirty="0" err="1">
+                <a:latin typeface="Calibri" panose="020F0502020204030204" pitchFamily="34" charset="0"/>
+                <a:cs typeface="Calibri" panose="020F0502020204030204" pitchFamily="34" charset="0"/>
+                <a:sym typeface="Wingdings" panose="05000000000000000000" pitchFamily="2" charset="2"/>
+              </a:rPr>
+              <a:t>aggregation</a:t>
+            </a:r>
+            <a:r>
+              <a:rPr lang="nl-BE" sz="1600" dirty="0">
+                <a:latin typeface="Calibri" panose="020F0502020204030204" pitchFamily="34" charset="0"/>
+                <a:cs typeface="Calibri" panose="020F0502020204030204" pitchFamily="34" charset="0"/>
+                <a:sym typeface="Wingdings" panose="05000000000000000000" pitchFamily="2" charset="2"/>
+              </a:rPr>
+              <a:t> </a:t>
+            </a:r>
+            <a:r>
+              <a:rPr lang="nl-BE" sz="1600" dirty="0" err="1">
+                <a:latin typeface="Calibri" panose="020F0502020204030204" pitchFamily="34" charset="0"/>
+                <a:cs typeface="Calibri" panose="020F0502020204030204" pitchFamily="34" charset="0"/>
+                <a:sym typeface="Wingdings" panose="05000000000000000000" pitchFamily="2" charset="2"/>
+              </a:rPr>
+              <a:t>for</a:t>
+            </a:r>
+            <a:r>
+              <a:rPr lang="nl-BE" sz="1600" dirty="0">
+                <a:latin typeface="Calibri" panose="020F0502020204030204" pitchFamily="34" charset="0"/>
+                <a:cs typeface="Calibri" panose="020F0502020204030204" pitchFamily="34" charset="0"/>
+                <a:sym typeface="Wingdings" panose="05000000000000000000" pitchFamily="2" charset="2"/>
+              </a:rPr>
+              <a:t> </a:t>
+            </a:r>
+            <a:r>
+              <a:rPr lang="nl-BE" sz="1600" dirty="0" err="1">
+                <a:latin typeface="Calibri" panose="020F0502020204030204" pitchFamily="34" charset="0"/>
+                <a:cs typeface="Calibri" panose="020F0502020204030204" pitchFamily="34" charset="0"/>
+                <a:sym typeface="Wingdings" panose="05000000000000000000" pitchFamily="2" charset="2"/>
+              </a:rPr>
+              <a:t>problem</a:t>
+            </a:r>
+            <a:r>
+              <a:rPr lang="nl-BE" sz="1600" dirty="0">
+                <a:latin typeface="Calibri" panose="020F0502020204030204" pitchFamily="34" charset="0"/>
+                <a:cs typeface="Calibri" panose="020F0502020204030204" pitchFamily="34" charset="0"/>
+                <a:sym typeface="Wingdings" panose="05000000000000000000" pitchFamily="2" charset="2"/>
+              </a:rPr>
+              <a:t> </a:t>
+            </a:r>
+            <a:r>
+              <a:rPr lang="nl-BE" sz="1600" dirty="0" err="1">
+                <a:latin typeface="Calibri" panose="020F0502020204030204" pitchFamily="34" charset="0"/>
+                <a:cs typeface="Calibri" panose="020F0502020204030204" pitchFamily="34" charset="0"/>
+                <a:sym typeface="Wingdings" panose="05000000000000000000" pitchFamily="2" charset="2"/>
+              </a:rPr>
+              <a:t>size</a:t>
+            </a:r>
+            <a:r>
+              <a:rPr lang="nl-BE" sz="1600" dirty="0">
+                <a:latin typeface="Calibri" panose="020F0502020204030204" pitchFamily="34" charset="0"/>
+                <a:cs typeface="Calibri" panose="020F0502020204030204" pitchFamily="34" charset="0"/>
+                <a:sym typeface="Wingdings" panose="05000000000000000000" pitchFamily="2" charset="2"/>
+              </a:rPr>
+              <a:t> </a:t>
+            </a:r>
+            <a:r>
+              <a:rPr lang="nl-BE" sz="1600" dirty="0" err="1">
+                <a:latin typeface="Calibri" panose="020F0502020204030204" pitchFamily="34" charset="0"/>
+                <a:cs typeface="Calibri" panose="020F0502020204030204" pitchFamily="34" charset="0"/>
+                <a:sym typeface="Wingdings" panose="05000000000000000000" pitchFamily="2" charset="2"/>
+              </a:rPr>
+              <a:t>reduction</a:t>
+            </a:r>
+            <a:r>
+              <a:rPr lang="nl-BE" sz="1600" dirty="0">
+                <a:latin typeface="Calibri" panose="020F0502020204030204" pitchFamily="34" charset="0"/>
+                <a:cs typeface="Calibri" panose="020F0502020204030204" pitchFamily="34" charset="0"/>
+                <a:sym typeface="Wingdings" panose="05000000000000000000" pitchFamily="2" charset="2"/>
+              </a:rPr>
+              <a:t> </a:t>
+            </a:r>
+          </a:p>
+          <a:p>
+            <a:pPr marL="285750" indent="-285750">
+              <a:buFont typeface="Wingdings" panose="05000000000000000000" pitchFamily="2" charset="2"/>
+              <a:buChar char="à"/>
+            </a:pPr>
+            <a:r>
+              <a:rPr lang="nl-BE" sz="1600" dirty="0">
+                <a:latin typeface="Calibri" panose="020F0502020204030204" pitchFamily="34" charset="0"/>
+                <a:cs typeface="Calibri" panose="020F0502020204030204" pitchFamily="34" charset="0"/>
+                <a:sym typeface="Wingdings" panose="05000000000000000000" pitchFamily="2" charset="2"/>
+              </a:rPr>
+              <a:t>Clustering </a:t>
+            </a:r>
+            <a:r>
+              <a:rPr lang="nl-BE" sz="1600" dirty="0" err="1">
+                <a:latin typeface="Calibri" panose="020F0502020204030204" pitchFamily="34" charset="0"/>
+                <a:cs typeface="Calibri" panose="020F0502020204030204" pitchFamily="34" charset="0"/>
+                <a:sym typeface="Wingdings" panose="05000000000000000000" pitchFamily="2" charset="2"/>
+              </a:rPr>
+              <a:t>for</a:t>
+            </a:r>
+            <a:r>
+              <a:rPr lang="nl-BE" sz="1600" dirty="0">
+                <a:latin typeface="Calibri" panose="020F0502020204030204" pitchFamily="34" charset="0"/>
+                <a:cs typeface="Calibri" panose="020F0502020204030204" pitchFamily="34" charset="0"/>
+                <a:sym typeface="Wingdings" panose="05000000000000000000" pitchFamily="2" charset="2"/>
+              </a:rPr>
+              <a:t> </a:t>
+            </a:r>
+            <a:r>
+              <a:rPr lang="nl-BE" sz="1600" dirty="0" err="1">
+                <a:latin typeface="Calibri" panose="020F0502020204030204" pitchFamily="34" charset="0"/>
+                <a:cs typeface="Calibri" panose="020F0502020204030204" pitchFamily="34" charset="0"/>
+                <a:sym typeface="Wingdings" panose="05000000000000000000" pitchFamily="2" charset="2"/>
+              </a:rPr>
+              <a:t>representative</a:t>
+            </a:r>
+            <a:r>
+              <a:rPr lang="nl-BE" sz="1600" dirty="0">
+                <a:latin typeface="Calibri" panose="020F0502020204030204" pitchFamily="34" charset="0"/>
+                <a:cs typeface="Calibri" panose="020F0502020204030204" pitchFamily="34" charset="0"/>
+                <a:sym typeface="Wingdings" panose="05000000000000000000" pitchFamily="2" charset="2"/>
+              </a:rPr>
+              <a:t> </a:t>
+            </a:r>
+            <a:r>
+              <a:rPr lang="nl-BE" sz="1600" dirty="0" err="1">
+                <a:latin typeface="Calibri" panose="020F0502020204030204" pitchFamily="34" charset="0"/>
+                <a:cs typeface="Calibri" panose="020F0502020204030204" pitchFamily="34" charset="0"/>
+                <a:sym typeface="Wingdings" panose="05000000000000000000" pitchFamily="2" charset="2"/>
+              </a:rPr>
+              <a:t>periods</a:t>
+            </a:r>
+            <a:r>
+              <a:rPr lang="nl-BE" sz="1600" dirty="0">
+                <a:latin typeface="Calibri" panose="020F0502020204030204" pitchFamily="34" charset="0"/>
+                <a:cs typeface="Calibri" panose="020F0502020204030204" pitchFamily="34" charset="0"/>
+                <a:sym typeface="Wingdings" panose="05000000000000000000" pitchFamily="2" charset="2"/>
+              </a:rPr>
+              <a:t> </a:t>
+            </a:r>
+          </a:p>
+          <a:p>
+            <a:pPr marL="285750" indent="-285750">
+              <a:buFont typeface="Wingdings" panose="05000000000000000000" pitchFamily="2" charset="2"/>
+              <a:buChar char="à"/>
+            </a:pPr>
+            <a:endParaRPr lang="nl-BE" sz="1600" dirty="0">
+              <a:latin typeface="Calibri" panose="020F0502020204030204" pitchFamily="34" charset="0"/>
+              <a:cs typeface="Calibri" panose="020F0502020204030204" pitchFamily="34" charset="0"/>
+              <a:sym typeface="Wingdings" panose="05000000000000000000" pitchFamily="2" charset="2"/>
+            </a:endParaRPr>
+          </a:p>
+          <a:p>
+            <a:pPr marL="285750" indent="-285750">
+              <a:buFont typeface="Arial" panose="020B0604020202020204" pitchFamily="34" charset="0"/>
+              <a:buChar char="•"/>
+            </a:pPr>
+            <a:r>
+              <a:rPr lang="nl-BE" sz="1600" dirty="0">
+                <a:latin typeface="Calibri" panose="020F0502020204030204" pitchFamily="34" charset="0"/>
+                <a:cs typeface="Calibri" panose="020F0502020204030204" pitchFamily="34" charset="0"/>
+                <a:sym typeface="Wingdings" panose="05000000000000000000" pitchFamily="2" charset="2"/>
+              </a:rPr>
+              <a:t>How </a:t>
+            </a:r>
+            <a:r>
+              <a:rPr lang="nl-BE" sz="1600" dirty="0" err="1">
+                <a:latin typeface="Calibri" panose="020F0502020204030204" pitchFamily="34" charset="0"/>
+                <a:cs typeface="Calibri" panose="020F0502020204030204" pitchFamily="34" charset="0"/>
+                <a:sym typeface="Wingdings" panose="05000000000000000000" pitchFamily="2" charset="2"/>
+              </a:rPr>
+              <a:t>to</a:t>
+            </a:r>
+            <a:r>
+              <a:rPr lang="nl-BE" sz="1600" dirty="0">
+                <a:latin typeface="Calibri" panose="020F0502020204030204" pitchFamily="34" charset="0"/>
+                <a:cs typeface="Calibri" panose="020F0502020204030204" pitchFamily="34" charset="0"/>
+                <a:sym typeface="Wingdings" panose="05000000000000000000" pitchFamily="2" charset="2"/>
+              </a:rPr>
+              <a:t> </a:t>
+            </a:r>
+            <a:r>
+              <a:rPr lang="nl-BE" sz="1600" dirty="0" err="1">
+                <a:latin typeface="Calibri" panose="020F0502020204030204" pitchFamily="34" charset="0"/>
+                <a:cs typeface="Calibri" panose="020F0502020204030204" pitchFamily="34" charset="0"/>
+                <a:sym typeface="Wingdings" panose="05000000000000000000" pitchFamily="2" charset="2"/>
+              </a:rPr>
+              <a:t>find</a:t>
+            </a:r>
+            <a:r>
+              <a:rPr lang="nl-BE" sz="1600" dirty="0">
+                <a:latin typeface="Calibri" panose="020F0502020204030204" pitchFamily="34" charset="0"/>
+                <a:cs typeface="Calibri" panose="020F0502020204030204" pitchFamily="34" charset="0"/>
+                <a:sym typeface="Wingdings" panose="05000000000000000000" pitchFamily="2" charset="2"/>
+              </a:rPr>
+              <a:t> </a:t>
+            </a:r>
+            <a:r>
+              <a:rPr lang="nl-BE" sz="1600" dirty="0" err="1">
+                <a:latin typeface="Calibri" panose="020F0502020204030204" pitchFamily="34" charset="0"/>
+                <a:cs typeface="Calibri" panose="020F0502020204030204" pitchFamily="34" charset="0"/>
+                <a:sym typeface="Wingdings" panose="05000000000000000000" pitchFamily="2" charset="2"/>
+              </a:rPr>
+              <a:t>representative</a:t>
+            </a:r>
+            <a:r>
+              <a:rPr lang="nl-BE" sz="1600" dirty="0">
+                <a:latin typeface="Calibri" panose="020F0502020204030204" pitchFamily="34" charset="0"/>
+                <a:cs typeface="Calibri" panose="020F0502020204030204" pitchFamily="34" charset="0"/>
+                <a:sym typeface="Wingdings" panose="05000000000000000000" pitchFamily="2" charset="2"/>
+              </a:rPr>
+              <a:t> </a:t>
+            </a:r>
+            <a:r>
+              <a:rPr lang="nl-BE" sz="1600" dirty="0" err="1">
+                <a:latin typeface="Calibri" panose="020F0502020204030204" pitchFamily="34" charset="0"/>
+                <a:cs typeface="Calibri" panose="020F0502020204030204" pitchFamily="34" charset="0"/>
+                <a:sym typeface="Wingdings" panose="05000000000000000000" pitchFamily="2" charset="2"/>
+              </a:rPr>
+              <a:t>days</a:t>
+            </a:r>
+            <a:r>
+              <a:rPr lang="nl-BE" sz="1600" dirty="0">
+                <a:latin typeface="Calibri" panose="020F0502020204030204" pitchFamily="34" charset="0"/>
+                <a:cs typeface="Calibri" panose="020F0502020204030204" pitchFamily="34" charset="0"/>
+                <a:sym typeface="Wingdings" panose="05000000000000000000" pitchFamily="2" charset="2"/>
+              </a:rPr>
+              <a:t> </a:t>
+            </a:r>
+            <a:r>
+              <a:rPr lang="nl-BE" sz="1600" dirty="0" err="1">
+                <a:latin typeface="Calibri" panose="020F0502020204030204" pitchFamily="34" charset="0"/>
+                <a:cs typeface="Calibri" panose="020F0502020204030204" pitchFamily="34" charset="0"/>
+                <a:sym typeface="Wingdings" panose="05000000000000000000" pitchFamily="2" charset="2"/>
+              </a:rPr>
+              <a:t>for</a:t>
+            </a:r>
+            <a:r>
+              <a:rPr lang="nl-BE" sz="1600" dirty="0">
+                <a:latin typeface="Calibri" panose="020F0502020204030204" pitchFamily="34" charset="0"/>
+                <a:cs typeface="Calibri" panose="020F0502020204030204" pitchFamily="34" charset="0"/>
+                <a:sym typeface="Wingdings" panose="05000000000000000000" pitchFamily="2" charset="2"/>
+              </a:rPr>
+              <a:t> a </a:t>
+            </a:r>
+            <a:r>
+              <a:rPr lang="nl-BE" sz="1600" dirty="0" err="1">
+                <a:latin typeface="Calibri" panose="020F0502020204030204" pitchFamily="34" charset="0"/>
+                <a:cs typeface="Calibri" panose="020F0502020204030204" pitchFamily="34" charset="0"/>
+                <a:sym typeface="Wingdings" panose="05000000000000000000" pitchFamily="2" charset="2"/>
+              </a:rPr>
+              <a:t>spatially</a:t>
+            </a:r>
+            <a:r>
+              <a:rPr lang="nl-BE" sz="1600" dirty="0">
+                <a:latin typeface="Calibri" panose="020F0502020204030204" pitchFamily="34" charset="0"/>
+                <a:cs typeface="Calibri" panose="020F0502020204030204" pitchFamily="34" charset="0"/>
+                <a:sym typeface="Wingdings" panose="05000000000000000000" pitchFamily="2" charset="2"/>
+              </a:rPr>
+              <a:t> </a:t>
+            </a:r>
+            <a:r>
+              <a:rPr lang="nl-BE" sz="1600" dirty="0" err="1">
+                <a:latin typeface="Calibri" panose="020F0502020204030204" pitchFamily="34" charset="0"/>
+                <a:cs typeface="Calibri" panose="020F0502020204030204" pitchFamily="34" charset="0"/>
+                <a:sym typeface="Wingdings" panose="05000000000000000000" pitchFamily="2" charset="2"/>
+              </a:rPr>
+              <a:t>resolved</a:t>
+            </a:r>
+            <a:r>
+              <a:rPr lang="nl-BE" sz="1600" dirty="0">
+                <a:latin typeface="Calibri" panose="020F0502020204030204" pitchFamily="34" charset="0"/>
+                <a:cs typeface="Calibri" panose="020F0502020204030204" pitchFamily="34" charset="0"/>
+                <a:sym typeface="Wingdings" panose="05000000000000000000" pitchFamily="2" charset="2"/>
+              </a:rPr>
+              <a:t> system? </a:t>
+            </a:r>
+          </a:p>
+          <a:p>
+            <a:pPr marL="285750" indent="-285750">
+              <a:buFont typeface="Wingdings" panose="05000000000000000000" pitchFamily="2" charset="2"/>
+              <a:buChar char="à"/>
+            </a:pPr>
+            <a:r>
+              <a:rPr lang="nl-BE" sz="1600" b="1" dirty="0">
+                <a:latin typeface="Calibri" panose="020F0502020204030204" pitchFamily="34" charset="0"/>
+                <a:cs typeface="Calibri" panose="020F0502020204030204" pitchFamily="34" charset="0"/>
+                <a:sym typeface="Wingdings" panose="05000000000000000000" pitchFamily="2" charset="2"/>
+              </a:rPr>
+              <a:t>Ex-post clustering</a:t>
+            </a:r>
+          </a:p>
+          <a:p>
+            <a:pPr marL="285750" indent="-285750">
+              <a:buFont typeface="Arial" panose="020B0604020202020204" pitchFamily="34" charset="0"/>
+              <a:buChar char="•"/>
+            </a:pPr>
+            <a:r>
+              <a:rPr lang="nl-BE" sz="1600" dirty="0" err="1">
+                <a:latin typeface="Calibri" panose="020F0502020204030204" pitchFamily="34" charset="0"/>
+                <a:cs typeface="Calibri" panose="020F0502020204030204" pitchFamily="34" charset="0"/>
+              </a:rPr>
+              <a:t>Multitude</a:t>
+            </a:r>
+            <a:r>
+              <a:rPr lang="nl-BE" sz="1600" dirty="0">
+                <a:latin typeface="Calibri" panose="020F0502020204030204" pitchFamily="34" charset="0"/>
+                <a:cs typeface="Calibri" panose="020F0502020204030204" pitchFamily="34" charset="0"/>
+              </a:rPr>
+              <a:t> of </a:t>
+            </a:r>
+            <a:r>
+              <a:rPr lang="nl-BE" sz="1600" dirty="0" err="1">
+                <a:latin typeface="Calibri" panose="020F0502020204030204" pitchFamily="34" charset="0"/>
+                <a:cs typeface="Calibri" panose="020F0502020204030204" pitchFamily="34" charset="0"/>
+              </a:rPr>
+              <a:t>OPFs</a:t>
+            </a:r>
+            <a:r>
+              <a:rPr lang="nl-BE" sz="1600" dirty="0">
+                <a:latin typeface="Calibri" panose="020F0502020204030204" pitchFamily="34" charset="0"/>
+                <a:cs typeface="Calibri" panose="020F0502020204030204" pitchFamily="34" charset="0"/>
+              </a:rPr>
+              <a:t> have </a:t>
+            </a:r>
+            <a:r>
+              <a:rPr lang="nl-BE" sz="1600" dirty="0" err="1">
+                <a:latin typeface="Calibri" panose="020F0502020204030204" pitchFamily="34" charset="0"/>
+                <a:cs typeface="Calibri" panose="020F0502020204030204" pitchFamily="34" charset="0"/>
+              </a:rPr>
+              <a:t>to</a:t>
+            </a:r>
+            <a:r>
+              <a:rPr lang="nl-BE" sz="1600" dirty="0">
+                <a:latin typeface="Calibri" panose="020F0502020204030204" pitchFamily="34" charset="0"/>
+                <a:cs typeface="Calibri" panose="020F0502020204030204" pitchFamily="34" charset="0"/>
+              </a:rPr>
+              <a:t> </a:t>
+            </a:r>
+            <a:r>
+              <a:rPr lang="nl-BE" sz="1600" dirty="0" err="1">
+                <a:latin typeface="Calibri" panose="020F0502020204030204" pitchFamily="34" charset="0"/>
+                <a:cs typeface="Calibri" panose="020F0502020204030204" pitchFamily="34" charset="0"/>
+              </a:rPr>
+              <a:t>be</a:t>
+            </a:r>
+            <a:r>
+              <a:rPr lang="nl-BE" sz="1600" dirty="0">
+                <a:latin typeface="Calibri" panose="020F0502020204030204" pitchFamily="34" charset="0"/>
+                <a:cs typeface="Calibri" panose="020F0502020204030204" pitchFamily="34" charset="0"/>
+              </a:rPr>
+              <a:t> </a:t>
+            </a:r>
+            <a:r>
+              <a:rPr lang="nl-BE" sz="1600" dirty="0" err="1">
+                <a:latin typeface="Calibri" panose="020F0502020204030204" pitchFamily="34" charset="0"/>
+                <a:cs typeface="Calibri" panose="020F0502020204030204" pitchFamily="34" charset="0"/>
+              </a:rPr>
+              <a:t>solved</a:t>
+            </a:r>
+            <a:r>
+              <a:rPr lang="nl-BE" sz="1600" dirty="0">
+                <a:latin typeface="Calibri" panose="020F0502020204030204" pitchFamily="34" charset="0"/>
+                <a:cs typeface="Calibri" panose="020F0502020204030204" pitchFamily="34" charset="0"/>
+              </a:rPr>
+              <a:t> </a:t>
+            </a:r>
+            <a:r>
+              <a:rPr lang="nl-BE" sz="1600" dirty="0" err="1">
+                <a:latin typeface="Calibri" panose="020F0502020204030204" pitchFamily="34" charset="0"/>
+                <a:cs typeface="Calibri" panose="020F0502020204030204" pitchFamily="34" charset="0"/>
+              </a:rPr>
+              <a:t>for</a:t>
+            </a:r>
+            <a:r>
+              <a:rPr lang="nl-BE" sz="1600" dirty="0">
+                <a:latin typeface="Calibri" panose="020F0502020204030204" pitchFamily="34" charset="0"/>
+                <a:cs typeface="Calibri" panose="020F0502020204030204" pitchFamily="34" charset="0"/>
+              </a:rPr>
+              <a:t> Transmission Expansion Planning </a:t>
+            </a:r>
+          </a:p>
+          <a:p>
+            <a:pPr marL="742950" lvl="1" indent="-285750">
+              <a:buFont typeface="Arial" panose="020B0604020202020204" pitchFamily="34" charset="0"/>
+              <a:buChar char="•"/>
+            </a:pPr>
+            <a:r>
+              <a:rPr lang="nl-BE" sz="1600" dirty="0">
+                <a:latin typeface="Calibri" panose="020F0502020204030204" pitchFamily="34" charset="0"/>
+                <a:cs typeface="Calibri" panose="020F0502020204030204" pitchFamily="34" charset="0"/>
+              </a:rPr>
+              <a:t>Multiple investment </a:t>
+            </a:r>
+            <a:r>
+              <a:rPr lang="nl-BE" sz="1600" dirty="0" err="1">
+                <a:latin typeface="Calibri" panose="020F0502020204030204" pitchFamily="34" charset="0"/>
+                <a:cs typeface="Calibri" panose="020F0502020204030204" pitchFamily="34" charset="0"/>
+              </a:rPr>
+              <a:t>candidates</a:t>
+            </a:r>
+            <a:r>
+              <a:rPr lang="nl-BE" sz="1600" dirty="0">
+                <a:latin typeface="Calibri" panose="020F0502020204030204" pitchFamily="34" charset="0"/>
+                <a:cs typeface="Calibri" panose="020F0502020204030204" pitchFamily="34" charset="0"/>
+              </a:rPr>
+              <a:t> (</a:t>
+            </a:r>
+            <a:r>
+              <a:rPr lang="nl-BE" sz="1600" dirty="0" err="1">
+                <a:latin typeface="Calibri" panose="020F0502020204030204" pitchFamily="34" charset="0"/>
+                <a:cs typeface="Calibri" panose="020F0502020204030204" pitchFamily="34" charset="0"/>
+              </a:rPr>
+              <a:t>lines</a:t>
+            </a:r>
+            <a:r>
+              <a:rPr lang="nl-BE" sz="1600" dirty="0">
+                <a:latin typeface="Calibri" panose="020F0502020204030204" pitchFamily="34" charset="0"/>
+                <a:cs typeface="Calibri" panose="020F0502020204030204" pitchFamily="34" charset="0"/>
+              </a:rPr>
+              <a:t>)</a:t>
+            </a:r>
+          </a:p>
+          <a:p>
+            <a:pPr marL="742950" lvl="1" indent="-285750">
+              <a:buFont typeface="Arial" panose="020B0604020202020204" pitchFamily="34" charset="0"/>
+              <a:buChar char="•"/>
+            </a:pPr>
+            <a:r>
+              <a:rPr lang="nl-BE" sz="1600" dirty="0">
+                <a:latin typeface="Calibri" panose="020F0502020204030204" pitchFamily="34" charset="0"/>
+                <a:cs typeface="Calibri" panose="020F0502020204030204" pitchFamily="34" charset="0"/>
+              </a:rPr>
+              <a:t>Multiple discrete investment </a:t>
+            </a:r>
+            <a:r>
+              <a:rPr lang="nl-BE" sz="1600" dirty="0" err="1">
+                <a:latin typeface="Calibri" panose="020F0502020204030204" pitchFamily="34" charset="0"/>
+                <a:cs typeface="Calibri" panose="020F0502020204030204" pitchFamily="34" charset="0"/>
+              </a:rPr>
+              <a:t>quantities</a:t>
+            </a:r>
+            <a:endParaRPr lang="nl-BE" sz="1600" dirty="0">
+              <a:latin typeface="Calibri" panose="020F0502020204030204" pitchFamily="34" charset="0"/>
+              <a:cs typeface="Calibri" panose="020F0502020204030204" pitchFamily="34" charset="0"/>
+            </a:endParaRPr>
+          </a:p>
+          <a:p>
+            <a:pPr marL="742950" lvl="1" indent="-285750">
+              <a:buFont typeface="Arial" panose="020B0604020202020204" pitchFamily="34" charset="0"/>
+              <a:buChar char="•"/>
+            </a:pPr>
+            <a:r>
+              <a:rPr lang="nl-BE" sz="1600" dirty="0" err="1">
+                <a:latin typeface="Calibri" panose="020F0502020204030204" pitchFamily="34" charset="0"/>
+                <a:cs typeface="Calibri" panose="020F0502020204030204" pitchFamily="34" charset="0"/>
+              </a:rPr>
+              <a:t>Weather</a:t>
+            </a:r>
+            <a:r>
+              <a:rPr lang="nl-BE" sz="1600" dirty="0">
+                <a:latin typeface="Calibri" panose="020F0502020204030204" pitchFamily="34" charset="0"/>
+                <a:cs typeface="Calibri" panose="020F0502020204030204" pitchFamily="34" charset="0"/>
+              </a:rPr>
+              <a:t> </a:t>
+            </a:r>
+            <a:r>
+              <a:rPr lang="nl-BE" sz="1600" dirty="0" err="1">
+                <a:latin typeface="Calibri" panose="020F0502020204030204" pitchFamily="34" charset="0"/>
+                <a:cs typeface="Calibri" panose="020F0502020204030204" pitchFamily="34" charset="0"/>
+              </a:rPr>
+              <a:t>year</a:t>
+            </a:r>
+            <a:r>
+              <a:rPr lang="nl-BE" sz="1600" dirty="0">
+                <a:latin typeface="Calibri" panose="020F0502020204030204" pitchFamily="34" charset="0"/>
+                <a:cs typeface="Calibri" panose="020F0502020204030204" pitchFamily="34" charset="0"/>
+              </a:rPr>
+              <a:t> </a:t>
+            </a:r>
+            <a:r>
+              <a:rPr lang="nl-BE" sz="1600" dirty="0" err="1">
+                <a:latin typeface="Calibri" panose="020F0502020204030204" pitchFamily="34" charset="0"/>
+                <a:cs typeface="Calibri" panose="020F0502020204030204" pitchFamily="34" charset="0"/>
+              </a:rPr>
+              <a:t>sensitivity</a:t>
+            </a:r>
+            <a:r>
+              <a:rPr lang="nl-BE" sz="1600" dirty="0">
+                <a:latin typeface="Calibri" panose="020F0502020204030204" pitchFamily="34" charset="0"/>
+                <a:cs typeface="Calibri" panose="020F0502020204030204" pitchFamily="34" charset="0"/>
+              </a:rPr>
+              <a:t> </a:t>
+            </a:r>
+          </a:p>
+          <a:p>
+            <a:pPr marL="285750" indent="-285750">
+              <a:buFont typeface="Wingdings" panose="05000000000000000000" pitchFamily="2" charset="2"/>
+              <a:buChar char="à"/>
+            </a:pPr>
+            <a:r>
+              <a:rPr lang="nl-BE" sz="1600" b="1" dirty="0" err="1">
+                <a:latin typeface="Calibri" panose="020F0502020204030204" pitchFamily="34" charset="0"/>
+                <a:cs typeface="Calibri" panose="020F0502020204030204" pitchFamily="34" charset="0"/>
+                <a:sym typeface="Wingdings" panose="05000000000000000000" pitchFamily="2" charset="2"/>
+              </a:rPr>
+              <a:t>Might</a:t>
+            </a:r>
+            <a:r>
+              <a:rPr lang="nl-BE" sz="1600" b="1" dirty="0">
+                <a:latin typeface="Calibri" panose="020F0502020204030204" pitchFamily="34" charset="0"/>
+                <a:cs typeface="Calibri" panose="020F0502020204030204" pitchFamily="34" charset="0"/>
+                <a:sym typeface="Wingdings" panose="05000000000000000000" pitchFamily="2" charset="2"/>
+              </a:rPr>
+              <a:t> </a:t>
+            </a:r>
+            <a:r>
+              <a:rPr lang="nl-BE" sz="1600" b="1" dirty="0" err="1">
+                <a:latin typeface="Calibri" panose="020F0502020204030204" pitchFamily="34" charset="0"/>
+                <a:cs typeface="Calibri" panose="020F0502020204030204" pitchFamily="34" charset="0"/>
+                <a:sym typeface="Wingdings" panose="05000000000000000000" pitchFamily="2" charset="2"/>
+              </a:rPr>
+              <a:t>still</a:t>
+            </a:r>
+            <a:r>
+              <a:rPr lang="nl-BE" sz="1600" b="1" dirty="0">
+                <a:latin typeface="Calibri" panose="020F0502020204030204" pitchFamily="34" charset="0"/>
+                <a:cs typeface="Calibri" panose="020F0502020204030204" pitchFamily="34" charset="0"/>
+                <a:sym typeface="Wingdings" panose="05000000000000000000" pitchFamily="2" charset="2"/>
+              </a:rPr>
+              <a:t> </a:t>
+            </a:r>
+            <a:r>
+              <a:rPr lang="nl-BE" sz="1600" b="1" dirty="0" err="1">
+                <a:latin typeface="Calibri" panose="020F0502020204030204" pitchFamily="34" charset="0"/>
+                <a:cs typeface="Calibri" panose="020F0502020204030204" pitchFamily="34" charset="0"/>
+                <a:sym typeface="Wingdings" panose="05000000000000000000" pitchFamily="2" charset="2"/>
+              </a:rPr>
+              <a:t>be</a:t>
+            </a:r>
+            <a:r>
+              <a:rPr lang="nl-BE" sz="1600" b="1" dirty="0">
+                <a:latin typeface="Calibri" panose="020F0502020204030204" pitchFamily="34" charset="0"/>
+                <a:cs typeface="Calibri" panose="020F0502020204030204" pitchFamily="34" charset="0"/>
+                <a:sym typeface="Wingdings" panose="05000000000000000000" pitchFamily="2" charset="2"/>
+              </a:rPr>
+              <a:t> </a:t>
+            </a:r>
+            <a:r>
+              <a:rPr lang="nl-BE" sz="1600" b="1" dirty="0" err="1">
+                <a:latin typeface="Calibri" panose="020F0502020204030204" pitchFamily="34" charset="0"/>
+                <a:cs typeface="Calibri" panose="020F0502020204030204" pitchFamily="34" charset="0"/>
+                <a:sym typeface="Wingdings" panose="05000000000000000000" pitchFamily="2" charset="2"/>
+              </a:rPr>
+              <a:t>computationally</a:t>
+            </a:r>
+            <a:r>
+              <a:rPr lang="nl-BE" sz="1600" b="1" dirty="0">
+                <a:latin typeface="Calibri" panose="020F0502020204030204" pitchFamily="34" charset="0"/>
+                <a:cs typeface="Calibri" panose="020F0502020204030204" pitchFamily="34" charset="0"/>
+                <a:sym typeface="Wingdings" panose="05000000000000000000" pitchFamily="2" charset="2"/>
+              </a:rPr>
+              <a:t> intensive </a:t>
+            </a:r>
+          </a:p>
+          <a:p>
+            <a:pPr marL="285750" indent="-285750">
+              <a:buFont typeface="Arial" panose="020B0604020202020204" pitchFamily="34" charset="0"/>
+              <a:buChar char="•"/>
+            </a:pPr>
+            <a:r>
+              <a:rPr lang="nl-BE" sz="1600" dirty="0" err="1">
+                <a:latin typeface="Calibri" panose="020F0502020204030204" pitchFamily="34" charset="0"/>
+                <a:cs typeface="Calibri" panose="020F0502020204030204" pitchFamily="34" charset="0"/>
+                <a:sym typeface="Wingdings" panose="05000000000000000000" pitchFamily="2" charset="2"/>
+              </a:rPr>
+              <a:t>Literature</a:t>
+            </a:r>
+            <a:r>
+              <a:rPr lang="nl-BE" sz="1600" dirty="0">
+                <a:latin typeface="Calibri" panose="020F0502020204030204" pitchFamily="34" charset="0"/>
+                <a:cs typeface="Calibri" panose="020F0502020204030204" pitchFamily="34" charset="0"/>
+                <a:sym typeface="Wingdings" panose="05000000000000000000" pitchFamily="2" charset="2"/>
+              </a:rPr>
+              <a:t> shows </a:t>
+            </a:r>
+            <a:r>
+              <a:rPr lang="nl-BE" sz="1600" dirty="0" err="1">
+                <a:latin typeface="Calibri" panose="020F0502020204030204" pitchFamily="34" charset="0"/>
+                <a:cs typeface="Calibri" panose="020F0502020204030204" pitchFamily="34" charset="0"/>
+                <a:sym typeface="Wingdings" panose="05000000000000000000" pitchFamily="2" charset="2"/>
+              </a:rPr>
+              <a:t>that</a:t>
+            </a:r>
+            <a:r>
+              <a:rPr lang="nl-BE" sz="1600" dirty="0">
+                <a:latin typeface="Calibri" panose="020F0502020204030204" pitchFamily="34" charset="0"/>
+                <a:cs typeface="Calibri" panose="020F0502020204030204" pitchFamily="34" charset="0"/>
+                <a:sym typeface="Wingdings" panose="05000000000000000000" pitchFamily="2" charset="2"/>
+              </a:rPr>
+              <a:t> ML </a:t>
+            </a:r>
+            <a:r>
+              <a:rPr lang="nl-BE" sz="1600" dirty="0" err="1">
+                <a:latin typeface="Calibri" panose="020F0502020204030204" pitchFamily="34" charset="0"/>
+                <a:cs typeface="Calibri" panose="020F0502020204030204" pitchFamily="34" charset="0"/>
+                <a:sym typeface="Wingdings" panose="05000000000000000000" pitchFamily="2" charset="2"/>
+              </a:rPr>
+              <a:t>methods</a:t>
+            </a:r>
+            <a:r>
+              <a:rPr lang="nl-BE" sz="1600" dirty="0">
+                <a:latin typeface="Calibri" panose="020F0502020204030204" pitchFamily="34" charset="0"/>
+                <a:cs typeface="Calibri" panose="020F0502020204030204" pitchFamily="34" charset="0"/>
+                <a:sym typeface="Wingdings" panose="05000000000000000000" pitchFamily="2" charset="2"/>
+              </a:rPr>
+              <a:t> </a:t>
+            </a:r>
+            <a:r>
+              <a:rPr lang="nl-BE" sz="1600" dirty="0" err="1">
+                <a:latin typeface="Calibri" panose="020F0502020204030204" pitchFamily="34" charset="0"/>
+                <a:cs typeface="Calibri" panose="020F0502020204030204" pitchFamily="34" charset="0"/>
+                <a:sym typeface="Wingdings" panose="05000000000000000000" pitchFamily="2" charset="2"/>
+              </a:rPr>
+              <a:t>can</a:t>
+            </a:r>
+            <a:r>
+              <a:rPr lang="nl-BE" sz="1600" dirty="0">
+                <a:latin typeface="Calibri" panose="020F0502020204030204" pitchFamily="34" charset="0"/>
+                <a:cs typeface="Calibri" panose="020F0502020204030204" pitchFamily="34" charset="0"/>
+                <a:sym typeface="Wingdings" panose="05000000000000000000" pitchFamily="2" charset="2"/>
+              </a:rPr>
+              <a:t> </a:t>
+            </a:r>
+            <a:r>
+              <a:rPr lang="nl-BE" sz="1600" dirty="0" err="1">
+                <a:latin typeface="Calibri" panose="020F0502020204030204" pitchFamily="34" charset="0"/>
+                <a:cs typeface="Calibri" panose="020F0502020204030204" pitchFamily="34" charset="0"/>
+                <a:sym typeface="Wingdings" panose="05000000000000000000" pitchFamily="2" charset="2"/>
+              </a:rPr>
+              <a:t>accurately</a:t>
+            </a:r>
+            <a:r>
+              <a:rPr lang="nl-BE" sz="1600" dirty="0">
+                <a:latin typeface="Calibri" panose="020F0502020204030204" pitchFamily="34" charset="0"/>
+                <a:cs typeface="Calibri" panose="020F0502020204030204" pitchFamily="34" charset="0"/>
+                <a:sym typeface="Wingdings" panose="05000000000000000000" pitchFamily="2" charset="2"/>
+              </a:rPr>
+              <a:t> </a:t>
+            </a:r>
+            <a:r>
+              <a:rPr lang="nl-BE" sz="1600" dirty="0" err="1">
+                <a:latin typeface="Calibri" panose="020F0502020204030204" pitchFamily="34" charset="0"/>
+                <a:cs typeface="Calibri" panose="020F0502020204030204" pitchFamily="34" charset="0"/>
+                <a:sym typeface="Wingdings" panose="05000000000000000000" pitchFamily="2" charset="2"/>
+              </a:rPr>
+              <a:t>approximate</a:t>
+            </a:r>
+            <a:r>
+              <a:rPr lang="nl-BE" sz="1600" dirty="0">
+                <a:latin typeface="Calibri" panose="020F0502020204030204" pitchFamily="34" charset="0"/>
+                <a:cs typeface="Calibri" panose="020F0502020204030204" pitchFamily="34" charset="0"/>
+                <a:sym typeface="Wingdings" panose="05000000000000000000" pitchFamily="2" charset="2"/>
+              </a:rPr>
+              <a:t> OPF </a:t>
+            </a:r>
+            <a:r>
+              <a:rPr lang="nl-BE" sz="1600" dirty="0" err="1">
+                <a:latin typeface="Calibri" panose="020F0502020204030204" pitchFamily="34" charset="0"/>
+                <a:cs typeface="Calibri" panose="020F0502020204030204" pitchFamily="34" charset="0"/>
+                <a:sym typeface="Wingdings" panose="05000000000000000000" pitchFamily="2" charset="2"/>
+              </a:rPr>
+              <a:t>results</a:t>
+            </a:r>
+            <a:r>
+              <a:rPr lang="nl-BE" sz="1600" dirty="0">
+                <a:latin typeface="Calibri" panose="020F0502020204030204" pitchFamily="34" charset="0"/>
+                <a:cs typeface="Calibri" panose="020F0502020204030204" pitchFamily="34" charset="0"/>
+                <a:sym typeface="Wingdings" panose="05000000000000000000" pitchFamily="2" charset="2"/>
+              </a:rPr>
+              <a:t> </a:t>
+            </a:r>
+            <a:r>
+              <a:rPr lang="nl-BE" sz="1600" dirty="0" err="1">
+                <a:latin typeface="Calibri" panose="020F0502020204030204" pitchFamily="34" charset="0"/>
+                <a:cs typeface="Calibri" panose="020F0502020204030204" pitchFamily="34" charset="0"/>
+                <a:sym typeface="Wingdings" panose="05000000000000000000" pitchFamily="2" charset="2"/>
+              </a:rPr>
+              <a:t>very</a:t>
+            </a:r>
+            <a:r>
+              <a:rPr lang="nl-BE" sz="1600" dirty="0">
+                <a:latin typeface="Calibri" panose="020F0502020204030204" pitchFamily="34" charset="0"/>
+                <a:cs typeface="Calibri" panose="020F0502020204030204" pitchFamily="34" charset="0"/>
+                <a:sym typeface="Wingdings" panose="05000000000000000000" pitchFamily="2" charset="2"/>
+              </a:rPr>
+              <a:t> </a:t>
+            </a:r>
+            <a:r>
+              <a:rPr lang="nl-BE" sz="1600" dirty="0" err="1">
+                <a:latin typeface="Calibri" panose="020F0502020204030204" pitchFamily="34" charset="0"/>
+                <a:cs typeface="Calibri" panose="020F0502020204030204" pitchFamily="34" charset="0"/>
+                <a:sym typeface="Wingdings" panose="05000000000000000000" pitchFamily="2" charset="2"/>
+              </a:rPr>
+              <a:t>fast</a:t>
+            </a:r>
+            <a:r>
+              <a:rPr lang="nl-BE" sz="1600" dirty="0">
+                <a:latin typeface="Calibri" panose="020F0502020204030204" pitchFamily="34" charset="0"/>
+                <a:cs typeface="Calibri" panose="020F0502020204030204" pitchFamily="34" charset="0"/>
+                <a:sym typeface="Wingdings" panose="05000000000000000000" pitchFamily="2" charset="2"/>
+              </a:rPr>
+              <a:t> </a:t>
+            </a:r>
+          </a:p>
+          <a:p>
+            <a:endParaRPr lang="nl-BE" sz="1600" dirty="0">
+              <a:latin typeface="Calibri" panose="020F0502020204030204" pitchFamily="34" charset="0"/>
+              <a:cs typeface="Calibri" panose="020F0502020204030204" pitchFamily="34" charset="0"/>
+            </a:endParaRPr>
+          </a:p>
+        </p:txBody>
+      </p:sp>
+    </p:spTree>
+    <p:extLst>
+      <p:ext uri="{BB962C8B-B14F-4D97-AF65-F5344CB8AC3E}">
+        <p14:creationId xmlns:p14="http://schemas.microsoft.com/office/powerpoint/2010/main" val="3594830251"/>
+      </p:ext>
+    </p:extLst>
+  </p:cSld>
+  <p:clrMapOvr>
+    <a:masterClrMapping/>
+  </p:clrMapOvr>
+</p:sld>
+</file>
+
+<file path=ppt/slides/slide4.xml><?xml version="1.0" encoding="utf-8"?>
+<p:sld xmlns:a="http://schemas.openxmlformats.org/drawingml/2006/main" xmlns:r="http://schemas.openxmlformats.org/officeDocument/2006/relationships" xmlns:p="http://schemas.openxmlformats.org/presentationml/2006/main">
+  <p:cSld>
+    <p:spTree>
+      <p:nvGrpSpPr>
+        <p:cNvPr id="1" name=""/>
+        <p:cNvGrpSpPr/>
+        <p:nvPr/>
+      </p:nvGrpSpPr>
+      <p:grpSpPr>
+        <a:xfrm>
+          <a:off x="0" y="0"/>
+          <a:ext cx="0" cy="0"/>
+          <a:chOff x="0" y="0"/>
+          <a:chExt cx="0" cy="0"/>
+        </a:xfrm>
+      </p:grpSpPr>
+      <p:sp>
+        <p:nvSpPr>
+          <p:cNvPr id="2" name="Content Placeholder 1"/>
+          <p:cNvSpPr>
+            <a:spLocks noGrp="1"/>
+          </p:cNvSpPr>
+          <p:nvPr>
+            <p:ph idx="1"/>
+          </p:nvPr>
+        </p:nvSpPr>
+        <p:spPr>
+          <a:xfrm>
+            <a:off x="576000" y="1656000"/>
+            <a:ext cx="4085210" cy="4464000"/>
+          </a:xfrm>
+        </p:spPr>
+        <p:txBody>
+          <a:bodyPr/>
+          <a:lstStyle/>
+          <a:p>
+            <a:r>
+              <a:rPr lang="en-US" dirty="0"/>
+              <a:t>TEP is based on calculating the demanding OPF problem</a:t>
+            </a:r>
+          </a:p>
+          <a:p>
+            <a:r>
+              <a:rPr lang="en-US" dirty="0"/>
+              <a:t>Increasing share of renewables </a:t>
+            </a:r>
+            <a:r>
+              <a:rPr lang="en-US" dirty="0">
+                <a:sym typeface="Wingdings" panose="05000000000000000000" pitchFamily="2" charset="2"/>
+              </a:rPr>
+              <a:t> Rising </a:t>
+            </a:r>
+            <a:r>
+              <a:rPr lang="en-US" dirty="0"/>
+              <a:t>variability in system operation</a:t>
+            </a:r>
+          </a:p>
+          <a:p>
+            <a:r>
+              <a:rPr lang="en-US" dirty="0"/>
+              <a:t>Temporal reduction techniques </a:t>
+            </a:r>
+            <a:r>
+              <a:rPr lang="en-US" dirty="0">
+                <a:sym typeface="Wingdings" panose="05000000000000000000" pitchFamily="2" charset="2"/>
+              </a:rPr>
+              <a:t> Representative periods</a:t>
+            </a:r>
+            <a:endParaRPr lang="en-US" dirty="0"/>
+          </a:p>
+        </p:txBody>
+      </p:sp>
+      <p:sp>
+        <p:nvSpPr>
+          <p:cNvPr id="3" name="Footer Placeholder 2"/>
+          <p:cNvSpPr>
+            <a:spLocks noGrp="1"/>
+          </p:cNvSpPr>
+          <p:nvPr>
+            <p:ph type="ftr" sz="quarter" idx="11"/>
+          </p:nvPr>
+        </p:nvSpPr>
+        <p:spPr/>
+        <p:txBody>
+          <a:bodyPr/>
+          <a:lstStyle/>
+          <a:p>
+            <a:r>
+              <a:rPr lang="nl-NL"/>
+              <a:t>Ingenieurswetenschappen, Werktuigkunde, TME</a:t>
+            </a:r>
+          </a:p>
+        </p:txBody>
+      </p:sp>
+      <p:sp>
+        <p:nvSpPr>
+          <p:cNvPr id="4" name="Slide Number Placeholder 3"/>
+          <p:cNvSpPr>
+            <a:spLocks noGrp="1"/>
+          </p:cNvSpPr>
+          <p:nvPr>
+            <p:ph type="sldNum" sz="quarter" idx="12"/>
+          </p:nvPr>
+        </p:nvSpPr>
+        <p:spPr/>
+        <p:txBody>
+          <a:bodyPr/>
+          <a:lstStyle/>
+          <a:p>
+            <a:fld id="{0A297500-7527-634B-90F4-69D0994C32B4}" type="slidenum">
+              <a:rPr lang="nl-NL" smtClean="0"/>
+              <a:t>4</a:t>
+            </a:fld>
+            <a:endParaRPr lang="nl-NL"/>
+          </a:p>
+        </p:txBody>
+      </p:sp>
+      <p:sp>
+        <p:nvSpPr>
+          <p:cNvPr id="5" name="Title 4"/>
+          <p:cNvSpPr>
+            <a:spLocks noGrp="1"/>
+          </p:cNvSpPr>
+          <p:nvPr>
+            <p:ph type="title"/>
+          </p:nvPr>
+        </p:nvSpPr>
+        <p:spPr/>
+        <p:txBody>
+          <a:bodyPr/>
+          <a:lstStyle/>
+          <a:p>
+            <a:r>
+              <a:rPr lang="en-US" dirty="0"/>
+              <a:t>Background: transmission expansion planning</a:t>
+            </a:r>
+          </a:p>
+        </p:txBody>
+      </p:sp>
+      <p:grpSp>
+        <p:nvGrpSpPr>
+          <p:cNvPr id="19" name="Group 18"/>
+          <p:cNvGrpSpPr/>
+          <p:nvPr/>
+        </p:nvGrpSpPr>
+        <p:grpSpPr>
+          <a:xfrm>
+            <a:off x="6408234" y="1519349"/>
+            <a:ext cx="4898740" cy="1170877"/>
+            <a:chOff x="6408234" y="1519349"/>
+            <a:chExt cx="4898740" cy="1170877"/>
+          </a:xfrm>
+        </p:grpSpPr>
+        <p:sp>
+          <p:nvSpPr>
+            <p:cNvPr id="9" name="Rounded Rectangle 8"/>
+            <p:cNvSpPr/>
+            <p:nvPr/>
+          </p:nvSpPr>
+          <p:spPr>
+            <a:xfrm>
+              <a:off x="6408234" y="1519349"/>
+              <a:ext cx="2408663" cy="1170877"/>
+            </a:xfrm>
+            <a:prstGeom prst="roundRect">
+              <a:avLst/>
+            </a:prstGeom>
+          </p:spPr>
+          <p:style>
+            <a:lnRef idx="2">
+              <a:schemeClr val="accent1">
+                <a:shade val="50000"/>
+              </a:schemeClr>
+            </a:lnRef>
+            <a:fillRef idx="1">
+              <a:schemeClr val="accent1"/>
+            </a:fillRef>
+            <a:effectRef idx="0">
+              <a:schemeClr val="accent1"/>
+            </a:effectRef>
+            <a:fontRef idx="minor">
+              <a:schemeClr val="lt1"/>
+            </a:fontRef>
+          </p:style>
+          <p:txBody>
+            <a:bodyPr rtlCol="0" anchor="ctr"/>
+            <a:lstStyle/>
+            <a:p>
+              <a:pPr algn="ctr"/>
+              <a:r>
+                <a:rPr lang="en-US" sz="1600" dirty="0"/>
+                <a:t>Capture variability in system operating conditions (weather)</a:t>
+              </a:r>
+            </a:p>
+          </p:txBody>
+        </p:sp>
+        <p:sp>
+          <p:nvSpPr>
+            <p:cNvPr id="10" name="Rounded Rectangle 9"/>
+            <p:cNvSpPr/>
+            <p:nvPr/>
+          </p:nvSpPr>
+          <p:spPr>
+            <a:xfrm>
+              <a:off x="8898311" y="1519349"/>
+              <a:ext cx="2408663" cy="1170877"/>
+            </a:xfrm>
+            <a:prstGeom prst="roundRect">
+              <a:avLst/>
+            </a:prstGeom>
+          </p:spPr>
+          <p:style>
+            <a:lnRef idx="2">
+              <a:schemeClr val="accent1">
+                <a:shade val="50000"/>
+              </a:schemeClr>
+            </a:lnRef>
+            <a:fillRef idx="1">
+              <a:schemeClr val="accent1"/>
+            </a:fillRef>
+            <a:effectRef idx="0">
+              <a:schemeClr val="accent1"/>
+            </a:effectRef>
+            <a:fontRef idx="minor">
+              <a:schemeClr val="lt1"/>
+            </a:fontRef>
+          </p:style>
+          <p:txBody>
+            <a:bodyPr rtlCol="0" anchor="ctr"/>
+            <a:lstStyle/>
+            <a:p>
+              <a:pPr algn="ctr"/>
+              <a:r>
+                <a:rPr lang="en-US" sz="1600" dirty="0"/>
+                <a:t>Accurately represent physical constraints of network</a:t>
+              </a:r>
+            </a:p>
+          </p:txBody>
+        </p:sp>
+      </p:grpSp>
+      <p:sp>
+        <p:nvSpPr>
+          <p:cNvPr id="15" name="Down Arrow 14"/>
+          <p:cNvSpPr/>
+          <p:nvPr/>
+        </p:nvSpPr>
+        <p:spPr>
+          <a:xfrm>
+            <a:off x="7170051" y="2754776"/>
+            <a:ext cx="3293690" cy="812940"/>
+          </a:xfrm>
+          <a:prstGeom prst="downArrow">
+            <a:avLst>
+              <a:gd name="adj1" fmla="val 50000"/>
+              <a:gd name="adj2" fmla="val 47561"/>
+            </a:avLst>
+          </a:prstGeom>
+        </p:spPr>
+        <p:style>
+          <a:lnRef idx="2">
+            <a:schemeClr val="accent1">
+              <a:shade val="50000"/>
+            </a:schemeClr>
+          </a:lnRef>
+          <a:fillRef idx="1">
+            <a:schemeClr val="accent1"/>
+          </a:fillRef>
+          <a:effectRef idx="0">
+            <a:schemeClr val="accent1"/>
+          </a:effectRef>
+          <a:fontRef idx="minor">
+            <a:schemeClr val="lt1"/>
+          </a:fontRef>
+        </p:style>
+        <p:txBody>
+          <a:bodyPr rtlCol="0" anchor="ctr"/>
+          <a:lstStyle/>
+          <a:p>
+            <a:pPr algn="ctr"/>
+            <a:r>
+              <a:rPr lang="en-US" sz="1600" dirty="0"/>
+              <a:t>Many demanding OPFS</a:t>
+            </a:r>
+          </a:p>
+        </p:txBody>
+      </p:sp>
+      <p:sp>
+        <p:nvSpPr>
+          <p:cNvPr id="16" name="Rounded Rectangle 15"/>
+          <p:cNvSpPr/>
+          <p:nvPr/>
+        </p:nvSpPr>
+        <p:spPr>
+          <a:xfrm>
+            <a:off x="7612564" y="3621790"/>
+            <a:ext cx="2408663" cy="695150"/>
+          </a:xfrm>
+          <a:prstGeom prst="roundRect">
+            <a:avLst/>
+          </a:prstGeom>
+        </p:spPr>
+        <p:style>
+          <a:lnRef idx="2">
+            <a:schemeClr val="accent5">
+              <a:shade val="50000"/>
+            </a:schemeClr>
+          </a:lnRef>
+          <a:fillRef idx="1">
+            <a:schemeClr val="accent5"/>
+          </a:fillRef>
+          <a:effectRef idx="0">
+            <a:schemeClr val="accent5"/>
+          </a:effectRef>
+          <a:fontRef idx="minor">
+            <a:schemeClr val="lt1"/>
+          </a:fontRef>
+        </p:style>
+        <p:txBody>
+          <a:bodyPr rtlCol="0" anchor="ctr"/>
+          <a:lstStyle/>
+          <a:p>
+            <a:pPr algn="ctr"/>
+            <a:r>
+              <a:rPr lang="en-US" sz="1600" dirty="0"/>
+              <a:t>Computational tractability</a:t>
+            </a:r>
+          </a:p>
+        </p:txBody>
+      </p:sp>
+      <p:sp>
+        <p:nvSpPr>
+          <p:cNvPr id="18" name="Down Arrow 17"/>
+          <p:cNvSpPr/>
+          <p:nvPr/>
+        </p:nvSpPr>
+        <p:spPr>
+          <a:xfrm>
+            <a:off x="7170051" y="4371150"/>
+            <a:ext cx="3338564" cy="758412"/>
+          </a:xfrm>
+          <a:prstGeom prst="downArrow">
+            <a:avLst>
+              <a:gd name="adj1" fmla="val 50000"/>
+              <a:gd name="adj2" fmla="val 47561"/>
+            </a:avLst>
+          </a:prstGeom>
+        </p:spPr>
+        <p:style>
+          <a:lnRef idx="2">
+            <a:schemeClr val="accent1">
+              <a:shade val="50000"/>
+            </a:schemeClr>
+          </a:lnRef>
+          <a:fillRef idx="1">
+            <a:schemeClr val="accent1"/>
+          </a:fillRef>
+          <a:effectRef idx="0">
+            <a:schemeClr val="accent1"/>
+          </a:effectRef>
+          <a:fontRef idx="minor">
+            <a:schemeClr val="lt1"/>
+          </a:fontRef>
+        </p:style>
+        <p:txBody>
+          <a:bodyPr rtlCol="0" anchor="ctr"/>
+          <a:lstStyle/>
+          <a:p>
+            <a:pPr algn="ctr"/>
+            <a:r>
+              <a:rPr lang="en-US" sz="1600" dirty="0"/>
+              <a:t>Temporal reduction</a:t>
+            </a:r>
+          </a:p>
+        </p:txBody>
+      </p:sp>
+      <p:sp>
+        <p:nvSpPr>
+          <p:cNvPr id="21" name="Rounded Rectangle 20"/>
+          <p:cNvSpPr/>
+          <p:nvPr/>
+        </p:nvSpPr>
+        <p:spPr>
+          <a:xfrm>
+            <a:off x="7751595" y="5183773"/>
+            <a:ext cx="2293431" cy="749224"/>
+          </a:xfrm>
+          <a:prstGeom prst="roundRect">
+            <a:avLst/>
+          </a:prstGeom>
+          <a:solidFill>
+            <a:srgbClr val="92D050"/>
+          </a:solidFill>
+        </p:spPr>
+        <p:style>
+          <a:lnRef idx="2">
+            <a:schemeClr val="accent1">
+              <a:shade val="50000"/>
+            </a:schemeClr>
+          </a:lnRef>
+          <a:fillRef idx="1">
+            <a:schemeClr val="accent1"/>
+          </a:fillRef>
+          <a:effectRef idx="0">
+            <a:schemeClr val="accent1"/>
+          </a:effectRef>
+          <a:fontRef idx="minor">
+            <a:schemeClr val="lt1"/>
+          </a:fontRef>
+        </p:style>
+        <p:txBody>
+          <a:bodyPr rtlCol="0" anchor="ctr"/>
+          <a:lstStyle/>
+          <a:p>
+            <a:pPr algn="ctr"/>
+            <a:r>
+              <a:rPr lang="en-US" sz="1600" dirty="0"/>
+              <a:t>Representative periods</a:t>
+            </a:r>
+          </a:p>
+        </p:txBody>
+      </p:sp>
+    </p:spTree>
+    <p:extLst>
+      <p:ext uri="{BB962C8B-B14F-4D97-AF65-F5344CB8AC3E}">
+        <p14:creationId xmlns:p14="http://schemas.microsoft.com/office/powerpoint/2010/main" val="1496702185"/>
+      </p:ext>
+    </p:extLst>
+  </p:cSld>
+  <p:clrMapOvr>
+    <a:masterClrMapping/>
+  </p:clrMapOvr>
+</p:sld>
+</file>
+
+<file path=ppt/slides/slide5.xml><?xml version="1.0" encoding="utf-8"?>
+<p:sld xmlns:a="http://schemas.openxmlformats.org/drawingml/2006/main" xmlns:r="http://schemas.openxmlformats.org/officeDocument/2006/relationships" xmlns:p="http://schemas.openxmlformats.org/presentationml/2006/main">
+  <p:cSld>
+    <p:spTree>
+      <p:nvGrpSpPr>
+        <p:cNvPr id="1" name=""/>
+        <p:cNvGrpSpPr/>
+        <p:nvPr/>
+      </p:nvGrpSpPr>
+      <p:grpSpPr>
+        <a:xfrm>
+          <a:off x="0" y="0"/>
+          <a:ext cx="0" cy="0"/>
+          <a:chOff x="0" y="0"/>
+          <a:chExt cx="0" cy="0"/>
+        </a:xfrm>
+      </p:grpSpPr>
+      <p:sp>
+        <p:nvSpPr>
+          <p:cNvPr id="2" name="Content Placeholder 1"/>
+          <p:cNvSpPr>
+            <a:spLocks noGrp="1"/>
+          </p:cNvSpPr>
+          <p:nvPr>
+            <p:ph idx="1"/>
+          </p:nvPr>
+        </p:nvSpPr>
+        <p:spPr>
+          <a:xfrm>
+            <a:off x="576000" y="1656000"/>
+            <a:ext cx="4253695" cy="4464000"/>
+          </a:xfrm>
+        </p:spPr>
+        <p:txBody>
+          <a:bodyPr/>
+          <a:lstStyle/>
+          <a:p>
+            <a:r>
+              <a:rPr lang="en-US" dirty="0"/>
+              <a:t>How to find representative periods for a spatially resolved system with complex interactions? </a:t>
+            </a:r>
+          </a:p>
+          <a:p>
+            <a:pPr marL="0" indent="0">
+              <a:buNone/>
+            </a:pPr>
+            <a:endParaRPr lang="en-US" dirty="0">
+              <a:sym typeface="Wingdings" panose="05000000000000000000" pitchFamily="2" charset="2"/>
+            </a:endParaRPr>
+          </a:p>
+          <a:p>
+            <a:pPr marL="0" indent="0">
+              <a:buNone/>
+            </a:pPr>
+            <a:r>
+              <a:rPr lang="en-US" dirty="0">
+                <a:sym typeface="Wingdings" panose="05000000000000000000" pitchFamily="2" charset="2"/>
+              </a:rPr>
+              <a:t> Ex-post clustering = use simplified model to extract features relevant for your problem and cluster on those </a:t>
+            </a:r>
+            <a:endParaRPr lang="en-US" dirty="0"/>
+          </a:p>
+        </p:txBody>
+      </p:sp>
+      <p:sp>
+        <p:nvSpPr>
+          <p:cNvPr id="3" name="Footer Placeholder 2"/>
+          <p:cNvSpPr>
+            <a:spLocks noGrp="1"/>
+          </p:cNvSpPr>
+          <p:nvPr>
+            <p:ph type="ftr" sz="quarter" idx="11"/>
+          </p:nvPr>
+        </p:nvSpPr>
+        <p:spPr/>
+        <p:txBody>
+          <a:bodyPr/>
+          <a:lstStyle/>
+          <a:p>
+            <a:r>
+              <a:rPr lang="nl-NL"/>
+              <a:t>Ingenieurswetenschappen, Werktuigkunde, TME</a:t>
+            </a:r>
+          </a:p>
+        </p:txBody>
+      </p:sp>
+      <p:sp>
+        <p:nvSpPr>
+          <p:cNvPr id="4" name="Slide Number Placeholder 3"/>
+          <p:cNvSpPr>
+            <a:spLocks noGrp="1"/>
+          </p:cNvSpPr>
+          <p:nvPr>
+            <p:ph type="sldNum" sz="quarter" idx="12"/>
+          </p:nvPr>
+        </p:nvSpPr>
+        <p:spPr/>
+        <p:txBody>
+          <a:bodyPr/>
+          <a:lstStyle/>
+          <a:p>
+            <a:fld id="{0A297500-7527-634B-90F4-69D0994C32B4}" type="slidenum">
+              <a:rPr lang="nl-NL" smtClean="0"/>
+              <a:t>5</a:t>
+            </a:fld>
+            <a:endParaRPr lang="nl-NL"/>
+          </a:p>
+        </p:txBody>
+      </p:sp>
+      <p:sp>
+        <p:nvSpPr>
+          <p:cNvPr id="5" name="Title 4"/>
+          <p:cNvSpPr>
+            <a:spLocks noGrp="1"/>
+          </p:cNvSpPr>
+          <p:nvPr>
+            <p:ph type="title"/>
+          </p:nvPr>
+        </p:nvSpPr>
+        <p:spPr/>
+        <p:txBody>
+          <a:bodyPr/>
+          <a:lstStyle/>
+          <a:p>
+            <a:r>
+              <a:rPr lang="en-US" dirty="0"/>
+              <a:t>Motivation: finding representative periods</a:t>
+            </a:r>
+          </a:p>
+        </p:txBody>
+      </p:sp>
+      <p:pic>
+        <p:nvPicPr>
+          <p:cNvPr id="6" name="Imagen 6">
+            <a:extLst>
+              <a:ext uri="{FF2B5EF4-FFF2-40B4-BE49-F238E27FC236}">
+                <a16:creationId xmlns:a16="http://schemas.microsoft.com/office/drawing/2014/main" id="{E6D857EB-149F-7233-A636-9C9EBE0F90FF}"/>
+              </a:ext>
+            </a:extLst>
+          </p:cNvPr>
+          <p:cNvPicPr>
+            <a:picLocks noChangeAspect="1"/>
+          </p:cNvPicPr>
+          <p:nvPr/>
+        </p:nvPicPr>
+        <p:blipFill>
+          <a:blip r:embed="rId2"/>
+          <a:stretch>
+            <a:fillRect/>
+          </a:stretch>
+        </p:blipFill>
+        <p:spPr>
+          <a:xfrm>
+            <a:off x="5159983" y="1656000"/>
+            <a:ext cx="6740434" cy="3790301"/>
+          </a:xfrm>
+          <a:prstGeom prst="rect">
+            <a:avLst/>
+          </a:prstGeom>
+        </p:spPr>
+      </p:pic>
+    </p:spTree>
+    <p:extLst>
+      <p:ext uri="{BB962C8B-B14F-4D97-AF65-F5344CB8AC3E}">
+        <p14:creationId xmlns:p14="http://schemas.microsoft.com/office/powerpoint/2010/main" val="2446140320"/>
+      </p:ext>
+    </p:extLst>
+  </p:cSld>
+  <p:clrMapOvr>
+    <a:masterClrMapping/>
+  </p:clrMapOvr>
+</p:sld>
+</file>
+
+<file path=ppt/slides/slide6.xml><?xml version="1.0" encoding="utf-8"?>
+<p:sld xmlns:a="http://schemas.openxmlformats.org/drawingml/2006/main" xmlns:r="http://schemas.openxmlformats.org/officeDocument/2006/relationships" xmlns:p="http://schemas.openxmlformats.org/presentationml/2006/main">
+  <p:cSld>
+    <p:spTree>
+      <p:nvGrpSpPr>
+        <p:cNvPr id="1" name=""/>
+        <p:cNvGrpSpPr/>
+        <p:nvPr/>
+      </p:nvGrpSpPr>
+      <p:grpSpPr>
+        <a:xfrm>
+          <a:off x="0" y="0"/>
+          <a:ext cx="0" cy="0"/>
+          <a:chOff x="0" y="0"/>
+          <a:chExt cx="0" cy="0"/>
+        </a:xfrm>
+      </p:grpSpPr>
+      <p:sp>
+        <p:nvSpPr>
+          <p:cNvPr id="2" name="Content Placeholder 1"/>
+          <p:cNvSpPr>
+            <a:spLocks noGrp="1"/>
+          </p:cNvSpPr>
+          <p:nvPr>
+            <p:ph idx="1"/>
+          </p:nvPr>
+        </p:nvSpPr>
+        <p:spPr>
+          <a:xfrm>
+            <a:off x="576000" y="1656000"/>
+            <a:ext cx="9482400" cy="4464000"/>
+          </a:xfrm>
+        </p:spPr>
+        <p:txBody>
+          <a:bodyPr/>
+          <a:lstStyle/>
+          <a:p>
+            <a:r>
+              <a:rPr lang="en-US" dirty="0"/>
+              <a:t>Proposed feature for clustering for TEP: Investment benefit of individual lines</a:t>
+            </a:r>
+          </a:p>
+          <a:p>
+            <a:pPr lvl="1"/>
+            <a:r>
+              <a:rPr lang="en-US" dirty="0"/>
+              <a:t>Many possible candidates </a:t>
+            </a:r>
+          </a:p>
+          <a:p>
+            <a:pPr lvl="1"/>
+            <a:r>
+              <a:rPr lang="en-US" dirty="0"/>
+              <a:t>Many discrete values for expansion </a:t>
+            </a:r>
+          </a:p>
+          <a:p>
+            <a:pPr lvl="1"/>
+            <a:r>
+              <a:rPr lang="en-US" dirty="0"/>
+              <a:t>Weather year sensitivity</a:t>
+            </a:r>
+          </a:p>
+          <a:p>
+            <a:pPr lvl="1"/>
+            <a:endParaRPr lang="en-US" dirty="0"/>
+          </a:p>
+          <a:p>
+            <a:pPr>
+              <a:buFont typeface="Wingdings" panose="05000000000000000000" pitchFamily="2" charset="2"/>
+              <a:buChar char="à"/>
+            </a:pPr>
+            <a:r>
+              <a:rPr lang="en-US" dirty="0">
+                <a:sym typeface="Wingdings" panose="05000000000000000000" pitchFamily="2" charset="2"/>
+              </a:rPr>
+              <a:t>A multitude of OPFs to be solved </a:t>
+            </a:r>
+          </a:p>
+          <a:p>
+            <a:pPr>
+              <a:buFont typeface="Wingdings" panose="05000000000000000000" pitchFamily="2" charset="2"/>
+              <a:buChar char="à"/>
+            </a:pPr>
+            <a:r>
+              <a:rPr lang="en-US" dirty="0">
+                <a:sym typeface="Wingdings" panose="05000000000000000000" pitchFamily="2" charset="2"/>
+              </a:rPr>
+              <a:t>Replace part of the calculation with a machine-learning algorithm</a:t>
+            </a:r>
+            <a:endParaRPr lang="en-US" dirty="0"/>
+          </a:p>
+        </p:txBody>
+      </p:sp>
+      <p:sp>
+        <p:nvSpPr>
+          <p:cNvPr id="3" name="Footer Placeholder 2"/>
+          <p:cNvSpPr>
+            <a:spLocks noGrp="1"/>
+          </p:cNvSpPr>
+          <p:nvPr>
+            <p:ph type="ftr" sz="quarter" idx="11"/>
+          </p:nvPr>
+        </p:nvSpPr>
+        <p:spPr/>
+        <p:txBody>
+          <a:bodyPr/>
+          <a:lstStyle/>
+          <a:p>
+            <a:r>
+              <a:rPr lang="nl-NL"/>
+              <a:t>Ingenieurswetenschappen, Werktuigkunde, TME</a:t>
+            </a:r>
+          </a:p>
+        </p:txBody>
+      </p:sp>
+      <p:sp>
+        <p:nvSpPr>
+          <p:cNvPr id="4" name="Slide Number Placeholder 3"/>
+          <p:cNvSpPr>
+            <a:spLocks noGrp="1"/>
+          </p:cNvSpPr>
+          <p:nvPr>
+            <p:ph type="sldNum" sz="quarter" idx="12"/>
+          </p:nvPr>
+        </p:nvSpPr>
+        <p:spPr/>
+        <p:txBody>
+          <a:bodyPr/>
+          <a:lstStyle/>
+          <a:p>
+            <a:fld id="{0A297500-7527-634B-90F4-69D0994C32B4}" type="slidenum">
+              <a:rPr lang="nl-NL" smtClean="0"/>
+              <a:t>6</a:t>
+            </a:fld>
+            <a:endParaRPr lang="nl-NL"/>
+          </a:p>
+        </p:txBody>
+      </p:sp>
+      <p:sp>
+        <p:nvSpPr>
+          <p:cNvPr id="5" name="Title 4"/>
+          <p:cNvSpPr>
+            <a:spLocks noGrp="1"/>
+          </p:cNvSpPr>
+          <p:nvPr>
+            <p:ph type="title"/>
+          </p:nvPr>
+        </p:nvSpPr>
+        <p:spPr/>
+        <p:txBody>
+          <a:bodyPr/>
+          <a:lstStyle/>
+          <a:p>
+            <a:r>
+              <a:rPr lang="en-US" dirty="0"/>
+              <a:t>Motivation: finding representative periods</a:t>
+            </a:r>
+          </a:p>
+        </p:txBody>
+      </p:sp>
+    </p:spTree>
+    <p:extLst>
+      <p:ext uri="{BB962C8B-B14F-4D97-AF65-F5344CB8AC3E}">
+        <p14:creationId xmlns:p14="http://schemas.microsoft.com/office/powerpoint/2010/main" val="364530727"/>
+      </p:ext>
+    </p:extLst>
+  </p:cSld>
+  <p:clrMapOvr>
+    <a:masterClrMapping/>
+  </p:clrMapOvr>
+</p:sld>
+</file>
+
+<file path=ppt/slides/slide7.xml><?xml version="1.0" encoding="utf-8"?>
 <p:sld xmlns:a="http://schemas.openxmlformats.org/drawingml/2006/main" xmlns:r="http://schemas.openxmlformats.org/officeDocument/2006/relationships" xmlns:p="http://schemas.openxmlformats.org/presentationml/2006/main">
   <p:cSld>
     <p:spTree>
@@ -5519,7 +9055,7 @@
           <a:p>
             <a:fld id="{0A297500-7527-634B-90F4-69D0994C32B4}" type="slidenum">
               <a:rPr lang="nl-NL" smtClean="0"/>
-              <a:t>3</a:t>
+              <a:t>7</a:t>
             </a:fld>
             <a:endParaRPr lang="nl-NL"/>
           </a:p>
@@ -8773,7 +12309,7 @@
 </p:sld>
 </file>
 
-<file path=ppt/slides/slide4.xml><?xml version="1.0" encoding="utf-8"?>
+<file path=ppt/slides/slide8.xml><?xml version="1.0" encoding="utf-8"?>
 <p:sld xmlns:a="http://schemas.openxmlformats.org/drawingml/2006/main" xmlns:r="http://schemas.openxmlformats.org/officeDocument/2006/relationships" xmlns:p="http://schemas.openxmlformats.org/presentationml/2006/main">
   <p:cSld>
     <p:spTree>
@@ -8829,7 +12365,7 @@
           <a:p>
             <a:fld id="{0A297500-7527-634B-90F4-69D0994C32B4}" type="slidenum">
               <a:rPr lang="nl-NL" smtClean="0"/>
-              <a:t>4</a:t>
+              <a:t>8</a:t>
             </a:fld>
             <a:endParaRPr lang="nl-NL"/>
           </a:p>
@@ -8864,8 +12400,8 @@
           </a:p>
         </p:txBody>
       </p:sp>
-      <mc:AlternateContent xmlns:mc="http://schemas.openxmlformats.org/markup-compatibility/2006">
-        <mc:Choice xmlns:a14="http://schemas.microsoft.com/office/drawing/2010/main" Requires="a14">
+      <mc:AlternateContent xmlns:mc="http://schemas.openxmlformats.org/markup-compatibility/2006" xmlns:a14="http://schemas.microsoft.com/office/drawing/2010/main">
+        <mc:Choice Requires="a14">
           <p:graphicFrame>
             <p:nvGraphicFramePr>
               <p:cNvPr id="6" name="Tabla 1">
@@ -11809,17 +15345,7 @@
                                         <a:effectLst/>
                                         <a:latin typeface="Cambria Math" panose="02040503050406030204" pitchFamily="18" charset="0"/>
                                       </a:rPr>
-                                      <m:t>𝑘</m:t>
-                                    </m:r>
-                                    <m:r>
-                                      <a:rPr lang="es-ES" sz="1200" b="0" i="1" noProof="0" smtClean="0">
-                                        <a:solidFill>
-                                          <a:srgbClr val="000000"/>
-                                        </a:solidFill>
-                                        <a:effectLst/>
-                                        <a:latin typeface="Cambria Math" panose="02040503050406030204" pitchFamily="18" charset="0"/>
-                                      </a:rPr>
-                                      <m:t>𝑚</m:t>
+                                      <m:t>𝑘𝑚</m:t>
                                     </m:r>
                                   </m:sub>
                                 </m:sSub>
@@ -12377,17 +15903,7 @@
                                     <a:effectLst/>
                                     <a:latin typeface="Cambria Math" panose="02040503050406030204" pitchFamily="18" charset="0"/>
                                   </a:rPr>
-                                  <m:t>=</m:t>
-                                </m:r>
-                                <m:r>
-                                  <a:rPr lang="es-ES" sz="1200" b="0" i="1" noProof="0" smtClean="0">
-                                    <a:solidFill>
-                                      <a:srgbClr val="000000"/>
-                                    </a:solidFill>
-                                    <a:effectLst/>
-                                    <a:latin typeface="Cambria Math" panose="02040503050406030204" pitchFamily="18" charset="0"/>
-                                  </a:rPr>
-                                  <m:t>−</m:t>
+                                  <m:t>=−</m:t>
                                 </m:r>
                                 <m:sSub>
                                   <m:sSubPr>
@@ -14387,18 +17903,7 @@
                                         <a:latin typeface="Cambria Math" panose="02040503050406030204" pitchFamily="18" charset="0"/>
                                         <a:ea typeface="Cambria Math" panose="02040503050406030204" pitchFamily="18" charset="0"/>
                                       </a:rPr>
-                                      <m:t>𝑘</m:t>
-                                    </m:r>
-                                    <m:r>
-                                      <a:rPr lang="es-ES" sz="1200" b="0" i="1" noProof="0" smtClean="0">
-                                        <a:solidFill>
-                                          <a:srgbClr val="000000"/>
-                                        </a:solidFill>
-                                        <a:effectLst/>
-                                        <a:latin typeface="Cambria Math" panose="02040503050406030204" pitchFamily="18" charset="0"/>
-                                        <a:ea typeface="Cambria Math" panose="02040503050406030204" pitchFamily="18" charset="0"/>
-                                      </a:rPr>
-                                      <m:t>𝑚</m:t>
+                                      <m:t>𝑘𝑚</m:t>
                                     </m:r>
                                   </m:sub>
                                   <m:sup>
@@ -14790,18 +18295,7 @@
                                         <a:latin typeface="Cambria Math" panose="02040503050406030204" pitchFamily="18" charset="0"/>
                                         <a:ea typeface="Cambria Math" panose="02040503050406030204" pitchFamily="18" charset="0"/>
                                       </a:rPr>
-                                      <m:t>𝑚</m:t>
-                                    </m:r>
-                                    <m:r>
-                                      <a:rPr lang="es-ES" sz="1200" b="0" i="1" noProof="0" smtClean="0">
-                                        <a:solidFill>
-                                          <a:srgbClr val="000000"/>
-                                        </a:solidFill>
-                                        <a:effectLst/>
-                                        <a:latin typeface="Cambria Math" panose="02040503050406030204" pitchFamily="18" charset="0"/>
-                                        <a:ea typeface="Cambria Math" panose="02040503050406030204" pitchFamily="18" charset="0"/>
-                                      </a:rPr>
-                                      <m:t>𝑖𝑛</m:t>
+                                      <m:t>𝑚𝑖𝑛</m:t>
                                     </m:r>
                                   </m:sup>
                                 </m:sSubSup>
@@ -15599,7 +19093,7 @@
             </a:graphic>
           </p:graphicFrame>
         </mc:Choice>
-        <mc:Fallback>
+        <mc:Fallback xmlns="">
           <p:graphicFrame>
             <p:nvGraphicFramePr>
               <p:cNvPr id="6" name="Tabla 1">
@@ -18537,7 +22031,7 @@
 </p:sld>
 </file>
 
-<file path=ppt/slides/slide5.xml><?xml version="1.0" encoding="utf-8"?>
+<file path=ppt/slides/slide9.xml><?xml version="1.0" encoding="utf-8"?>
 <p:sld xmlns:a="http://schemas.openxmlformats.org/drawingml/2006/main" xmlns:r="http://schemas.openxmlformats.org/officeDocument/2006/relationships" xmlns:p="http://schemas.openxmlformats.org/presentationml/2006/main">
   <p:cSld>
     <p:spTree>
@@ -18653,7 +22147,7 @@
           <a:p>
             <a:fld id="{0A297500-7527-634B-90F4-69D0994C32B4}" type="slidenum">
               <a:rPr lang="nl-NL" smtClean="0"/>
-              <a:t>5</a:t>
+              <a:t>9</a:t>
             </a:fld>
             <a:endParaRPr lang="nl-NL"/>
           </a:p>
@@ -19483,1732 +22977,6 @@
     <p:extLst>
       <p:ext uri="{BB962C8B-B14F-4D97-AF65-F5344CB8AC3E}">
         <p14:creationId xmlns:p14="http://schemas.microsoft.com/office/powerpoint/2010/main" val="2723966266"/>
-      </p:ext>
-    </p:extLst>
-  </p:cSld>
-  <p:clrMapOvr>
-    <a:masterClrMapping/>
-  </p:clrMapOvr>
-</p:sld>
-</file>
-
-<file path=ppt/slides/slide6.xml><?xml version="1.0" encoding="utf-8"?>
-<p:sld xmlns:a="http://schemas.openxmlformats.org/drawingml/2006/main" xmlns:r="http://schemas.openxmlformats.org/officeDocument/2006/relationships" xmlns:p="http://schemas.openxmlformats.org/presentationml/2006/main">
-  <p:cSld>
-    <p:spTree>
-      <p:nvGrpSpPr>
-        <p:cNvPr id="1" name=""/>
-        <p:cNvGrpSpPr/>
-        <p:nvPr/>
-      </p:nvGrpSpPr>
-      <p:grpSpPr>
-        <a:xfrm>
-          <a:off x="0" y="0"/>
-          <a:ext cx="0" cy="0"/>
-          <a:chOff x="0" y="0"/>
-          <a:chExt cx="0" cy="0"/>
-        </a:xfrm>
-      </p:grpSpPr>
-      <p:sp>
-        <p:nvSpPr>
-          <p:cNvPr id="3" name="Footer Placeholder 2"/>
-          <p:cNvSpPr>
-            <a:spLocks noGrp="1"/>
-          </p:cNvSpPr>
-          <p:nvPr>
-            <p:ph type="ftr" sz="quarter" idx="11"/>
-          </p:nvPr>
-        </p:nvSpPr>
-        <p:spPr/>
-        <p:txBody>
-          <a:bodyPr/>
-          <a:lstStyle/>
-          <a:p>
-            <a:r>
-              <a:rPr lang="nl-NL"/>
-              <a:t>Ingenieurswetenschappen, Werktuigkunde, TME</a:t>
-            </a:r>
-          </a:p>
-        </p:txBody>
-      </p:sp>
-      <p:sp>
-        <p:nvSpPr>
-          <p:cNvPr id="4" name="Slide Number Placeholder 3"/>
-          <p:cNvSpPr>
-            <a:spLocks noGrp="1"/>
-          </p:cNvSpPr>
-          <p:nvPr>
-            <p:ph type="sldNum" sz="quarter" idx="12"/>
-          </p:nvPr>
-        </p:nvSpPr>
-        <p:spPr/>
-        <p:txBody>
-          <a:bodyPr/>
-          <a:lstStyle/>
-          <a:p>
-            <a:fld id="{0A297500-7527-634B-90F4-69D0994C32B4}" type="slidenum">
-              <a:rPr lang="nl-NL" smtClean="0"/>
-              <a:t>6</a:t>
-            </a:fld>
-            <a:endParaRPr lang="nl-NL"/>
-          </a:p>
-        </p:txBody>
-      </p:sp>
-      <p:sp>
-        <p:nvSpPr>
-          <p:cNvPr id="5" name="Title 4"/>
-          <p:cNvSpPr>
-            <a:spLocks noGrp="1"/>
-          </p:cNvSpPr>
-          <p:nvPr>
-            <p:ph type="title"/>
-          </p:nvPr>
-        </p:nvSpPr>
-        <p:spPr/>
-        <p:txBody>
-          <a:bodyPr>
-            <a:normAutofit/>
-          </a:bodyPr>
-          <a:lstStyle/>
-          <a:p>
-            <a:r>
-              <a:rPr lang="en-US" dirty="0"/>
-              <a:t>Line Benefits</a:t>
-            </a:r>
-          </a:p>
-        </p:txBody>
-      </p:sp>
-      <p:sp>
-        <p:nvSpPr>
-          <p:cNvPr id="9" name="CuadroTexto 8">
-            <a:extLst>
-              <a:ext uri="{FF2B5EF4-FFF2-40B4-BE49-F238E27FC236}">
-                <a16:creationId xmlns:a16="http://schemas.microsoft.com/office/drawing/2014/main" id="{CEE43A32-779C-5A87-462E-F0637320A8FC}"/>
-              </a:ext>
-            </a:extLst>
-          </p:cNvPr>
-          <p:cNvSpPr txBox="1"/>
-          <p:nvPr/>
-        </p:nvSpPr>
-        <p:spPr>
-          <a:xfrm>
-            <a:off x="10476649" y="2303871"/>
-            <a:ext cx="1358065" cy="307777"/>
-          </a:xfrm>
-          <a:prstGeom prst="rect">
-            <a:avLst/>
-          </a:prstGeom>
-          <a:noFill/>
-        </p:spPr>
-        <p:txBody>
-          <a:bodyPr wrap="none" rtlCol="0">
-            <a:spAutoFit/>
-          </a:bodyPr>
-          <a:lstStyle/>
-          <a:p>
-            <a:pPr algn="ctr"/>
-            <a:r>
-              <a:rPr lang="en-GB" sz="1400" dirty="0"/>
-              <a:t>Reference grid</a:t>
-            </a:r>
-          </a:p>
-        </p:txBody>
-      </p:sp>
-      <p:sp>
-        <p:nvSpPr>
-          <p:cNvPr id="12" name="Rectángulo: esquinas redondeadas 11">
-            <a:extLst>
-              <a:ext uri="{FF2B5EF4-FFF2-40B4-BE49-F238E27FC236}">
-                <a16:creationId xmlns:a16="http://schemas.microsoft.com/office/drawing/2014/main" id="{0B0B49D7-A880-6C46-D245-17FD2EE690CE}"/>
-              </a:ext>
-            </a:extLst>
-          </p:cNvPr>
-          <p:cNvSpPr/>
-          <p:nvPr/>
-        </p:nvSpPr>
-        <p:spPr>
-          <a:xfrm>
-            <a:off x="7864878" y="2721518"/>
-            <a:ext cx="1209368" cy="619433"/>
-          </a:xfrm>
-          <a:prstGeom prst="roundRect">
-            <a:avLst/>
-          </a:prstGeom>
-        </p:spPr>
-        <p:style>
-          <a:lnRef idx="2">
-            <a:schemeClr val="dk1">
-              <a:shade val="50000"/>
-            </a:schemeClr>
-          </a:lnRef>
-          <a:fillRef idx="1">
-            <a:schemeClr val="dk1"/>
-          </a:fillRef>
-          <a:effectRef idx="0">
-            <a:schemeClr val="dk1"/>
-          </a:effectRef>
-          <a:fontRef idx="minor">
-            <a:schemeClr val="lt1"/>
-          </a:fontRef>
-        </p:style>
-        <p:txBody>
-          <a:bodyPr rtlCol="0" anchor="ctr"/>
-          <a:lstStyle/>
-          <a:p>
-            <a:pPr algn="ctr"/>
-            <a:r>
-              <a:rPr lang="en-GB" sz="1600" b="1" dirty="0"/>
-              <a:t>ANN Cost</a:t>
-            </a:r>
-          </a:p>
-          <a:p>
-            <a:pPr algn="ctr"/>
-            <a:r>
-              <a:rPr lang="en-GB" sz="1600" b="1" dirty="0"/>
-              <a:t>Estimator</a:t>
-            </a:r>
-          </a:p>
-        </p:txBody>
-      </p:sp>
-      <p:sp>
-        <p:nvSpPr>
-          <p:cNvPr id="15" name="Rectángulo: esquinas redondeadas 14">
-            <a:extLst>
-              <a:ext uri="{FF2B5EF4-FFF2-40B4-BE49-F238E27FC236}">
-                <a16:creationId xmlns:a16="http://schemas.microsoft.com/office/drawing/2014/main" id="{E23A2693-D652-6C66-6826-11C1D943C265}"/>
-              </a:ext>
-            </a:extLst>
-          </p:cNvPr>
-          <p:cNvSpPr/>
-          <p:nvPr/>
-        </p:nvSpPr>
-        <p:spPr>
-          <a:xfrm>
-            <a:off x="10543397" y="2721518"/>
-            <a:ext cx="1209368" cy="619433"/>
-          </a:xfrm>
-          <a:prstGeom prst="roundRect">
-            <a:avLst/>
-          </a:prstGeom>
-        </p:spPr>
-        <p:style>
-          <a:lnRef idx="2">
-            <a:schemeClr val="dk1">
-              <a:shade val="50000"/>
-            </a:schemeClr>
-          </a:lnRef>
-          <a:fillRef idx="1">
-            <a:schemeClr val="dk1"/>
-          </a:fillRef>
-          <a:effectRef idx="0">
-            <a:schemeClr val="dk1"/>
-          </a:effectRef>
-          <a:fontRef idx="minor">
-            <a:schemeClr val="lt1"/>
-          </a:fontRef>
-        </p:style>
-        <p:txBody>
-          <a:bodyPr rtlCol="0" anchor="ctr"/>
-          <a:lstStyle/>
-          <a:p>
-            <a:pPr algn="ctr"/>
-            <a:r>
-              <a:rPr lang="en-GB" sz="1600" b="1" dirty="0"/>
-              <a:t>ANN Cost</a:t>
-            </a:r>
-          </a:p>
-          <a:p>
-            <a:pPr algn="ctr"/>
-            <a:r>
-              <a:rPr lang="en-GB" sz="1600" b="1" dirty="0"/>
-              <a:t>Estimator</a:t>
-            </a:r>
-          </a:p>
-        </p:txBody>
-      </p:sp>
-      <p:sp>
-        <p:nvSpPr>
-          <p:cNvPr id="17" name="Rectángulo: esquinas redondeadas 16">
-            <a:extLst>
-              <a:ext uri="{FF2B5EF4-FFF2-40B4-BE49-F238E27FC236}">
-                <a16:creationId xmlns:a16="http://schemas.microsoft.com/office/drawing/2014/main" id="{AE123482-1D87-128C-57E9-7F228FC3D60A}"/>
-              </a:ext>
-            </a:extLst>
-          </p:cNvPr>
-          <p:cNvSpPr/>
-          <p:nvPr/>
-        </p:nvSpPr>
-        <p:spPr>
-          <a:xfrm>
-            <a:off x="8704873" y="3527352"/>
-            <a:ext cx="2146020" cy="1049941"/>
-          </a:xfrm>
-          <a:prstGeom prst="roundRect">
-            <a:avLst/>
-          </a:prstGeom>
-        </p:spPr>
-        <p:style>
-          <a:lnRef idx="2">
-            <a:schemeClr val="dk1"/>
-          </a:lnRef>
-          <a:fillRef idx="1">
-            <a:schemeClr val="lt1"/>
-          </a:fillRef>
-          <a:effectRef idx="0">
-            <a:schemeClr val="dk1"/>
-          </a:effectRef>
-          <a:fontRef idx="minor">
-            <a:schemeClr val="dk1"/>
-          </a:fontRef>
-        </p:style>
-        <p:txBody>
-          <a:bodyPr rtlCol="0" anchor="ctr"/>
-          <a:lstStyle/>
-          <a:p>
-            <a:pPr algn="ctr"/>
-            <a:r>
-              <a:rPr lang="en-GB" sz="1200" b="1" dirty="0"/>
-              <a:t>Benefit 1 (Benefit 2) = </a:t>
-            </a:r>
-          </a:p>
-          <a:p>
-            <a:pPr algn="ctr"/>
-            <a:r>
-              <a:rPr lang="en-GB" sz="1200" b="1" dirty="0"/>
-              <a:t>Reference grid – PINT</a:t>
-            </a:r>
-          </a:p>
-          <a:p>
-            <a:pPr algn="ctr"/>
-            <a:r>
-              <a:rPr lang="en-GB" sz="1200" b="1" dirty="0"/>
-              <a:t>(TOOT – Reference grid)</a:t>
-            </a:r>
-          </a:p>
-        </p:txBody>
-      </p:sp>
-      <p:cxnSp>
-        <p:nvCxnSpPr>
-          <p:cNvPr id="18" name="Conector: angular 17">
-            <a:extLst>
-              <a:ext uri="{FF2B5EF4-FFF2-40B4-BE49-F238E27FC236}">
-                <a16:creationId xmlns:a16="http://schemas.microsoft.com/office/drawing/2014/main" id="{8A759B6C-F064-D463-86B4-BC22C291EBF6}"/>
-              </a:ext>
-            </a:extLst>
-          </p:cNvPr>
-          <p:cNvCxnSpPr>
-            <a:cxnSpLocks/>
-            <a:stCxn id="15" idx="2"/>
-            <a:endCxn id="17" idx="3"/>
-          </p:cNvCxnSpPr>
-          <p:nvPr/>
-        </p:nvCxnSpPr>
-        <p:spPr>
-          <a:xfrm rot="5400000">
-            <a:off x="10643801" y="3548043"/>
-            <a:ext cx="711372" cy="297188"/>
-          </a:xfrm>
-          <a:prstGeom prst="bentConnector2">
-            <a:avLst/>
-          </a:prstGeom>
-          <a:ln>
-            <a:tailEnd type="triangle"/>
-          </a:ln>
-        </p:spPr>
-        <p:style>
-          <a:lnRef idx="1">
-            <a:schemeClr val="dk1"/>
-          </a:lnRef>
-          <a:fillRef idx="0">
-            <a:schemeClr val="dk1"/>
-          </a:fillRef>
-          <a:effectRef idx="0">
-            <a:schemeClr val="dk1"/>
-          </a:effectRef>
-          <a:fontRef idx="minor">
-            <a:schemeClr val="tx1"/>
-          </a:fontRef>
-        </p:style>
-      </p:cxnSp>
-      <p:cxnSp>
-        <p:nvCxnSpPr>
-          <p:cNvPr id="19" name="Conector: angular 18">
-            <a:extLst>
-              <a:ext uri="{FF2B5EF4-FFF2-40B4-BE49-F238E27FC236}">
-                <a16:creationId xmlns:a16="http://schemas.microsoft.com/office/drawing/2014/main" id="{F83E8BAB-73D6-7F2C-B847-45AE500D9E64}"/>
-              </a:ext>
-            </a:extLst>
-          </p:cNvPr>
-          <p:cNvCxnSpPr>
-            <a:cxnSpLocks/>
-            <a:stCxn id="12" idx="2"/>
-            <a:endCxn id="17" idx="1"/>
-          </p:cNvCxnSpPr>
-          <p:nvPr/>
-        </p:nvCxnSpPr>
-        <p:spPr>
-          <a:xfrm rot="16200000" flipH="1">
-            <a:off x="8231531" y="3578981"/>
-            <a:ext cx="711372" cy="235311"/>
-          </a:xfrm>
-          <a:prstGeom prst="bentConnector2">
-            <a:avLst/>
-          </a:prstGeom>
-          <a:ln>
-            <a:tailEnd type="triangle"/>
-          </a:ln>
-        </p:spPr>
-        <p:style>
-          <a:lnRef idx="1">
-            <a:schemeClr val="dk1"/>
-          </a:lnRef>
-          <a:fillRef idx="0">
-            <a:schemeClr val="dk1"/>
-          </a:fillRef>
-          <a:effectRef idx="0">
-            <a:schemeClr val="dk1"/>
-          </a:effectRef>
-          <a:fontRef idx="minor">
-            <a:schemeClr val="tx1"/>
-          </a:fontRef>
-        </p:style>
-      </p:cxnSp>
-      <p:sp>
-        <p:nvSpPr>
-          <p:cNvPr id="30" name="Rectángulo: esquinas redondeadas 29">
-            <a:extLst>
-              <a:ext uri="{FF2B5EF4-FFF2-40B4-BE49-F238E27FC236}">
-                <a16:creationId xmlns:a16="http://schemas.microsoft.com/office/drawing/2014/main" id="{5E1B540B-9907-D432-4BCA-85AA381AC962}"/>
-              </a:ext>
-            </a:extLst>
-          </p:cNvPr>
-          <p:cNvSpPr/>
-          <p:nvPr/>
-        </p:nvSpPr>
-        <p:spPr>
-          <a:xfrm>
-            <a:off x="7665134" y="2199736"/>
-            <a:ext cx="4324668" cy="2566374"/>
-          </a:xfrm>
-          <a:prstGeom prst="roundRect">
-            <a:avLst/>
-          </a:prstGeom>
-          <a:noFill/>
-          <a:ln w="28575">
-            <a:solidFill>
-              <a:srgbClr val="C00000"/>
-            </a:solidFill>
-          </a:ln>
-        </p:spPr>
-        <p:style>
-          <a:lnRef idx="2">
-            <a:schemeClr val="accent1">
-              <a:shade val="50000"/>
-            </a:schemeClr>
-          </a:lnRef>
-          <a:fillRef idx="1">
-            <a:schemeClr val="accent1"/>
-          </a:fillRef>
-          <a:effectRef idx="0">
-            <a:schemeClr val="accent1"/>
-          </a:effectRef>
-          <a:fontRef idx="minor">
-            <a:schemeClr val="lt1"/>
-          </a:fontRef>
-        </p:style>
-        <p:txBody>
-          <a:bodyPr rtlCol="0" anchor="ctr"/>
-          <a:lstStyle/>
-          <a:p>
-            <a:pPr algn="ctr"/>
-            <a:endParaRPr lang="en-GB"/>
-          </a:p>
-        </p:txBody>
-      </p:sp>
-      <p:sp>
-        <p:nvSpPr>
-          <p:cNvPr id="32" name="CuadroTexto 31">
-            <a:extLst>
-              <a:ext uri="{FF2B5EF4-FFF2-40B4-BE49-F238E27FC236}">
-                <a16:creationId xmlns:a16="http://schemas.microsoft.com/office/drawing/2014/main" id="{95EF94AB-FDBC-CB34-192A-4DDE5BFD1981}"/>
-              </a:ext>
-            </a:extLst>
-          </p:cNvPr>
-          <p:cNvSpPr txBox="1"/>
-          <p:nvPr/>
-        </p:nvSpPr>
-        <p:spPr>
-          <a:xfrm>
-            <a:off x="7444968" y="1809317"/>
-            <a:ext cx="4544834" cy="369332"/>
-          </a:xfrm>
-          <a:prstGeom prst="rect">
-            <a:avLst/>
-          </a:prstGeom>
-          <a:noFill/>
-        </p:spPr>
-        <p:txBody>
-          <a:bodyPr wrap="none" rtlCol="0">
-            <a:spAutoFit/>
-          </a:bodyPr>
-          <a:lstStyle/>
-          <a:p>
-            <a:pPr algn="ctr"/>
-            <a:r>
-              <a:rPr lang="en-GB" b="1" dirty="0"/>
-              <a:t>Sequence per candidate asset and hour</a:t>
-            </a:r>
-          </a:p>
-        </p:txBody>
-      </p:sp>
-      <p:sp>
-        <p:nvSpPr>
-          <p:cNvPr id="36" name="4 Título">
-            <a:extLst>
-              <a:ext uri="{FF2B5EF4-FFF2-40B4-BE49-F238E27FC236}">
-                <a16:creationId xmlns:a16="http://schemas.microsoft.com/office/drawing/2014/main" id="{7A86FB17-A49E-0670-9DBE-501DD3D1DB42}"/>
-              </a:ext>
-            </a:extLst>
-          </p:cNvPr>
-          <p:cNvSpPr txBox="1">
-            <a:spLocks/>
-          </p:cNvSpPr>
-          <p:nvPr/>
-        </p:nvSpPr>
-        <p:spPr>
-          <a:xfrm>
-            <a:off x="4219034" y="1014669"/>
-            <a:ext cx="3055930" cy="457120"/>
-          </a:xfrm>
-          <a:prstGeom prst="rect">
-            <a:avLst/>
-          </a:prstGeom>
-        </p:spPr>
-        <p:txBody>
-          <a:bodyPr>
-            <a:noAutofit/>
-          </a:bodyPr>
-          <a:lstStyle>
-            <a:lvl1pPr algn="l" rtl="0" eaLnBrk="1" latinLnBrk="0" hangingPunct="1">
-              <a:spcBef>
-                <a:spcPct val="0"/>
-              </a:spcBef>
-              <a:buNone/>
-              <a:defRPr kumimoji="0" sz="4000" kern="1200">
-                <a:solidFill>
-                  <a:schemeClr val="tx2"/>
-                </a:solidFill>
-                <a:latin typeface="+mj-lt"/>
-                <a:ea typeface="+mj-ea"/>
-                <a:cs typeface="+mj-cs"/>
-              </a:defRPr>
-            </a:lvl1pPr>
-          </a:lstStyle>
-          <a:p>
-            <a:r>
-              <a:rPr lang="en-US" altLang="en-US" sz="2400" dirty="0">
-                <a:ln w="0"/>
-                <a:effectLst>
-                  <a:outerShdw blurRad="38100" dist="38100" dir="2700000" algn="tl">
-                    <a:srgbClr val="000000">
-                      <a:alpha val="43137"/>
-                    </a:srgbClr>
-                  </a:outerShdw>
-                </a:effectLst>
-              </a:rPr>
-              <a:t>The PINT and TOOT</a:t>
-            </a:r>
-          </a:p>
-        </p:txBody>
-      </p:sp>
-      <p:sp>
-        <p:nvSpPr>
-          <p:cNvPr id="37" name="CuadroTexto 36">
-            <a:extLst>
-              <a:ext uri="{FF2B5EF4-FFF2-40B4-BE49-F238E27FC236}">
-                <a16:creationId xmlns:a16="http://schemas.microsoft.com/office/drawing/2014/main" id="{75F14BB4-D313-A62F-4745-894646C650C4}"/>
-              </a:ext>
-            </a:extLst>
-          </p:cNvPr>
-          <p:cNvSpPr txBox="1"/>
-          <p:nvPr/>
-        </p:nvSpPr>
-        <p:spPr>
-          <a:xfrm>
-            <a:off x="202198" y="3358082"/>
-            <a:ext cx="3527441" cy="1169551"/>
-          </a:xfrm>
-          <a:prstGeom prst="rect">
-            <a:avLst/>
-          </a:prstGeom>
-          <a:noFill/>
-        </p:spPr>
-        <p:txBody>
-          <a:bodyPr wrap="none" rtlCol="0">
-            <a:spAutoFit/>
-          </a:bodyPr>
-          <a:lstStyle/>
-          <a:p>
-            <a:r>
-              <a:rPr lang="en-GB" sz="1400" dirty="0"/>
-              <a:t>Line Benefit Methods:</a:t>
-            </a:r>
-          </a:p>
-          <a:p>
-            <a:pPr marL="285750" indent="-285750">
-              <a:buFont typeface="Arial" panose="020B0604020202020204" pitchFamily="34" charset="0"/>
-              <a:buChar char="•"/>
-            </a:pPr>
-            <a:r>
-              <a:rPr lang="en-GB" sz="1400" dirty="0"/>
-              <a:t>The Put IN one at the Time (PINT)</a:t>
-            </a:r>
-          </a:p>
-          <a:p>
-            <a:pPr marL="285750" indent="-285750">
-              <a:buFont typeface="Arial" panose="020B0604020202020204" pitchFamily="34" charset="0"/>
-              <a:buChar char="•"/>
-            </a:pPr>
-            <a:r>
-              <a:rPr lang="en-GB" sz="1400" dirty="0"/>
-              <a:t>The Take Out One at the Time (TOOT)</a:t>
-            </a:r>
-          </a:p>
-          <a:p>
-            <a:pPr marL="285750" indent="-285750">
-              <a:buFont typeface="Arial" panose="020B0604020202020204" pitchFamily="34" charset="0"/>
-              <a:buChar char="•"/>
-            </a:pPr>
-            <a:r>
-              <a:rPr lang="en-GB" sz="1400" dirty="0"/>
-              <a:t>Shapley value</a:t>
-            </a:r>
-          </a:p>
-          <a:p>
-            <a:pPr marL="285750" indent="-285750">
-              <a:buFont typeface="Arial" panose="020B0604020202020204" pitchFamily="34" charset="0"/>
-              <a:buChar char="•"/>
-            </a:pPr>
-            <a:r>
-              <a:rPr lang="en-GB" sz="1400" dirty="0" err="1"/>
-              <a:t>Aumann-shapley</a:t>
-            </a:r>
-            <a:r>
-              <a:rPr lang="en-GB" sz="1400" dirty="0"/>
-              <a:t> value</a:t>
-            </a:r>
-          </a:p>
-        </p:txBody>
-      </p:sp>
-      <p:pic>
-        <p:nvPicPr>
-          <p:cNvPr id="39" name="Imagen 38">
-            <a:extLst>
-              <a:ext uri="{FF2B5EF4-FFF2-40B4-BE49-F238E27FC236}">
-                <a16:creationId xmlns:a16="http://schemas.microsoft.com/office/drawing/2014/main" id="{D142990F-ED31-DC32-E58E-9F20C2FD745C}"/>
-              </a:ext>
-            </a:extLst>
-          </p:cNvPr>
-          <p:cNvPicPr>
-            <a:picLocks noChangeAspect="1"/>
-          </p:cNvPicPr>
-          <p:nvPr/>
-        </p:nvPicPr>
-        <p:blipFill>
-          <a:blip r:embed="rId2"/>
-          <a:stretch>
-            <a:fillRect/>
-          </a:stretch>
-        </p:blipFill>
-        <p:spPr>
-          <a:xfrm>
-            <a:off x="4362219" y="2051143"/>
-            <a:ext cx="2915928" cy="2755713"/>
-          </a:xfrm>
-          <a:prstGeom prst="rect">
-            <a:avLst/>
-          </a:prstGeom>
-        </p:spPr>
-      </p:pic>
-      <p:sp>
-        <p:nvSpPr>
-          <p:cNvPr id="40" name="CuadroTexto 39">
-            <a:extLst>
-              <a:ext uri="{FF2B5EF4-FFF2-40B4-BE49-F238E27FC236}">
-                <a16:creationId xmlns:a16="http://schemas.microsoft.com/office/drawing/2014/main" id="{D0950B19-C235-FAB0-CE6E-F228A0B42DFE}"/>
-              </a:ext>
-            </a:extLst>
-          </p:cNvPr>
-          <p:cNvSpPr txBox="1"/>
-          <p:nvPr/>
-        </p:nvSpPr>
-        <p:spPr>
-          <a:xfrm>
-            <a:off x="4359035" y="4809202"/>
-            <a:ext cx="2915929" cy="830997"/>
-          </a:xfrm>
-          <a:prstGeom prst="rect">
-            <a:avLst/>
-          </a:prstGeom>
-          <a:noFill/>
-        </p:spPr>
-        <p:txBody>
-          <a:bodyPr wrap="square" rtlCol="0">
-            <a:spAutoFit/>
-          </a:bodyPr>
-          <a:lstStyle/>
-          <a:p>
-            <a:r>
-              <a:rPr lang="en-GB" sz="800" dirty="0"/>
-              <a:t>[source] ENTSO-E: Guideline for Cost Benefit Analysis of Grid Development Projects</a:t>
-            </a:r>
-          </a:p>
-          <a:p>
-            <a:r>
-              <a:rPr lang="en-GB" sz="800" dirty="0"/>
-              <a:t>Link: https://eepublicdownloads.entsoe.eu/clean-documents/tyndp-documents/Cost%20Benefit%20Analysis/191023_CBA3_Draft%20for%20consultation.pdf</a:t>
-            </a:r>
-          </a:p>
-        </p:txBody>
-      </p:sp>
-      <p:grpSp>
-        <p:nvGrpSpPr>
-          <p:cNvPr id="51" name="Grupo 50">
-            <a:extLst>
-              <a:ext uri="{FF2B5EF4-FFF2-40B4-BE49-F238E27FC236}">
-                <a16:creationId xmlns:a16="http://schemas.microsoft.com/office/drawing/2014/main" id="{DDD61EEB-3747-272F-FB38-E296779C159F}"/>
-              </a:ext>
-            </a:extLst>
-          </p:cNvPr>
-          <p:cNvGrpSpPr/>
-          <p:nvPr/>
-        </p:nvGrpSpPr>
-        <p:grpSpPr>
-          <a:xfrm>
-            <a:off x="255261" y="1441588"/>
-            <a:ext cx="3216764" cy="996230"/>
-            <a:chOff x="204186" y="1441588"/>
-            <a:chExt cx="3216764" cy="996230"/>
-          </a:xfrm>
-        </p:grpSpPr>
-        <p:grpSp>
-          <p:nvGrpSpPr>
-            <p:cNvPr id="42" name="Grupo 41">
-              <a:extLst>
-                <a:ext uri="{FF2B5EF4-FFF2-40B4-BE49-F238E27FC236}">
-                  <a16:creationId xmlns:a16="http://schemas.microsoft.com/office/drawing/2014/main" id="{1FBA2BED-48AA-0F31-3384-DC3D0DFC7317}"/>
-                </a:ext>
-              </a:extLst>
-            </p:cNvPr>
-            <p:cNvGrpSpPr/>
-            <p:nvPr/>
-          </p:nvGrpSpPr>
-          <p:grpSpPr>
-            <a:xfrm>
-              <a:off x="889281" y="1441588"/>
-              <a:ext cx="1846574" cy="996230"/>
-              <a:chOff x="2793841" y="4946141"/>
-              <a:chExt cx="1846574" cy="996230"/>
-            </a:xfrm>
-          </p:grpSpPr>
-          <p:sp>
-            <p:nvSpPr>
-              <p:cNvPr id="43" name="Rectángulo: esquinas redondeadas 42">
-                <a:extLst>
-                  <a:ext uri="{FF2B5EF4-FFF2-40B4-BE49-F238E27FC236}">
-                    <a16:creationId xmlns:a16="http://schemas.microsoft.com/office/drawing/2014/main" id="{AE86920C-92B7-DD7F-675D-7056414913EC}"/>
-                  </a:ext>
-                </a:extLst>
-              </p:cNvPr>
-              <p:cNvSpPr/>
-              <p:nvPr/>
-            </p:nvSpPr>
-            <p:spPr>
-              <a:xfrm>
-                <a:off x="2793841" y="4946141"/>
-                <a:ext cx="1846574" cy="996230"/>
-              </a:xfrm>
-              <a:prstGeom prst="roundRect">
-                <a:avLst/>
-              </a:prstGeom>
-              <a:solidFill>
-                <a:schemeClr val="bg1"/>
-              </a:solidFill>
-              <a:ln w="9525" cap="flat" cmpd="sng" algn="ctr">
-                <a:solidFill>
-                  <a:schemeClr val="dk1"/>
-                </a:solidFill>
-                <a:prstDash val="solid"/>
-                <a:round/>
-                <a:headEnd type="none" w="med" len="med"/>
-                <a:tailEnd type="none" w="med" len="med"/>
-              </a:ln>
-            </p:spPr>
-            <p:style>
-              <a:lnRef idx="0">
-                <a:scrgbClr r="0" g="0" b="0"/>
-              </a:lnRef>
-              <a:fillRef idx="0">
-                <a:scrgbClr r="0" g="0" b="0"/>
-              </a:fillRef>
-              <a:effectRef idx="0">
-                <a:scrgbClr r="0" g="0" b="0"/>
-              </a:effectRef>
-              <a:fontRef idx="minor">
-                <a:schemeClr val="dk1"/>
-              </a:fontRef>
-            </p:style>
-            <p:txBody>
-              <a:bodyPr rtlCol="0" anchor="ctr"/>
-              <a:lstStyle/>
-              <a:p>
-                <a:pPr algn="ctr"/>
-                <a:endParaRPr lang="en-GB" dirty="0"/>
-              </a:p>
-            </p:txBody>
-          </p:sp>
-          <p:grpSp>
-            <p:nvGrpSpPr>
-              <p:cNvPr id="44" name="Grupo 43">
-                <a:extLst>
-                  <a:ext uri="{FF2B5EF4-FFF2-40B4-BE49-F238E27FC236}">
-                    <a16:creationId xmlns:a16="http://schemas.microsoft.com/office/drawing/2014/main" id="{CCD0E6E4-37FE-8F4D-EC54-8673C4C5E19B}"/>
-                  </a:ext>
-                </a:extLst>
-              </p:cNvPr>
-              <p:cNvGrpSpPr/>
-              <p:nvPr/>
-            </p:nvGrpSpPr>
-            <p:grpSpPr>
-              <a:xfrm>
-                <a:off x="3094448" y="5159396"/>
-                <a:ext cx="1213706" cy="728223"/>
-                <a:chOff x="10198340" y="754406"/>
-                <a:chExt cx="1213706" cy="728223"/>
-              </a:xfrm>
-            </p:grpSpPr>
-            <p:sp>
-              <p:nvSpPr>
-                <p:cNvPr id="46" name="Rectángulo: esquinas redondeadas 45">
-                  <a:extLst>
-                    <a:ext uri="{FF2B5EF4-FFF2-40B4-BE49-F238E27FC236}">
-                      <a16:creationId xmlns:a16="http://schemas.microsoft.com/office/drawing/2014/main" id="{0E013E49-6DA2-AC06-A194-615B60525F54}"/>
-                    </a:ext>
-                  </a:extLst>
-                </p:cNvPr>
-                <p:cNvSpPr/>
-                <p:nvPr/>
-              </p:nvSpPr>
-              <p:spPr>
-                <a:xfrm>
-                  <a:off x="10198340" y="754406"/>
-                  <a:ext cx="1213706" cy="728223"/>
-                </a:xfrm>
-                <a:prstGeom prst="roundRect">
-                  <a:avLst>
-                    <a:gd name="adj" fmla="val 10000"/>
-                  </a:avLst>
-                </a:prstGeom>
-              </p:spPr>
-              <p:style>
-                <a:lnRef idx="2">
-                  <a:schemeClr val="lt1">
-                    <a:hueOff val="0"/>
-                    <a:satOff val="0"/>
-                    <a:lumOff val="0"/>
-                    <a:alphaOff val="0"/>
-                  </a:schemeClr>
-                </a:lnRef>
-                <a:fillRef idx="1">
-                  <a:schemeClr val="accent3">
-                    <a:hueOff val="0"/>
-                    <a:satOff val="0"/>
-                    <a:lumOff val="0"/>
-                    <a:alphaOff val="0"/>
-                  </a:schemeClr>
-                </a:fillRef>
-                <a:effectRef idx="0">
-                  <a:schemeClr val="accent3">
-                    <a:hueOff val="0"/>
-                    <a:satOff val="0"/>
-                    <a:lumOff val="0"/>
-                    <a:alphaOff val="0"/>
-                  </a:schemeClr>
-                </a:effectRef>
-                <a:fontRef idx="minor">
-                  <a:schemeClr val="lt1"/>
-                </a:fontRef>
-              </p:style>
-            </p:sp>
-            <p:sp>
-              <p:nvSpPr>
-                <p:cNvPr id="47" name="Rectángulo: esquinas redondeadas 4">
-                  <a:extLst>
-                    <a:ext uri="{FF2B5EF4-FFF2-40B4-BE49-F238E27FC236}">
-                      <a16:creationId xmlns:a16="http://schemas.microsoft.com/office/drawing/2014/main" id="{2F3360A8-26B6-1A43-F091-BF607CD15C40}"/>
-                    </a:ext>
-                  </a:extLst>
-                </p:cNvPr>
-                <p:cNvSpPr txBox="1"/>
-                <p:nvPr/>
-              </p:nvSpPr>
-              <p:spPr>
-                <a:xfrm>
-                  <a:off x="10219669" y="775735"/>
-                  <a:ext cx="1171048" cy="685565"/>
-                </a:xfrm>
-                <a:prstGeom prst="rect">
-                  <a:avLst/>
-                </a:prstGeom>
-              </p:spPr>
-              <p:style>
-                <a:lnRef idx="0">
-                  <a:scrgbClr r="0" g="0" b="0"/>
-                </a:lnRef>
-                <a:fillRef idx="0">
-                  <a:scrgbClr r="0" g="0" b="0"/>
-                </a:fillRef>
-                <a:effectRef idx="0">
-                  <a:scrgbClr r="0" g="0" b="0"/>
-                </a:effectRef>
-                <a:fontRef idx="minor">
-                  <a:schemeClr val="lt1"/>
-                </a:fontRef>
-              </p:style>
-              <p:txBody>
-                <a:bodyPr spcFirstLastPara="0" vert="horz" wrap="square" lIns="41910" tIns="41910" rIns="41910" bIns="41910" numCol="1" spcCol="1270" anchor="ctr" anchorCtr="0">
-                  <a:noAutofit/>
-                </a:bodyPr>
-                <a:lstStyle/>
-                <a:p>
-                  <a:pPr marL="0" lvl="0" indent="0" algn="ctr" defTabSz="488950">
-                    <a:lnSpc>
-                      <a:spcPct val="90000"/>
-                    </a:lnSpc>
-                    <a:spcBef>
-                      <a:spcPct val="0"/>
-                    </a:spcBef>
-                    <a:spcAft>
-                      <a:spcPct val="35000"/>
-                    </a:spcAft>
-                    <a:buNone/>
-                  </a:pPr>
-                  <a:r>
-                    <a:rPr lang="en-US" sz="1100" b="1" kern="1200" dirty="0"/>
-                    <a:t>ANN: Cost Estimator</a:t>
-                  </a:r>
-                </a:p>
-              </p:txBody>
-            </p:sp>
-          </p:grpSp>
-          <p:sp>
-            <p:nvSpPr>
-              <p:cNvPr id="45" name="CuadroTexto 44">
-                <a:extLst>
-                  <a:ext uri="{FF2B5EF4-FFF2-40B4-BE49-F238E27FC236}">
-                    <a16:creationId xmlns:a16="http://schemas.microsoft.com/office/drawing/2014/main" id="{F41D9D90-D2F4-C78E-6587-07C75DE1B809}"/>
-                  </a:ext>
-                </a:extLst>
-              </p:cNvPr>
-              <p:cNvSpPr txBox="1"/>
-              <p:nvPr/>
-            </p:nvSpPr>
-            <p:spPr>
-              <a:xfrm>
-                <a:off x="2994815" y="4946141"/>
-                <a:ext cx="1444626" cy="261610"/>
-              </a:xfrm>
-              <a:prstGeom prst="rect">
-                <a:avLst/>
-              </a:prstGeom>
-              <a:noFill/>
-            </p:spPr>
-            <p:txBody>
-              <a:bodyPr wrap="none" rtlCol="0">
-                <a:spAutoFit/>
-              </a:bodyPr>
-              <a:lstStyle/>
-              <a:p>
-                <a:r>
-                  <a:rPr lang="en-GB" sz="1100" b="1" dirty="0"/>
-                  <a:t>Investment Benefit</a:t>
-                </a:r>
-              </a:p>
-            </p:txBody>
-          </p:sp>
-        </p:grpSp>
-        <p:cxnSp>
-          <p:nvCxnSpPr>
-            <p:cNvPr id="49" name="Conector recto de flecha 48">
-              <a:extLst>
-                <a:ext uri="{FF2B5EF4-FFF2-40B4-BE49-F238E27FC236}">
-                  <a16:creationId xmlns:a16="http://schemas.microsoft.com/office/drawing/2014/main" id="{000F3705-8868-2580-82F2-6EEB56F9B7AF}"/>
-                </a:ext>
-              </a:extLst>
-            </p:cNvPr>
-            <p:cNvCxnSpPr>
-              <a:endCxn id="43" idx="1"/>
-            </p:cNvCxnSpPr>
-            <p:nvPr/>
-          </p:nvCxnSpPr>
-          <p:spPr>
-            <a:xfrm>
-              <a:off x="204186" y="1939703"/>
-              <a:ext cx="685095" cy="0"/>
-            </a:xfrm>
-            <a:prstGeom prst="straightConnector1">
-              <a:avLst/>
-            </a:prstGeom>
-            <a:ln w="28575">
-              <a:solidFill>
-                <a:srgbClr val="C00000"/>
-              </a:solidFill>
-              <a:tailEnd type="triangle"/>
-            </a:ln>
-          </p:spPr>
-          <p:style>
-            <a:lnRef idx="1">
-              <a:schemeClr val="accent1"/>
-            </a:lnRef>
-            <a:fillRef idx="0">
-              <a:schemeClr val="accent1"/>
-            </a:fillRef>
-            <a:effectRef idx="0">
-              <a:schemeClr val="accent1"/>
-            </a:effectRef>
-            <a:fontRef idx="minor">
-              <a:schemeClr val="tx1"/>
-            </a:fontRef>
-          </p:style>
-        </p:cxnSp>
-        <p:cxnSp>
-          <p:nvCxnSpPr>
-            <p:cNvPr id="50" name="Conector recto de flecha 49">
-              <a:extLst>
-                <a:ext uri="{FF2B5EF4-FFF2-40B4-BE49-F238E27FC236}">
-                  <a16:creationId xmlns:a16="http://schemas.microsoft.com/office/drawing/2014/main" id="{CC27D07C-D3CE-D85E-00F6-9AC082BFF969}"/>
-                </a:ext>
-              </a:extLst>
-            </p:cNvPr>
-            <p:cNvCxnSpPr/>
-            <p:nvPr/>
-          </p:nvCxnSpPr>
-          <p:spPr>
-            <a:xfrm>
-              <a:off x="2735855" y="1939703"/>
-              <a:ext cx="685095" cy="0"/>
-            </a:xfrm>
-            <a:prstGeom prst="straightConnector1">
-              <a:avLst/>
-            </a:prstGeom>
-            <a:ln w="28575">
-              <a:solidFill>
-                <a:srgbClr val="C00000"/>
-              </a:solidFill>
-              <a:tailEnd type="triangle"/>
-            </a:ln>
-          </p:spPr>
-          <p:style>
-            <a:lnRef idx="1">
-              <a:schemeClr val="accent1"/>
-            </a:lnRef>
-            <a:fillRef idx="0">
-              <a:schemeClr val="accent1"/>
-            </a:fillRef>
-            <a:effectRef idx="0">
-              <a:schemeClr val="accent1"/>
-            </a:effectRef>
-            <a:fontRef idx="minor">
-              <a:schemeClr val="tx1"/>
-            </a:fontRef>
-          </p:style>
-        </p:cxnSp>
-      </p:grpSp>
-      <p:cxnSp>
-        <p:nvCxnSpPr>
-          <p:cNvPr id="53" name="Conector recto 52">
-            <a:extLst>
-              <a:ext uri="{FF2B5EF4-FFF2-40B4-BE49-F238E27FC236}">
-                <a16:creationId xmlns:a16="http://schemas.microsoft.com/office/drawing/2014/main" id="{EF1F9D9E-D6FB-D3D4-E001-A93C501935B6}"/>
-              </a:ext>
-            </a:extLst>
-          </p:cNvPr>
-          <p:cNvCxnSpPr/>
-          <p:nvPr/>
-        </p:nvCxnSpPr>
-        <p:spPr>
-          <a:xfrm>
-            <a:off x="3933645" y="1047603"/>
-            <a:ext cx="0" cy="5059899"/>
-          </a:xfrm>
-          <a:prstGeom prst="line">
-            <a:avLst/>
-          </a:prstGeom>
-          <a:ln w="28575">
-            <a:prstDash val="lgDash"/>
-          </a:ln>
-        </p:spPr>
-        <p:style>
-          <a:lnRef idx="1">
-            <a:schemeClr val="dk1"/>
-          </a:lnRef>
-          <a:fillRef idx="0">
-            <a:schemeClr val="dk1"/>
-          </a:fillRef>
-          <a:effectRef idx="0">
-            <a:schemeClr val="dk1"/>
-          </a:effectRef>
-          <a:fontRef idx="minor">
-            <a:schemeClr val="tx1"/>
-          </a:fontRef>
-        </p:style>
-      </p:cxnSp>
-      <p:sp>
-        <p:nvSpPr>
-          <p:cNvPr id="56" name="CuadroTexto 55">
-            <a:extLst>
-              <a:ext uri="{FF2B5EF4-FFF2-40B4-BE49-F238E27FC236}">
-                <a16:creationId xmlns:a16="http://schemas.microsoft.com/office/drawing/2014/main" id="{CA19D018-9B14-3691-8760-843E30DC0E5B}"/>
-              </a:ext>
-            </a:extLst>
-          </p:cNvPr>
-          <p:cNvSpPr txBox="1"/>
-          <p:nvPr/>
-        </p:nvSpPr>
-        <p:spPr>
-          <a:xfrm>
-            <a:off x="7741064" y="2303699"/>
-            <a:ext cx="1457258" cy="307777"/>
-          </a:xfrm>
-          <a:prstGeom prst="rect">
-            <a:avLst/>
-          </a:prstGeom>
-          <a:noFill/>
-        </p:spPr>
-        <p:txBody>
-          <a:bodyPr wrap="none" rtlCol="0">
-            <a:spAutoFit/>
-          </a:bodyPr>
-          <a:lstStyle/>
-          <a:p>
-            <a:pPr algn="ctr"/>
-            <a:r>
-              <a:rPr lang="en-GB" sz="1400" dirty="0"/>
-              <a:t>PINT (or TOOT)</a:t>
-            </a:r>
-          </a:p>
-        </p:txBody>
-      </p:sp>
-    </p:spTree>
-    <p:extLst>
-      <p:ext uri="{BB962C8B-B14F-4D97-AF65-F5344CB8AC3E}">
-        <p14:creationId xmlns:p14="http://schemas.microsoft.com/office/powerpoint/2010/main" val="196709477"/>
-      </p:ext>
-    </p:extLst>
-  </p:cSld>
-  <p:clrMapOvr>
-    <a:masterClrMapping/>
-  </p:clrMapOvr>
-</p:sld>
-</file>
-
-<file path=ppt/slides/slide7.xml><?xml version="1.0" encoding="utf-8"?>
-<p:sld xmlns:a="http://schemas.openxmlformats.org/drawingml/2006/main" xmlns:r="http://schemas.openxmlformats.org/officeDocument/2006/relationships" xmlns:p="http://schemas.openxmlformats.org/presentationml/2006/main">
-  <p:cSld>
-    <p:spTree>
-      <p:nvGrpSpPr>
-        <p:cNvPr id="1" name=""/>
-        <p:cNvGrpSpPr/>
-        <p:nvPr/>
-      </p:nvGrpSpPr>
-      <p:grpSpPr>
-        <a:xfrm>
-          <a:off x="0" y="0"/>
-          <a:ext cx="0" cy="0"/>
-          <a:chOff x="0" y="0"/>
-          <a:chExt cx="0" cy="0"/>
-        </a:xfrm>
-      </p:grpSpPr>
-      <p:sp>
-        <p:nvSpPr>
-          <p:cNvPr id="3" name="Footer Placeholder 2"/>
-          <p:cNvSpPr>
-            <a:spLocks noGrp="1"/>
-          </p:cNvSpPr>
-          <p:nvPr>
-            <p:ph type="ftr" sz="quarter" idx="11"/>
-          </p:nvPr>
-        </p:nvSpPr>
-        <p:spPr/>
-        <p:txBody>
-          <a:bodyPr/>
-          <a:lstStyle/>
-          <a:p>
-            <a:r>
-              <a:rPr lang="nl-NL"/>
-              <a:t>Ingenieurswetenschappen, Werktuigkunde, TME</a:t>
-            </a:r>
-          </a:p>
-        </p:txBody>
-      </p:sp>
-      <p:sp>
-        <p:nvSpPr>
-          <p:cNvPr id="4" name="Slide Number Placeholder 3"/>
-          <p:cNvSpPr>
-            <a:spLocks noGrp="1"/>
-          </p:cNvSpPr>
-          <p:nvPr>
-            <p:ph type="sldNum" sz="quarter" idx="12"/>
-          </p:nvPr>
-        </p:nvSpPr>
-        <p:spPr/>
-        <p:txBody>
-          <a:bodyPr/>
-          <a:lstStyle/>
-          <a:p>
-            <a:fld id="{0A297500-7527-634B-90F4-69D0994C32B4}" type="slidenum">
-              <a:rPr lang="nl-NL" smtClean="0"/>
-              <a:t>7</a:t>
-            </a:fld>
-            <a:endParaRPr lang="nl-NL"/>
-          </a:p>
-        </p:txBody>
-      </p:sp>
-      <p:sp>
-        <p:nvSpPr>
-          <p:cNvPr id="5" name="Title 4"/>
-          <p:cNvSpPr>
-            <a:spLocks noGrp="1"/>
-          </p:cNvSpPr>
-          <p:nvPr>
-            <p:ph type="title"/>
-          </p:nvPr>
-        </p:nvSpPr>
-        <p:spPr/>
-        <p:txBody>
-          <a:bodyPr>
-            <a:normAutofit/>
-          </a:bodyPr>
-          <a:lstStyle/>
-          <a:p>
-            <a:r>
-              <a:rPr lang="en-US" dirty="0"/>
-              <a:t>Clustering process</a:t>
-            </a:r>
-          </a:p>
-        </p:txBody>
-      </p:sp>
-      <p:sp>
-        <p:nvSpPr>
-          <p:cNvPr id="2" name="CuadroTexto 1">
-            <a:extLst>
-              <a:ext uri="{FF2B5EF4-FFF2-40B4-BE49-F238E27FC236}">
-                <a16:creationId xmlns:a16="http://schemas.microsoft.com/office/drawing/2014/main" id="{3D90B8B4-D006-2F5A-BC51-A8D5B9C669D6}"/>
-              </a:ext>
-            </a:extLst>
-          </p:cNvPr>
-          <p:cNvSpPr txBox="1"/>
-          <p:nvPr/>
-        </p:nvSpPr>
-        <p:spPr>
-          <a:xfrm>
-            <a:off x="576000" y="1115530"/>
-            <a:ext cx="5169192" cy="923330"/>
-          </a:xfrm>
-          <a:prstGeom prst="rect">
-            <a:avLst/>
-          </a:prstGeom>
-          <a:noFill/>
-        </p:spPr>
-        <p:txBody>
-          <a:bodyPr wrap="square" rtlCol="0">
-            <a:spAutoFit/>
-          </a:bodyPr>
-          <a:lstStyle/>
-          <a:p>
-            <a:pPr marL="342900" indent="-342900">
-              <a:buFont typeface="+mj-lt"/>
-              <a:buAutoNum type="arabicPeriod"/>
-            </a:pPr>
-            <a:r>
-              <a:rPr lang="en-GB" dirty="0"/>
-              <a:t>Dimensionality reduction</a:t>
-            </a:r>
-          </a:p>
-          <a:p>
-            <a:pPr marL="342900" indent="-342900">
-              <a:buFont typeface="+mj-lt"/>
-              <a:buAutoNum type="arabicPeriod"/>
-            </a:pPr>
-            <a:r>
-              <a:rPr lang="en-GB" dirty="0"/>
-              <a:t>Optimal number of representatives/clusters</a:t>
-            </a:r>
-          </a:p>
-          <a:p>
-            <a:pPr marL="342900" indent="-342900">
-              <a:buFont typeface="+mj-lt"/>
-              <a:buAutoNum type="arabicPeriod"/>
-            </a:pPr>
-            <a:r>
-              <a:rPr lang="en-GB" dirty="0"/>
-              <a:t>Selection/aggregation using K-medoids</a:t>
-            </a:r>
-          </a:p>
-        </p:txBody>
-      </p:sp>
-      <p:pic>
-        <p:nvPicPr>
-          <p:cNvPr id="10" name="Imagen 9" descr="Gráfico, Gráfico de dispersión&#10;&#10;Descripción generada automáticamente">
-            <a:extLst>
-              <a:ext uri="{FF2B5EF4-FFF2-40B4-BE49-F238E27FC236}">
-                <a16:creationId xmlns:a16="http://schemas.microsoft.com/office/drawing/2014/main" id="{167060B1-F8A7-F009-F4D3-2614E6A75A82}"/>
-              </a:ext>
-            </a:extLst>
-          </p:cNvPr>
-          <p:cNvPicPr>
-            <a:picLocks noChangeAspect="1"/>
-          </p:cNvPicPr>
-          <p:nvPr/>
-        </p:nvPicPr>
-        <p:blipFill>
-          <a:blip r:embed="rId2"/>
-          <a:stretch>
-            <a:fillRect/>
-          </a:stretch>
-        </p:blipFill>
-        <p:spPr>
-          <a:xfrm>
-            <a:off x="4722484" y="3102215"/>
-            <a:ext cx="2324905" cy="2491964"/>
-          </a:xfrm>
-          <a:prstGeom prst="rect">
-            <a:avLst/>
-          </a:prstGeom>
-        </p:spPr>
-      </p:pic>
-      <p:pic>
-        <p:nvPicPr>
-          <p:cNvPr id="13" name="Imagen 12" descr="Gráfico, Histograma&#10;&#10;Descripción generada automáticamente">
-            <a:extLst>
-              <a:ext uri="{FF2B5EF4-FFF2-40B4-BE49-F238E27FC236}">
-                <a16:creationId xmlns:a16="http://schemas.microsoft.com/office/drawing/2014/main" id="{784AAE89-EC5F-3E25-09C3-9A0BB3BF4986}"/>
-              </a:ext>
-            </a:extLst>
-          </p:cNvPr>
-          <p:cNvPicPr>
-            <a:picLocks noChangeAspect="1"/>
-          </p:cNvPicPr>
-          <p:nvPr/>
-        </p:nvPicPr>
-        <p:blipFill>
-          <a:blip r:embed="rId3"/>
-          <a:stretch>
-            <a:fillRect/>
-          </a:stretch>
-        </p:blipFill>
-        <p:spPr>
-          <a:xfrm>
-            <a:off x="701066" y="3102215"/>
-            <a:ext cx="3737946" cy="2491964"/>
-          </a:xfrm>
-          <a:prstGeom prst="rect">
-            <a:avLst/>
-          </a:prstGeom>
-        </p:spPr>
-      </p:pic>
-      <p:pic>
-        <p:nvPicPr>
-          <p:cNvPr id="16" name="Imagen 15" descr="Imagen que contiene Diagrama&#10;&#10;Descripción generada automáticamente">
-            <a:extLst>
-              <a:ext uri="{FF2B5EF4-FFF2-40B4-BE49-F238E27FC236}">
-                <a16:creationId xmlns:a16="http://schemas.microsoft.com/office/drawing/2014/main" id="{4E7D347D-4B91-D027-1CF1-16B4F616C0E9}"/>
-              </a:ext>
-            </a:extLst>
-          </p:cNvPr>
-          <p:cNvPicPr>
-            <a:picLocks noChangeAspect="1"/>
-          </p:cNvPicPr>
-          <p:nvPr/>
-        </p:nvPicPr>
-        <p:blipFill>
-          <a:blip r:embed="rId4"/>
-          <a:stretch>
-            <a:fillRect/>
-          </a:stretch>
-        </p:blipFill>
-        <p:spPr>
-          <a:xfrm>
-            <a:off x="8434781" y="2713809"/>
-            <a:ext cx="3207491" cy="3207491"/>
-          </a:xfrm>
-          <a:prstGeom prst="rect">
-            <a:avLst/>
-          </a:prstGeom>
-        </p:spPr>
-      </p:pic>
-      <p:sp>
-        <p:nvSpPr>
-          <p:cNvPr id="21" name="Rectángulo: esquinas redondeadas 20">
-            <a:extLst>
-              <a:ext uri="{FF2B5EF4-FFF2-40B4-BE49-F238E27FC236}">
-                <a16:creationId xmlns:a16="http://schemas.microsoft.com/office/drawing/2014/main" id="{8ECB3075-9496-3A13-C2B8-4A1C60CAE233}"/>
-              </a:ext>
-            </a:extLst>
-          </p:cNvPr>
-          <p:cNvSpPr/>
-          <p:nvPr/>
-        </p:nvSpPr>
-        <p:spPr>
-          <a:xfrm>
-            <a:off x="448574" y="2898475"/>
-            <a:ext cx="6814868" cy="3010619"/>
-          </a:xfrm>
-          <a:prstGeom prst="roundRect">
-            <a:avLst/>
-          </a:prstGeom>
-          <a:noFill/>
-          <a:ln w="19050" cap="flat" cmpd="sng" algn="ctr">
-            <a:solidFill>
-              <a:schemeClr val="dk1"/>
-            </a:solidFill>
-            <a:prstDash val="solid"/>
-            <a:round/>
-            <a:headEnd type="none" w="med" len="med"/>
-            <a:tailEnd type="none" w="med" len="med"/>
-          </a:ln>
-        </p:spPr>
-        <p:style>
-          <a:lnRef idx="0">
-            <a:scrgbClr r="0" g="0" b="0"/>
-          </a:lnRef>
-          <a:fillRef idx="0">
-            <a:scrgbClr r="0" g="0" b="0"/>
-          </a:fillRef>
-          <a:effectRef idx="0">
-            <a:scrgbClr r="0" g="0" b="0"/>
-          </a:effectRef>
-          <a:fontRef idx="minor">
-            <a:schemeClr val="dk1"/>
-          </a:fontRef>
-        </p:style>
-        <p:txBody>
-          <a:bodyPr rtlCol="0" anchor="ctr"/>
-          <a:lstStyle/>
-          <a:p>
-            <a:pPr algn="ctr"/>
-            <a:endParaRPr lang="en-GB"/>
-          </a:p>
-        </p:txBody>
-      </p:sp>
-      <p:sp>
-        <p:nvSpPr>
-          <p:cNvPr id="22" name="CuadroTexto 21">
-            <a:extLst>
-              <a:ext uri="{FF2B5EF4-FFF2-40B4-BE49-F238E27FC236}">
-                <a16:creationId xmlns:a16="http://schemas.microsoft.com/office/drawing/2014/main" id="{E5F1C330-255A-2E80-B16E-21F7287DE7AA}"/>
-              </a:ext>
-            </a:extLst>
-          </p:cNvPr>
-          <p:cNvSpPr txBox="1"/>
-          <p:nvPr/>
-        </p:nvSpPr>
-        <p:spPr>
-          <a:xfrm>
-            <a:off x="2153473" y="2529143"/>
-            <a:ext cx="3852337" cy="369332"/>
-          </a:xfrm>
-          <a:prstGeom prst="rect">
-            <a:avLst/>
-          </a:prstGeom>
-          <a:noFill/>
-        </p:spPr>
-        <p:txBody>
-          <a:bodyPr wrap="none" rtlCol="0">
-            <a:spAutoFit/>
-          </a:bodyPr>
-          <a:lstStyle/>
-          <a:p>
-            <a:r>
-              <a:rPr lang="en-GB" dirty="0"/>
-              <a:t>Dimensionality reduction using PCA</a:t>
-            </a:r>
-          </a:p>
-        </p:txBody>
-      </p:sp>
-      <p:sp>
-        <p:nvSpPr>
-          <p:cNvPr id="23" name="CuadroTexto 22">
-            <a:extLst>
-              <a:ext uri="{FF2B5EF4-FFF2-40B4-BE49-F238E27FC236}">
-                <a16:creationId xmlns:a16="http://schemas.microsoft.com/office/drawing/2014/main" id="{3640268D-CA1B-1D62-801D-C16F4B5F1BDB}"/>
-              </a:ext>
-            </a:extLst>
-          </p:cNvPr>
-          <p:cNvSpPr txBox="1"/>
-          <p:nvPr/>
-        </p:nvSpPr>
-        <p:spPr>
-          <a:xfrm>
-            <a:off x="8567610" y="2529143"/>
-            <a:ext cx="3005951" cy="369332"/>
-          </a:xfrm>
-          <a:prstGeom prst="rect">
-            <a:avLst/>
-          </a:prstGeom>
-          <a:noFill/>
-        </p:spPr>
-        <p:txBody>
-          <a:bodyPr wrap="none" rtlCol="0">
-            <a:spAutoFit/>
-          </a:bodyPr>
-          <a:lstStyle/>
-          <a:p>
-            <a:r>
-              <a:rPr lang="en-GB" dirty="0"/>
-              <a:t>Optimal number of clusters</a:t>
-            </a:r>
-          </a:p>
-        </p:txBody>
-      </p:sp>
-    </p:spTree>
-    <p:extLst>
-      <p:ext uri="{BB962C8B-B14F-4D97-AF65-F5344CB8AC3E}">
-        <p14:creationId xmlns:p14="http://schemas.microsoft.com/office/powerpoint/2010/main" val="780203379"/>
-      </p:ext>
-    </p:extLst>
-  </p:cSld>
-  <p:clrMapOvr>
-    <a:masterClrMapping/>
-  </p:clrMapOvr>
-</p:sld>
-</file>
-
-<file path=ppt/slides/slide8.xml><?xml version="1.0" encoding="utf-8"?>
-<p:sld xmlns:a="http://schemas.openxmlformats.org/drawingml/2006/main" xmlns:r="http://schemas.openxmlformats.org/officeDocument/2006/relationships" xmlns:p="http://schemas.openxmlformats.org/presentationml/2006/main">
-  <p:cSld>
-    <p:spTree>
-      <p:nvGrpSpPr>
-        <p:cNvPr id="1" name=""/>
-        <p:cNvGrpSpPr/>
-        <p:nvPr/>
-      </p:nvGrpSpPr>
-      <p:grpSpPr>
-        <a:xfrm>
-          <a:off x="0" y="0"/>
-          <a:ext cx="0" cy="0"/>
-          <a:chOff x="0" y="0"/>
-          <a:chExt cx="0" cy="0"/>
-        </a:xfrm>
-      </p:grpSpPr>
-      <p:sp>
-        <p:nvSpPr>
-          <p:cNvPr id="3" name="Footer Placeholder 2"/>
-          <p:cNvSpPr>
-            <a:spLocks noGrp="1"/>
-          </p:cNvSpPr>
-          <p:nvPr>
-            <p:ph type="ftr" sz="quarter" idx="11"/>
-          </p:nvPr>
-        </p:nvSpPr>
-        <p:spPr/>
-        <p:txBody>
-          <a:bodyPr/>
-          <a:lstStyle/>
-          <a:p>
-            <a:r>
-              <a:rPr lang="nl-NL"/>
-              <a:t>Ingenieurswetenschappen, Werktuigkunde, TME</a:t>
-            </a:r>
-          </a:p>
-        </p:txBody>
-      </p:sp>
-      <p:sp>
-        <p:nvSpPr>
-          <p:cNvPr id="4" name="Slide Number Placeholder 3"/>
-          <p:cNvSpPr>
-            <a:spLocks noGrp="1"/>
-          </p:cNvSpPr>
-          <p:nvPr>
-            <p:ph type="sldNum" sz="quarter" idx="12"/>
-          </p:nvPr>
-        </p:nvSpPr>
-        <p:spPr/>
-        <p:txBody>
-          <a:bodyPr/>
-          <a:lstStyle/>
-          <a:p>
-            <a:fld id="{0A297500-7527-634B-90F4-69D0994C32B4}" type="slidenum">
-              <a:rPr lang="nl-NL" smtClean="0"/>
-              <a:t>8</a:t>
-            </a:fld>
-            <a:endParaRPr lang="nl-NL"/>
-          </a:p>
-        </p:txBody>
-      </p:sp>
-      <p:sp>
-        <p:nvSpPr>
-          <p:cNvPr id="5" name="Title 4"/>
-          <p:cNvSpPr>
-            <a:spLocks noGrp="1"/>
-          </p:cNvSpPr>
-          <p:nvPr>
-            <p:ph type="title"/>
-          </p:nvPr>
-        </p:nvSpPr>
-        <p:spPr/>
-        <p:txBody>
-          <a:bodyPr>
-            <a:normAutofit/>
-          </a:bodyPr>
-          <a:lstStyle/>
-          <a:p>
-            <a:r>
-              <a:rPr lang="en-US" dirty="0"/>
-              <a:t>Line Benefits: Preliminary results</a:t>
-            </a:r>
-          </a:p>
-        </p:txBody>
-      </p:sp>
-      <p:pic>
-        <p:nvPicPr>
-          <p:cNvPr id="2" name="Imagen 1">
-            <a:extLst>
-              <a:ext uri="{FF2B5EF4-FFF2-40B4-BE49-F238E27FC236}">
-                <a16:creationId xmlns:a16="http://schemas.microsoft.com/office/drawing/2014/main" id="{2C206139-75EA-1C16-06E2-5432C8803DC8}"/>
-              </a:ext>
-            </a:extLst>
-          </p:cNvPr>
-          <p:cNvPicPr>
-            <a:picLocks noChangeAspect="1"/>
-          </p:cNvPicPr>
-          <p:nvPr/>
-        </p:nvPicPr>
-        <p:blipFill>
-          <a:blip r:embed="rId2"/>
-          <a:stretch>
-            <a:fillRect/>
-          </a:stretch>
-        </p:blipFill>
-        <p:spPr>
-          <a:xfrm>
-            <a:off x="466531" y="2383971"/>
-            <a:ext cx="6095999" cy="2593453"/>
-          </a:xfrm>
-          <a:prstGeom prst="rect">
-            <a:avLst/>
-          </a:prstGeom>
-        </p:spPr>
-      </p:pic>
-    </p:spTree>
-    <p:extLst>
-      <p:ext uri="{BB962C8B-B14F-4D97-AF65-F5344CB8AC3E}">
-        <p14:creationId xmlns:p14="http://schemas.microsoft.com/office/powerpoint/2010/main" val="4026936855"/>
-      </p:ext>
-    </p:extLst>
-  </p:cSld>
-  <p:clrMapOvr>
-    <a:masterClrMapping/>
-  </p:clrMapOvr>
-</p:sld>
-</file>
-
-<file path=ppt/slides/slide9.xml><?xml version="1.0" encoding="utf-8"?>
-<p:sld xmlns:a="http://schemas.openxmlformats.org/drawingml/2006/main" xmlns:r="http://schemas.openxmlformats.org/officeDocument/2006/relationships" xmlns:p="http://schemas.openxmlformats.org/presentationml/2006/main">
-  <p:cSld>
-    <p:spTree>
-      <p:nvGrpSpPr>
-        <p:cNvPr id="1" name=""/>
-        <p:cNvGrpSpPr/>
-        <p:nvPr/>
-      </p:nvGrpSpPr>
-      <p:grpSpPr>
-        <a:xfrm>
-          <a:off x="0" y="0"/>
-          <a:ext cx="0" cy="0"/>
-          <a:chOff x="0" y="0"/>
-          <a:chExt cx="0" cy="0"/>
-        </a:xfrm>
-      </p:grpSpPr>
-      <p:sp>
-        <p:nvSpPr>
-          <p:cNvPr id="2" name="Footer Placeholder 1"/>
-          <p:cNvSpPr>
-            <a:spLocks noGrp="1"/>
-          </p:cNvSpPr>
-          <p:nvPr>
-            <p:ph type="ftr" sz="quarter" idx="11"/>
-          </p:nvPr>
-        </p:nvSpPr>
-        <p:spPr/>
-        <p:txBody>
-          <a:bodyPr/>
-          <a:lstStyle/>
-          <a:p>
-            <a:r>
-              <a:rPr lang="nl-NL"/>
-              <a:t>Ingenieurswetenschappen, Werktuigkunde, TME</a:t>
-            </a:r>
-          </a:p>
-        </p:txBody>
-      </p:sp>
-      <p:sp>
-        <p:nvSpPr>
-          <p:cNvPr id="3" name="Slide Number Placeholder 2"/>
-          <p:cNvSpPr>
-            <a:spLocks noGrp="1"/>
-          </p:cNvSpPr>
-          <p:nvPr>
-            <p:ph type="sldNum" sz="quarter" idx="12"/>
-          </p:nvPr>
-        </p:nvSpPr>
-        <p:spPr/>
-        <p:txBody>
-          <a:bodyPr/>
-          <a:lstStyle/>
-          <a:p>
-            <a:fld id="{0A297500-7527-634B-90F4-69D0994C32B4}" type="slidenum">
-              <a:rPr lang="nl-NL" smtClean="0"/>
-              <a:t>9</a:t>
-            </a:fld>
-            <a:endParaRPr lang="nl-NL"/>
-          </a:p>
-        </p:txBody>
-      </p:sp>
-      <p:pic>
-        <p:nvPicPr>
-          <p:cNvPr id="4" name="Picture 3"/>
-          <p:cNvPicPr>
-            <a:picLocks noChangeAspect="1"/>
-          </p:cNvPicPr>
-          <p:nvPr/>
-        </p:nvPicPr>
-        <p:blipFill>
-          <a:blip r:embed="rId2">
-            <a:extLst>
-              <a:ext uri="{28A0092B-C50C-407E-A947-70E740481C1C}">
-                <a14:useLocalDpi xmlns:a14="http://schemas.microsoft.com/office/drawing/2010/main" val="0"/>
-              </a:ext>
-            </a:extLst>
-          </a:blip>
-          <a:stretch>
-            <a:fillRect/>
-          </a:stretch>
-        </p:blipFill>
-        <p:spPr>
-          <a:xfrm>
-            <a:off x="758283" y="115326"/>
-            <a:ext cx="10283407" cy="5782439"/>
-          </a:xfrm>
-          <a:prstGeom prst="rect">
-            <a:avLst/>
-          </a:prstGeom>
-        </p:spPr>
-      </p:pic>
-    </p:spTree>
-    <p:extLst>
-      <p:ext uri="{BB962C8B-B14F-4D97-AF65-F5344CB8AC3E}">
-        <p14:creationId xmlns:p14="http://schemas.microsoft.com/office/powerpoint/2010/main" val="261656653"/>
       </p:ext>
     </p:extLst>
   </p:cSld>
@@ -22272,14 +24040,6 @@
 </file>
 
 <file path=customXml/item2.xml><?xml version="1.0" encoding="utf-8"?>
-<p:properties xmlns:p="http://schemas.microsoft.com/office/2006/metadata/properties" xmlns:xsi="http://www.w3.org/2001/XMLSchema-instance" xmlns:pc="http://schemas.microsoft.com/office/infopath/2007/PartnerControls">
-  <documentManagement>
-    <_activity xmlns="fd689c1b-2561-4a46-ae04-6449f963ff76" xsi:nil="true"/>
-  </documentManagement>
-</p:properties>
-</file>
-
-<file path=customXml/item3.xml><?xml version="1.0" encoding="utf-8"?>
 <ct:contentTypeSchema xmlns:ct="http://schemas.microsoft.com/office/2006/metadata/contentType" xmlns:ma="http://schemas.microsoft.com/office/2006/metadata/properties/metaAttributes" ct:_="" ma:_="" ma:contentTypeName="Document" ma:contentTypeID="0x010100AF89B70DD9C08446A8443DF534F7285E" ma:contentTypeVersion="13" ma:contentTypeDescription="Create a new document." ma:contentTypeScope="" ma:versionID="ecc4e1277db930f2a9760bc5b361f436">
   <xsd:schema xmlns:xsd="http://www.w3.org/2001/XMLSchema" xmlns:xs="http://www.w3.org/2001/XMLSchema" xmlns:p="http://schemas.microsoft.com/office/2006/metadata/properties" xmlns:ns3="fd689c1b-2561-4a46-ae04-6449f963ff76" xmlns:ns4="04677cab-20cd-44d8-974c-14c664890eaa" targetNamespace="http://schemas.microsoft.com/office/2006/metadata/properties" ma:root="true" ma:fieldsID="494f09148d3a63d1912cdfb9c603bec2" ns3:_="" ns4:_="">
     <xsd:import namespace="fd689c1b-2561-4a46-ae04-6449f963ff76"/>
@@ -22500,6 +24260,14 @@
 </ct:contentTypeSchema>
 </file>
 
+<file path=customXml/item3.xml><?xml version="1.0" encoding="utf-8"?>
+<p:properties xmlns:p="http://schemas.microsoft.com/office/2006/metadata/properties" xmlns:xsi="http://www.w3.org/2001/XMLSchema-instance" xmlns:pc="http://schemas.microsoft.com/office/infopath/2007/PartnerControls">
+  <documentManagement>
+    <_activity xmlns="fd689c1b-2561-4a46-ae04-6449f963ff76" xsi:nil="true"/>
+  </documentManagement>
+</p:properties>
+</file>
+
 <file path=customXml/itemProps1.xml><?xml version="1.0" encoding="utf-8"?>
 <ds:datastoreItem xmlns:ds="http://schemas.openxmlformats.org/officeDocument/2006/customXml" ds:itemID="{754D1958-5725-488F-A4D5-DA9E8FDB5252}">
   <ds:schemaRefs>
@@ -22509,23 +24277,6 @@
 </file>
 
 <file path=customXml/itemProps2.xml><?xml version="1.0" encoding="utf-8"?>
-<ds:datastoreItem xmlns:ds="http://schemas.openxmlformats.org/officeDocument/2006/customXml" ds:itemID="{6D3CDF3A-BF48-4B5B-B3E9-7B37F916BE05}">
-  <ds:schemaRefs>
-    <ds:schemaRef ds:uri="http://purl.org/dc/dcmitype/"/>
-    <ds:schemaRef ds:uri="http://schemas.microsoft.com/office/infopath/2007/PartnerControls"/>
-    <ds:schemaRef ds:uri="http://purl.org/dc/elements/1.1/"/>
-    <ds:schemaRef ds:uri="http://schemas.microsoft.com/office/2006/metadata/properties"/>
-    <ds:schemaRef ds:uri="04677cab-20cd-44d8-974c-14c664890eaa"/>
-    <ds:schemaRef ds:uri="fd689c1b-2561-4a46-ae04-6449f963ff76"/>
-    <ds:schemaRef ds:uri="http://purl.org/dc/terms/"/>
-    <ds:schemaRef ds:uri="http://schemas.microsoft.com/office/2006/documentManagement/types"/>
-    <ds:schemaRef ds:uri="http://schemas.openxmlformats.org/package/2006/metadata/core-properties"/>
-    <ds:schemaRef ds:uri="http://www.w3.org/XML/1998/namespace"/>
-  </ds:schemaRefs>
-</ds:datastoreItem>
-</file>
-
-<file path=customXml/itemProps3.xml><?xml version="1.0" encoding="utf-8"?>
 <ds:datastoreItem xmlns:ds="http://schemas.openxmlformats.org/officeDocument/2006/customXml" ds:itemID="{038AB51F-98E0-4779-8180-600DAF31B4BF}">
   <ds:schemaRefs>
     <ds:schemaRef ds:uri="http://schemas.microsoft.com/office/2006/metadata/contentType"/>
@@ -22542,4 +24293,21 @@
     <ds:schemaRef ds:uri="http://schemas.microsoft.com/internal/obd"/>
   </ds:schemaRefs>
 </ds:datastoreItem>
+</file>
+
+<file path=customXml/itemProps3.xml><?xml version="1.0" encoding="utf-8"?>
+<ds:datastoreItem xmlns:ds="http://schemas.openxmlformats.org/officeDocument/2006/customXml" ds:itemID="{6D3CDF3A-BF48-4B5B-B3E9-7B37F916BE05}">
+  <ds:schemaRefs>
+    <ds:schemaRef ds:uri="http://purl.org/dc/dcmitype/"/>
+    <ds:schemaRef ds:uri="http://schemas.microsoft.com/office/infopath/2007/PartnerControls"/>
+    <ds:schemaRef ds:uri="http://purl.org/dc/elements/1.1/"/>
+    <ds:schemaRef ds:uri="http://schemas.microsoft.com/office/2006/metadata/properties"/>
+    <ds:schemaRef ds:uri="04677cab-20cd-44d8-974c-14c664890eaa"/>
+    <ds:schemaRef ds:uri="fd689c1b-2561-4a46-ae04-6449f963ff76"/>
+    <ds:schemaRef ds:uri="http://purl.org/dc/terms/"/>
+    <ds:schemaRef ds:uri="http://schemas.microsoft.com/office/2006/documentManagement/types"/>
+    <ds:schemaRef ds:uri="http://schemas.openxmlformats.org/package/2006/metadata/core-properties"/>
+    <ds:schemaRef ds:uri="http://www.w3.org/XML/1998/namespace"/>
+  </ds:schemaRefs>
+</ds:datastoreItem>
 </file>